--- a/slides/client/Switch.pptx
+++ b/slides/client/Switch.pptx
@@ -5417,7 +5417,7 @@
           <a:p>
             <a:pPr/>
             <a:r>
-              <a:t>CLI Client</a:t>
+              <a:t>Command Switch</a:t>
             </a:r>
           </a:p>
         </p:txBody>
@@ -5486,7 +5486,7 @@
       </p:grpSpPr>
       <p:sp>
         <p:nvSpPr>
-          <p:cNvPr id="294" name="Title 6"/>
+          <p:cNvPr id="289" name="Title 6"/>
           <p:cNvSpPr txBox="1"/>
           <p:nvPr>
             <p:ph type="title"/>
@@ -5522,7 +5522,7 @@
       </p:sp>
       <p:pic>
         <p:nvPicPr>
-          <p:cNvPr id="295" name="stopwatch (2).png" descr="stopwatch (2).png"/>
+          <p:cNvPr id="290" name="stopwatch (2).png" descr="stopwatch (2).png"/>
           <p:cNvPicPr>
             <a:picLocks noChangeAspect="1"/>
           </p:cNvPicPr>
@@ -5551,7 +5551,7 @@
       </p:pic>
       <p:grpSp>
         <p:nvGrpSpPr>
-          <p:cNvPr id="298" name="Group"/>
+          <p:cNvPr id="293" name="Group"/>
           <p:cNvGrpSpPr/>
           <p:nvPr/>
         </p:nvGrpSpPr>
@@ -5565,7 +5565,7 @@
         </p:grpSpPr>
         <p:sp>
           <p:nvSpPr>
-            <p:cNvPr id="296" name="Rounded Rectangle"/>
+            <p:cNvPr id="291" name="Rounded Rectangle"/>
             <p:cNvSpPr/>
             <p:nvPr/>
           </p:nvSpPr>
@@ -5622,7 +5622,7 @@
         </p:sp>
         <p:sp>
           <p:nvSpPr>
-            <p:cNvPr id="297" name="{…"/>
+            <p:cNvPr id="292" name="{…"/>
             <p:cNvSpPr txBox="1"/>
             <p:nvPr/>
           </p:nvSpPr>
@@ -6272,7 +6272,7 @@
                                       <p:cBhvr>
                                         <p:cTn id="6" fill="hold"/>
                                         <p:tgtEl>
-                                          <p:spTgt spid="298"/>
+                                          <p:spTgt spid="293"/>
                                         </p:tgtEl>
                                         <p:attrNameLst>
                                           <p:attrName>style.visibility</p:attrName>
@@ -6286,7 +6286,7 @@
                                       <p:cBhvr>
                                         <p:cTn id="7" dur="700" fill="hold"/>
                                         <p:tgtEl>
-                                          <p:spTgt spid="298"/>
+                                          <p:spTgt spid="293"/>
                                         </p:tgtEl>
                                         <p:attrNameLst>
                                           <p:attrName>ppt_x</p:attrName>
@@ -6309,7 +6309,7 @@
                                       <p:cBhvr>
                                         <p:cTn id="8" dur="700" fill="hold"/>
                                         <p:tgtEl>
-                                          <p:spTgt spid="298"/>
+                                          <p:spTgt spid="293"/>
                                         </p:tgtEl>
                                         <p:attrNameLst>
                                           <p:attrName>ppt_y</p:attrName>
@@ -6359,7 +6359,7 @@
       </p:par>
     </p:tnLst>
     <p:bldLst>
-      <p:bldP build="whole" bldLvl="1" animBg="1" rev="0" advAuto="0" spid="298" grpId="1"/>
+      <p:bldP build="whole" bldLvl="1" animBg="1" rev="0" advAuto="0" spid="293" grpId="1"/>
     </p:bldLst>
   </p:timing>
 </p:sld>
@@ -6462,7 +6462,7 @@
         </p:nvGrpSpPr>
         <p:grpSpPr>
           <a:xfrm>
-            <a:off x="1103521" y="7452083"/>
+            <a:off x="1158428" y="5883481"/>
             <a:ext cx="1656962" cy="2234076"/>
             <a:chOff x="0" y="0"/>
             <a:chExt cx="1656960" cy="2234074"/>
@@ -6796,7 +6796,7 @@
         </p:nvGrpSpPr>
         <p:grpSpPr>
           <a:xfrm>
-            <a:off x="7609318" y="7086163"/>
+            <a:off x="10194884" y="5520969"/>
             <a:ext cx="2612518" cy="2599997"/>
             <a:chOff x="0" y="0"/>
             <a:chExt cx="2612517" cy="2599995"/>
@@ -6891,82 +6891,30 @@
           </p:txBody>
         </p:sp>
       </p:grpSp>
-      <p:pic>
-        <p:nvPicPr>
-          <p:cNvPr id="197" name="Line Line" descr="Line Line"/>
-          <p:cNvPicPr>
-            <a:picLocks noChangeAspect="0"/>
-          </p:cNvPicPr>
-          <p:nvPr/>
-        </p:nvPicPr>
-        <p:blipFill>
-          <a:blip r:embed="rId4">
-            <a:extLst/>
-          </a:blip>
-          <a:stretch>
-            <a:fillRect/>
-          </a:stretch>
-        </p:blipFill>
-        <p:spPr>
-          <a:xfrm rot="19354839">
-            <a:off x="5901727" y="6915744"/>
-            <a:ext cx="1917810" cy="405592"/>
-          </a:xfrm>
-          <a:prstGeom prst="rect">
-            <a:avLst/>
-          </a:prstGeom>
-        </p:spPr>
-      </p:pic>
-      <p:pic>
-        <p:nvPicPr>
-          <p:cNvPr id="199" name="Line Line" descr="Line Line"/>
-          <p:cNvPicPr>
-            <a:picLocks noChangeAspect="0"/>
-          </p:cNvPicPr>
-          <p:nvPr/>
-        </p:nvPicPr>
-        <p:blipFill>
-          <a:blip r:embed="rId5">
-            <a:extLst/>
-          </a:blip>
-          <a:stretch>
-            <a:fillRect/>
-          </a:stretch>
-        </p:blipFill>
-        <p:spPr>
-          <a:xfrm>
-            <a:off x="3062560" y="7909662"/>
-            <a:ext cx="1132550" cy="405592"/>
-          </a:xfrm>
-          <a:prstGeom prst="rect">
-            <a:avLst/>
-          </a:prstGeom>
-        </p:spPr>
-      </p:pic>
       <p:grpSp>
         <p:nvGrpSpPr>
-          <p:cNvPr id="203" name="Group"/>
+          <p:cNvPr id="199" name="Group"/>
           <p:cNvGrpSpPr/>
           <p:nvPr/>
         </p:nvGrpSpPr>
         <p:grpSpPr>
           <a:xfrm>
-            <a:off x="3859643" y="7369836"/>
-            <a:ext cx="2650516" cy="2306963"/>
+            <a:off x="5251156" y="5847038"/>
+            <a:ext cx="2650517" cy="2306962"/>
             <a:chOff x="0" y="0"/>
             <a:chExt cx="2650515" cy="2306961"/>
           </a:xfrm>
         </p:grpSpPr>
         <p:pic>
           <p:nvPicPr>
-            <p:cNvPr id="201" name="switch.png" descr="switch.png"/>
+            <p:cNvPr id="197" name="switch.png" descr="switch.png"/>
             <p:cNvPicPr>
               <a:picLocks noChangeAspect="1"/>
             </p:cNvPicPr>
             <p:nvPr/>
           </p:nvPicPr>
           <p:blipFill>
-            <a:blip r:embed="rId6">
+            <a:blip r:embed="rId4">
               <a:extLst/>
             </a:blip>
             <a:stretch>
@@ -6996,7 +6944,7 @@
         </p:pic>
         <p:sp>
           <p:nvSpPr>
-            <p:cNvPr id="202" name="Cmd Switch"/>
+            <p:cNvPr id="198" name="Cmd Switch"/>
             <p:cNvSpPr txBox="1"/>
             <p:nvPr/>
           </p:nvSpPr>
@@ -7046,41 +6994,15 @@
           </p:txBody>
         </p:sp>
       </p:grpSp>
-      <p:pic>
-        <p:nvPicPr>
-          <p:cNvPr id="218" name="Connection Line" descr="Connection Line"/>
-          <p:cNvPicPr>
-            <a:picLocks noChangeAspect="0"/>
-          </p:cNvPicPr>
-          <p:nvPr/>
-        </p:nvPicPr>
-        <p:blipFill>
-          <a:blip r:embed="rId7">
-            <a:extLst/>
-          </a:blip>
-          <a:stretch>
-            <a:fillRect/>
-          </a:stretch>
-        </p:blipFill>
-        <p:spPr>
-          <a:xfrm>
-            <a:off x="5136848" y="9652763"/>
-            <a:ext cx="4174466" cy="1834317"/>
-          </a:xfrm>
-          <a:prstGeom prst="rect">
-            <a:avLst/>
-          </a:prstGeom>
-        </p:spPr>
-      </p:pic>
       <p:grpSp>
         <p:nvGrpSpPr>
-          <p:cNvPr id="207" name="Group"/>
+          <p:cNvPr id="202" name="Group"/>
           <p:cNvGrpSpPr/>
           <p:nvPr/>
         </p:nvGrpSpPr>
         <p:grpSpPr>
           <a:xfrm>
-            <a:off x="6651995" y="9766334"/>
+            <a:off x="8414308" y="7052030"/>
             <a:ext cx="1270001" cy="1270001"/>
             <a:chOff x="0" y="0"/>
             <a:chExt cx="1270000" cy="1270000"/>
@@ -7088,7 +7010,7 @@
         </p:grpSpPr>
         <p:sp>
           <p:nvSpPr>
-            <p:cNvPr id="205" name="Circle"/>
+            <p:cNvPr id="200" name="Circle"/>
             <p:cNvSpPr/>
             <p:nvPr/>
           </p:nvSpPr>
@@ -7143,7 +7065,7 @@
         </p:sp>
         <p:sp>
           <p:nvSpPr>
-            <p:cNvPr id="206" name="{}"/>
+            <p:cNvPr id="201" name="{}"/>
             <p:cNvSpPr txBox="1"/>
             <p:nvPr/>
           </p:nvSpPr>
@@ -7195,14 +7117,14 @@
       </p:grpSp>
       <p:pic>
         <p:nvPicPr>
-          <p:cNvPr id="220" name="Connection Line" descr="Connection Line"/>
+          <p:cNvPr id="203" name="Line Line" descr="Line Line"/>
           <p:cNvPicPr>
             <a:picLocks noChangeAspect="0"/>
           </p:cNvPicPr>
           <p:nvPr/>
         </p:nvPicPr>
         <p:blipFill>
-          <a:blip r:embed="rId8">
+          <a:blip r:embed="rId5">
             <a:extLst/>
           </a:blip>
           <a:stretch>
@@ -7211,8 +7133,34 @@
         </p:blipFill>
         <p:spPr>
           <a:xfrm>
-            <a:off x="1773601" y="9708133"/>
-            <a:ext cx="3380215" cy="1817238"/>
+            <a:off x="8114995" y="6102899"/>
+            <a:ext cx="1711870" cy="405592"/>
+          </a:xfrm>
+          <a:prstGeom prst="rect">
+            <a:avLst/>
+          </a:prstGeom>
+        </p:spPr>
+      </p:pic>
+      <p:pic>
+        <p:nvPicPr>
+          <p:cNvPr id="205" name="Line Line" descr="Line Line"/>
+          <p:cNvPicPr>
+            <a:picLocks noChangeAspect="0"/>
+          </p:cNvPicPr>
+          <p:nvPr/>
+        </p:nvPicPr>
+        <p:blipFill>
+          <a:blip r:embed="rId6">
+            <a:extLst/>
+          </a:blip>
+          <a:stretch>
+            <a:fillRect/>
+          </a:stretch>
+        </p:blipFill>
+        <p:spPr>
+          <a:xfrm>
+            <a:off x="8114995" y="6576120"/>
+            <a:ext cx="1711870" cy="405591"/>
           </a:xfrm>
           <a:prstGeom prst="rect">
             <a:avLst/>
@@ -7221,13 +7169,13 @@
       </p:pic>
       <p:grpSp>
         <p:nvGrpSpPr>
-          <p:cNvPr id="211" name="Group"/>
+          <p:cNvPr id="209" name="Group"/>
           <p:cNvGrpSpPr/>
           <p:nvPr/>
         </p:nvGrpSpPr>
         <p:grpSpPr>
           <a:xfrm>
-            <a:off x="2896003" y="9771443"/>
+            <a:off x="3625277" y="7052030"/>
             <a:ext cx="1270001" cy="1270001"/>
             <a:chOff x="0" y="0"/>
             <a:chExt cx="1270000" cy="1270000"/>
@@ -7235,7 +7183,7 @@
         </p:grpSpPr>
         <p:sp>
           <p:nvSpPr>
-            <p:cNvPr id="209" name="Circle"/>
+            <p:cNvPr id="207" name="Circle"/>
             <p:cNvSpPr/>
             <p:nvPr/>
           </p:nvSpPr>
@@ -7290,7 +7238,7 @@
         </p:sp>
         <p:sp>
           <p:nvSpPr>
-            <p:cNvPr id="210" name="{}"/>
+            <p:cNvPr id="208" name="{}"/>
             <p:cNvSpPr txBox="1"/>
             <p:nvPr/>
           </p:nvSpPr>
@@ -7340,30 +7288,255 @@
           </p:txBody>
         </p:sp>
       </p:grpSp>
+      <p:pic>
+        <p:nvPicPr>
+          <p:cNvPr id="210" name="Line Line" descr="Line Line"/>
+          <p:cNvPicPr>
+            <a:picLocks noChangeAspect="0"/>
+          </p:cNvPicPr>
+          <p:nvPr/>
+        </p:nvPicPr>
+        <p:blipFill>
+          <a:blip r:embed="rId5">
+            <a:extLst/>
+          </a:blip>
+          <a:stretch>
+            <a:fillRect/>
+          </a:stretch>
+        </p:blipFill>
+        <p:spPr>
+          <a:xfrm>
+            <a:off x="3325965" y="6102899"/>
+            <a:ext cx="1711869" cy="405592"/>
+          </a:xfrm>
+          <a:prstGeom prst="rect">
+            <a:avLst/>
+          </a:prstGeom>
+        </p:spPr>
+      </p:pic>
+      <p:pic>
+        <p:nvPicPr>
+          <p:cNvPr id="212" name="Line Line" descr="Line Line"/>
+          <p:cNvPicPr>
+            <a:picLocks noChangeAspect="0"/>
+          </p:cNvPicPr>
+          <p:nvPr/>
+        </p:nvPicPr>
+        <p:blipFill>
+          <a:blip r:embed="rId6">
+            <a:extLst/>
+          </a:blip>
+          <a:stretch>
+            <a:fillRect/>
+          </a:stretch>
+        </p:blipFill>
+        <p:spPr>
+          <a:xfrm>
+            <a:off x="3325964" y="6576120"/>
+            <a:ext cx="1711870" cy="405591"/>
+          </a:xfrm>
+          <a:prstGeom prst="rect">
+            <a:avLst/>
+          </a:prstGeom>
+        </p:spPr>
+      </p:pic>
       <p:grpSp>
         <p:nvGrpSpPr>
-          <p:cNvPr id="214" name="Group"/>
+          <p:cNvPr id="216" name="Group"/>
           <p:cNvGrpSpPr/>
           <p:nvPr/>
         </p:nvGrpSpPr>
         <p:grpSpPr>
           <a:xfrm>
-            <a:off x="7351102" y="3917850"/>
-            <a:ext cx="3128951" cy="2588221"/>
+            <a:off x="13258246" y="7052030"/>
+            <a:ext cx="1270001" cy="1270001"/>
             <a:chOff x="0" y="0"/>
-            <a:chExt cx="3128949" cy="2588219"/>
+            <a:chExt cx="1270000" cy="1270000"/>
+          </a:xfrm>
+        </p:grpSpPr>
+        <p:sp>
+          <p:nvSpPr>
+            <p:cNvPr id="214" name="Circle"/>
+            <p:cNvSpPr/>
+            <p:nvPr/>
+          </p:nvSpPr>
+          <p:spPr>
+            <a:xfrm>
+              <a:off x="0" y="0"/>
+              <a:ext cx="1270000" cy="1270000"/>
+            </a:xfrm>
+            <a:prstGeom prst="ellipse">
+              <a:avLst/>
+            </a:prstGeom>
+            <a:solidFill>
+              <a:schemeClr val="accent1"/>
+            </a:solidFill>
+            <a:ln w="12700" cap="flat">
+              <a:noFill/>
+              <a:miter lim="400000"/>
+            </a:ln>
+            <a:effectLst>
+              <a:outerShdw sx="100000" sy="100000" kx="0" ky="0" algn="b" rotWithShape="0" blurRad="889000" dist="25400" dir="5400000">
+                <a:srgbClr val="000000">
+                  <a:alpha val="29816"/>
+                </a:srgbClr>
+              </a:outerShdw>
+            </a:effectLst>
+          </p:spPr>
+          <p:txBody>
+            <a:bodyPr wrap="square" lIns="71437" tIns="71437" rIns="71437" bIns="71437" numCol="1" anchor="ctr">
+              <a:noAutofit/>
+            </a:bodyPr>
+            <a:lstStyle/>
+            <a:p>
+              <a:pPr algn="ctr">
+                <a:lnSpc>
+                  <a:spcPct val="80000"/>
+                </a:lnSpc>
+                <a:spcBef>
+                  <a:spcPts val="0"/>
+                </a:spcBef>
+                <a:defRPr cap="all" sz="3800">
+                  <a:solidFill>
+                    <a:srgbClr val="FFFFFF"/>
+                  </a:solidFill>
+                  <a:latin typeface="+mn-lt"/>
+                  <a:ea typeface="+mn-ea"/>
+                  <a:cs typeface="+mn-cs"/>
+                  <a:sym typeface="DIN Condensed"/>
+                </a:defRPr>
+              </a:pPr>
+            </a:p>
+          </p:txBody>
+        </p:sp>
+        <p:sp>
+          <p:nvSpPr>
+            <p:cNvPr id="215" name="{}"/>
+            <p:cNvSpPr txBox="1"/>
+            <p:nvPr/>
+          </p:nvSpPr>
+          <p:spPr>
+            <a:xfrm>
+              <a:off x="314896" y="106362"/>
+              <a:ext cx="640208" cy="1057276"/>
+            </a:xfrm>
+            <a:prstGeom prst="rect">
+              <a:avLst/>
+            </a:prstGeom>
+            <a:noFill/>
+            <a:ln w="12700" cap="flat">
+              <a:noFill/>
+              <a:miter lim="400000"/>
+            </a:ln>
+            <a:effectLst/>
+            <a:extLst>
+              <a:ext uri="{C572A759-6A51-4108-AA02-DFA0A04FC94B}">
+                <ma14:wrappingTextBoxFlag xmlns:ma14="http://schemas.microsoft.com/office/mac/drawingml/2011/main" val="1"/>
+              </a:ext>
+            </a:extLst>
+          </p:spPr>
+          <p:txBody>
+            <a:bodyPr wrap="none" lIns="71437" tIns="71437" rIns="71437" bIns="71437" numCol="1" anchor="ctr">
+              <a:spAutoFit/>
+            </a:bodyPr>
+            <a:lstStyle>
+              <a:lvl1pPr>
+                <a:defRPr sz="5300">
+                  <a:solidFill>
+                    <a:srgbClr val="FFFFFF"/>
+                  </a:solidFill>
+                  <a:latin typeface="Avenir Next Heavy"/>
+                  <a:ea typeface="Avenir Next Heavy"/>
+                  <a:cs typeface="Avenir Next Heavy"/>
+                  <a:sym typeface="Avenir Next Heavy"/>
+                </a:defRPr>
+              </a:lvl1pPr>
+            </a:lstStyle>
+            <a:p>
+              <a:pPr/>
+              <a:r>
+                <a:t>{}</a:t>
+              </a:r>
+            </a:p>
+          </p:txBody>
+        </p:sp>
+      </p:grpSp>
+      <p:pic>
+        <p:nvPicPr>
+          <p:cNvPr id="217" name="Line Line" descr="Line Line"/>
+          <p:cNvPicPr>
+            <a:picLocks noChangeAspect="0"/>
+          </p:cNvPicPr>
+          <p:nvPr/>
+        </p:nvPicPr>
+        <p:blipFill>
+          <a:blip r:embed="rId5">
+            <a:extLst/>
+          </a:blip>
+          <a:stretch>
+            <a:fillRect/>
+          </a:stretch>
+        </p:blipFill>
+        <p:spPr>
+          <a:xfrm>
+            <a:off x="12958934" y="6102899"/>
+            <a:ext cx="1711869" cy="405592"/>
+          </a:xfrm>
+          <a:prstGeom prst="rect">
+            <a:avLst/>
+          </a:prstGeom>
+        </p:spPr>
+      </p:pic>
+      <p:pic>
+        <p:nvPicPr>
+          <p:cNvPr id="219" name="Line Line" descr="Line Line"/>
+          <p:cNvPicPr>
+            <a:picLocks noChangeAspect="0"/>
+          </p:cNvPicPr>
+          <p:nvPr/>
+        </p:nvPicPr>
+        <p:blipFill>
+          <a:blip r:embed="rId6">
+            <a:extLst/>
+          </a:blip>
+          <a:stretch>
+            <a:fillRect/>
+          </a:stretch>
+        </p:blipFill>
+        <p:spPr>
+          <a:xfrm>
+            <a:off x="12958933" y="6576120"/>
+            <a:ext cx="1711870" cy="405591"/>
+          </a:xfrm>
+          <a:prstGeom prst="rect">
+            <a:avLst/>
+          </a:prstGeom>
+        </p:spPr>
+      </p:pic>
+      <p:grpSp>
+        <p:nvGrpSpPr>
+          <p:cNvPr id="223" name="Group"/>
+          <p:cNvGrpSpPr/>
+          <p:nvPr/>
+        </p:nvGrpSpPr>
+        <p:grpSpPr>
+          <a:xfrm>
+            <a:off x="15005934" y="5639245"/>
+            <a:ext cx="2207228" cy="3419613"/>
+            <a:chOff x="0" y="0"/>
+            <a:chExt cx="2207226" cy="3419612"/>
           </a:xfrm>
         </p:grpSpPr>
         <p:pic>
           <p:nvPicPr>
-            <p:cNvPr id="212" name="car.png" descr="car.png"/>
+            <p:cNvPr id="221" name="modeling.png" descr="modeling.png"/>
             <p:cNvPicPr>
               <a:picLocks noChangeAspect="1"/>
             </p:cNvPicPr>
             <p:nvPr/>
           </p:nvPicPr>
           <p:blipFill>
-            <a:blip r:embed="rId9">
+            <a:blip r:embed="rId7">
               <a:extLst/>
             </a:blip>
             <a:stretch>
@@ -7372,8 +7545,8 @@
           </p:blipFill>
           <p:spPr>
             <a:xfrm>
-              <a:off x="602980" y="0"/>
-              <a:ext cx="1922989" cy="1922989"/>
+              <a:off x="582328" y="0"/>
+              <a:ext cx="1624899" cy="1624899"/>
             </a:xfrm>
             <a:prstGeom prst="rect">
               <a:avLst/>
@@ -7393,16 +7566,16 @@
         </p:pic>
         <p:sp>
           <p:nvSpPr>
-            <p:cNvPr id="213" name="Round Tripper"/>
-            <p:cNvSpPr txBox="1"/>
+            <p:cNvPr id="222" name="Backend API"/>
+            <p:cNvSpPr/>
             <p:nvPr/>
           </p:nvSpPr>
           <p:spPr>
             <a:xfrm>
-              <a:off x="0" y="1861144"/>
-              <a:ext cx="3128950" cy="727076"/>
+              <a:off x="0" y="2149612"/>
+              <a:ext cx="1270000" cy="1270001"/>
             </a:xfrm>
-            <a:prstGeom prst="rect">
+            <a:prstGeom prst="line">
               <a:avLst/>
             </a:prstGeom>
             <a:noFill/>
@@ -7437,86 +7610,12 @@
             <a:p>
               <a:pPr/>
               <a:r>
-                <a:t>Round Tripper</a:t>
+                <a:t>Backend API</a:t>
               </a:r>
             </a:p>
           </p:txBody>
         </p:sp>
       </p:grpSp>
-      <p:pic>
-        <p:nvPicPr>
-          <p:cNvPr id="215" name="Line Line" descr="Line Line"/>
-          <p:cNvPicPr>
-            <a:picLocks noChangeAspect="0"/>
-          </p:cNvPicPr>
-          <p:nvPr/>
-        </p:nvPicPr>
-        <p:blipFill>
-          <a:blip r:embed="rId10">
-            <a:extLst/>
-          </a:blip>
-          <a:stretch>
-            <a:fillRect/>
-          </a:stretch>
-        </p:blipFill>
-        <p:spPr>
-          <a:xfrm rot="5400000">
-            <a:off x="8357897" y="6963089"/>
-            <a:ext cx="1115361" cy="405591"/>
-          </a:xfrm>
-          <a:prstGeom prst="rect">
-            <a:avLst/>
-          </a:prstGeom>
-        </p:spPr>
-      </p:pic>
-      <p:sp>
-        <p:nvSpPr>
-          <p:cNvPr id="217" name="/health"/>
-          <p:cNvSpPr txBox="1"/>
-          <p:nvPr/>
-        </p:nvSpPr>
-        <p:spPr>
-          <a:xfrm rot="19440000">
-            <a:off x="5696546" y="6738748"/>
-            <a:ext cx="1600679" cy="612776"/>
-          </a:xfrm>
-          <a:prstGeom prst="rect">
-            <a:avLst/>
-          </a:prstGeom>
-          <a:ln w="12700">
-            <a:miter lim="400000"/>
-          </a:ln>
-          <a:extLst>
-            <a:ext uri="{C572A759-6A51-4108-AA02-DFA0A04FC94B}">
-              <ma14:wrappingTextBoxFlag xmlns:ma14="http://schemas.microsoft.com/office/mac/drawingml/2011/main" val="1"/>
-            </a:ext>
-          </a:extLst>
-        </p:spPr>
-        <p:txBody>
-          <a:bodyPr wrap="none" lIns="71437" tIns="71437" rIns="71437" bIns="71437" anchor="ctr">
-            <a:spAutoFit/>
-          </a:bodyPr>
-          <a:lstStyle>
-            <a:lvl1pPr>
-              <a:defRPr sz="2700">
-                <a:solidFill>
-                  <a:srgbClr val="FFFFFF"/>
-                </a:solidFill>
-                <a:latin typeface="Meslo LG M for Powerline"/>
-                <a:ea typeface="Meslo LG M for Powerline"/>
-                <a:cs typeface="Meslo LG M for Powerline"/>
-                <a:sym typeface="Meslo LG M for Powerline"/>
-              </a:defRPr>
-            </a:lvl1pPr>
-          </a:lstStyle>
-          <a:p>
-            <a:pPr/>
-            <a:r>
-              <a:t>/health</a:t>
-            </a:r>
-          </a:p>
-        </p:txBody>
-      </p:sp>
     </p:spTree>
   </p:cSld>
   <p:clrMapOvr>
@@ -7651,7 +7750,7 @@
                                       <p:cBhvr>
                                         <p:cTn id="11" fill="hold"/>
                                         <p:tgtEl>
-                                          <p:spTgt spid="199"/>
+                                          <p:spTgt spid="210"/>
                                         </p:tgtEl>
                                         <p:attrNameLst>
                                           <p:attrName>style.visibility</p:attrName>
@@ -7665,7 +7764,7 @@
                                       <p:cBhvr>
                                         <p:cTn id="12" dur="300"/>
                                         <p:tgtEl>
-                                          <p:spTgt spid="199"/>
+                                          <p:spTgt spid="210"/>
                                         </p:tgtEl>
                                       </p:cBhvr>
                                     </p:animEffect>
@@ -7694,7 +7793,7 @@
                                       <p:cBhvr>
                                         <p:cTn id="15" fill="hold"/>
                                         <p:tgtEl>
-                                          <p:spTgt spid="203"/>
+                                          <p:spTgt spid="199"/>
                                         </p:tgtEl>
                                         <p:attrNameLst>
                                           <p:attrName>style.visibility</p:attrName>
@@ -7708,7 +7807,7 @@
                                       <p:cBhvr>
                                         <p:cTn id="16" dur="500" fill="hold"/>
                                         <p:tgtEl>
-                                          <p:spTgt spid="203"/>
+                                          <p:spTgt spid="199"/>
                                         </p:tgtEl>
                                         <p:attrNameLst>
                                           <p:attrName>ppt_w</p:attrName>
@@ -7731,7 +7830,7 @@
                                       <p:cBhvr>
                                         <p:cTn id="17" dur="500" fill="hold"/>
                                         <p:tgtEl>
-                                          <p:spTgt spid="203"/>
+                                          <p:spTgt spid="199"/>
                                         </p:tgtEl>
                                         <p:attrNameLst>
                                           <p:attrName>ppt_h</p:attrName>
@@ -7775,7 +7874,7 @@
                                       <p:cBhvr>
                                         <p:cTn id="20" fill="hold"/>
                                         <p:tgtEl>
-                                          <p:spTgt spid="197"/>
+                                          <p:spTgt spid="203"/>
                                         </p:tgtEl>
                                         <p:attrNameLst>
                                           <p:attrName>style.visibility</p:attrName>
@@ -7789,7 +7888,7 @@
                                       <p:cBhvr>
                                         <p:cTn id="21" dur="300"/>
                                         <p:tgtEl>
-                                          <p:spTgt spid="197"/>
+                                          <p:spTgt spid="203"/>
                                         </p:tgtEl>
                                       </p:cBhvr>
                                     </p:animEffect>
@@ -7806,7 +7905,7 @@
                             </p:stCondLst>
                             <p:childTnLst>
                               <p:par>
-                                <p:cTn id="23" presetClass="entr" nodeType="afterEffect" presetID="9" grpId="5" fill="hold">
+                                <p:cTn id="23" presetClass="entr" nodeType="afterEffect" presetSubtype="16" presetID="23" grpId="5" fill="hold">
                                   <p:stCondLst>
                                     <p:cond delay="0"/>
                                   </p:stCondLst>
@@ -7817,173 +7916,6 @@
                                     <p:set>
                                       <p:cBhvr>
                                         <p:cTn id="24" fill="hold"/>
-                                        <p:tgtEl>
-                                          <p:spTgt spid="217"/>
-                                        </p:tgtEl>
-                                        <p:attrNameLst>
-                                          <p:attrName>style.visibility</p:attrName>
-                                        </p:attrNameLst>
-                                      </p:cBhvr>
-                                      <p:to>
-                                        <p:strVal val="visible"/>
-                                      </p:to>
-                                    </p:set>
-                                    <p:animEffect filter="dissolve" transition="in">
-                                      <p:cBhvr>
-                                        <p:cTn id="25" dur="300"/>
-                                        <p:tgtEl>
-                                          <p:spTgt spid="217"/>
-                                        </p:tgtEl>
-                                      </p:cBhvr>
-                                    </p:animEffect>
-                                  </p:childTnLst>
-                                </p:cTn>
-                              </p:par>
-                            </p:childTnLst>
-                          </p:cTn>
-                        </p:par>
-                        <p:par>
-                          <p:cTn id="26" fill="hold">
-                            <p:stCondLst>
-                              <p:cond delay="1900"/>
-                            </p:stCondLst>
-                            <p:childTnLst>
-                              <p:par>
-                                <p:cTn id="27" presetClass="entr" nodeType="afterEffect" presetSubtype="16" presetID="23" grpId="6" fill="hold">
-                                  <p:stCondLst>
-                                    <p:cond delay="0"/>
-                                  </p:stCondLst>
-                                  <p:iterate type="el" backwards="0">
-                                    <p:tmAbs val="0"/>
-                                  </p:iterate>
-                                  <p:childTnLst>
-                                    <p:set>
-                                      <p:cBhvr>
-                                        <p:cTn id="28" fill="hold"/>
-                                        <p:tgtEl>
-                                          <p:spTgt spid="214"/>
-                                        </p:tgtEl>
-                                        <p:attrNameLst>
-                                          <p:attrName>style.visibility</p:attrName>
-                                        </p:attrNameLst>
-                                      </p:cBhvr>
-                                      <p:to>
-                                        <p:strVal val="visible"/>
-                                      </p:to>
-                                    </p:set>
-                                    <p:anim calcmode="lin" valueType="num">
-                                      <p:cBhvr>
-                                        <p:cTn id="29" dur="500" fill="hold"/>
-                                        <p:tgtEl>
-                                          <p:spTgt spid="214"/>
-                                        </p:tgtEl>
-                                        <p:attrNameLst>
-                                          <p:attrName>ppt_w</p:attrName>
-                                        </p:attrNameLst>
-                                      </p:cBhvr>
-                                      <p:tavLst>
-                                        <p:tav tm="0">
-                                          <p:val>
-                                            <p:fltVal val="0"/>
-                                          </p:val>
-                                        </p:tav>
-                                        <p:tav tm="100000">
-                                          <p:val>
-                                            <p:strVal val="#ppt_w"/>
-                                          </p:val>
-                                        </p:tav>
-                                      </p:tavLst>
-                                    </p:anim>
-                                    <p:anim calcmode="lin" valueType="num">
-                                      <p:cBhvr>
-                                        <p:cTn id="30" dur="500" fill="hold"/>
-                                        <p:tgtEl>
-                                          <p:spTgt spid="214"/>
-                                        </p:tgtEl>
-                                        <p:attrNameLst>
-                                          <p:attrName>ppt_h</p:attrName>
-                                        </p:attrNameLst>
-                                      </p:cBhvr>
-                                      <p:tavLst>
-                                        <p:tav tm="0">
-                                          <p:val>
-                                            <p:fltVal val="0"/>
-                                          </p:val>
-                                        </p:tav>
-                                        <p:tav tm="100000">
-                                          <p:val>
-                                            <p:strVal val="#ppt_h"/>
-                                          </p:val>
-                                        </p:tav>
-                                      </p:tavLst>
-                                    </p:anim>
-                                  </p:childTnLst>
-                                </p:cTn>
-                              </p:par>
-                            </p:childTnLst>
-                          </p:cTn>
-                        </p:par>
-                        <p:par>
-                          <p:cTn id="31" fill="hold">
-                            <p:stCondLst>
-                              <p:cond delay="2400"/>
-                            </p:stCondLst>
-                            <p:childTnLst>
-                              <p:par>
-                                <p:cTn id="32" presetClass="entr" nodeType="afterEffect" presetID="9" grpId="7" fill="hold">
-                                  <p:stCondLst>
-                                    <p:cond delay="0"/>
-                                  </p:stCondLst>
-                                  <p:iterate type="el" backwards="0">
-                                    <p:tmAbs val="0"/>
-                                  </p:iterate>
-                                  <p:childTnLst>
-                                    <p:set>
-                                      <p:cBhvr>
-                                        <p:cTn id="33" fill="hold"/>
-                                        <p:tgtEl>
-                                          <p:spTgt spid="215"/>
-                                        </p:tgtEl>
-                                        <p:attrNameLst>
-                                          <p:attrName>style.visibility</p:attrName>
-                                        </p:attrNameLst>
-                                      </p:cBhvr>
-                                      <p:to>
-                                        <p:strVal val="visible"/>
-                                      </p:to>
-                                    </p:set>
-                                    <p:animEffect filter="dissolve" transition="in">
-                                      <p:cBhvr>
-                                        <p:cTn id="34" dur="300"/>
-                                        <p:tgtEl>
-                                          <p:spTgt spid="215"/>
-                                        </p:tgtEl>
-                                      </p:cBhvr>
-                                    </p:animEffect>
-                                  </p:childTnLst>
-                                </p:cTn>
-                              </p:par>
-                            </p:childTnLst>
-                          </p:cTn>
-                        </p:par>
-                        <p:par>
-                          <p:cTn id="35" fill="hold">
-                            <p:stCondLst>
-                              <p:cond delay="2700"/>
-                            </p:stCondLst>
-                            <p:childTnLst>
-                              <p:par>
-                                <p:cTn id="36" presetClass="entr" nodeType="afterEffect" presetSubtype="16" presetID="23" grpId="8" fill="hold">
-                                  <p:stCondLst>
-                                    <p:cond delay="0"/>
-                                  </p:stCondLst>
-                                  <p:iterate type="el" backwards="0">
-                                    <p:tmAbs val="0"/>
-                                  </p:iterate>
-                                  <p:childTnLst>
-                                    <p:set>
-                                      <p:cBhvr>
-                                        <p:cTn id="37" fill="hold"/>
                                         <p:tgtEl>
                                           <p:spTgt spid="196"/>
                                         </p:tgtEl>
@@ -7997,7 +7929,7 @@
                                     </p:set>
                                     <p:anim calcmode="lin" valueType="num">
                                       <p:cBhvr>
-                                        <p:cTn id="38" dur="500" fill="hold"/>
+                                        <p:cTn id="25" dur="500" fill="hold"/>
                                         <p:tgtEl>
                                           <p:spTgt spid="196"/>
                                         </p:tgtEl>
@@ -8020,7 +7952,7 @@
                                     </p:anim>
                                     <p:anim calcmode="lin" valueType="num">
                                       <p:cBhvr>
-                                        <p:cTn id="39" dur="500" fill="hold"/>
+                                        <p:cTn id="26" dur="500" fill="hold"/>
                                         <p:tgtEl>
                                           <p:spTgt spid="196"/>
                                         </p:tgtEl>
@@ -8048,6 +7980,173 @@
                           </p:cTn>
                         </p:par>
                         <p:par>
+                          <p:cTn id="27" fill="hold">
+                            <p:stCondLst>
+                              <p:cond delay="2100"/>
+                            </p:stCondLst>
+                            <p:childTnLst>
+                              <p:par>
+                                <p:cTn id="28" presetClass="entr" nodeType="afterEffect" presetID="9" grpId="6" fill="hold">
+                                  <p:stCondLst>
+                                    <p:cond delay="0"/>
+                                  </p:stCondLst>
+                                  <p:iterate type="el" backwards="0">
+                                    <p:tmAbs val="0"/>
+                                  </p:iterate>
+                                  <p:childTnLst>
+                                    <p:set>
+                                      <p:cBhvr>
+                                        <p:cTn id="29" fill="hold"/>
+                                        <p:tgtEl>
+                                          <p:spTgt spid="217"/>
+                                        </p:tgtEl>
+                                        <p:attrNameLst>
+                                          <p:attrName>style.visibility</p:attrName>
+                                        </p:attrNameLst>
+                                      </p:cBhvr>
+                                      <p:to>
+                                        <p:strVal val="visible"/>
+                                      </p:to>
+                                    </p:set>
+                                    <p:animEffect filter="dissolve" transition="in">
+                                      <p:cBhvr>
+                                        <p:cTn id="30" dur="300"/>
+                                        <p:tgtEl>
+                                          <p:spTgt spid="217"/>
+                                        </p:tgtEl>
+                                      </p:cBhvr>
+                                    </p:animEffect>
+                                  </p:childTnLst>
+                                </p:cTn>
+                              </p:par>
+                            </p:childTnLst>
+                          </p:cTn>
+                        </p:par>
+                        <p:par>
+                          <p:cTn id="31" fill="hold">
+                            <p:stCondLst>
+                              <p:cond delay="2400"/>
+                            </p:stCondLst>
+                            <p:childTnLst>
+                              <p:par>
+                                <p:cTn id="32" presetClass="entr" nodeType="afterEffect" presetSubtype="16" presetID="23" grpId="7" fill="hold">
+                                  <p:stCondLst>
+                                    <p:cond delay="0"/>
+                                  </p:stCondLst>
+                                  <p:iterate type="el" backwards="0">
+                                    <p:tmAbs val="0"/>
+                                  </p:iterate>
+                                  <p:childTnLst>
+                                    <p:set>
+                                      <p:cBhvr>
+                                        <p:cTn id="33" fill="hold"/>
+                                        <p:tgtEl>
+                                          <p:spTgt spid="223"/>
+                                        </p:tgtEl>
+                                        <p:attrNameLst>
+                                          <p:attrName>style.visibility</p:attrName>
+                                        </p:attrNameLst>
+                                      </p:cBhvr>
+                                      <p:to>
+                                        <p:strVal val="visible"/>
+                                      </p:to>
+                                    </p:set>
+                                    <p:anim calcmode="lin" valueType="num">
+                                      <p:cBhvr>
+                                        <p:cTn id="34" dur="500" fill="hold"/>
+                                        <p:tgtEl>
+                                          <p:spTgt spid="223"/>
+                                        </p:tgtEl>
+                                        <p:attrNameLst>
+                                          <p:attrName>ppt_w</p:attrName>
+                                        </p:attrNameLst>
+                                      </p:cBhvr>
+                                      <p:tavLst>
+                                        <p:tav tm="0">
+                                          <p:val>
+                                            <p:fltVal val="0"/>
+                                          </p:val>
+                                        </p:tav>
+                                        <p:tav tm="100000">
+                                          <p:val>
+                                            <p:strVal val="#ppt_w"/>
+                                          </p:val>
+                                        </p:tav>
+                                      </p:tavLst>
+                                    </p:anim>
+                                    <p:anim calcmode="lin" valueType="num">
+                                      <p:cBhvr>
+                                        <p:cTn id="35" dur="500" fill="hold"/>
+                                        <p:tgtEl>
+                                          <p:spTgt spid="223"/>
+                                        </p:tgtEl>
+                                        <p:attrNameLst>
+                                          <p:attrName>ppt_h</p:attrName>
+                                        </p:attrNameLst>
+                                      </p:cBhvr>
+                                      <p:tavLst>
+                                        <p:tav tm="0">
+                                          <p:val>
+                                            <p:fltVal val="0"/>
+                                          </p:val>
+                                        </p:tav>
+                                        <p:tav tm="100000">
+                                          <p:val>
+                                            <p:strVal val="#ppt_h"/>
+                                          </p:val>
+                                        </p:tav>
+                                      </p:tavLst>
+                                    </p:anim>
+                                  </p:childTnLst>
+                                </p:cTn>
+                              </p:par>
+                            </p:childTnLst>
+                          </p:cTn>
+                        </p:par>
+                        <p:par>
+                          <p:cTn id="36" fill="hold">
+                            <p:stCondLst>
+                              <p:cond delay="2900"/>
+                            </p:stCondLst>
+                            <p:childTnLst>
+                              <p:par>
+                                <p:cTn id="37" presetClass="entr" nodeType="afterEffect" presetID="9" grpId="8" fill="hold">
+                                  <p:stCondLst>
+                                    <p:cond delay="0"/>
+                                  </p:stCondLst>
+                                  <p:iterate type="el" backwards="0">
+                                    <p:tmAbs val="0"/>
+                                  </p:iterate>
+                                  <p:childTnLst>
+                                    <p:set>
+                                      <p:cBhvr>
+                                        <p:cTn id="38" fill="hold"/>
+                                        <p:tgtEl>
+                                          <p:spTgt spid="219"/>
+                                        </p:tgtEl>
+                                        <p:attrNameLst>
+                                          <p:attrName>style.visibility</p:attrName>
+                                        </p:attrNameLst>
+                                      </p:cBhvr>
+                                      <p:to>
+                                        <p:strVal val="visible"/>
+                                      </p:to>
+                                    </p:set>
+                                    <p:animEffect filter="dissolve" transition="in">
+                                      <p:cBhvr>
+                                        <p:cTn id="39" dur="300"/>
+                                        <p:tgtEl>
+                                          <p:spTgt spid="219"/>
+                                        </p:tgtEl>
+                                      </p:cBhvr>
+                                    </p:animEffect>
+                                  </p:childTnLst>
+                                </p:cTn>
+                              </p:par>
+                            </p:childTnLst>
+                          </p:cTn>
+                        </p:par>
+                        <p:par>
                           <p:cTn id="40" fill="hold">
                             <p:stCondLst>
                               <p:cond delay="3200"/>
@@ -8066,7 +8165,7 @@
                                       <p:cBhvr>
                                         <p:cTn id="42" fill="hold"/>
                                         <p:tgtEl>
-                                          <p:spTgt spid="218"/>
+                                          <p:spTgt spid="216"/>
                                         </p:tgtEl>
                                         <p:attrNameLst>
                                           <p:attrName>style.visibility</p:attrName>
@@ -8080,7 +8179,7 @@
                                       <p:cBhvr>
                                         <p:cTn id="43" dur="500"/>
                                         <p:tgtEl>
-                                          <p:spTgt spid="218"/>
+                                          <p:spTgt spid="216"/>
                                         </p:tgtEl>
                                       </p:cBhvr>
                                     </p:animEffect>
@@ -8099,7 +8198,7 @@
                               <p:par>
                                 <p:cTn id="45" presetClass="entr" nodeType="afterEffect" presetID="9" grpId="10" fill="hold">
                                   <p:stCondLst>
-                                    <p:cond delay="100"/>
+                                    <p:cond delay="0"/>
                                   </p:stCondLst>
                                   <p:iterate type="el" backwards="0">
                                     <p:tmAbs val="0"/>
@@ -8109,7 +8208,7 @@
                                       <p:cBhvr>
                                         <p:cTn id="46" fill="hold"/>
                                         <p:tgtEl>
-                                          <p:spTgt spid="207"/>
+                                          <p:spTgt spid="205"/>
                                         </p:tgtEl>
                                         <p:attrNameLst>
                                           <p:attrName>style.visibility</p:attrName>
@@ -8121,9 +8220,9 @@
                                     </p:set>
                                     <p:animEffect filter="dissolve" transition="in">
                                       <p:cBhvr>
-                                        <p:cTn id="47" dur="500"/>
+                                        <p:cTn id="47" dur="300"/>
                                         <p:tgtEl>
-                                          <p:spTgt spid="207"/>
+                                          <p:spTgt spid="205"/>
                                         </p:tgtEl>
                                       </p:cBhvr>
                                     </p:animEffect>
@@ -8136,7 +8235,7 @@
                         <p:par>
                           <p:cTn id="48" fill="hold">
                             <p:stCondLst>
-                              <p:cond delay="4300"/>
+                              <p:cond delay="4000"/>
                             </p:stCondLst>
                             <p:childTnLst>
                               <p:par>
@@ -8152,7 +8251,7 @@
                                       <p:cBhvr>
                                         <p:cTn id="50" fill="hold"/>
                                         <p:tgtEl>
-                                          <p:spTgt spid="220"/>
+                                          <p:spTgt spid="202"/>
                                         </p:tgtEl>
                                         <p:attrNameLst>
                                           <p:attrName>style.visibility</p:attrName>
@@ -8166,7 +8265,7 @@
                                       <p:cBhvr>
                                         <p:cTn id="51" dur="500"/>
                                         <p:tgtEl>
-                                          <p:spTgt spid="220"/>
+                                          <p:spTgt spid="202"/>
                                         </p:tgtEl>
                                       </p:cBhvr>
                                     </p:animEffect>
@@ -8179,13 +8278,13 @@
                         <p:par>
                           <p:cTn id="52" fill="hold">
                             <p:stCondLst>
-                              <p:cond delay="4800"/>
+                              <p:cond delay="4500"/>
                             </p:stCondLst>
                             <p:childTnLst>
                               <p:par>
                                 <p:cTn id="53" presetClass="entr" nodeType="afterEffect" presetID="9" grpId="12" fill="hold">
                                   <p:stCondLst>
-                                    <p:cond delay="100"/>
+                                    <p:cond delay="0"/>
                                   </p:stCondLst>
                                   <p:iterate type="el" backwards="0">
                                     <p:tmAbs val="0"/>
@@ -8195,7 +8294,7 @@
                                       <p:cBhvr>
                                         <p:cTn id="54" fill="hold"/>
                                         <p:tgtEl>
-                                          <p:spTgt spid="211"/>
+                                          <p:spTgt spid="212"/>
                                         </p:tgtEl>
                                         <p:attrNameLst>
                                           <p:attrName>style.visibility</p:attrName>
@@ -8207,9 +8306,52 @@
                                     </p:set>
                                     <p:animEffect filter="dissolve" transition="in">
                                       <p:cBhvr>
-                                        <p:cTn id="55" dur="500"/>
+                                        <p:cTn id="55" dur="300"/>
                                         <p:tgtEl>
-                                          <p:spTgt spid="211"/>
+                                          <p:spTgt spid="212"/>
+                                        </p:tgtEl>
+                                      </p:cBhvr>
+                                    </p:animEffect>
+                                  </p:childTnLst>
+                                </p:cTn>
+                              </p:par>
+                            </p:childTnLst>
+                          </p:cTn>
+                        </p:par>
+                        <p:par>
+                          <p:cTn id="56" fill="hold">
+                            <p:stCondLst>
+                              <p:cond delay="4800"/>
+                            </p:stCondLst>
+                            <p:childTnLst>
+                              <p:par>
+                                <p:cTn id="57" presetClass="entr" nodeType="afterEffect" presetID="9" grpId="13" fill="hold">
+                                  <p:stCondLst>
+                                    <p:cond delay="0"/>
+                                  </p:stCondLst>
+                                  <p:iterate type="el" backwards="0">
+                                    <p:tmAbs val="0"/>
+                                  </p:iterate>
+                                  <p:childTnLst>
+                                    <p:set>
+                                      <p:cBhvr>
+                                        <p:cTn id="58" fill="hold"/>
+                                        <p:tgtEl>
+                                          <p:spTgt spid="209"/>
+                                        </p:tgtEl>
+                                        <p:attrNameLst>
+                                          <p:attrName>style.visibility</p:attrName>
+                                        </p:attrNameLst>
+                                      </p:cBhvr>
+                                      <p:to>
+                                        <p:strVal val="visible"/>
+                                      </p:to>
+                                    </p:set>
+                                    <p:animEffect filter="dissolve" transition="in">
+                                      <p:cBhvr>
+                                        <p:cTn id="59" dur="500"/>
+                                        <p:tgtEl>
+                                          <p:spTgt spid="209"/>
                                         </p:tgtEl>
                                       </p:cBhvr>
                                     </p:animEffect>
@@ -8244,18 +8386,19 @@
       </p:par>
     </p:tnLst>
     <p:bldLst>
-      <p:bldP build="whole" bldLvl="1" animBg="1" rev="0" advAuto="0" spid="215" grpId="7"/>
-      <p:bldP build="whole" bldLvl="1" animBg="1" rev="0" advAuto="0" spid="197" grpId="4"/>
-      <p:bldP build="whole" bldLvl="1" animBg="1" rev="0" advAuto="0" spid="196" grpId="8"/>
-      <p:bldP build="whole" bldLvl="1" animBg="1" rev="0" advAuto="0" spid="220" grpId="11"/>
-      <p:bldP build="whole" bldLvl="1" animBg="1" rev="0" advAuto="0" spid="207" grpId="10"/>
-      <p:bldP build="whole" bldLvl="1" animBg="1" rev="0" advAuto="0" spid="203" grpId="3"/>
-      <p:bldP build="whole" bldLvl="1" animBg="1" rev="0" advAuto="0" spid="218" grpId="9"/>
+      <p:bldP build="whole" bldLvl="1" animBg="1" rev="0" advAuto="0" spid="217" grpId="6"/>
+      <p:bldP build="whole" bldLvl="1" animBg="1" rev="0" advAuto="0" spid="223" grpId="7"/>
       <p:bldP build="whole" bldLvl="1" animBg="1" rev="0" advAuto="0" spid="193" grpId="1"/>
-      <p:bldP build="whole" bldLvl="1" animBg="1" rev="0" advAuto="0" spid="199" grpId="2"/>
-      <p:bldP build="whole" bldLvl="1" animBg="1" rev="0" advAuto="0" spid="217" grpId="5"/>
-      <p:bldP build="whole" bldLvl="1" animBg="1" rev="0" advAuto="0" spid="214" grpId="6"/>
-      <p:bldP build="whole" bldLvl="1" animBg="1" rev="0" advAuto="0" spid="211" grpId="12"/>
+      <p:bldP build="whole" bldLvl="1" animBg="1" rev="0" advAuto="0" spid="196" grpId="5"/>
+      <p:bldP build="whole" bldLvl="1" animBg="1" rev="0" advAuto="0" spid="216" grpId="9"/>
+      <p:bldP build="whole" bldLvl="1" animBg="1" rev="0" advAuto="0" spid="209" grpId="13"/>
+      <p:bldP build="whole" bldLvl="1" animBg="1" rev="0" advAuto="0" spid="205" grpId="10"/>
+      <p:bldP build="whole" bldLvl="1" animBg="1" rev="0" advAuto="0" spid="210" grpId="2"/>
+      <p:bldP build="whole" bldLvl="1" animBg="1" rev="0" advAuto="0" spid="212" grpId="12"/>
+      <p:bldP build="whole" bldLvl="1" animBg="1" rev="0" advAuto="0" spid="203" grpId="4"/>
+      <p:bldP build="whole" bldLvl="1" animBg="1" rev="0" advAuto="0" spid="202" grpId="11"/>
+      <p:bldP build="whole" bldLvl="1" animBg="1" rev="0" advAuto="0" spid="199" grpId="3"/>
+      <p:bldP build="whole" bldLvl="1" animBg="1" rev="0" advAuto="0" spid="219" grpId="8"/>
     </p:bldLst>
   </p:timing>
 </p:sld>
@@ -8287,7 +8430,7 @@
       </p:grpSpPr>
       <p:sp>
         <p:nvSpPr>
-          <p:cNvPr id="223" name="Title 6"/>
+          <p:cNvPr id="225" name="Title 6"/>
           <p:cNvSpPr txBox="1"/>
           <p:nvPr>
             <p:ph type="title"/>
@@ -8323,7 +8466,7 @@
       </p:sp>
       <p:pic>
         <p:nvPicPr>
-          <p:cNvPr id="224" name="stopwatch (2).png" descr="stopwatch (2).png"/>
+          <p:cNvPr id="226" name="stopwatch (2).png" descr="stopwatch (2).png"/>
           <p:cNvPicPr>
             <a:picLocks noChangeAspect="1"/>
           </p:cNvPicPr>
@@ -8352,13 +8495,13 @@
       </p:pic>
       <p:sp>
         <p:nvSpPr>
-          <p:cNvPr id="225" name="./bin/client create"/>
+          <p:cNvPr id="227" name="./bin/client create"/>
           <p:cNvSpPr txBox="1"/>
           <p:nvPr/>
         </p:nvSpPr>
         <p:spPr>
           <a:xfrm>
-            <a:off x="1937778" y="4491254"/>
+            <a:off x="1937778" y="3601269"/>
             <a:ext cx="9453167" cy="1247776"/>
           </a:xfrm>
           <a:prstGeom prst="rect">
@@ -8409,13 +8552,13 @@
       </p:sp>
       <p:sp>
         <p:nvSpPr>
-          <p:cNvPr id="226" name="./bin/client edit"/>
+          <p:cNvPr id="228" name="./bin/client edit"/>
           <p:cNvSpPr txBox="1"/>
           <p:nvPr/>
         </p:nvSpPr>
         <p:spPr>
           <a:xfrm>
-            <a:off x="1937778" y="6271226"/>
+            <a:off x="1937778" y="5381240"/>
             <a:ext cx="8474473" cy="1247776"/>
           </a:xfrm>
           <a:prstGeom prst="rect">
@@ -8466,13 +8609,13 @@
       </p:sp>
       <p:sp>
         <p:nvSpPr>
-          <p:cNvPr id="227" name="./bin/client fetch"/>
+          <p:cNvPr id="229" name="./bin/client fetch"/>
           <p:cNvSpPr txBox="1"/>
           <p:nvPr/>
         </p:nvSpPr>
         <p:spPr>
           <a:xfrm>
-            <a:off x="1937778" y="8051198"/>
+            <a:off x="1937778" y="7161212"/>
             <a:ext cx="8963820" cy="1247776"/>
           </a:xfrm>
           <a:prstGeom prst="rect">
@@ -8523,13 +8666,13 @@
       </p:sp>
       <p:sp>
         <p:nvSpPr>
-          <p:cNvPr id="228" name="./bin/client delete"/>
+          <p:cNvPr id="230" name="./bin/client delete"/>
           <p:cNvSpPr txBox="1"/>
           <p:nvPr/>
         </p:nvSpPr>
         <p:spPr>
           <a:xfrm>
-            <a:off x="1937778" y="9831169"/>
+            <a:off x="1937778" y="8941183"/>
             <a:ext cx="9453167" cy="1247776"/>
           </a:xfrm>
           <a:prstGeom prst="rect">
@@ -8580,103 +8723,13 @@
       </p:sp>
       <p:sp>
         <p:nvSpPr>
-          <p:cNvPr id="229" name="Rectangle"/>
-          <p:cNvSpPr/>
-          <p:nvPr/>
-        </p:nvSpPr>
-        <p:spPr>
-          <a:xfrm>
-            <a:off x="1272098" y="4571636"/>
-            <a:ext cx="604263" cy="1087013"/>
-          </a:xfrm>
-          <a:prstGeom prst="rect">
-            <a:avLst/>
-          </a:prstGeom>
-          <a:solidFill>
-            <a:srgbClr val="8BC500"/>
-          </a:solidFill>
-          <a:ln w="12700">
-            <a:miter lim="400000"/>
-          </a:ln>
-        </p:spPr>
-        <p:txBody>
-          <a:bodyPr lIns="71437" tIns="71437" rIns="71437" bIns="71437" anchor="ctr"/>
-          <a:lstStyle/>
-          <a:p>
-            <a:pPr algn="ctr">
-              <a:lnSpc>
-                <a:spcPct val="80000"/>
-              </a:lnSpc>
-              <a:spcBef>
-                <a:spcPts val="0"/>
-              </a:spcBef>
-              <a:defRPr cap="all" sz="3800">
-                <a:solidFill>
-                  <a:srgbClr val="FFFFFF"/>
-                </a:solidFill>
-                <a:latin typeface="+mn-lt"/>
-                <a:ea typeface="+mn-ea"/>
-                <a:cs typeface="+mn-cs"/>
-                <a:sym typeface="DIN Condensed"/>
-              </a:defRPr>
-            </a:pPr>
-          </a:p>
-        </p:txBody>
-      </p:sp>
-      <p:sp>
-        <p:nvSpPr>
-          <p:cNvPr id="230" name="Rectangle"/>
-          <p:cNvSpPr/>
-          <p:nvPr/>
-        </p:nvSpPr>
-        <p:spPr>
-          <a:xfrm>
-            <a:off x="1272098" y="6351607"/>
-            <a:ext cx="604263" cy="1087014"/>
-          </a:xfrm>
-          <a:prstGeom prst="rect">
-            <a:avLst/>
-          </a:prstGeom>
-          <a:solidFill>
-            <a:srgbClr val="8BC500"/>
-          </a:solidFill>
-          <a:ln w="12700">
-            <a:miter lim="400000"/>
-          </a:ln>
-        </p:spPr>
-        <p:txBody>
-          <a:bodyPr lIns="71437" tIns="71437" rIns="71437" bIns="71437" anchor="ctr"/>
-          <a:lstStyle/>
-          <a:p>
-            <a:pPr algn="ctr">
-              <a:lnSpc>
-                <a:spcPct val="80000"/>
-              </a:lnSpc>
-              <a:spcBef>
-                <a:spcPts val="0"/>
-              </a:spcBef>
-              <a:defRPr cap="all" sz="3800">
-                <a:solidFill>
-                  <a:srgbClr val="FFFFFF"/>
-                </a:solidFill>
-                <a:latin typeface="+mn-lt"/>
-                <a:ea typeface="+mn-ea"/>
-                <a:cs typeface="+mn-cs"/>
-                <a:sym typeface="DIN Condensed"/>
-              </a:defRPr>
-            </a:pPr>
-          </a:p>
-        </p:txBody>
-      </p:sp>
-      <p:sp>
-        <p:nvSpPr>
           <p:cNvPr id="231" name="Rectangle"/>
           <p:cNvSpPr/>
           <p:nvPr/>
         </p:nvSpPr>
         <p:spPr>
           <a:xfrm>
-            <a:off x="1272098" y="8131579"/>
+            <a:off x="1272098" y="3681650"/>
             <a:ext cx="604263" cy="1087014"/>
           </a:xfrm>
           <a:prstGeom prst="rect">
@@ -8721,7 +8774,199 @@
         </p:nvSpPr>
         <p:spPr>
           <a:xfrm>
-            <a:off x="1272098" y="9911550"/>
+            <a:off x="1272098" y="5461622"/>
+            <a:ext cx="604263" cy="1087013"/>
+          </a:xfrm>
+          <a:prstGeom prst="rect">
+            <a:avLst/>
+          </a:prstGeom>
+          <a:solidFill>
+            <a:srgbClr val="8BC500"/>
+          </a:solidFill>
+          <a:ln w="12700">
+            <a:miter lim="400000"/>
+          </a:ln>
+        </p:spPr>
+        <p:txBody>
+          <a:bodyPr lIns="71437" tIns="71437" rIns="71437" bIns="71437" anchor="ctr"/>
+          <a:lstStyle/>
+          <a:p>
+            <a:pPr algn="ctr">
+              <a:lnSpc>
+                <a:spcPct val="80000"/>
+              </a:lnSpc>
+              <a:spcBef>
+                <a:spcPts val="0"/>
+              </a:spcBef>
+              <a:defRPr cap="all" sz="3800">
+                <a:solidFill>
+                  <a:srgbClr val="FFFFFF"/>
+                </a:solidFill>
+                <a:latin typeface="+mn-lt"/>
+                <a:ea typeface="+mn-ea"/>
+                <a:cs typeface="+mn-cs"/>
+                <a:sym typeface="DIN Condensed"/>
+              </a:defRPr>
+            </a:pPr>
+          </a:p>
+        </p:txBody>
+      </p:sp>
+      <p:sp>
+        <p:nvSpPr>
+          <p:cNvPr id="233" name="Rectangle"/>
+          <p:cNvSpPr/>
+          <p:nvPr/>
+        </p:nvSpPr>
+        <p:spPr>
+          <a:xfrm>
+            <a:off x="1272098" y="7241593"/>
+            <a:ext cx="604263" cy="1087014"/>
+          </a:xfrm>
+          <a:prstGeom prst="rect">
+            <a:avLst/>
+          </a:prstGeom>
+          <a:solidFill>
+            <a:srgbClr val="8BC500"/>
+          </a:solidFill>
+          <a:ln w="12700">
+            <a:miter lim="400000"/>
+          </a:ln>
+        </p:spPr>
+        <p:txBody>
+          <a:bodyPr lIns="71437" tIns="71437" rIns="71437" bIns="71437" anchor="ctr"/>
+          <a:lstStyle/>
+          <a:p>
+            <a:pPr algn="ctr">
+              <a:lnSpc>
+                <a:spcPct val="80000"/>
+              </a:lnSpc>
+              <a:spcBef>
+                <a:spcPts val="0"/>
+              </a:spcBef>
+              <a:defRPr cap="all" sz="3800">
+                <a:solidFill>
+                  <a:srgbClr val="FFFFFF"/>
+                </a:solidFill>
+                <a:latin typeface="+mn-lt"/>
+                <a:ea typeface="+mn-ea"/>
+                <a:cs typeface="+mn-cs"/>
+                <a:sym typeface="DIN Condensed"/>
+              </a:defRPr>
+            </a:pPr>
+          </a:p>
+        </p:txBody>
+      </p:sp>
+      <p:sp>
+        <p:nvSpPr>
+          <p:cNvPr id="234" name="Rectangle"/>
+          <p:cNvSpPr/>
+          <p:nvPr/>
+        </p:nvSpPr>
+        <p:spPr>
+          <a:xfrm>
+            <a:off x="1272098" y="9021564"/>
+            <a:ext cx="604263" cy="1087014"/>
+          </a:xfrm>
+          <a:prstGeom prst="rect">
+            <a:avLst/>
+          </a:prstGeom>
+          <a:solidFill>
+            <a:srgbClr val="8BC500"/>
+          </a:solidFill>
+          <a:ln w="12700">
+            <a:miter lim="400000"/>
+          </a:ln>
+        </p:spPr>
+        <p:txBody>
+          <a:bodyPr lIns="71437" tIns="71437" rIns="71437" bIns="71437" anchor="ctr"/>
+          <a:lstStyle/>
+          <a:p>
+            <a:pPr algn="ctr">
+              <a:lnSpc>
+                <a:spcPct val="80000"/>
+              </a:lnSpc>
+              <a:spcBef>
+                <a:spcPts val="0"/>
+              </a:spcBef>
+              <a:defRPr cap="all" sz="3800">
+                <a:solidFill>
+                  <a:srgbClr val="FFFFFF"/>
+                </a:solidFill>
+                <a:latin typeface="+mn-lt"/>
+                <a:ea typeface="+mn-ea"/>
+                <a:cs typeface="+mn-cs"/>
+                <a:sym typeface="DIN Condensed"/>
+              </a:defRPr>
+            </a:pPr>
+          </a:p>
+        </p:txBody>
+      </p:sp>
+      <p:sp>
+        <p:nvSpPr>
+          <p:cNvPr id="235" name="./bin/client health"/>
+          <p:cNvSpPr txBox="1"/>
+          <p:nvPr/>
+        </p:nvSpPr>
+        <p:spPr>
+          <a:xfrm>
+            <a:off x="1937778" y="10721155"/>
+            <a:ext cx="9453167" cy="1247776"/>
+          </a:xfrm>
+          <a:prstGeom prst="rect">
+            <a:avLst/>
+          </a:prstGeom>
+          <a:ln w="12700">
+            <a:miter lim="400000"/>
+          </a:ln>
+          <a:extLst>
+            <a:ext uri="{C572A759-6A51-4108-AA02-DFA0A04FC94B}">
+              <ma14:wrappingTextBoxFlag xmlns:ma14="http://schemas.microsoft.com/office/mac/drawingml/2011/main" val="1"/>
+            </a:ext>
+          </a:extLst>
+        </p:spPr>
+        <p:txBody>
+          <a:bodyPr wrap="none" lIns="71437" tIns="71437" rIns="71437" bIns="71437" anchor="ctr">
+            <a:spAutoFit/>
+          </a:bodyPr>
+          <a:lstStyle/>
+          <a:p>
+            <a:pPr>
+              <a:spcBef>
+                <a:spcPts val="0"/>
+              </a:spcBef>
+              <a:defRPr sz="6400">
+                <a:solidFill>
+                  <a:srgbClr val="FFFFFF"/>
+                </a:solidFill>
+                <a:latin typeface="Meslo LG M for Powerline"/>
+                <a:ea typeface="Meslo LG M for Powerline"/>
+                <a:cs typeface="Meslo LG M for Powerline"/>
+                <a:sym typeface="Meslo LG M for Powerline"/>
+              </a:defRPr>
+            </a:pPr>
+            <a:r>
+              <a:rPr>
+                <a:solidFill>
+                  <a:srgbClr val="FDD835"/>
+                </a:solidFill>
+              </a:rPr>
+              <a:t>./bin/client</a:t>
+            </a:r>
+            <a:r>
+              <a:t> health</a:t>
+            </a:r>
+          </a:p>
+        </p:txBody>
+      </p:sp>
+      <p:sp>
+        <p:nvSpPr>
+          <p:cNvPr id="236" name="Rectangle"/>
+          <p:cNvSpPr/>
+          <p:nvPr/>
+        </p:nvSpPr>
+        <p:spPr>
+          <a:xfrm>
+            <a:off x="1272098" y="10801536"/>
             <a:ext cx="604263" cy="1087014"/>
           </a:xfrm>
           <a:prstGeom prst="rect">
@@ -8811,7 +9056,7 @@
                                       <p:cBhvr>
                                         <p:cTn id="6" fill="hold"/>
                                         <p:tgtEl>
-                                          <p:spTgt spid="225"/>
+                                          <p:spTgt spid="227"/>
                                         </p:tgtEl>
                                         <p:attrNameLst>
                                           <p:attrName>style.visibility</p:attrName>
@@ -8825,7 +9070,7 @@
                                       <p:cBhvr>
                                         <p:cTn id="7" dur="700" fill="hold"/>
                                         <p:tgtEl>
-                                          <p:spTgt spid="225"/>
+                                          <p:spTgt spid="227"/>
                                         </p:tgtEl>
                                         <p:attrNameLst>
                                           <p:attrName>ppt_x</p:attrName>
@@ -8848,7 +9093,7 @@
                                       <p:cBhvr>
                                         <p:cTn id="8" dur="700" fill="hold"/>
                                         <p:tgtEl>
-                                          <p:spTgt spid="225"/>
+                                          <p:spTgt spid="227"/>
                                         </p:tgtEl>
                                         <p:attrNameLst>
                                           <p:attrName>ppt_y</p:attrName>
@@ -8892,7 +9137,7 @@
                                       <p:cBhvr>
                                         <p:cTn id="11" fill="hold"/>
                                         <p:tgtEl>
-                                          <p:spTgt spid="229"/>
+                                          <p:spTgt spid="231"/>
                                         </p:tgtEl>
                                         <p:attrNameLst>
                                           <p:attrName>style.visibility</p:attrName>
@@ -8906,7 +9151,7 @@
                                       <p:cBhvr>
                                         <p:cTn id="12" dur="400"/>
                                         <p:tgtEl>
-                                          <p:spTgt spid="229"/>
+                                          <p:spTgt spid="231"/>
                                         </p:tgtEl>
                                       </p:cBhvr>
                                     </p:animEffect>
@@ -8935,7 +9180,7 @@
                                       <p:cBhvr>
                                         <p:cTn id="15" fill="hold"/>
                                         <p:tgtEl>
-                                          <p:spTgt spid="226"/>
+                                          <p:spTgt spid="228"/>
                                         </p:tgtEl>
                                         <p:attrNameLst>
                                           <p:attrName>style.visibility</p:attrName>
@@ -8949,7 +9194,7 @@
                                       <p:cBhvr>
                                         <p:cTn id="16" dur="700" fill="hold"/>
                                         <p:tgtEl>
-                                          <p:spTgt spid="226"/>
+                                          <p:spTgt spid="228"/>
                                         </p:tgtEl>
                                         <p:attrNameLst>
                                           <p:attrName>ppt_x</p:attrName>
@@ -8972,7 +9217,7 @@
                                       <p:cBhvr>
                                         <p:cTn id="17" dur="700" fill="hold"/>
                                         <p:tgtEl>
-                                          <p:spTgt spid="226"/>
+                                          <p:spTgt spid="228"/>
                                         </p:tgtEl>
                                         <p:attrNameLst>
                                           <p:attrName>ppt_y</p:attrName>
@@ -9016,7 +9261,7 @@
                                       <p:cBhvr>
                                         <p:cTn id="20" fill="hold"/>
                                         <p:tgtEl>
-                                          <p:spTgt spid="230"/>
+                                          <p:spTgt spid="232"/>
                                         </p:tgtEl>
                                         <p:attrNameLst>
                                           <p:attrName>style.visibility</p:attrName>
@@ -9030,7 +9275,7 @@
                                       <p:cBhvr>
                                         <p:cTn id="21" dur="400"/>
                                         <p:tgtEl>
-                                          <p:spTgt spid="230"/>
+                                          <p:spTgt spid="232"/>
                                         </p:tgtEl>
                                       </p:cBhvr>
                                     </p:animEffect>
@@ -9059,7 +9304,7 @@
                                       <p:cBhvr>
                                         <p:cTn id="24" fill="hold"/>
                                         <p:tgtEl>
-                                          <p:spTgt spid="227"/>
+                                          <p:spTgt spid="229"/>
                                         </p:tgtEl>
                                         <p:attrNameLst>
                                           <p:attrName>style.visibility</p:attrName>
@@ -9073,7 +9318,7 @@
                                       <p:cBhvr>
                                         <p:cTn id="25" dur="700" fill="hold"/>
                                         <p:tgtEl>
-                                          <p:spTgt spid="227"/>
+                                          <p:spTgt spid="229"/>
                                         </p:tgtEl>
                                         <p:attrNameLst>
                                           <p:attrName>ppt_x</p:attrName>
@@ -9096,7 +9341,7 @@
                                       <p:cBhvr>
                                         <p:cTn id="26" dur="700" fill="hold"/>
                                         <p:tgtEl>
-                                          <p:spTgt spid="227"/>
+                                          <p:spTgt spid="229"/>
                                         </p:tgtEl>
                                         <p:attrNameLst>
                                           <p:attrName>ppt_y</p:attrName>
@@ -9140,7 +9385,7 @@
                                       <p:cBhvr>
                                         <p:cTn id="29" fill="hold"/>
                                         <p:tgtEl>
-                                          <p:spTgt spid="231"/>
+                                          <p:spTgt spid="233"/>
                                         </p:tgtEl>
                                         <p:attrNameLst>
                                           <p:attrName>style.visibility</p:attrName>
@@ -9154,7 +9399,7 @@
                                       <p:cBhvr>
                                         <p:cTn id="30" dur="400"/>
                                         <p:tgtEl>
-                                          <p:spTgt spid="231"/>
+                                          <p:spTgt spid="233"/>
                                         </p:tgtEl>
                                       </p:cBhvr>
                                     </p:animEffect>
@@ -9183,7 +9428,7 @@
                                       <p:cBhvr>
                                         <p:cTn id="33" fill="hold"/>
                                         <p:tgtEl>
-                                          <p:spTgt spid="228"/>
+                                          <p:spTgt spid="230"/>
                                         </p:tgtEl>
                                         <p:attrNameLst>
                                           <p:attrName>style.visibility</p:attrName>
@@ -9197,7 +9442,7 @@
                                       <p:cBhvr>
                                         <p:cTn id="34" dur="700" fill="hold"/>
                                         <p:tgtEl>
-                                          <p:spTgt spid="228"/>
+                                          <p:spTgt spid="230"/>
                                         </p:tgtEl>
                                         <p:attrNameLst>
                                           <p:attrName>ppt_x</p:attrName>
@@ -9220,7 +9465,7 @@
                                       <p:cBhvr>
                                         <p:cTn id="35" dur="700" fill="hold"/>
                                         <p:tgtEl>
-                                          <p:spTgt spid="228"/>
+                                          <p:spTgt spid="230"/>
                                         </p:tgtEl>
                                         <p:attrNameLst>
                                           <p:attrName>ppt_y</p:attrName>
@@ -9264,7 +9509,7 @@
                                       <p:cBhvr>
                                         <p:cTn id="38" fill="hold"/>
                                         <p:tgtEl>
-                                          <p:spTgt spid="232"/>
+                                          <p:spTgt spid="234"/>
                                         </p:tgtEl>
                                         <p:attrNameLst>
                                           <p:attrName>style.visibility</p:attrName>
@@ -9278,7 +9523,131 @@
                                       <p:cBhvr>
                                         <p:cTn id="39" dur="400"/>
                                         <p:tgtEl>
-                                          <p:spTgt spid="232"/>
+                                          <p:spTgt spid="234"/>
+                                        </p:tgtEl>
+                                      </p:cBhvr>
+                                    </p:animEffect>
+                                  </p:childTnLst>
+                                </p:cTn>
+                              </p:par>
+                            </p:childTnLst>
+                          </p:cTn>
+                        </p:par>
+                        <p:par>
+                          <p:cTn id="40" fill="hold">
+                            <p:stCondLst>
+                              <p:cond delay="5600"/>
+                            </p:stCondLst>
+                            <p:childTnLst>
+                              <p:par>
+                                <p:cTn id="41" presetClass="entr" nodeType="afterEffect" presetSubtype="8" presetID="2" grpId="9" fill="hold">
+                                  <p:stCondLst>
+                                    <p:cond delay="0"/>
+                                  </p:stCondLst>
+                                  <p:iterate type="el" backwards="0">
+                                    <p:tmAbs val="0"/>
+                                  </p:iterate>
+                                  <p:childTnLst>
+                                    <p:set>
+                                      <p:cBhvr>
+                                        <p:cTn id="42" fill="hold"/>
+                                        <p:tgtEl>
+                                          <p:spTgt spid="235"/>
+                                        </p:tgtEl>
+                                        <p:attrNameLst>
+                                          <p:attrName>style.visibility</p:attrName>
+                                        </p:attrNameLst>
+                                      </p:cBhvr>
+                                      <p:to>
+                                        <p:strVal val="visible"/>
+                                      </p:to>
+                                    </p:set>
+                                    <p:anim calcmode="lin" valueType="num">
+                                      <p:cBhvr>
+                                        <p:cTn id="43" dur="700" fill="hold"/>
+                                        <p:tgtEl>
+                                          <p:spTgt spid="235"/>
+                                        </p:tgtEl>
+                                        <p:attrNameLst>
+                                          <p:attrName>ppt_x</p:attrName>
+                                        </p:attrNameLst>
+                                      </p:cBhvr>
+                                      <p:tavLst>
+                                        <p:tav tm="0">
+                                          <p:val>
+                                            <p:strVal val="0-#ppt_w/2"/>
+                                          </p:val>
+                                        </p:tav>
+                                        <p:tav tm="100000">
+                                          <p:val>
+                                            <p:strVal val="#ppt_x"/>
+                                          </p:val>
+                                        </p:tav>
+                                      </p:tavLst>
+                                    </p:anim>
+                                    <p:anim calcmode="lin" valueType="num">
+                                      <p:cBhvr>
+                                        <p:cTn id="44" dur="700" fill="hold"/>
+                                        <p:tgtEl>
+                                          <p:spTgt spid="235"/>
+                                        </p:tgtEl>
+                                        <p:attrNameLst>
+                                          <p:attrName>ppt_y</p:attrName>
+                                        </p:attrNameLst>
+                                      </p:cBhvr>
+                                      <p:tavLst>
+                                        <p:tav tm="0">
+                                          <p:val>
+                                            <p:strVal val="#ppt_y"/>
+                                          </p:val>
+                                        </p:tav>
+                                        <p:tav tm="100000">
+                                          <p:val>
+                                            <p:strVal val="#ppt_y"/>
+                                          </p:val>
+                                        </p:tav>
+                                      </p:tavLst>
+                                    </p:anim>
+                                  </p:childTnLst>
+                                </p:cTn>
+                              </p:par>
+                            </p:childTnLst>
+                          </p:cTn>
+                        </p:par>
+                        <p:par>
+                          <p:cTn id="45" fill="hold">
+                            <p:stCondLst>
+                              <p:cond delay="6300"/>
+                            </p:stCondLst>
+                            <p:childTnLst>
+                              <p:par>
+                                <p:cTn id="46" presetClass="entr" nodeType="afterEffect" presetSubtype="32" presetID="4" grpId="10" fill="hold">
+                                  <p:stCondLst>
+                                    <p:cond delay="300"/>
+                                  </p:stCondLst>
+                                  <p:iterate type="el" backwards="0">
+                                    <p:tmAbs val="0"/>
+                                  </p:iterate>
+                                  <p:childTnLst>
+                                    <p:set>
+                                      <p:cBhvr>
+                                        <p:cTn id="47" fill="hold"/>
+                                        <p:tgtEl>
+                                          <p:spTgt spid="236"/>
+                                        </p:tgtEl>
+                                        <p:attrNameLst>
+                                          <p:attrName>style.visibility</p:attrName>
+                                        </p:attrNameLst>
+                                      </p:cBhvr>
+                                      <p:to>
+                                        <p:strVal val="visible"/>
+                                      </p:to>
+                                    </p:set>
+                                    <p:animEffect filter="box(out)" transition="in">
+                                      <p:cBhvr>
+                                        <p:cTn id="48" dur="400"/>
+                                        <p:tgtEl>
+                                          <p:spTgt spid="236"/>
                                         </p:tgtEl>
                                       </p:cBhvr>
                                     </p:animEffect>
@@ -9313,14 +9682,16 @@
       </p:par>
     </p:tnLst>
     <p:bldLst>
-      <p:bldP build="whole" bldLvl="1" animBg="1" rev="0" advAuto="0" spid="228" grpId="7"/>
-      <p:bldP build="whole" bldLvl="1" animBg="1" rev="0" advAuto="0" spid="232" grpId="8"/>
-      <p:bldP build="whole" bldLvl="1" animBg="1" rev="0" advAuto="0" spid="227" grpId="5"/>
-      <p:bldP build="whole" bldLvl="1" animBg="1" rev="0" advAuto="0" spid="229" grpId="2"/>
-      <p:bldP build="whole" bldLvl="1" animBg="1" rev="0" advAuto="0" spid="225" grpId="1"/>
-      <p:bldP build="whole" bldLvl="1" animBg="1" rev="0" advAuto="0" spid="231" grpId="6"/>
-      <p:bldP build="whole" bldLvl="1" animBg="1" rev="0" advAuto="0" spid="230" grpId="4"/>
-      <p:bldP build="whole" bldLvl="1" animBg="1" rev="0" advAuto="0" spid="226" grpId="3"/>
+      <p:bldP build="whole" bldLvl="1" animBg="1" rev="0" advAuto="0" spid="230" grpId="7"/>
+      <p:bldP build="whole" bldLvl="1" animBg="1" rev="0" advAuto="0" spid="227" grpId="1"/>
+      <p:bldP build="whole" bldLvl="1" animBg="1" rev="0" advAuto="0" spid="231" grpId="2"/>
+      <p:bldP build="whole" bldLvl="1" animBg="1" rev="0" advAuto="0" spid="232" grpId="4"/>
+      <p:bldP build="whole" bldLvl="1" animBg="1" rev="0" advAuto="0" spid="235" grpId="9"/>
+      <p:bldP build="whole" bldLvl="1" animBg="1" rev="0" advAuto="0" spid="234" grpId="8"/>
+      <p:bldP build="whole" bldLvl="1" animBg="1" rev="0" advAuto="0" spid="236" grpId="10"/>
+      <p:bldP build="whole" bldLvl="1" animBg="1" rev="0" advAuto="0" spid="228" grpId="3"/>
+      <p:bldP build="whole" bldLvl="1" animBg="1" rev="0" advAuto="0" spid="229" grpId="5"/>
+      <p:bldP build="whole" bldLvl="1" animBg="1" rev="0" advAuto="0" spid="233" grpId="6"/>
     </p:bldLst>
   </p:timing>
 </p:sld>
@@ -9352,7 +9723,7 @@
       </p:grpSpPr>
       <p:sp>
         <p:nvSpPr>
-          <p:cNvPr id="234" name="Title 6"/>
+          <p:cNvPr id="238" name="Title 6"/>
           <p:cNvSpPr txBox="1"/>
           <p:nvPr>
             <p:ph type="title"/>
@@ -9388,7 +9759,7 @@
       </p:sp>
       <p:pic>
         <p:nvPicPr>
-          <p:cNvPr id="235" name="stopwatch (2).png" descr="stopwatch (2).png"/>
+          <p:cNvPr id="239" name="stopwatch (2).png" descr="stopwatch (2).png"/>
           <p:cNvPicPr>
             <a:picLocks noChangeAspect="1"/>
           </p:cNvPicPr>
@@ -9417,7 +9788,7 @@
       </p:pic>
       <p:sp>
         <p:nvSpPr>
-          <p:cNvPr id="236" name="./bin/client create"/>
+          <p:cNvPr id="240" name="./bin/client create"/>
           <p:cNvSpPr txBox="1"/>
           <p:nvPr/>
         </p:nvSpPr>
@@ -9474,7 +9845,7 @@
       </p:sp>
       <p:sp>
         <p:nvSpPr>
-          <p:cNvPr id="237" name="Rectangle"/>
+          <p:cNvPr id="241" name="Rectangle"/>
           <p:cNvSpPr/>
           <p:nvPr/>
         </p:nvSpPr>
@@ -9519,7 +9890,7 @@
       </p:sp>
       <p:sp>
         <p:nvSpPr>
-          <p:cNvPr id="238" name="—-title"/>
+          <p:cNvPr id="242" name="—-title"/>
           <p:cNvSpPr txBox="1"/>
           <p:nvPr/>
         </p:nvSpPr>
@@ -9568,7 +9939,7 @@
       </p:sp>
       <p:sp>
         <p:nvSpPr>
-          <p:cNvPr id="239" name="—-message"/>
+          <p:cNvPr id="243" name="—-message"/>
           <p:cNvSpPr txBox="1"/>
           <p:nvPr/>
         </p:nvSpPr>
@@ -9619,7 +9990,7 @@
       </p:sp>
       <p:sp>
         <p:nvSpPr>
-          <p:cNvPr id="240" name="—-duration"/>
+          <p:cNvPr id="244" name="—-duration"/>
           <p:cNvSpPr txBox="1"/>
           <p:nvPr/>
         </p:nvSpPr>
@@ -9670,7 +10041,7 @@
       </p:sp>
       <p:sp>
         <p:nvSpPr>
-          <p:cNvPr id="241" name="string"/>
+          <p:cNvPr id="245" name="string"/>
           <p:cNvSpPr txBox="1"/>
           <p:nvPr/>
         </p:nvSpPr>
@@ -9723,7 +10094,7 @@
       </p:sp>
       <p:sp>
         <p:nvSpPr>
-          <p:cNvPr id="242" name="string"/>
+          <p:cNvPr id="246" name="string"/>
           <p:cNvSpPr txBox="1"/>
           <p:nvPr/>
         </p:nvSpPr>
@@ -9776,7 +10147,7 @@
       </p:sp>
       <p:sp>
         <p:nvSpPr>
-          <p:cNvPr id="243" name="time.Duration"/>
+          <p:cNvPr id="247" name="time.Duration"/>
           <p:cNvSpPr txBox="1"/>
           <p:nvPr/>
         </p:nvSpPr>
@@ -9884,7 +10255,7 @@
                                       <p:cBhvr>
                                         <p:cTn id="6" fill="hold"/>
                                         <p:tgtEl>
-                                          <p:spTgt spid="236"/>
+                                          <p:spTgt spid="240"/>
                                         </p:tgtEl>
                                         <p:attrNameLst>
                                           <p:attrName>style.visibility</p:attrName>
@@ -9898,7 +10269,7 @@
                                       <p:cBhvr>
                                         <p:cTn id="7" dur="700" fill="hold"/>
                                         <p:tgtEl>
-                                          <p:spTgt spid="236"/>
+                                          <p:spTgt spid="240"/>
                                         </p:tgtEl>
                                         <p:attrNameLst>
                                           <p:attrName>ppt_x</p:attrName>
@@ -9921,7 +10292,7 @@
                                       <p:cBhvr>
                                         <p:cTn id="8" dur="700" fill="hold"/>
                                         <p:tgtEl>
-                                          <p:spTgt spid="236"/>
+                                          <p:spTgt spid="240"/>
                                         </p:tgtEl>
                                         <p:attrNameLst>
                                           <p:attrName>ppt_y</p:attrName>
@@ -9965,7 +10336,7 @@
                                       <p:cBhvr>
                                         <p:cTn id="11" fill="hold"/>
                                         <p:tgtEl>
-                                          <p:spTgt spid="237"/>
+                                          <p:spTgt spid="241"/>
                                         </p:tgtEl>
                                         <p:attrNameLst>
                                           <p:attrName>style.visibility</p:attrName>
@@ -9979,7 +10350,7 @@
                                       <p:cBhvr>
                                         <p:cTn id="12" dur="400"/>
                                         <p:tgtEl>
-                                          <p:spTgt spid="237"/>
+                                          <p:spTgt spid="241"/>
                                         </p:tgtEl>
                                       </p:cBhvr>
                                     </p:animEffect>
@@ -10008,7 +10379,7 @@
                                       <p:cBhvr>
                                         <p:cTn id="15" fill="hold"/>
                                         <p:tgtEl>
-                                          <p:spTgt spid="238"/>
+                                          <p:spTgt spid="242"/>
                                         </p:tgtEl>
                                         <p:attrNameLst>
                                           <p:attrName>style.visibility</p:attrName>
@@ -10022,7 +10393,7 @@
                                       <p:cBhvr>
                                         <p:cTn id="16" dur="700" fill="hold"/>
                                         <p:tgtEl>
-                                          <p:spTgt spid="238"/>
+                                          <p:spTgt spid="242"/>
                                         </p:tgtEl>
                                         <p:attrNameLst>
                                           <p:attrName>ppt_x</p:attrName>
@@ -10045,7 +10416,7 @@
                                       <p:cBhvr>
                                         <p:cTn id="17" dur="700" fill="hold"/>
                                         <p:tgtEl>
-                                          <p:spTgt spid="238"/>
+                                          <p:spTgt spid="242"/>
                                         </p:tgtEl>
                                         <p:attrNameLst>
                                           <p:attrName>ppt_y</p:attrName>
@@ -10089,7 +10460,7 @@
                                       <p:cBhvr>
                                         <p:cTn id="20" fill="hold"/>
                                         <p:tgtEl>
-                                          <p:spTgt spid="241"/>
+                                          <p:spTgt spid="245"/>
                                         </p:tgtEl>
                                         <p:attrNameLst>
                                           <p:attrName>style.visibility</p:attrName>
@@ -10103,7 +10474,7 @@
                                       <p:cBhvr>
                                         <p:cTn id="21" dur="400"/>
                                         <p:tgtEl>
-                                          <p:spTgt spid="241"/>
+                                          <p:spTgt spid="245"/>
                                         </p:tgtEl>
                                       </p:cBhvr>
                                     </p:animEffect>
@@ -10132,7 +10503,7 @@
                                       <p:cBhvr>
                                         <p:cTn id="24" fill="hold"/>
                                         <p:tgtEl>
-                                          <p:spTgt spid="239"/>
+                                          <p:spTgt spid="243"/>
                                         </p:tgtEl>
                                         <p:attrNameLst>
                                           <p:attrName>style.visibility</p:attrName>
@@ -10146,7 +10517,7 @@
                                       <p:cBhvr>
                                         <p:cTn id="25" dur="700" fill="hold"/>
                                         <p:tgtEl>
-                                          <p:spTgt spid="239"/>
+                                          <p:spTgt spid="243"/>
                                         </p:tgtEl>
                                         <p:attrNameLst>
                                           <p:attrName>ppt_x</p:attrName>
@@ -10169,7 +10540,7 @@
                                       <p:cBhvr>
                                         <p:cTn id="26" dur="700" fill="hold"/>
                                         <p:tgtEl>
-                                          <p:spTgt spid="239"/>
+                                          <p:spTgt spid="243"/>
                                         </p:tgtEl>
                                         <p:attrNameLst>
                                           <p:attrName>ppt_y</p:attrName>
@@ -10213,7 +10584,7 @@
                                       <p:cBhvr>
                                         <p:cTn id="29" fill="hold"/>
                                         <p:tgtEl>
-                                          <p:spTgt spid="242"/>
+                                          <p:spTgt spid="246"/>
                                         </p:tgtEl>
                                         <p:attrNameLst>
                                           <p:attrName>style.visibility</p:attrName>
@@ -10227,7 +10598,7 @@
                                       <p:cBhvr>
                                         <p:cTn id="30" dur="400"/>
                                         <p:tgtEl>
-                                          <p:spTgt spid="242"/>
+                                          <p:spTgt spid="246"/>
                                         </p:tgtEl>
                                       </p:cBhvr>
                                     </p:animEffect>
@@ -10256,7 +10627,7 @@
                                       <p:cBhvr>
                                         <p:cTn id="33" fill="hold"/>
                                         <p:tgtEl>
-                                          <p:spTgt spid="240"/>
+                                          <p:spTgt spid="244"/>
                                         </p:tgtEl>
                                         <p:attrNameLst>
                                           <p:attrName>style.visibility</p:attrName>
@@ -10270,7 +10641,7 @@
                                       <p:cBhvr>
                                         <p:cTn id="34" dur="700" fill="hold"/>
                                         <p:tgtEl>
-                                          <p:spTgt spid="240"/>
+                                          <p:spTgt spid="244"/>
                                         </p:tgtEl>
                                         <p:attrNameLst>
                                           <p:attrName>ppt_x</p:attrName>
@@ -10293,7 +10664,7 @@
                                       <p:cBhvr>
                                         <p:cTn id="35" dur="700" fill="hold"/>
                                         <p:tgtEl>
-                                          <p:spTgt spid="240"/>
+                                          <p:spTgt spid="244"/>
                                         </p:tgtEl>
                                         <p:attrNameLst>
                                           <p:attrName>ppt_y</p:attrName>
@@ -10337,7 +10708,7 @@
                                       <p:cBhvr>
                                         <p:cTn id="38" fill="hold"/>
                                         <p:tgtEl>
-                                          <p:spTgt spid="243"/>
+                                          <p:spTgt spid="247"/>
                                         </p:tgtEl>
                                         <p:attrNameLst>
                                           <p:attrName>style.visibility</p:attrName>
@@ -10351,7 +10722,7 @@
                                       <p:cBhvr>
                                         <p:cTn id="39" dur="400"/>
                                         <p:tgtEl>
-                                          <p:spTgt spid="243"/>
+                                          <p:spTgt spid="247"/>
                                         </p:tgtEl>
                                       </p:cBhvr>
                                     </p:animEffect>
@@ -10386,14 +10757,14 @@
       </p:par>
     </p:tnLst>
     <p:bldLst>
-      <p:bldP build="whole" bldLvl="1" animBg="1" rev="0" advAuto="0" spid="237" grpId="2"/>
-      <p:bldP build="whole" bldLvl="1" animBg="1" rev="0" advAuto="0" spid="243" grpId="8"/>
-      <p:bldP build="whole" bldLvl="1" animBg="1" rev="0" advAuto="0" spid="239" grpId="5"/>
-      <p:bldP build="whole" bldLvl="1" animBg="1" rev="0" advAuto="0" spid="238" grpId="3"/>
-      <p:bldP build="whole" bldLvl="1" animBg="1" rev="0" advAuto="0" spid="242" grpId="6"/>
-      <p:bldP build="whole" bldLvl="1" animBg="1" rev="0" advAuto="0" spid="241" grpId="4"/>
-      <p:bldP build="whole" bldLvl="1" animBg="1" rev="0" advAuto="0" spid="240" grpId="7"/>
-      <p:bldP build="whole" bldLvl="1" animBg="1" rev="0" advAuto="0" spid="236" grpId="1"/>
+      <p:bldP build="whole" bldLvl="1" animBg="1" rev="0" advAuto="0" spid="240" grpId="1"/>
+      <p:bldP build="whole" bldLvl="1" animBg="1" rev="0" advAuto="0" spid="246" grpId="6"/>
+      <p:bldP build="whole" bldLvl="1" animBg="1" rev="0" advAuto="0" spid="243" grpId="5"/>
+      <p:bldP build="whole" bldLvl="1" animBg="1" rev="0" advAuto="0" spid="244" grpId="7"/>
+      <p:bldP build="whole" bldLvl="1" animBg="1" rev="0" advAuto="0" spid="247" grpId="8"/>
+      <p:bldP build="whole" bldLvl="1" animBg="1" rev="0" advAuto="0" spid="245" grpId="4"/>
+      <p:bldP build="whole" bldLvl="1" animBg="1" rev="0" advAuto="0" spid="241" grpId="2"/>
+      <p:bldP build="whole" bldLvl="1" animBg="1" rev="0" advAuto="0" spid="242" grpId="3"/>
     </p:bldLst>
   </p:timing>
 </p:sld>
@@ -10425,7 +10796,7 @@
       </p:grpSpPr>
       <p:sp>
         <p:nvSpPr>
-          <p:cNvPr id="245" name="Title 6"/>
+          <p:cNvPr id="249" name="Title 6"/>
           <p:cNvSpPr txBox="1"/>
           <p:nvPr>
             <p:ph type="title"/>
@@ -10461,7 +10832,7 @@
       </p:sp>
       <p:pic>
         <p:nvPicPr>
-          <p:cNvPr id="246" name="stopwatch (2).png" descr="stopwatch (2).png"/>
+          <p:cNvPr id="250" name="stopwatch (2).png" descr="stopwatch (2).png"/>
           <p:cNvPicPr>
             <a:picLocks noChangeAspect="1"/>
           </p:cNvPicPr>
@@ -10490,7 +10861,7 @@
       </p:pic>
       <p:sp>
         <p:nvSpPr>
-          <p:cNvPr id="247" name="./bin/client edit"/>
+          <p:cNvPr id="251" name="./bin/client edit"/>
           <p:cNvSpPr txBox="1"/>
           <p:nvPr/>
         </p:nvSpPr>
@@ -10547,7 +10918,7 @@
       </p:sp>
       <p:sp>
         <p:nvSpPr>
-          <p:cNvPr id="248" name="Rectangle"/>
+          <p:cNvPr id="252" name="Rectangle"/>
           <p:cNvSpPr/>
           <p:nvPr/>
         </p:nvSpPr>
@@ -10592,14 +10963,14 @@
       </p:sp>
       <p:sp>
         <p:nvSpPr>
-          <p:cNvPr id="249" name="[]flag.Value"/>
+          <p:cNvPr id="253" name="flag.Value"/>
           <p:cNvSpPr txBox="1"/>
           <p:nvPr/>
         </p:nvSpPr>
         <p:spPr>
           <a:xfrm>
-            <a:off x="7873634" y="5953012"/>
-            <a:ext cx="6027738" cy="1247776"/>
+            <a:off x="7978539" y="5953012"/>
+            <a:ext cx="5049045" cy="1247776"/>
           </a:xfrm>
           <a:prstGeom prst="rect">
             <a:avLst/>
@@ -10634,18 +11005,6 @@
               </a:defRPr>
             </a:pPr>
             <a:r>
-              <a:rPr>
-                <a:solidFill>
-                  <a:schemeClr val="accent1">
-                    <a:hueOff val="-84091"/>
-                    <a:satOff val="15316"/>
-                    <a:lumOff val="24313"/>
-                  </a:schemeClr>
-                </a:solidFill>
-              </a:rPr>
-              <a:t>[]</a:t>
-            </a:r>
-            <a:r>
               <a:t>flag.</a:t>
             </a:r>
             <a:r>
@@ -10661,7 +11020,7 @@
       </p:sp>
       <p:sp>
         <p:nvSpPr>
-          <p:cNvPr id="250" name="—-title"/>
+          <p:cNvPr id="254" name="—-title"/>
           <p:cNvSpPr txBox="1"/>
           <p:nvPr/>
         </p:nvSpPr>
@@ -10710,7 +11069,7 @@
       </p:sp>
       <p:sp>
         <p:nvSpPr>
-          <p:cNvPr id="251" name="—-message"/>
+          <p:cNvPr id="255" name="—-message"/>
           <p:cNvSpPr txBox="1"/>
           <p:nvPr/>
         </p:nvSpPr>
@@ -10761,7 +11120,7 @@
       </p:sp>
       <p:sp>
         <p:nvSpPr>
-          <p:cNvPr id="252" name="—-duration"/>
+          <p:cNvPr id="256" name="—-duration"/>
           <p:cNvSpPr txBox="1"/>
           <p:nvPr/>
         </p:nvSpPr>
@@ -10812,7 +11171,7 @@
       </p:sp>
       <p:sp>
         <p:nvSpPr>
-          <p:cNvPr id="253" name="string"/>
+          <p:cNvPr id="257" name="string"/>
           <p:cNvSpPr txBox="1"/>
           <p:nvPr/>
         </p:nvSpPr>
@@ -10865,7 +11224,7 @@
       </p:sp>
       <p:sp>
         <p:nvSpPr>
-          <p:cNvPr id="254" name="string"/>
+          <p:cNvPr id="258" name="string"/>
           <p:cNvSpPr txBox="1"/>
           <p:nvPr/>
         </p:nvSpPr>
@@ -10918,7 +11277,7 @@
       </p:sp>
       <p:sp>
         <p:nvSpPr>
-          <p:cNvPr id="255" name="time.Duration"/>
+          <p:cNvPr id="259" name="time.Duration"/>
           <p:cNvSpPr txBox="1"/>
           <p:nvPr/>
         </p:nvSpPr>
@@ -10975,7 +11334,7 @@
       </p:sp>
       <p:sp>
         <p:nvSpPr>
-          <p:cNvPr id="256" name="—-id"/>
+          <p:cNvPr id="260" name="—-id"/>
           <p:cNvSpPr txBox="1"/>
           <p:nvPr/>
         </p:nvSpPr>
@@ -11075,7 +11434,7 @@
                                       <p:cBhvr>
                                         <p:cTn id="6" fill="hold"/>
                                         <p:tgtEl>
-                                          <p:spTgt spid="247"/>
+                                          <p:spTgt spid="251"/>
                                         </p:tgtEl>
                                         <p:attrNameLst>
                                           <p:attrName>style.visibility</p:attrName>
@@ -11089,7 +11448,7 @@
                                       <p:cBhvr>
                                         <p:cTn id="7" dur="700" fill="hold"/>
                                         <p:tgtEl>
-                                          <p:spTgt spid="247"/>
+                                          <p:spTgt spid="251"/>
                                         </p:tgtEl>
                                         <p:attrNameLst>
                                           <p:attrName>ppt_x</p:attrName>
@@ -11112,7 +11471,7 @@
                                       <p:cBhvr>
                                         <p:cTn id="8" dur="700" fill="hold"/>
                                         <p:tgtEl>
-                                          <p:spTgt spid="247"/>
+                                          <p:spTgt spid="251"/>
                                         </p:tgtEl>
                                         <p:attrNameLst>
                                           <p:attrName>ppt_y</p:attrName>
@@ -11156,7 +11515,7 @@
                                       <p:cBhvr>
                                         <p:cTn id="11" fill="hold"/>
                                         <p:tgtEl>
-                                          <p:spTgt spid="248"/>
+                                          <p:spTgt spid="252"/>
                                         </p:tgtEl>
                                         <p:attrNameLst>
                                           <p:attrName>style.visibility</p:attrName>
@@ -11170,7 +11529,7 @@
                                       <p:cBhvr>
                                         <p:cTn id="12" dur="400"/>
                                         <p:tgtEl>
-                                          <p:spTgt spid="248"/>
+                                          <p:spTgt spid="252"/>
                                         </p:tgtEl>
                                       </p:cBhvr>
                                     </p:animEffect>
@@ -11199,7 +11558,7 @@
                                       <p:cBhvr>
                                         <p:cTn id="15" fill="hold"/>
                                         <p:tgtEl>
-                                          <p:spTgt spid="256"/>
+                                          <p:spTgt spid="260"/>
                                         </p:tgtEl>
                                         <p:attrNameLst>
                                           <p:attrName>style.visibility</p:attrName>
@@ -11213,7 +11572,7 @@
                                       <p:cBhvr>
                                         <p:cTn id="16" dur="700" fill="hold"/>
                                         <p:tgtEl>
-                                          <p:spTgt spid="256"/>
+                                          <p:spTgt spid="260"/>
                                         </p:tgtEl>
                                         <p:attrNameLst>
                                           <p:attrName>ppt_x</p:attrName>
@@ -11236,7 +11595,7 @@
                                       <p:cBhvr>
                                         <p:cTn id="17" dur="700" fill="hold"/>
                                         <p:tgtEl>
-                                          <p:spTgt spid="256"/>
+                                          <p:spTgt spid="260"/>
                                         </p:tgtEl>
                                         <p:attrNameLst>
                                           <p:attrName>ppt_y</p:attrName>
@@ -11280,7 +11639,7 @@
                                       <p:cBhvr>
                                         <p:cTn id="20" fill="hold"/>
                                         <p:tgtEl>
-                                          <p:spTgt spid="249"/>
+                                          <p:spTgt spid="253"/>
                                         </p:tgtEl>
                                         <p:attrNameLst>
                                           <p:attrName>style.visibility</p:attrName>
@@ -11294,7 +11653,7 @@
                                       <p:cBhvr>
                                         <p:cTn id="21" dur="400"/>
                                         <p:tgtEl>
-                                          <p:spTgt spid="249"/>
+                                          <p:spTgt spid="253"/>
                                         </p:tgtEl>
                                       </p:cBhvr>
                                     </p:animEffect>
@@ -11323,7 +11682,7 @@
                                       <p:cBhvr>
                                         <p:cTn id="24" fill="hold"/>
                                         <p:tgtEl>
-                                          <p:spTgt spid="250"/>
+                                          <p:spTgt spid="254"/>
                                         </p:tgtEl>
                                         <p:attrNameLst>
                                           <p:attrName>style.visibility</p:attrName>
@@ -11337,7 +11696,7 @@
                                       <p:cBhvr>
                                         <p:cTn id="25" dur="700" fill="hold"/>
                                         <p:tgtEl>
-                                          <p:spTgt spid="250"/>
+                                          <p:spTgt spid="254"/>
                                         </p:tgtEl>
                                         <p:attrNameLst>
                                           <p:attrName>ppt_x</p:attrName>
@@ -11360,7 +11719,7 @@
                                       <p:cBhvr>
                                         <p:cTn id="26" dur="700" fill="hold"/>
                                         <p:tgtEl>
-                                          <p:spTgt spid="250"/>
+                                          <p:spTgt spid="254"/>
                                         </p:tgtEl>
                                         <p:attrNameLst>
                                           <p:attrName>ppt_y</p:attrName>
@@ -11404,7 +11763,7 @@
                                       <p:cBhvr>
                                         <p:cTn id="29" fill="hold"/>
                                         <p:tgtEl>
-                                          <p:spTgt spid="253"/>
+                                          <p:spTgt spid="257"/>
                                         </p:tgtEl>
                                         <p:attrNameLst>
                                           <p:attrName>style.visibility</p:attrName>
@@ -11418,7 +11777,7 @@
                                       <p:cBhvr>
                                         <p:cTn id="30" dur="400"/>
                                         <p:tgtEl>
-                                          <p:spTgt spid="253"/>
+                                          <p:spTgt spid="257"/>
                                         </p:tgtEl>
                                       </p:cBhvr>
                                     </p:animEffect>
@@ -11447,7 +11806,7 @@
                                       <p:cBhvr>
                                         <p:cTn id="33" fill="hold"/>
                                         <p:tgtEl>
-                                          <p:spTgt spid="251"/>
+                                          <p:spTgt spid="255"/>
                                         </p:tgtEl>
                                         <p:attrNameLst>
                                           <p:attrName>style.visibility</p:attrName>
@@ -11461,7 +11820,7 @@
                                       <p:cBhvr>
                                         <p:cTn id="34" dur="700" fill="hold"/>
                                         <p:tgtEl>
-                                          <p:spTgt spid="251"/>
+                                          <p:spTgt spid="255"/>
                                         </p:tgtEl>
                                         <p:attrNameLst>
                                           <p:attrName>ppt_x</p:attrName>
@@ -11484,7 +11843,7 @@
                                       <p:cBhvr>
                                         <p:cTn id="35" dur="700" fill="hold"/>
                                         <p:tgtEl>
-                                          <p:spTgt spid="251"/>
+                                          <p:spTgt spid="255"/>
                                         </p:tgtEl>
                                         <p:attrNameLst>
                                           <p:attrName>ppt_y</p:attrName>
@@ -11528,7 +11887,7 @@
                                       <p:cBhvr>
                                         <p:cTn id="38" fill="hold"/>
                                         <p:tgtEl>
-                                          <p:spTgt spid="254"/>
+                                          <p:spTgt spid="258"/>
                                         </p:tgtEl>
                                         <p:attrNameLst>
                                           <p:attrName>style.visibility</p:attrName>
@@ -11542,7 +11901,7 @@
                                       <p:cBhvr>
                                         <p:cTn id="39" dur="400"/>
                                         <p:tgtEl>
-                                          <p:spTgt spid="254"/>
+                                          <p:spTgt spid="258"/>
                                         </p:tgtEl>
                                       </p:cBhvr>
                                     </p:animEffect>
@@ -11571,7 +11930,7 @@
                                       <p:cBhvr>
                                         <p:cTn id="42" fill="hold"/>
                                         <p:tgtEl>
-                                          <p:spTgt spid="252"/>
+                                          <p:spTgt spid="256"/>
                                         </p:tgtEl>
                                         <p:attrNameLst>
                                           <p:attrName>style.visibility</p:attrName>
@@ -11585,7 +11944,7 @@
                                       <p:cBhvr>
                                         <p:cTn id="43" dur="700" fill="hold"/>
                                         <p:tgtEl>
-                                          <p:spTgt spid="252"/>
+                                          <p:spTgt spid="256"/>
                                         </p:tgtEl>
                                         <p:attrNameLst>
                                           <p:attrName>ppt_x</p:attrName>
@@ -11608,7 +11967,7 @@
                                       <p:cBhvr>
                                         <p:cTn id="44" dur="700" fill="hold"/>
                                         <p:tgtEl>
-                                          <p:spTgt spid="252"/>
+                                          <p:spTgt spid="256"/>
                                         </p:tgtEl>
                                         <p:attrNameLst>
                                           <p:attrName>ppt_y</p:attrName>
@@ -11652,7 +12011,7 @@
                                       <p:cBhvr>
                                         <p:cTn id="47" fill="hold"/>
                                         <p:tgtEl>
-                                          <p:spTgt spid="255"/>
+                                          <p:spTgt spid="259"/>
                                         </p:tgtEl>
                                         <p:attrNameLst>
                                           <p:attrName>style.visibility</p:attrName>
@@ -11666,7 +12025,7 @@
                                       <p:cBhvr>
                                         <p:cTn id="48" dur="400"/>
                                         <p:tgtEl>
-                                          <p:spTgt spid="255"/>
+                                          <p:spTgt spid="259"/>
                                         </p:tgtEl>
                                       </p:cBhvr>
                                     </p:animEffect>
@@ -11701,16 +12060,16 @@
       </p:par>
     </p:tnLst>
     <p:bldLst>
-      <p:bldP build="whole" bldLvl="1" animBg="1" rev="0" advAuto="0" spid="256" grpId="3"/>
-      <p:bldP build="whole" bldLvl="1" animBg="1" rev="0" advAuto="0" spid="250" grpId="5"/>
-      <p:bldP build="whole" bldLvl="1" animBg="1" rev="0" advAuto="0" spid="251" grpId="7"/>
-      <p:bldP build="whole" bldLvl="1" animBg="1" rev="0" advAuto="0" spid="252" grpId="9"/>
-      <p:bldP build="whole" bldLvl="1" animBg="1" rev="0" advAuto="0" spid="247" grpId="1"/>
-      <p:bldP build="whole" bldLvl="1" animBg="1" rev="0" advAuto="0" spid="253" grpId="6"/>
-      <p:bldP build="whole" bldLvl="1" animBg="1" rev="0" advAuto="0" spid="254" grpId="8"/>
-      <p:bldP build="whole" bldLvl="1" animBg="1" rev="0" advAuto="0" spid="255" grpId="10"/>
-      <p:bldP build="whole" bldLvl="1" animBg="1" rev="0" advAuto="0" spid="249" grpId="4"/>
-      <p:bldP build="whole" bldLvl="1" animBg="1" rev="0" advAuto="0" spid="248" grpId="2"/>
+      <p:bldP build="whole" bldLvl="1" animBg="1" rev="0" advAuto="0" spid="251" grpId="1"/>
+      <p:bldP build="whole" bldLvl="1" animBg="1" rev="0" advAuto="0" spid="260" grpId="3"/>
+      <p:bldP build="whole" bldLvl="1" animBg="1" rev="0" advAuto="0" spid="252" grpId="2"/>
+      <p:bldP build="whole" bldLvl="1" animBg="1" rev="0" advAuto="0" spid="253" grpId="4"/>
+      <p:bldP build="whole" bldLvl="1" animBg="1" rev="0" advAuto="0" spid="255" grpId="7"/>
+      <p:bldP build="whole" bldLvl="1" animBg="1" rev="0" advAuto="0" spid="258" grpId="8"/>
+      <p:bldP build="whole" bldLvl="1" animBg="1" rev="0" advAuto="0" spid="257" grpId="6"/>
+      <p:bldP build="whole" bldLvl="1" animBg="1" rev="0" advAuto="0" spid="254" grpId="5"/>
+      <p:bldP build="whole" bldLvl="1" animBg="1" rev="0" advAuto="0" spid="256" grpId="9"/>
+      <p:bldP build="whole" bldLvl="1" animBg="1" rev="0" advAuto="0" spid="259" grpId="10"/>
     </p:bldLst>
   </p:timing>
 </p:sld>
@@ -11742,7 +12101,7 @@
       </p:grpSpPr>
       <p:sp>
         <p:nvSpPr>
-          <p:cNvPr id="258" name="Title 6"/>
+          <p:cNvPr id="262" name="Title 6"/>
           <p:cNvSpPr txBox="1"/>
           <p:nvPr>
             <p:ph type="title"/>
@@ -11778,7 +12137,7 @@
       </p:sp>
       <p:pic>
         <p:nvPicPr>
-          <p:cNvPr id="259" name="stopwatch (2).png" descr="stopwatch (2).png"/>
+          <p:cNvPr id="263" name="stopwatch (2).png" descr="stopwatch (2).png"/>
           <p:cNvPicPr>
             <a:picLocks noChangeAspect="1"/>
           </p:cNvPicPr>
@@ -11807,7 +12166,7 @@
       </p:pic>
       <p:sp>
         <p:nvSpPr>
-          <p:cNvPr id="260" name="./bin/client fetch"/>
+          <p:cNvPr id="264" name="./bin/client fetch"/>
           <p:cNvSpPr txBox="1"/>
           <p:nvPr/>
         </p:nvSpPr>
@@ -11864,7 +12223,7 @@
       </p:sp>
       <p:sp>
         <p:nvSpPr>
-          <p:cNvPr id="261" name="Rectangle"/>
+          <p:cNvPr id="265" name="Rectangle"/>
           <p:cNvSpPr/>
           <p:nvPr/>
         </p:nvSpPr>
@@ -11909,14 +12268,14 @@
       </p:sp>
       <p:sp>
         <p:nvSpPr>
-          <p:cNvPr id="262" name="[]flag.Value"/>
+          <p:cNvPr id="266" name="flag.Value"/>
           <p:cNvSpPr txBox="1"/>
           <p:nvPr/>
         </p:nvSpPr>
         <p:spPr>
           <a:xfrm>
             <a:off x="5187924" y="5953012"/>
-            <a:ext cx="6027739" cy="1247776"/>
+            <a:ext cx="5049045" cy="1247776"/>
           </a:xfrm>
           <a:prstGeom prst="rect">
             <a:avLst/>
@@ -11951,18 +12310,6 @@
               </a:defRPr>
             </a:pPr>
             <a:r>
-              <a:rPr>
-                <a:solidFill>
-                  <a:schemeClr val="accent1">
-                    <a:hueOff val="-84091"/>
-                    <a:satOff val="15316"/>
-                    <a:lumOff val="24313"/>
-                  </a:schemeClr>
-                </a:solidFill>
-              </a:rPr>
-              <a:t>[]</a:t>
-            </a:r>
-            <a:r>
               <a:t>flag.</a:t>
             </a:r>
             <a:r>
@@ -11978,7 +12325,7 @@
       </p:sp>
       <p:sp>
         <p:nvSpPr>
-          <p:cNvPr id="263" name="—-id"/>
+          <p:cNvPr id="267" name="—-id"/>
           <p:cNvSpPr txBox="1"/>
           <p:nvPr/>
         </p:nvSpPr>
@@ -12078,7 +12425,7 @@
                                       <p:cBhvr>
                                         <p:cTn id="6" fill="hold"/>
                                         <p:tgtEl>
-                                          <p:spTgt spid="260"/>
+                                          <p:spTgt spid="264"/>
                                         </p:tgtEl>
                                         <p:attrNameLst>
                                           <p:attrName>style.visibility</p:attrName>
@@ -12092,7 +12439,7 @@
                                       <p:cBhvr>
                                         <p:cTn id="7" dur="700" fill="hold"/>
                                         <p:tgtEl>
-                                          <p:spTgt spid="260"/>
+                                          <p:spTgt spid="264"/>
                                         </p:tgtEl>
                                         <p:attrNameLst>
                                           <p:attrName>ppt_x</p:attrName>
@@ -12115,7 +12462,7 @@
                                       <p:cBhvr>
                                         <p:cTn id="8" dur="700" fill="hold"/>
                                         <p:tgtEl>
-                                          <p:spTgt spid="260"/>
+                                          <p:spTgt spid="264"/>
                                         </p:tgtEl>
                                         <p:attrNameLst>
                                           <p:attrName>ppt_y</p:attrName>
@@ -12159,7 +12506,7 @@
                                       <p:cBhvr>
                                         <p:cTn id="11" fill="hold"/>
                                         <p:tgtEl>
-                                          <p:spTgt spid="261"/>
+                                          <p:spTgt spid="265"/>
                                         </p:tgtEl>
                                         <p:attrNameLst>
                                           <p:attrName>style.visibility</p:attrName>
@@ -12173,7 +12520,7 @@
                                       <p:cBhvr>
                                         <p:cTn id="12" dur="400"/>
                                         <p:tgtEl>
-                                          <p:spTgt spid="261"/>
+                                          <p:spTgt spid="265"/>
                                         </p:tgtEl>
                                       </p:cBhvr>
                                     </p:animEffect>
@@ -12202,7 +12549,7 @@
                                       <p:cBhvr>
                                         <p:cTn id="15" fill="hold"/>
                                         <p:tgtEl>
-                                          <p:spTgt spid="263"/>
+                                          <p:spTgt spid="267"/>
                                         </p:tgtEl>
                                         <p:attrNameLst>
                                           <p:attrName>style.visibility</p:attrName>
@@ -12216,7 +12563,7 @@
                                       <p:cBhvr>
                                         <p:cTn id="16" dur="700" fill="hold"/>
                                         <p:tgtEl>
-                                          <p:spTgt spid="263"/>
+                                          <p:spTgt spid="267"/>
                                         </p:tgtEl>
                                         <p:attrNameLst>
                                           <p:attrName>ppt_x</p:attrName>
@@ -12239,7 +12586,7 @@
                                       <p:cBhvr>
                                         <p:cTn id="17" dur="700" fill="hold"/>
                                         <p:tgtEl>
-                                          <p:spTgt spid="263"/>
+                                          <p:spTgt spid="267"/>
                                         </p:tgtEl>
                                         <p:attrNameLst>
                                           <p:attrName>ppt_y</p:attrName>
@@ -12283,7 +12630,7 @@
                                       <p:cBhvr>
                                         <p:cTn id="20" fill="hold"/>
                                         <p:tgtEl>
-                                          <p:spTgt spid="262"/>
+                                          <p:spTgt spid="266"/>
                                         </p:tgtEl>
                                         <p:attrNameLst>
                                           <p:attrName>style.visibility</p:attrName>
@@ -12297,7 +12644,7 @@
                                       <p:cBhvr>
                                         <p:cTn id="21" dur="400"/>
                                         <p:tgtEl>
-                                          <p:spTgt spid="262"/>
+                                          <p:spTgt spid="266"/>
                                         </p:tgtEl>
                                       </p:cBhvr>
                                     </p:animEffect>
@@ -12332,10 +12679,10 @@
       </p:par>
     </p:tnLst>
     <p:bldLst>
-      <p:bldP build="whole" bldLvl="1" animBg="1" rev="0" advAuto="0" spid="263" grpId="3"/>
-      <p:bldP build="whole" bldLvl="1" animBg="1" rev="0" advAuto="0" spid="262" grpId="4"/>
-      <p:bldP build="whole" bldLvl="1" animBg="1" rev="0" advAuto="0" spid="261" grpId="2"/>
-      <p:bldP build="whole" bldLvl="1" animBg="1" rev="0" advAuto="0" spid="260" grpId="1"/>
+      <p:bldP build="whole" bldLvl="1" animBg="1" rev="0" advAuto="0" spid="265" grpId="2"/>
+      <p:bldP build="whole" bldLvl="1" animBg="1" rev="0" advAuto="0" spid="267" grpId="3"/>
+      <p:bldP build="whole" bldLvl="1" animBg="1" rev="0" advAuto="0" spid="266" grpId="4"/>
+      <p:bldP build="whole" bldLvl="1" animBg="1" rev="0" advAuto="0" spid="264" grpId="1"/>
     </p:bldLst>
   </p:timing>
 </p:sld>
@@ -12367,7 +12714,7 @@
       </p:grpSpPr>
       <p:sp>
         <p:nvSpPr>
-          <p:cNvPr id="265" name="Title 6"/>
+          <p:cNvPr id="269" name="Title 6"/>
           <p:cNvSpPr txBox="1"/>
           <p:nvPr>
             <p:ph type="title"/>
@@ -12403,7 +12750,7 @@
       </p:sp>
       <p:pic>
         <p:nvPicPr>
-          <p:cNvPr id="266" name="stopwatch (2).png" descr="stopwatch (2).png"/>
+          <p:cNvPr id="270" name="stopwatch (2).png" descr="stopwatch (2).png"/>
           <p:cNvPicPr>
             <a:picLocks noChangeAspect="1"/>
           </p:cNvPicPr>
@@ -12432,7 +12779,7 @@
       </p:pic>
       <p:sp>
         <p:nvSpPr>
-          <p:cNvPr id="267" name="./bin/client delete"/>
+          <p:cNvPr id="271" name="./bin/client delete"/>
           <p:cNvSpPr txBox="1"/>
           <p:nvPr/>
         </p:nvSpPr>
@@ -12489,7 +12836,7 @@
       </p:sp>
       <p:sp>
         <p:nvSpPr>
-          <p:cNvPr id="268" name="Rectangle"/>
+          <p:cNvPr id="272" name="Rectangle"/>
           <p:cNvSpPr/>
           <p:nvPr/>
         </p:nvSpPr>
@@ -12534,14 +12881,14 @@
       </p:sp>
       <p:sp>
         <p:nvSpPr>
-          <p:cNvPr id="269" name="[]flag.Value"/>
+          <p:cNvPr id="273" name="flag.Value"/>
           <p:cNvSpPr txBox="1"/>
           <p:nvPr/>
         </p:nvSpPr>
         <p:spPr>
           <a:xfrm>
             <a:off x="5187924" y="5953012"/>
-            <a:ext cx="6027739" cy="1247776"/>
+            <a:ext cx="5049045" cy="1247776"/>
           </a:xfrm>
           <a:prstGeom prst="rect">
             <a:avLst/>
@@ -12576,18 +12923,6 @@
               </a:defRPr>
             </a:pPr>
             <a:r>
-              <a:rPr>
-                <a:solidFill>
-                  <a:schemeClr val="accent1">
-                    <a:hueOff val="-84091"/>
-                    <a:satOff val="15316"/>
-                    <a:lumOff val="24313"/>
-                  </a:schemeClr>
-                </a:solidFill>
-              </a:rPr>
-              <a:t>[]</a:t>
-            </a:r>
-            <a:r>
               <a:t>flag.</a:t>
             </a:r>
             <a:r>
@@ -12603,7 +12938,7 @@
       </p:sp>
       <p:sp>
         <p:nvSpPr>
-          <p:cNvPr id="270" name="—-id"/>
+          <p:cNvPr id="274" name="—-id"/>
           <p:cNvSpPr txBox="1"/>
           <p:nvPr/>
         </p:nvSpPr>
@@ -12703,7 +13038,7 @@
                                       <p:cBhvr>
                                         <p:cTn id="6" fill="hold"/>
                                         <p:tgtEl>
-                                          <p:spTgt spid="267"/>
+                                          <p:spTgt spid="271"/>
                                         </p:tgtEl>
                                         <p:attrNameLst>
                                           <p:attrName>style.visibility</p:attrName>
@@ -12717,7 +13052,7 @@
                                       <p:cBhvr>
                                         <p:cTn id="7" dur="700" fill="hold"/>
                                         <p:tgtEl>
-                                          <p:spTgt spid="267"/>
+                                          <p:spTgt spid="271"/>
                                         </p:tgtEl>
                                         <p:attrNameLst>
                                           <p:attrName>ppt_x</p:attrName>
@@ -12740,7 +13075,7 @@
                                       <p:cBhvr>
                                         <p:cTn id="8" dur="700" fill="hold"/>
                                         <p:tgtEl>
-                                          <p:spTgt spid="267"/>
+                                          <p:spTgt spid="271"/>
                                         </p:tgtEl>
                                         <p:attrNameLst>
                                           <p:attrName>ppt_y</p:attrName>
@@ -12784,7 +13119,7 @@
                                       <p:cBhvr>
                                         <p:cTn id="11" fill="hold"/>
                                         <p:tgtEl>
-                                          <p:spTgt spid="268"/>
+                                          <p:spTgt spid="272"/>
                                         </p:tgtEl>
                                         <p:attrNameLst>
                                           <p:attrName>style.visibility</p:attrName>
@@ -12798,7 +13133,7 @@
                                       <p:cBhvr>
                                         <p:cTn id="12" dur="400"/>
                                         <p:tgtEl>
-                                          <p:spTgt spid="268"/>
+                                          <p:spTgt spid="272"/>
                                         </p:tgtEl>
                                       </p:cBhvr>
                                     </p:animEffect>
@@ -12827,7 +13162,7 @@
                                       <p:cBhvr>
                                         <p:cTn id="15" fill="hold"/>
                                         <p:tgtEl>
-                                          <p:spTgt spid="270"/>
+                                          <p:spTgt spid="274"/>
                                         </p:tgtEl>
                                         <p:attrNameLst>
                                           <p:attrName>style.visibility</p:attrName>
@@ -12841,7 +13176,7 @@
                                       <p:cBhvr>
                                         <p:cTn id="16" dur="700" fill="hold"/>
                                         <p:tgtEl>
-                                          <p:spTgt spid="270"/>
+                                          <p:spTgt spid="274"/>
                                         </p:tgtEl>
                                         <p:attrNameLst>
                                           <p:attrName>ppt_x</p:attrName>
@@ -12864,7 +13199,7 @@
                                       <p:cBhvr>
                                         <p:cTn id="17" dur="700" fill="hold"/>
                                         <p:tgtEl>
-                                          <p:spTgt spid="270"/>
+                                          <p:spTgt spid="274"/>
                                         </p:tgtEl>
                                         <p:attrNameLst>
                                           <p:attrName>ppt_y</p:attrName>
@@ -12908,7 +13243,7 @@
                                       <p:cBhvr>
                                         <p:cTn id="20" fill="hold"/>
                                         <p:tgtEl>
-                                          <p:spTgt spid="269"/>
+                                          <p:spTgt spid="273"/>
                                         </p:tgtEl>
                                         <p:attrNameLst>
                                           <p:attrName>style.visibility</p:attrName>
@@ -12922,7 +13257,7 @@
                                       <p:cBhvr>
                                         <p:cTn id="21" dur="400"/>
                                         <p:tgtEl>
-                                          <p:spTgt spid="269"/>
+                                          <p:spTgt spid="273"/>
                                         </p:tgtEl>
                                       </p:cBhvr>
                                     </p:animEffect>
@@ -12957,10 +13292,10 @@
       </p:par>
     </p:tnLst>
     <p:bldLst>
-      <p:bldP build="whole" bldLvl="1" animBg="1" rev="0" advAuto="0" spid="268" grpId="2"/>
-      <p:bldP build="whole" bldLvl="1" animBg="1" rev="0" advAuto="0" spid="269" grpId="4"/>
-      <p:bldP build="whole" bldLvl="1" animBg="1" rev="0" advAuto="0" spid="270" grpId="3"/>
-      <p:bldP build="whole" bldLvl="1" animBg="1" rev="0" advAuto="0" spid="267" grpId="1"/>
+      <p:bldP build="whole" bldLvl="1" animBg="1" rev="0" advAuto="0" spid="272" grpId="2"/>
+      <p:bldP build="whole" bldLvl="1" animBg="1" rev="0" advAuto="0" spid="271" grpId="1"/>
+      <p:bldP build="whole" bldLvl="1" animBg="1" rev="0" advAuto="0" spid="273" grpId="4"/>
+      <p:bldP build="whole" bldLvl="1" animBg="1" rev="0" advAuto="0" spid="274" grpId="3"/>
     </p:bldLst>
   </p:timing>
 </p:sld>
@@ -12992,7 +13327,616 @@
       </p:grpSpPr>
       <p:sp>
         <p:nvSpPr>
-          <p:cNvPr id="272" name="Title 6"/>
+          <p:cNvPr id="276" name="Title 6"/>
+          <p:cNvSpPr txBox="1"/>
+          <p:nvPr>
+            <p:ph type="title"/>
+          </p:nvPr>
+        </p:nvSpPr>
+        <p:spPr>
+          <a:xfrm>
+            <a:off x="5015634" y="1119893"/>
+            <a:ext cx="14352732" cy="1288881"/>
+          </a:xfrm>
+          <a:prstGeom prst="rect">
+            <a:avLst/>
+          </a:prstGeom>
+        </p:spPr>
+        <p:txBody>
+          <a:bodyPr/>
+          <a:lstStyle>
+            <a:lvl1pPr algn="ctr">
+              <a:defRPr sz="8000">
+                <a:solidFill>
+                  <a:srgbClr val="66C2FF"/>
+                </a:solidFill>
+              </a:defRPr>
+            </a:lvl1pPr>
+          </a:lstStyle>
+          <a:p>
+            <a:pPr/>
+            <a:r>
+              <a:t>Health</a:t>
+            </a:r>
+          </a:p>
+        </p:txBody>
+      </p:sp>
+      <p:pic>
+        <p:nvPicPr>
+          <p:cNvPr id="277" name="stopwatch (2).png" descr="stopwatch (2).png"/>
+          <p:cNvPicPr>
+            <a:picLocks noChangeAspect="1"/>
+          </p:cNvPicPr>
+          <p:nvPr/>
+        </p:nvPicPr>
+        <p:blipFill>
+          <a:blip r:embed="rId2">
+            <a:extLst/>
+          </a:blip>
+          <a:stretch>
+            <a:fillRect/>
+          </a:stretch>
+        </p:blipFill>
+        <p:spPr>
+          <a:xfrm>
+            <a:off x="22225000" y="2032000"/>
+            <a:ext cx="1270000" cy="1485243"/>
+          </a:xfrm>
+          <a:prstGeom prst="rect">
+            <a:avLst/>
+          </a:prstGeom>
+          <a:ln w="12700">
+            <a:miter lim="400000"/>
+          </a:ln>
+        </p:spPr>
+      </p:pic>
+      <p:sp>
+        <p:nvSpPr>
+          <p:cNvPr id="278" name="./bin/client health"/>
+          <p:cNvSpPr txBox="1"/>
+          <p:nvPr/>
+        </p:nvSpPr>
+        <p:spPr>
+          <a:xfrm>
+            <a:off x="1937778" y="4491254"/>
+            <a:ext cx="9453167" cy="1247776"/>
+          </a:xfrm>
+          <a:prstGeom prst="rect">
+            <a:avLst/>
+          </a:prstGeom>
+          <a:ln w="12700">
+            <a:miter lim="400000"/>
+          </a:ln>
+          <a:extLst>
+            <a:ext uri="{C572A759-6A51-4108-AA02-DFA0A04FC94B}">
+              <ma14:wrappingTextBoxFlag xmlns:ma14="http://schemas.microsoft.com/office/mac/drawingml/2011/main" val="1"/>
+            </a:ext>
+          </a:extLst>
+        </p:spPr>
+        <p:txBody>
+          <a:bodyPr wrap="none" lIns="71437" tIns="71437" rIns="71437" bIns="71437" anchor="ctr">
+            <a:spAutoFit/>
+          </a:bodyPr>
+          <a:lstStyle/>
+          <a:p>
+            <a:pPr>
+              <a:spcBef>
+                <a:spcPts val="0"/>
+              </a:spcBef>
+              <a:defRPr sz="6400">
+                <a:solidFill>
+                  <a:srgbClr val="FFFFFF"/>
+                </a:solidFill>
+                <a:latin typeface="Meslo LG M for Powerline"/>
+                <a:ea typeface="Meslo LG M for Powerline"/>
+                <a:cs typeface="Meslo LG M for Powerline"/>
+                <a:sym typeface="Meslo LG M for Powerline"/>
+              </a:defRPr>
+            </a:pPr>
+            <a:r>
+              <a:rPr>
+                <a:solidFill>
+                  <a:srgbClr val="FDD835"/>
+                </a:solidFill>
+              </a:rPr>
+              <a:t>./bin/client</a:t>
+            </a:r>
+            <a:r>
+              <a:t> health</a:t>
+            </a:r>
+          </a:p>
+        </p:txBody>
+      </p:sp>
+      <p:sp>
+        <p:nvSpPr>
+          <p:cNvPr id="279" name="Rectangle"/>
+          <p:cNvSpPr/>
+          <p:nvPr/>
+        </p:nvSpPr>
+        <p:spPr>
+          <a:xfrm>
+            <a:off x="1272098" y="4571636"/>
+            <a:ext cx="604263" cy="1087013"/>
+          </a:xfrm>
+          <a:prstGeom prst="rect">
+            <a:avLst/>
+          </a:prstGeom>
+          <a:solidFill>
+            <a:srgbClr val="8BC500"/>
+          </a:solidFill>
+          <a:ln w="12700">
+            <a:miter lim="400000"/>
+          </a:ln>
+        </p:spPr>
+        <p:txBody>
+          <a:bodyPr lIns="71437" tIns="71437" rIns="71437" bIns="71437" anchor="ctr"/>
+          <a:lstStyle/>
+          <a:p>
+            <a:pPr algn="ctr">
+              <a:lnSpc>
+                <a:spcPct val="80000"/>
+              </a:lnSpc>
+              <a:spcBef>
+                <a:spcPts val="0"/>
+              </a:spcBef>
+              <a:defRPr cap="all" sz="3800">
+                <a:solidFill>
+                  <a:srgbClr val="FFFFFF"/>
+                </a:solidFill>
+                <a:latin typeface="+mn-lt"/>
+                <a:ea typeface="+mn-ea"/>
+                <a:cs typeface="+mn-cs"/>
+                <a:sym typeface="DIN Condensed"/>
+              </a:defRPr>
+            </a:pPr>
+          </a:p>
+        </p:txBody>
+      </p:sp>
+      <p:sp>
+        <p:nvSpPr>
+          <p:cNvPr id="280" name="—-host"/>
+          <p:cNvSpPr txBox="1"/>
+          <p:nvPr/>
+        </p:nvSpPr>
+        <p:spPr>
+          <a:xfrm>
+            <a:off x="2115578" y="5953012"/>
+            <a:ext cx="3091657" cy="1247776"/>
+          </a:xfrm>
+          <a:prstGeom prst="rect">
+            <a:avLst/>
+          </a:prstGeom>
+          <a:ln w="12700">
+            <a:miter lim="400000"/>
+          </a:ln>
+          <a:extLst>
+            <a:ext uri="{C572A759-6A51-4108-AA02-DFA0A04FC94B}">
+              <ma14:wrappingTextBoxFlag xmlns:ma14="http://schemas.microsoft.com/office/mac/drawingml/2011/main" val="1"/>
+            </a:ext>
+          </a:extLst>
+        </p:spPr>
+        <p:txBody>
+          <a:bodyPr wrap="none" lIns="71437" tIns="71437" rIns="71437" bIns="71437" anchor="ctr">
+            <a:spAutoFit/>
+          </a:bodyPr>
+          <a:lstStyle/>
+          <a:p>
+            <a:pPr lvl="2">
+              <a:spcBef>
+                <a:spcPts val="0"/>
+              </a:spcBef>
+              <a:defRPr sz="6400">
+                <a:solidFill>
+                  <a:srgbClr val="A6AAA9"/>
+                </a:solidFill>
+                <a:latin typeface="Meslo LG M for Powerline"/>
+                <a:ea typeface="Meslo LG M for Powerline"/>
+                <a:cs typeface="Meslo LG M for Powerline"/>
+                <a:sym typeface="Meslo LG M for Powerline"/>
+              </a:defRPr>
+            </a:pPr>
+            <a:r>
+              <a:t>—-host</a:t>
+            </a:r>
+          </a:p>
+        </p:txBody>
+      </p:sp>
+      <p:sp>
+        <p:nvSpPr>
+          <p:cNvPr id="281" name="string"/>
+          <p:cNvSpPr txBox="1"/>
+          <p:nvPr/>
+        </p:nvSpPr>
+        <p:spPr>
+          <a:xfrm>
+            <a:off x="6544338" y="5953012"/>
+            <a:ext cx="3091657" cy="1247776"/>
+          </a:xfrm>
+          <a:prstGeom prst="rect">
+            <a:avLst/>
+          </a:prstGeom>
+          <a:ln w="12700">
+            <a:miter lim="400000"/>
+          </a:ln>
+          <a:extLst>
+            <a:ext uri="{C572A759-6A51-4108-AA02-DFA0A04FC94B}">
+              <ma14:wrappingTextBoxFlag xmlns:ma14="http://schemas.microsoft.com/office/mac/drawingml/2011/main" val="1"/>
+            </a:ext>
+          </a:extLst>
+        </p:spPr>
+        <p:txBody>
+          <a:bodyPr wrap="none" lIns="71437" tIns="71437" rIns="71437" bIns="71437" anchor="ctr">
+            <a:spAutoFit/>
+          </a:bodyPr>
+          <a:lstStyle/>
+          <a:p>
+            <a:pPr lvl="2">
+              <a:spcBef>
+                <a:spcPts val="0"/>
+              </a:spcBef>
+              <a:defRPr sz="6400">
+                <a:solidFill>
+                  <a:schemeClr val="accent6">
+                    <a:hueOff val="-1036173"/>
+                    <a:satOff val="-3113"/>
+                    <a:lumOff val="-7679"/>
+                  </a:schemeClr>
+                </a:solidFill>
+                <a:latin typeface="Meslo LG M for Powerline"/>
+                <a:ea typeface="Meslo LG M for Powerline"/>
+                <a:cs typeface="Meslo LG M for Powerline"/>
+                <a:sym typeface="Meslo LG M for Powerline"/>
+              </a:defRPr>
+            </a:pPr>
+            <a:r>
+              <a:t>string</a:t>
+            </a:r>
+          </a:p>
+        </p:txBody>
+      </p:sp>
+    </p:spTree>
+  </p:cSld>
+  <p:clrMapOvr>
+    <a:masterClrMapping/>
+  </p:clrMapOvr>
+  <mc:AlternateContent xmlns:mc="http://schemas.openxmlformats.org/markup-compatibility/2006">
+    <mc:Choice xmlns:p14="http://schemas.microsoft.com/office/powerpoint/2010/main" Requires="p14">
+      <p:transition spd="fast" advClick="1" p14:dur="699">
+        <p:push dir="l"/>
+      </p:transition>
+    </mc:Choice>
+    <mc:Fallback>
+      <p:transition spd="fast">
+        <p:fade/>
+      </p:transition>
+    </mc:Fallback>
+  </mc:AlternateContent>
+  <p:timing>
+    <p:tnLst>
+      <p:par>
+        <p:cTn id="1" nodeType="tmRoot" restart="never" dur="indefinite" fill="hold">
+          <p:childTnLst>
+            <p:seq concurrent="1" prevAc="none" nextAc="seek">
+              <p:cTn id="2" nodeType="mainSeq" dur="indefinite" fill="hold">
+                <p:childTnLst>
+                  <p:par>
+                    <p:cTn id="3" fill="hold">
+                      <p:stCondLst>
+                        <p:cond delay="indefinite"/>
+                        <p:cond evt="onBegin">
+                          <p:tn val="2"/>
+                        </p:cond>
+                      </p:stCondLst>
+                      <p:childTnLst>
+                        <p:par>
+                          <p:cTn id="4" fill="hold">
+                            <p:stCondLst>
+                              <p:cond delay="0"/>
+                            </p:stCondLst>
+                            <p:childTnLst>
+                              <p:par>
+                                <p:cTn id="5" presetClass="entr" nodeType="afterEffect" presetSubtype="8" presetID="2" grpId="1" fill="hold">
+                                  <p:stCondLst>
+                                    <p:cond delay="0"/>
+                                  </p:stCondLst>
+                                  <p:iterate type="el" backwards="0">
+                                    <p:tmAbs val="0"/>
+                                  </p:iterate>
+                                  <p:childTnLst>
+                                    <p:set>
+                                      <p:cBhvr>
+                                        <p:cTn id="6" fill="hold"/>
+                                        <p:tgtEl>
+                                          <p:spTgt spid="278"/>
+                                        </p:tgtEl>
+                                        <p:attrNameLst>
+                                          <p:attrName>style.visibility</p:attrName>
+                                        </p:attrNameLst>
+                                      </p:cBhvr>
+                                      <p:to>
+                                        <p:strVal val="visible"/>
+                                      </p:to>
+                                    </p:set>
+                                    <p:anim calcmode="lin" valueType="num">
+                                      <p:cBhvr>
+                                        <p:cTn id="7" dur="700" fill="hold"/>
+                                        <p:tgtEl>
+                                          <p:spTgt spid="278"/>
+                                        </p:tgtEl>
+                                        <p:attrNameLst>
+                                          <p:attrName>ppt_x</p:attrName>
+                                        </p:attrNameLst>
+                                      </p:cBhvr>
+                                      <p:tavLst>
+                                        <p:tav tm="0">
+                                          <p:val>
+                                            <p:strVal val="0-#ppt_w/2"/>
+                                          </p:val>
+                                        </p:tav>
+                                        <p:tav tm="100000">
+                                          <p:val>
+                                            <p:strVal val="#ppt_x"/>
+                                          </p:val>
+                                        </p:tav>
+                                      </p:tavLst>
+                                    </p:anim>
+                                    <p:anim calcmode="lin" valueType="num">
+                                      <p:cBhvr>
+                                        <p:cTn id="8" dur="700" fill="hold"/>
+                                        <p:tgtEl>
+                                          <p:spTgt spid="278"/>
+                                        </p:tgtEl>
+                                        <p:attrNameLst>
+                                          <p:attrName>ppt_y</p:attrName>
+                                        </p:attrNameLst>
+                                      </p:cBhvr>
+                                      <p:tavLst>
+                                        <p:tav tm="0">
+                                          <p:val>
+                                            <p:strVal val="#ppt_y"/>
+                                          </p:val>
+                                        </p:tav>
+                                        <p:tav tm="100000">
+                                          <p:val>
+                                            <p:strVal val="#ppt_y"/>
+                                          </p:val>
+                                        </p:tav>
+                                      </p:tavLst>
+                                    </p:anim>
+                                  </p:childTnLst>
+                                </p:cTn>
+                              </p:par>
+                            </p:childTnLst>
+                          </p:cTn>
+                        </p:par>
+                        <p:par>
+                          <p:cTn id="9" fill="hold">
+                            <p:stCondLst>
+                              <p:cond delay="700"/>
+                            </p:stCondLst>
+                            <p:childTnLst>
+                              <p:par>
+                                <p:cTn id="10" presetClass="entr" nodeType="afterEffect" presetSubtype="32" presetID="4" grpId="2" fill="hold">
+                                  <p:stCondLst>
+                                    <p:cond delay="300"/>
+                                  </p:stCondLst>
+                                  <p:iterate type="el" backwards="0">
+                                    <p:tmAbs val="0"/>
+                                  </p:iterate>
+                                  <p:childTnLst>
+                                    <p:set>
+                                      <p:cBhvr>
+                                        <p:cTn id="11" fill="hold"/>
+                                        <p:tgtEl>
+                                          <p:spTgt spid="279"/>
+                                        </p:tgtEl>
+                                        <p:attrNameLst>
+                                          <p:attrName>style.visibility</p:attrName>
+                                        </p:attrNameLst>
+                                      </p:cBhvr>
+                                      <p:to>
+                                        <p:strVal val="visible"/>
+                                      </p:to>
+                                    </p:set>
+                                    <p:animEffect filter="box(out)" transition="in">
+                                      <p:cBhvr>
+                                        <p:cTn id="12" dur="400"/>
+                                        <p:tgtEl>
+                                          <p:spTgt spid="279"/>
+                                        </p:tgtEl>
+                                      </p:cBhvr>
+                                    </p:animEffect>
+                                  </p:childTnLst>
+                                </p:cTn>
+                              </p:par>
+                            </p:childTnLst>
+                          </p:cTn>
+                        </p:par>
+                        <p:par>
+                          <p:cTn id="13" fill="hold">
+                            <p:stCondLst>
+                              <p:cond delay="1400"/>
+                            </p:stCondLst>
+                            <p:childTnLst>
+                              <p:par>
+                                <p:cTn id="14" presetClass="entr" nodeType="afterEffect" presetSubtype="8" presetID="2" grpId="3" fill="hold">
+                                  <p:stCondLst>
+                                    <p:cond delay="0"/>
+                                  </p:stCondLst>
+                                  <p:iterate type="el" backwards="0">
+                                    <p:tmAbs val="0"/>
+                                  </p:iterate>
+                                  <p:childTnLst>
+                                    <p:set>
+                                      <p:cBhvr>
+                                        <p:cTn id="15" fill="hold"/>
+                                        <p:tgtEl>
+                                          <p:spTgt spid="280"/>
+                                        </p:tgtEl>
+                                        <p:attrNameLst>
+                                          <p:attrName>style.visibility</p:attrName>
+                                        </p:attrNameLst>
+                                      </p:cBhvr>
+                                      <p:to>
+                                        <p:strVal val="visible"/>
+                                      </p:to>
+                                    </p:set>
+                                    <p:anim calcmode="lin" valueType="num">
+                                      <p:cBhvr>
+                                        <p:cTn id="16" dur="700" fill="hold"/>
+                                        <p:tgtEl>
+                                          <p:spTgt spid="280"/>
+                                        </p:tgtEl>
+                                        <p:attrNameLst>
+                                          <p:attrName>ppt_x</p:attrName>
+                                        </p:attrNameLst>
+                                      </p:cBhvr>
+                                      <p:tavLst>
+                                        <p:tav tm="0">
+                                          <p:val>
+                                            <p:strVal val="0-#ppt_w/2"/>
+                                          </p:val>
+                                        </p:tav>
+                                        <p:tav tm="100000">
+                                          <p:val>
+                                            <p:strVal val="#ppt_x"/>
+                                          </p:val>
+                                        </p:tav>
+                                      </p:tavLst>
+                                    </p:anim>
+                                    <p:anim calcmode="lin" valueType="num">
+                                      <p:cBhvr>
+                                        <p:cTn id="17" dur="700" fill="hold"/>
+                                        <p:tgtEl>
+                                          <p:spTgt spid="280"/>
+                                        </p:tgtEl>
+                                        <p:attrNameLst>
+                                          <p:attrName>ppt_y</p:attrName>
+                                        </p:attrNameLst>
+                                      </p:cBhvr>
+                                      <p:tavLst>
+                                        <p:tav tm="0">
+                                          <p:val>
+                                            <p:strVal val="#ppt_y"/>
+                                          </p:val>
+                                        </p:tav>
+                                        <p:tav tm="100000">
+                                          <p:val>
+                                            <p:strVal val="#ppt_y"/>
+                                          </p:val>
+                                        </p:tav>
+                                      </p:tavLst>
+                                    </p:anim>
+                                  </p:childTnLst>
+                                </p:cTn>
+                              </p:par>
+                            </p:childTnLst>
+                          </p:cTn>
+                        </p:par>
+                        <p:par>
+                          <p:cTn id="18" fill="hold">
+                            <p:stCondLst>
+                              <p:cond delay="2100"/>
+                            </p:stCondLst>
+                            <p:childTnLst>
+                              <p:par>
+                                <p:cTn id="19" presetClass="entr" nodeType="afterEffect" presetID="9" grpId="4" fill="hold">
+                                  <p:stCondLst>
+                                    <p:cond delay="0"/>
+                                  </p:stCondLst>
+                                  <p:iterate type="el" backwards="0">
+                                    <p:tmAbs val="0"/>
+                                  </p:iterate>
+                                  <p:childTnLst>
+                                    <p:set>
+                                      <p:cBhvr>
+                                        <p:cTn id="20" fill="hold"/>
+                                        <p:tgtEl>
+                                          <p:spTgt spid="281"/>
+                                        </p:tgtEl>
+                                        <p:attrNameLst>
+                                          <p:attrName>style.visibility</p:attrName>
+                                        </p:attrNameLst>
+                                      </p:cBhvr>
+                                      <p:to>
+                                        <p:strVal val="visible"/>
+                                      </p:to>
+                                    </p:set>
+                                    <p:animEffect filter="dissolve" transition="in">
+                                      <p:cBhvr>
+                                        <p:cTn id="21" dur="400"/>
+                                        <p:tgtEl>
+                                          <p:spTgt spid="281"/>
+                                        </p:tgtEl>
+                                      </p:cBhvr>
+                                    </p:animEffect>
+                                  </p:childTnLst>
+                                </p:cTn>
+                              </p:par>
+                            </p:childTnLst>
+                          </p:cTn>
+                        </p:par>
+                      </p:childTnLst>
+                    </p:cTn>
+                  </p:par>
+                </p:childTnLst>
+              </p:cTn>
+              <p:prevCondLst>
+                <p:cond evt="onPrev">
+                  <p:tgtEl>
+                    <p:sldTgt/>
+                  </p:tgtEl>
+                </p:cond>
+              </p:prevCondLst>
+              <p:nextCondLst>
+                <p:cond evt="onNext">
+                  <p:tgtEl>
+                    <p:sldTgt/>
+                  </p:tgtEl>
+                </p:cond>
+              </p:nextCondLst>
+            </p:seq>
+          </p:childTnLst>
+        </p:cTn>
+      </p:par>
+    </p:tnLst>
+    <p:bldLst>
+      <p:bldP build="whole" bldLvl="1" animBg="1" rev="0" advAuto="0" spid="279" grpId="2"/>
+      <p:bldP build="whole" bldLvl="1" animBg="1" rev="0" advAuto="0" spid="278" grpId="1"/>
+      <p:bldP build="whole" bldLvl="1" animBg="1" rev="0" advAuto="0" spid="280" grpId="3"/>
+      <p:bldP build="whole" bldLvl="1" animBg="1" rev="0" advAuto="0" spid="281" grpId="4"/>
+    </p:bldLst>
+  </p:timing>
+</p:sld>
+</file>
+
+<file path=ppt/slides/slide9.xml><?xml version="1.0" encoding="utf-8"?>
+<p:sld xmlns:a="http://schemas.openxmlformats.org/drawingml/2006/main" xmlns:r="http://schemas.openxmlformats.org/officeDocument/2006/relationships" xmlns:p="http://schemas.openxmlformats.org/presentationml/2006/main" xmlns:m="http://schemas.openxmlformats.org/officeDocument/2006/math" xmlns:a14="http://schemas.microsoft.com/office/drawing/2010/main" showMasterSp="1" showMasterPhAnim="1">
+  <p:cSld>
+    <p:bg>
+      <p:bgPr>
+        <a:solidFill>
+          <a:srgbClr val="002833"/>
+        </a:solidFill>
+      </p:bgPr>
+    </p:bg>
+    <p:spTree>
+      <p:nvGrpSpPr>
+        <p:cNvPr id="1" name=""/>
+        <p:cNvGrpSpPr/>
+        <p:nvPr/>
+      </p:nvGrpSpPr>
+      <p:grpSpPr>
+        <a:xfrm>
+          <a:off x="0" y="0"/>
+          <a:ext cx="0" cy="0"/>
+          <a:chOff x="0" y="0"/>
+          <a:chExt cx="0" cy="0"/>
+        </a:xfrm>
+      </p:grpSpPr>
+      <p:sp>
+        <p:nvSpPr>
+          <p:cNvPr id="283" name="Title 6"/>
           <p:cNvSpPr txBox="1"/>
           <p:nvPr>
             <p:ph type="title"/>
@@ -13028,7 +13972,7 @@
       </p:sp>
       <p:pic>
         <p:nvPicPr>
-          <p:cNvPr id="273" name="stopwatch (2).png" descr="stopwatch (2).png"/>
+          <p:cNvPr id="284" name="stopwatch (2).png" descr="stopwatch (2).png"/>
           <p:cNvPicPr>
             <a:picLocks noChangeAspect="1"/>
           </p:cNvPicPr>
@@ -13057,21 +14001,21 @@
       </p:pic>
       <p:grpSp>
         <p:nvGrpSpPr>
-          <p:cNvPr id="276" name="Group"/>
+          <p:cNvPr id="287" name="Group"/>
           <p:cNvGrpSpPr/>
           <p:nvPr/>
         </p:nvGrpSpPr>
         <p:grpSpPr>
           <a:xfrm>
             <a:off x="1270000" y="5143500"/>
-            <a:ext cx="11658600" cy="5283201"/>
+            <a:ext cx="11658600" cy="5283200"/>
             <a:chOff x="0" y="0"/>
             <a:chExt cx="11658600" cy="5283200"/>
           </a:xfrm>
         </p:grpSpPr>
         <p:sp>
           <p:nvSpPr>
-            <p:cNvPr id="274" name="Rounded Rectangle"/>
+            <p:cNvPr id="285" name="Rounded Rectangle"/>
             <p:cNvSpPr/>
             <p:nvPr/>
           </p:nvSpPr>
@@ -13128,7 +14072,7 @@
         </p:sp>
         <p:sp>
           <p:nvSpPr>
-            <p:cNvPr id="275" name="type Value interface {…"/>
+            <p:cNvPr id="286" name="type Value interface {…"/>
             <p:cNvSpPr txBox="1"/>
             <p:nvPr/>
           </p:nvSpPr>
@@ -13434,7 +14378,7 @@
                                       <p:cBhvr>
                                         <p:cTn id="6" fill="hold"/>
                                         <p:tgtEl>
-                                          <p:spTgt spid="276"/>
+                                          <p:spTgt spid="287"/>
                                         </p:tgtEl>
                                         <p:attrNameLst>
                                           <p:attrName>style.visibility</p:attrName>
@@ -13448,7 +14392,7 @@
                                       <p:cBhvr>
                                         <p:cTn id="7" dur="700" fill="hold"/>
                                         <p:tgtEl>
-                                          <p:spTgt spid="276"/>
+                                          <p:spTgt spid="287"/>
                                         </p:tgtEl>
                                         <p:attrNameLst>
                                           <p:attrName>ppt_x</p:attrName>
@@ -13471,7 +14415,7 @@
                                       <p:cBhvr>
                                         <p:cTn id="8" dur="700" fill="hold"/>
                                         <p:tgtEl>
-                                          <p:spTgt spid="276"/>
+                                          <p:spTgt spid="287"/>
                                         </p:tgtEl>
                                         <p:attrNameLst>
                                           <p:attrName>ppt_y</p:attrName>
@@ -13521,1066 +14465,7 @@
       </p:par>
     </p:tnLst>
     <p:bldLst>
-      <p:bldP build="whole" bldLvl="1" animBg="1" rev="0" advAuto="0" spid="276" grpId="1"/>
-    </p:bldLst>
-  </p:timing>
-</p:sld>
-</file>
-
-<file path=ppt/slides/slide9.xml><?xml version="1.0" encoding="utf-8"?>
-<p:sld xmlns:a="http://schemas.openxmlformats.org/drawingml/2006/main" xmlns:r="http://schemas.openxmlformats.org/officeDocument/2006/relationships" xmlns:p="http://schemas.openxmlformats.org/presentationml/2006/main" xmlns:m="http://schemas.openxmlformats.org/officeDocument/2006/math" xmlns:a14="http://schemas.microsoft.com/office/drawing/2010/main" showMasterSp="1" showMasterPhAnim="1">
-  <p:cSld>
-    <p:bg>
-      <p:bgPr>
-        <a:solidFill>
-          <a:srgbClr val="002833"/>
-        </a:solidFill>
-      </p:bgPr>
-    </p:bg>
-    <p:spTree>
-      <p:nvGrpSpPr>
-        <p:cNvPr id="1" name=""/>
-        <p:cNvGrpSpPr/>
-        <p:nvPr/>
-      </p:nvGrpSpPr>
-      <p:grpSpPr>
-        <a:xfrm>
-          <a:off x="0" y="0"/>
-          <a:ext cx="0" cy="0"/>
-          <a:chOff x="0" y="0"/>
-          <a:chExt cx="0" cy="0"/>
-        </a:xfrm>
-      </p:grpSpPr>
-      <p:sp>
-        <p:nvSpPr>
-          <p:cNvPr id="278" name="Title 6"/>
-          <p:cNvSpPr txBox="1"/>
-          <p:nvPr>
-            <p:ph type="title"/>
-          </p:nvPr>
-        </p:nvSpPr>
-        <p:spPr>
-          <a:xfrm>
-            <a:off x="5015634" y="1119893"/>
-            <a:ext cx="14352732" cy="1288881"/>
-          </a:xfrm>
-          <a:prstGeom prst="rect">
-            <a:avLst/>
-          </a:prstGeom>
-        </p:spPr>
-        <p:txBody>
-          <a:bodyPr/>
-          <a:lstStyle>
-            <a:lvl1pPr algn="ctr">
-              <a:defRPr sz="8000">
-                <a:solidFill>
-                  <a:srgbClr val="66C2FF"/>
-                </a:solidFill>
-              </a:defRPr>
-            </a:lvl1pPr>
-          </a:lstStyle>
-          <a:p>
-            <a:pPr/>
-            <a:r>
-              <a:t>Interfaces in Go</a:t>
-            </a:r>
-          </a:p>
-        </p:txBody>
-      </p:sp>
-      <p:pic>
-        <p:nvPicPr>
-          <p:cNvPr id="279" name="stopwatch (2).png" descr="stopwatch (2).png"/>
-          <p:cNvPicPr>
-            <a:picLocks noChangeAspect="1"/>
-          </p:cNvPicPr>
-          <p:nvPr/>
-        </p:nvPicPr>
-        <p:blipFill>
-          <a:blip r:embed="rId2">
-            <a:extLst/>
-          </a:blip>
-          <a:stretch>
-            <a:fillRect/>
-          </a:stretch>
-        </p:blipFill>
-        <p:spPr>
-          <a:xfrm>
-            <a:off x="22225000" y="2032000"/>
-            <a:ext cx="1270000" cy="1485243"/>
-          </a:xfrm>
-          <a:prstGeom prst="rect">
-            <a:avLst/>
-          </a:prstGeom>
-          <a:ln w="12700">
-            <a:miter lim="400000"/>
-          </a:ln>
-        </p:spPr>
-      </p:pic>
-      <p:grpSp>
-        <p:nvGrpSpPr>
-          <p:cNvPr id="282" name="Group"/>
-          <p:cNvGrpSpPr/>
-          <p:nvPr/>
-        </p:nvGrpSpPr>
-        <p:grpSpPr>
-          <a:xfrm>
-            <a:off x="1086142" y="3046763"/>
-            <a:ext cx="3288716" cy="2688007"/>
-            <a:chOff x="0" y="0"/>
-            <a:chExt cx="3288715" cy="2688006"/>
-          </a:xfrm>
-        </p:grpSpPr>
-        <p:pic>
-          <p:nvPicPr>
-            <p:cNvPr id="280" name="businessman.png" descr="businessman.png"/>
-            <p:cNvPicPr>
-              <a:picLocks noChangeAspect="1"/>
-            </p:cNvPicPr>
-            <p:nvPr/>
-          </p:nvPicPr>
-          <p:blipFill>
-            <a:blip r:embed="rId3">
-              <a:extLst/>
-            </a:blip>
-            <a:stretch>
-              <a:fillRect/>
-            </a:stretch>
-          </p:blipFill>
-          <p:spPr>
-            <a:xfrm>
-              <a:off x="691857" y="0"/>
-              <a:ext cx="1905001" cy="1905000"/>
-            </a:xfrm>
-            <a:prstGeom prst="rect">
-              <a:avLst/>
-            </a:prstGeom>
-            <a:ln w="12700" cap="flat">
-              <a:noFill/>
-              <a:miter lim="400000"/>
-            </a:ln>
-            <a:effectLst>
-              <a:outerShdw sx="100000" sy="100000" kx="0" ky="0" algn="b" rotWithShape="0" blurRad="889000" dist="383186" dir="5400000">
-                <a:srgbClr val="000000">
-                  <a:alpha val="50000"/>
-                </a:srgbClr>
-              </a:outerShdw>
-            </a:effectLst>
-          </p:spPr>
-        </p:pic>
-        <p:sp>
-          <p:nvSpPr>
-            <p:cNvPr id="281" name="Employee, 24y"/>
-            <p:cNvSpPr txBox="1"/>
-            <p:nvPr/>
-          </p:nvSpPr>
-          <p:spPr>
-            <a:xfrm>
-              <a:off x="0" y="1960931"/>
-              <a:ext cx="3288716" cy="727076"/>
-            </a:xfrm>
-            <a:prstGeom prst="rect">
-              <a:avLst/>
-            </a:prstGeom>
-            <a:noFill/>
-            <a:ln w="12700" cap="flat">
-              <a:noFill/>
-              <a:miter lim="400000"/>
-            </a:ln>
-            <a:effectLst/>
-            <a:extLst>
-              <a:ext uri="{C572A759-6A51-4108-AA02-DFA0A04FC94B}">
-                <ma14:wrappingTextBoxFlag xmlns:ma14="http://schemas.microsoft.com/office/mac/drawingml/2011/main" val="1"/>
-              </a:ext>
-            </a:extLst>
-          </p:spPr>
-          <p:txBody>
-            <a:bodyPr wrap="none" lIns="71437" tIns="71437" rIns="71437" bIns="71437" numCol="1" anchor="ctr">
-              <a:spAutoFit/>
-            </a:bodyPr>
-            <a:lstStyle>
-              <a:lvl1pPr>
-                <a:defRPr b="1" sz="3400">
-                  <a:solidFill>
-                    <a:srgbClr val="FFFFFF"/>
-                  </a:solidFill>
-                  <a:latin typeface="Avenir Next"/>
-                  <a:ea typeface="Avenir Next"/>
-                  <a:cs typeface="Avenir Next"/>
-                  <a:sym typeface="Avenir Next"/>
-                </a:defRPr>
-              </a:lvl1pPr>
-            </a:lstStyle>
-            <a:p>
-              <a:pPr/>
-              <a:r>
-                <a:t>Employee, 24y</a:t>
-              </a:r>
-            </a:p>
-          </p:txBody>
-        </p:sp>
-      </p:grpSp>
-      <p:grpSp>
-        <p:nvGrpSpPr>
-          <p:cNvPr id="285" name="Group"/>
-          <p:cNvGrpSpPr/>
-          <p:nvPr/>
-        </p:nvGrpSpPr>
-        <p:grpSpPr>
-          <a:xfrm>
-            <a:off x="1315859" y="6359182"/>
-            <a:ext cx="2829282" cy="2718793"/>
-            <a:chOff x="0" y="0"/>
-            <a:chExt cx="2829280" cy="2718792"/>
-          </a:xfrm>
-        </p:grpSpPr>
-        <p:pic>
-          <p:nvPicPr>
-            <p:cNvPr id="283" name="man (1).png" descr="man (1).png"/>
-            <p:cNvPicPr>
-              <a:picLocks noChangeAspect="1"/>
-            </p:cNvPicPr>
-            <p:nvPr/>
-          </p:nvPicPr>
-          <p:blipFill>
-            <a:blip r:embed="rId4">
-              <a:extLst/>
-            </a:blip>
-            <a:stretch>
-              <a:fillRect/>
-            </a:stretch>
-          </p:blipFill>
-          <p:spPr>
-            <a:xfrm>
-              <a:off x="462140" y="0"/>
-              <a:ext cx="1905001" cy="1905000"/>
-            </a:xfrm>
-            <a:prstGeom prst="rect">
-              <a:avLst/>
-            </a:prstGeom>
-            <a:ln w="12700" cap="flat">
-              <a:noFill/>
-              <a:miter lim="400000"/>
-            </a:ln>
-            <a:effectLst>
-              <a:outerShdw sx="100000" sy="100000" kx="0" ky="0" algn="b" rotWithShape="0" blurRad="889000" dist="383186" dir="5400000">
-                <a:srgbClr val="000000">
-                  <a:alpha val="50000"/>
-                </a:srgbClr>
-              </a:outerShdw>
-            </a:effectLst>
-          </p:spPr>
-        </p:pic>
-        <p:sp>
-          <p:nvSpPr>
-            <p:cNvPr id="284" name="Student, 19y"/>
-            <p:cNvSpPr txBox="1"/>
-            <p:nvPr/>
-          </p:nvSpPr>
-          <p:spPr>
-            <a:xfrm>
-              <a:off x="0" y="1991717"/>
-              <a:ext cx="2829281" cy="727076"/>
-            </a:xfrm>
-            <a:prstGeom prst="rect">
-              <a:avLst/>
-            </a:prstGeom>
-            <a:noFill/>
-            <a:ln w="12700" cap="flat">
-              <a:noFill/>
-              <a:miter lim="400000"/>
-            </a:ln>
-            <a:effectLst/>
-            <a:extLst>
-              <a:ext uri="{C572A759-6A51-4108-AA02-DFA0A04FC94B}">
-                <ma14:wrappingTextBoxFlag xmlns:ma14="http://schemas.microsoft.com/office/mac/drawingml/2011/main" val="1"/>
-              </a:ext>
-            </a:extLst>
-          </p:spPr>
-          <p:txBody>
-            <a:bodyPr wrap="none" lIns="71437" tIns="71437" rIns="71437" bIns="71437" numCol="1" anchor="ctr">
-              <a:spAutoFit/>
-            </a:bodyPr>
-            <a:lstStyle>
-              <a:lvl1pPr>
-                <a:defRPr b="1" sz="3400">
-                  <a:solidFill>
-                    <a:srgbClr val="FFFFFF"/>
-                  </a:solidFill>
-                  <a:latin typeface="Avenir Next"/>
-                  <a:ea typeface="Avenir Next"/>
-                  <a:cs typeface="Avenir Next"/>
-                  <a:sym typeface="Avenir Next"/>
-                </a:defRPr>
-              </a:lvl1pPr>
-            </a:lstStyle>
-            <a:p>
-              <a:pPr/>
-              <a:r>
-                <a:t>Student, 19y</a:t>
-              </a:r>
-            </a:p>
-          </p:txBody>
-        </p:sp>
-      </p:grpSp>
-      <p:grpSp>
-        <p:nvGrpSpPr>
-          <p:cNvPr id="288" name="Group"/>
-          <p:cNvGrpSpPr/>
-          <p:nvPr/>
-        </p:nvGrpSpPr>
-        <p:grpSpPr>
-          <a:xfrm>
-            <a:off x="1778000" y="9702388"/>
-            <a:ext cx="1905000" cy="2821050"/>
-            <a:chOff x="0" y="0"/>
-            <a:chExt cx="1905000" cy="2821048"/>
-          </a:xfrm>
-        </p:grpSpPr>
-        <p:pic>
-          <p:nvPicPr>
-            <p:cNvPr id="286" name="girl.png" descr="girl.png"/>
-            <p:cNvPicPr>
-              <a:picLocks noChangeAspect="1"/>
-            </p:cNvPicPr>
-            <p:nvPr/>
-          </p:nvPicPr>
-          <p:blipFill>
-            <a:blip r:embed="rId5">
-              <a:extLst/>
-            </a:blip>
-            <a:srcRect l="0" t="0" r="0" b="0"/>
-            <a:stretch>
-              <a:fillRect/>
-            </a:stretch>
-          </p:blipFill>
-          <p:spPr>
-            <a:xfrm>
-              <a:off x="0" y="0"/>
-              <a:ext cx="1905000" cy="1905000"/>
-            </a:xfrm>
-            <a:prstGeom prst="rect">
-              <a:avLst/>
-            </a:prstGeom>
-            <a:ln w="12700" cap="flat">
-              <a:noFill/>
-              <a:miter lim="400000"/>
-            </a:ln>
-            <a:effectLst>
-              <a:outerShdw sx="100000" sy="100000" kx="0" ky="0" algn="b" rotWithShape="0" blurRad="889000" dist="383186" dir="5400000">
-                <a:srgbClr val="000000">
-                  <a:alpha val="50000"/>
-                </a:srgbClr>
-              </a:outerShdw>
-            </a:effectLst>
-          </p:spPr>
-        </p:pic>
-        <p:sp>
-          <p:nvSpPr>
-            <p:cNvPr id="287" name="Kid, 12y"/>
-            <p:cNvSpPr txBox="1"/>
-            <p:nvPr/>
-          </p:nvSpPr>
-          <p:spPr>
-            <a:xfrm>
-              <a:off x="1613" y="2093973"/>
-              <a:ext cx="1901775" cy="727076"/>
-            </a:xfrm>
-            <a:prstGeom prst="rect">
-              <a:avLst/>
-            </a:prstGeom>
-            <a:noFill/>
-            <a:ln w="12700" cap="flat">
-              <a:noFill/>
-              <a:miter lim="400000"/>
-            </a:ln>
-            <a:effectLst/>
-            <a:extLst>
-              <a:ext uri="{C572A759-6A51-4108-AA02-DFA0A04FC94B}">
-                <ma14:wrappingTextBoxFlag xmlns:ma14="http://schemas.microsoft.com/office/mac/drawingml/2011/main" val="1"/>
-              </a:ext>
-            </a:extLst>
-          </p:spPr>
-          <p:txBody>
-            <a:bodyPr wrap="none" lIns="71437" tIns="71437" rIns="71437" bIns="71437" numCol="1" anchor="ctr">
-              <a:spAutoFit/>
-            </a:bodyPr>
-            <a:lstStyle>
-              <a:lvl1pPr>
-                <a:defRPr b="1" sz="3400">
-                  <a:solidFill>
-                    <a:srgbClr val="FFFFFF"/>
-                  </a:solidFill>
-                  <a:latin typeface="Avenir Next"/>
-                  <a:ea typeface="Avenir Next"/>
-                  <a:cs typeface="Avenir Next"/>
-                  <a:sym typeface="Avenir Next"/>
-                </a:defRPr>
-              </a:lvl1pPr>
-            </a:lstStyle>
-            <a:p>
-              <a:pPr/>
-              <a:r>
-                <a:t>Kid, 12y</a:t>
-              </a:r>
-            </a:p>
-          </p:txBody>
-        </p:sp>
-      </p:grpSp>
-      <p:pic>
-        <p:nvPicPr>
-          <p:cNvPr id="289" name="beer (1).png" descr="beer (1).png"/>
-          <p:cNvPicPr>
-            <a:picLocks noChangeAspect="1"/>
-          </p:cNvPicPr>
-          <p:nvPr/>
-        </p:nvPicPr>
-        <p:blipFill>
-          <a:blip r:embed="rId6">
-            <a:extLst/>
-          </a:blip>
-          <a:stretch>
-            <a:fillRect/>
-          </a:stretch>
-        </p:blipFill>
-        <p:spPr>
-          <a:xfrm>
-            <a:off x="9505007" y="3530448"/>
-            <a:ext cx="3849986" cy="3849986"/>
-          </a:xfrm>
-          <a:prstGeom prst="rect">
-            <a:avLst/>
-          </a:prstGeom>
-          <a:ln w="12700">
-            <a:miter lim="400000"/>
-          </a:ln>
-          <a:effectLst>
-            <a:outerShdw sx="100000" sy="100000" kx="0" ky="0" algn="b" rotWithShape="0" blurRad="889000" dist="383186" dir="5400000">
-              <a:srgbClr val="000000">
-                <a:alpha val="50000"/>
-              </a:srgbClr>
-            </a:outerShdw>
-          </a:effectLst>
-        </p:spPr>
-      </p:pic>
-      <p:grpSp>
-        <p:nvGrpSpPr>
-          <p:cNvPr id="292" name="Group"/>
-          <p:cNvGrpSpPr/>
-          <p:nvPr/>
-        </p:nvGrpSpPr>
-        <p:grpSpPr>
-          <a:xfrm>
-            <a:off x="7267194" y="8110343"/>
-            <a:ext cx="8325612" cy="3929409"/>
-            <a:chOff x="0" y="0"/>
-            <a:chExt cx="8325611" cy="3929407"/>
-          </a:xfrm>
-        </p:grpSpPr>
-        <p:sp>
-          <p:nvSpPr>
-            <p:cNvPr id="290" name="Rounded Rectangle"/>
-            <p:cNvSpPr/>
-            <p:nvPr/>
-          </p:nvSpPr>
-          <p:spPr>
-            <a:xfrm>
-              <a:off x="0" y="0"/>
-              <a:ext cx="8325612" cy="3929408"/>
-            </a:xfrm>
-            <a:prstGeom prst="roundRect">
-              <a:avLst>
-                <a:gd name="adj" fmla="val 3606"/>
-              </a:avLst>
-            </a:prstGeom>
-            <a:solidFill>
-              <a:srgbClr val="FFFFFF"/>
-            </a:solidFill>
-            <a:ln w="12700" cap="flat">
-              <a:noFill/>
-              <a:miter lim="400000"/>
-            </a:ln>
-            <a:effectLst>
-              <a:outerShdw sx="100000" sy="100000" kx="0" ky="0" algn="b" rotWithShape="0" blurRad="254000" dist="187930" dir="5400000">
-                <a:srgbClr val="000000">
-                  <a:alpha val="50000"/>
-                </a:srgbClr>
-              </a:outerShdw>
-            </a:effectLst>
-          </p:spPr>
-          <p:txBody>
-            <a:bodyPr wrap="square" lIns="71437" tIns="71437" rIns="71437" bIns="71437" numCol="1" anchor="ctr">
-              <a:noAutofit/>
-            </a:bodyPr>
-            <a:lstStyle/>
-            <a:p>
-              <a:pPr algn="ctr">
-                <a:lnSpc>
-                  <a:spcPct val="80000"/>
-                </a:lnSpc>
-                <a:spcBef>
-                  <a:spcPts val="0"/>
-                </a:spcBef>
-                <a:defRPr cap="all" sz="3800">
-                  <a:solidFill>
-                    <a:srgbClr val="FFFFFF"/>
-                  </a:solidFill>
-                  <a:latin typeface="+mn-lt"/>
-                  <a:ea typeface="+mn-ea"/>
-                  <a:cs typeface="+mn-cs"/>
-                  <a:sym typeface="DIN Condensed"/>
-                </a:defRPr>
-              </a:pPr>
-            </a:p>
-          </p:txBody>
-        </p:sp>
-        <p:sp>
-          <p:nvSpPr>
-            <p:cNvPr id="291" name="type Buyer interface {…"/>
-            <p:cNvSpPr txBox="1"/>
-            <p:nvPr/>
-          </p:nvSpPr>
-          <p:spPr>
-            <a:xfrm>
-              <a:off x="372229" y="381369"/>
-              <a:ext cx="7581154" cy="3166669"/>
-            </a:xfrm>
-            <a:prstGeom prst="rect">
-              <a:avLst/>
-            </a:prstGeom>
-            <a:noFill/>
-            <a:ln w="12700" cap="flat">
-              <a:noFill/>
-              <a:miter lim="400000"/>
-            </a:ln>
-            <a:effectLst/>
-            <a:extLst>
-              <a:ext uri="{C572A759-6A51-4108-AA02-DFA0A04FC94B}">
-                <ma14:wrappingTextBoxFlag xmlns:ma14="http://schemas.microsoft.com/office/mac/drawingml/2011/main" val="1"/>
-              </a:ext>
-            </a:extLst>
-          </p:spPr>
-          <p:txBody>
-            <a:bodyPr wrap="square" lIns="71437" tIns="71437" rIns="71437" bIns="71437" numCol="1" anchor="ctr">
-              <a:noAutofit/>
-            </a:bodyPr>
-            <a:lstStyle/>
-            <a:p>
-              <a:pPr lvl="2">
-                <a:spcBef>
-                  <a:spcPts val="0"/>
-                </a:spcBef>
-                <a:defRPr sz="4400">
-                  <a:solidFill>
-                    <a:srgbClr val="FFFFFF"/>
-                  </a:solidFill>
-                  <a:latin typeface="Meslo LG M for Powerline"/>
-                  <a:ea typeface="Meslo LG M for Powerline"/>
-                  <a:cs typeface="Meslo LG M for Powerline"/>
-                  <a:sym typeface="Meslo LG M for Powerline"/>
-                </a:defRPr>
-              </a:pPr>
-              <a:r>
-                <a:rPr>
-                  <a:solidFill>
-                    <a:schemeClr val="accent6">
-                      <a:hueOff val="-1036173"/>
-                      <a:satOff val="-3113"/>
-                      <a:lumOff val="-7679"/>
-                    </a:schemeClr>
-                  </a:solidFill>
-                </a:rPr>
-                <a:t>type</a:t>
-              </a:r>
-              <a:r>
-                <a:t> </a:t>
-              </a:r>
-              <a:r>
-                <a:rPr>
-                  <a:solidFill>
-                    <a:schemeClr val="accent4"/>
-                  </a:solidFill>
-                </a:rPr>
-                <a:t>Buyer</a:t>
-              </a:r>
-              <a:r>
-                <a:t> </a:t>
-              </a:r>
-              <a:r>
-                <a:rPr>
-                  <a:solidFill>
-                    <a:schemeClr val="accent6">
-                      <a:hueOff val="-1036173"/>
-                      <a:satOff val="-3113"/>
-                      <a:lumOff val="-7679"/>
-                    </a:schemeClr>
-                  </a:solidFill>
-                </a:rPr>
-                <a:t>interface</a:t>
-              </a:r>
-              <a:r>
-                <a:rPr>
-                  <a:solidFill>
-                    <a:schemeClr val="accent1">
-                      <a:hueOff val="-84091"/>
-                      <a:satOff val="15316"/>
-                      <a:lumOff val="24313"/>
-                    </a:schemeClr>
-                  </a:solidFill>
-                </a:rPr>
-                <a:t> {</a:t>
-              </a:r>
-            </a:p>
-            <a:p>
-              <a:pPr lvl="2">
-                <a:spcBef>
-                  <a:spcPts val="0"/>
-                </a:spcBef>
-                <a:defRPr sz="4400">
-                  <a:solidFill>
-                    <a:srgbClr val="FFFFFF"/>
-                  </a:solidFill>
-                  <a:latin typeface="Meslo LG M for Powerline"/>
-                  <a:ea typeface="Meslo LG M for Powerline"/>
-                  <a:cs typeface="Meslo LG M for Powerline"/>
-                  <a:sym typeface="Meslo LG M for Powerline"/>
-                </a:defRPr>
-              </a:pPr>
-              <a:r>
-                <a:t>    </a:t>
-              </a:r>
-              <a:r>
-                <a:rPr>
-                  <a:solidFill>
-                    <a:schemeClr val="accent1"/>
-                  </a:solidFill>
-                </a:rPr>
-                <a:t>HasMoney</a:t>
-              </a:r>
-              <a:r>
-                <a:rPr>
-                  <a:solidFill>
-                    <a:schemeClr val="accent1">
-                      <a:hueOff val="-84091"/>
-                      <a:satOff val="15316"/>
-                      <a:lumOff val="24313"/>
-                    </a:schemeClr>
-                  </a:solidFill>
-                </a:rPr>
-                <a:t>()</a:t>
-              </a:r>
-              <a:r>
-                <a:t> </a:t>
-              </a:r>
-              <a:r>
-                <a:rPr>
-                  <a:solidFill>
-                    <a:schemeClr val="accent6">
-                      <a:hueOff val="-1036173"/>
-                      <a:satOff val="-3113"/>
-                      <a:lumOff val="-7679"/>
-                    </a:schemeClr>
-                  </a:solidFill>
-                </a:rPr>
-                <a:t>bool</a:t>
-              </a:r>
-            </a:p>
-            <a:p>
-              <a:pPr lvl="2">
-                <a:spcBef>
-                  <a:spcPts val="0"/>
-                </a:spcBef>
-                <a:defRPr sz="4400">
-                  <a:solidFill>
-                    <a:srgbClr val="FFFFFF"/>
-                  </a:solidFill>
-                  <a:latin typeface="Meslo LG M for Powerline"/>
-                  <a:ea typeface="Meslo LG M for Powerline"/>
-                  <a:cs typeface="Meslo LG M for Powerline"/>
-                  <a:sym typeface="Meslo LG M for Powerline"/>
-                </a:defRPr>
-              </a:pPr>
-              <a:r>
-                <a:t>    </a:t>
-              </a:r>
-              <a:r>
-                <a:rPr>
-                  <a:solidFill>
-                    <a:schemeClr val="accent1"/>
-                  </a:solidFill>
-                </a:rPr>
-                <a:t>Age</a:t>
-              </a:r>
-              <a:r>
-                <a:rPr>
-                  <a:solidFill>
-                    <a:schemeClr val="accent1">
-                      <a:hueOff val="-84091"/>
-                      <a:satOff val="15316"/>
-                      <a:lumOff val="24313"/>
-                    </a:schemeClr>
-                  </a:solidFill>
-                </a:rPr>
-                <a:t>()</a:t>
-              </a:r>
-              <a:r>
-                <a:t> </a:t>
-              </a:r>
-              <a:r>
-                <a:rPr>
-                  <a:solidFill>
-                    <a:schemeClr val="accent6">
-                      <a:hueOff val="-1036173"/>
-                      <a:satOff val="-3113"/>
-                      <a:lumOff val="-7679"/>
-                    </a:schemeClr>
-                  </a:solidFill>
-                </a:rPr>
-                <a:t>int</a:t>
-              </a:r>
-            </a:p>
-            <a:p>
-              <a:pPr lvl="2">
-                <a:spcBef>
-                  <a:spcPts val="0"/>
-                </a:spcBef>
-                <a:defRPr sz="4400">
-                  <a:solidFill>
-                    <a:schemeClr val="accent1">
-                      <a:hueOff val="-84091"/>
-                      <a:satOff val="15316"/>
-                      <a:lumOff val="24313"/>
-                    </a:schemeClr>
-                  </a:solidFill>
-                  <a:latin typeface="Meslo LG M for Powerline"/>
-                  <a:ea typeface="Meslo LG M for Powerline"/>
-                  <a:cs typeface="Meslo LG M for Powerline"/>
-                  <a:sym typeface="Meslo LG M for Powerline"/>
-                </a:defRPr>
-              </a:pPr>
-              <a:r>
-                <a:t>}</a:t>
-              </a:r>
-            </a:p>
-          </p:txBody>
-        </p:sp>
-      </p:grpSp>
-    </p:spTree>
-  </p:cSld>
-  <p:clrMapOvr>
-    <a:masterClrMapping/>
-  </p:clrMapOvr>
-  <mc:AlternateContent xmlns:mc="http://schemas.openxmlformats.org/markup-compatibility/2006">
-    <mc:Choice xmlns:p14="http://schemas.microsoft.com/office/powerpoint/2010/main" Requires="p14">
-      <p:transition spd="fast" advClick="1" p14:dur="699">
-        <p:push dir="l"/>
-      </p:transition>
-    </mc:Choice>
-    <mc:Fallback>
-      <p:transition spd="fast">
-        <p:fade/>
-      </p:transition>
-    </mc:Fallback>
-  </mc:AlternateContent>
-  <p:timing>
-    <p:tnLst>
-      <p:par>
-        <p:cTn id="1" nodeType="tmRoot" restart="never" dur="indefinite" fill="hold">
-          <p:childTnLst>
-            <p:seq concurrent="1" prevAc="none" nextAc="seek">
-              <p:cTn id="2" nodeType="mainSeq" dur="indefinite" fill="hold">
-                <p:childTnLst>
-                  <p:par>
-                    <p:cTn id="3" fill="hold">
-                      <p:stCondLst>
-                        <p:cond delay="indefinite"/>
-                        <p:cond evt="onBegin">
-                          <p:tn val="2"/>
-                        </p:cond>
-                      </p:stCondLst>
-                      <p:childTnLst>
-                        <p:par>
-                          <p:cTn id="4" fill="hold">
-                            <p:stCondLst>
-                              <p:cond delay="0"/>
-                            </p:stCondLst>
-                            <p:childTnLst>
-                              <p:par>
-                                <p:cTn id="5" presetClass="entr" nodeType="afterEffect" presetID="9" grpId="1" fill="hold">
-                                  <p:stCondLst>
-                                    <p:cond delay="0"/>
-                                  </p:stCondLst>
-                                  <p:iterate type="el" backwards="0">
-                                    <p:tmAbs val="0"/>
-                                  </p:iterate>
-                                  <p:childTnLst>
-                                    <p:set>
-                                      <p:cBhvr>
-                                        <p:cTn id="6" fill="hold"/>
-                                        <p:tgtEl>
-                                          <p:spTgt spid="282"/>
-                                        </p:tgtEl>
-                                        <p:attrNameLst>
-                                          <p:attrName>style.visibility</p:attrName>
-                                        </p:attrNameLst>
-                                      </p:cBhvr>
-                                      <p:to>
-                                        <p:strVal val="visible"/>
-                                      </p:to>
-                                    </p:set>
-                                    <p:animEffect filter="dissolve" transition="in">
-                                      <p:cBhvr>
-                                        <p:cTn id="7" dur="500"/>
-                                        <p:tgtEl>
-                                          <p:spTgt spid="282"/>
-                                        </p:tgtEl>
-                                      </p:cBhvr>
-                                    </p:animEffect>
-                                  </p:childTnLst>
-                                </p:cTn>
-                              </p:par>
-                            </p:childTnLst>
-                          </p:cTn>
-                        </p:par>
-                        <p:par>
-                          <p:cTn id="8" fill="hold">
-                            <p:stCondLst>
-                              <p:cond delay="500"/>
-                            </p:stCondLst>
-                            <p:childTnLst>
-                              <p:par>
-                                <p:cTn id="9" presetClass="entr" nodeType="afterEffect" presetID="9" grpId="2" fill="hold">
-                                  <p:stCondLst>
-                                    <p:cond delay="0"/>
-                                  </p:stCondLst>
-                                  <p:iterate type="el" backwards="0">
-                                    <p:tmAbs val="0"/>
-                                  </p:iterate>
-                                  <p:childTnLst>
-                                    <p:set>
-                                      <p:cBhvr>
-                                        <p:cTn id="10" fill="hold"/>
-                                        <p:tgtEl>
-                                          <p:spTgt spid="285"/>
-                                        </p:tgtEl>
-                                        <p:attrNameLst>
-                                          <p:attrName>style.visibility</p:attrName>
-                                        </p:attrNameLst>
-                                      </p:cBhvr>
-                                      <p:to>
-                                        <p:strVal val="visible"/>
-                                      </p:to>
-                                    </p:set>
-                                    <p:animEffect filter="dissolve" transition="in">
-                                      <p:cBhvr>
-                                        <p:cTn id="11" dur="500"/>
-                                        <p:tgtEl>
-                                          <p:spTgt spid="285"/>
-                                        </p:tgtEl>
-                                      </p:cBhvr>
-                                    </p:animEffect>
-                                  </p:childTnLst>
-                                </p:cTn>
-                              </p:par>
-                            </p:childTnLst>
-                          </p:cTn>
-                        </p:par>
-                        <p:par>
-                          <p:cTn id="12" fill="hold">
-                            <p:stCondLst>
-                              <p:cond delay="1000"/>
-                            </p:stCondLst>
-                            <p:childTnLst>
-                              <p:par>
-                                <p:cTn id="13" presetClass="entr" nodeType="afterEffect" presetID="9" grpId="3" fill="hold">
-                                  <p:stCondLst>
-                                    <p:cond delay="0"/>
-                                  </p:stCondLst>
-                                  <p:iterate type="el" backwards="0">
-                                    <p:tmAbs val="0"/>
-                                  </p:iterate>
-                                  <p:childTnLst>
-                                    <p:set>
-                                      <p:cBhvr>
-                                        <p:cTn id="14" fill="hold"/>
-                                        <p:tgtEl>
-                                          <p:spTgt spid="288"/>
-                                        </p:tgtEl>
-                                        <p:attrNameLst>
-                                          <p:attrName>style.visibility</p:attrName>
-                                        </p:attrNameLst>
-                                      </p:cBhvr>
-                                      <p:to>
-                                        <p:strVal val="visible"/>
-                                      </p:to>
-                                    </p:set>
-                                    <p:animEffect filter="dissolve" transition="in">
-                                      <p:cBhvr>
-                                        <p:cTn id="15" dur="500"/>
-                                        <p:tgtEl>
-                                          <p:spTgt spid="288"/>
-                                        </p:tgtEl>
-                                      </p:cBhvr>
-                                    </p:animEffect>
-                                  </p:childTnLst>
-                                </p:cTn>
-                              </p:par>
-                            </p:childTnLst>
-                          </p:cTn>
-                        </p:par>
-                        <p:par>
-                          <p:cTn id="16" fill="hold">
-                            <p:stCondLst>
-                              <p:cond delay="1500"/>
-                            </p:stCondLst>
-                            <p:childTnLst>
-                              <p:par>
-                                <p:cTn id="17" presetClass="entr" nodeType="afterEffect" presetSubtype="32" presetID="4" grpId="4" fill="hold">
-                                  <p:stCondLst>
-                                    <p:cond delay="0"/>
-                                  </p:stCondLst>
-                                  <p:iterate type="el" backwards="0">
-                                    <p:tmAbs val="0"/>
-                                  </p:iterate>
-                                  <p:childTnLst>
-                                    <p:set>
-                                      <p:cBhvr>
-                                        <p:cTn id="18" fill="hold"/>
-                                        <p:tgtEl>
-                                          <p:spTgt spid="289"/>
-                                        </p:tgtEl>
-                                        <p:attrNameLst>
-                                          <p:attrName>style.visibility</p:attrName>
-                                        </p:attrNameLst>
-                                      </p:cBhvr>
-                                      <p:to>
-                                        <p:strVal val="visible"/>
-                                      </p:to>
-                                    </p:set>
-                                    <p:animEffect filter="box(out)" transition="in">
-                                      <p:cBhvr>
-                                        <p:cTn id="19" dur="700"/>
-                                        <p:tgtEl>
-                                          <p:spTgt spid="289"/>
-                                        </p:tgtEl>
-                                      </p:cBhvr>
-                                    </p:animEffect>
-                                  </p:childTnLst>
-                                </p:cTn>
-                              </p:par>
-                            </p:childTnLst>
-                          </p:cTn>
-                        </p:par>
-                        <p:par>
-                          <p:cTn id="20" fill="hold">
-                            <p:stCondLst>
-                              <p:cond delay="2200"/>
-                            </p:stCondLst>
-                            <p:childTnLst>
-                              <p:par>
-                                <p:cTn id="21" presetClass="entr" nodeType="afterEffect" presetSubtype="10" presetID="19" grpId="5" fill="hold">
-                                  <p:stCondLst>
-                                    <p:cond delay="0"/>
-                                  </p:stCondLst>
-                                  <p:iterate type="el" backwards="0">
-                                    <p:tmAbs val="0"/>
-                                  </p:iterate>
-                                  <p:childTnLst>
-                                    <p:set>
-                                      <p:cBhvr>
-                                        <p:cTn id="22" fill="hold"/>
-                                        <p:tgtEl>
-                                          <p:spTgt spid="292"/>
-                                        </p:tgtEl>
-                                        <p:attrNameLst>
-                                          <p:attrName>style.visibility</p:attrName>
-                                        </p:attrNameLst>
-                                      </p:cBhvr>
-                                      <p:to>
-                                        <p:strVal val="visible"/>
-                                      </p:to>
-                                    </p:set>
-                                    <p:anim calcmode="lin" valueType="num">
-                                      <p:cBhvr>
-                                        <p:cTn id="23" dur="700" fill="hold"/>
-                                        <p:tgtEl>
-                                          <p:spTgt spid="292"/>
-                                        </p:tgtEl>
-                                        <p:attrNameLst>
-                                          <p:attrName>ppt_w</p:attrName>
-                                        </p:attrNameLst>
-                                      </p:cBhvr>
-                                      <p:tavLst>
-                                        <p:tav tm="0" fmla="#ppt_w*sin(2.5*pi*$)">
-                                          <p:val>
-                                            <p:fltVal val="0"/>
-                                          </p:val>
-                                        </p:tav>
-                                        <p:tav tm="100000">
-                                          <p:val>
-                                            <p:fltVal val="1"/>
-                                          </p:val>
-                                        </p:tav>
-                                      </p:tavLst>
-                                    </p:anim>
-                                    <p:anim calcmode="lin" valueType="num">
-                                      <p:cBhvr>
-                                        <p:cTn id="24" dur="700" fill="hold"/>
-                                        <p:tgtEl>
-                                          <p:spTgt spid="292"/>
-                                        </p:tgtEl>
-                                        <p:attrNameLst>
-                                          <p:attrName>ppt_h</p:attrName>
-                                        </p:attrNameLst>
-                                      </p:cBhvr>
-                                      <p:tavLst>
-                                        <p:tav tm="0">
-                                          <p:val>
-                                            <p:strVal val="#ppt_h"/>
-                                          </p:val>
-                                        </p:tav>
-                                        <p:tav tm="100000">
-                                          <p:val>
-                                            <p:strVal val="#ppt_h"/>
-                                          </p:val>
-                                        </p:tav>
-                                      </p:tavLst>
-                                    </p:anim>
-                                  </p:childTnLst>
-                                </p:cTn>
-                              </p:par>
-                            </p:childTnLst>
-                          </p:cTn>
-                        </p:par>
-                      </p:childTnLst>
-                    </p:cTn>
-                  </p:par>
-                </p:childTnLst>
-              </p:cTn>
-              <p:prevCondLst>
-                <p:cond evt="onPrev">
-                  <p:tgtEl>
-                    <p:sldTgt/>
-                  </p:tgtEl>
-                </p:cond>
-              </p:prevCondLst>
-              <p:nextCondLst>
-                <p:cond evt="onNext">
-                  <p:tgtEl>
-                    <p:sldTgt/>
-                  </p:tgtEl>
-                </p:cond>
-              </p:nextCondLst>
-            </p:seq>
-          </p:childTnLst>
-        </p:cTn>
-      </p:par>
-    </p:tnLst>
-    <p:bldLst>
-      <p:bldP build="whole" bldLvl="1" animBg="1" rev="0" advAuto="0" spid="282" grpId="1"/>
-      <p:bldP build="whole" bldLvl="1" animBg="1" rev="0" advAuto="0" spid="285" grpId="2"/>
-      <p:bldP build="whole" bldLvl="1" animBg="1" rev="0" advAuto="0" spid="288" grpId="3"/>
-      <p:bldP build="whole" bldLvl="1" animBg="1" rev="0" advAuto="0" spid="292" grpId="5"/>
-      <p:bldP build="whole" bldLvl="1" animBg="1" rev="0" advAuto="0" spid="289" grpId="4"/>
+      <p:bldP build="whole" bldLvl="1" animBg="1" rev="0" advAuto="0" spid="287" grpId="1"/>
     </p:bldLst>
   </p:timing>
 </p:sld>

--- a/slides/client/Switch.pptx
+++ b/slides/client/Switch.pptx
@@ -18,6 +18,8 @@
     <p:sldId id="263" r:id="rId15"/>
     <p:sldId id="264" r:id="rId16"/>
     <p:sldId id="265" r:id="rId17"/>
+    <p:sldId id="266" r:id="rId18"/>
+    <p:sldId id="267" r:id="rId19"/>
   </p:sldIdLst>
   <p:sldSz cx="24384000" cy="13716000"/>
   <p:notesSz cx="6858000" cy="9144000"/>
@@ -563,7 +565,7 @@
                 <a:latin typeface="+mn-lt"/>
                 <a:ea typeface="+mn-ea"/>
                 <a:cs typeface="+mn-cs"/>
-                <a:sym typeface="DIN Condensed"/>
+                <a:sym typeface="DIN Condensed Bold"/>
               </a:defRPr>
             </a:pPr>
           </a:p>
@@ -600,7 +602,7 @@
                 <a:latin typeface="+mn-lt"/>
                 <a:ea typeface="+mn-ea"/>
                 <a:cs typeface="+mn-cs"/>
-                <a:sym typeface="DIN Condensed"/>
+                <a:sym typeface="DIN Condensed Bold"/>
               </a:defRPr>
             </a:lvl1pPr>
           </a:lstStyle>
@@ -645,10 +647,10 @@
                 <a:solidFill>
                   <a:srgbClr val="A6AAA9"/>
                 </a:solidFill>
-                <a:latin typeface="DIN Alternate"/>
-                <a:ea typeface="DIN Alternate"/>
-                <a:cs typeface="DIN Alternate"/>
-                <a:sym typeface="DIN Alternate"/>
+                <a:latin typeface="DIN Alternate Bold"/>
+                <a:ea typeface="DIN Alternate Bold"/>
+                <a:cs typeface="DIN Alternate Bold"/>
+                <a:sym typeface="DIN Alternate Bold"/>
               </a:defRPr>
             </a:lvl1pPr>
             <a:lvl2pPr defTabSz="821531">
@@ -662,10 +664,10 @@
                 <a:solidFill>
                   <a:srgbClr val="A6AAA9"/>
                 </a:solidFill>
-                <a:latin typeface="DIN Alternate"/>
-                <a:ea typeface="DIN Alternate"/>
-                <a:cs typeface="DIN Alternate"/>
-                <a:sym typeface="DIN Alternate"/>
+                <a:latin typeface="DIN Alternate Bold"/>
+                <a:ea typeface="DIN Alternate Bold"/>
+                <a:cs typeface="DIN Alternate Bold"/>
+                <a:sym typeface="DIN Alternate Bold"/>
               </a:defRPr>
             </a:lvl2pPr>
             <a:lvl3pPr defTabSz="821531">
@@ -679,10 +681,10 @@
                 <a:solidFill>
                   <a:srgbClr val="A6AAA9"/>
                 </a:solidFill>
-                <a:latin typeface="DIN Alternate"/>
-                <a:ea typeface="DIN Alternate"/>
-                <a:cs typeface="DIN Alternate"/>
-                <a:sym typeface="DIN Alternate"/>
+                <a:latin typeface="DIN Alternate Bold"/>
+                <a:ea typeface="DIN Alternate Bold"/>
+                <a:cs typeface="DIN Alternate Bold"/>
+                <a:sym typeface="DIN Alternate Bold"/>
               </a:defRPr>
             </a:lvl3pPr>
             <a:lvl4pPr defTabSz="821531">
@@ -696,10 +698,10 @@
                 <a:solidFill>
                   <a:srgbClr val="A6AAA9"/>
                 </a:solidFill>
-                <a:latin typeface="DIN Alternate"/>
-                <a:ea typeface="DIN Alternate"/>
-                <a:cs typeface="DIN Alternate"/>
-                <a:sym typeface="DIN Alternate"/>
+                <a:latin typeface="DIN Alternate Bold"/>
+                <a:ea typeface="DIN Alternate Bold"/>
+                <a:cs typeface="DIN Alternate Bold"/>
+                <a:sym typeface="DIN Alternate Bold"/>
               </a:defRPr>
             </a:lvl4pPr>
             <a:lvl5pPr defTabSz="821531">
@@ -713,10 +715,10 @@
                 <a:solidFill>
                   <a:srgbClr val="A6AAA9"/>
                 </a:solidFill>
-                <a:latin typeface="DIN Alternate"/>
-                <a:ea typeface="DIN Alternate"/>
-                <a:cs typeface="DIN Alternate"/>
-                <a:sym typeface="DIN Alternate"/>
+                <a:latin typeface="DIN Alternate Bold"/>
+                <a:ea typeface="DIN Alternate Bold"/>
+                <a:cs typeface="DIN Alternate Bold"/>
+                <a:sym typeface="DIN Alternate Bold"/>
               </a:defRPr>
             </a:lvl5pPr>
           </a:lstStyle>
@@ -780,10 +782,10 @@
                 <a:solidFill>
                   <a:srgbClr val="838787"/>
                 </a:solidFill>
-                <a:latin typeface="DIN Alternate"/>
-                <a:ea typeface="DIN Alternate"/>
-                <a:cs typeface="DIN Alternate"/>
-                <a:sym typeface="DIN Alternate"/>
+                <a:latin typeface="DIN Alternate Bold"/>
+                <a:ea typeface="DIN Alternate Bold"/>
+                <a:cs typeface="DIN Alternate Bold"/>
+                <a:sym typeface="DIN Alternate Bold"/>
               </a:defRPr>
             </a:lvl1pPr>
           </a:lstStyle>
@@ -865,7 +867,7 @@
                 <a:latin typeface="+mn-lt"/>
                 <a:ea typeface="+mn-ea"/>
                 <a:cs typeface="+mn-cs"/>
-                <a:sym typeface="DIN Condensed"/>
+                <a:sym typeface="DIN Condensed Bold"/>
               </a:defRPr>
             </a:pPr>
           </a:p>
@@ -876,7 +878,7 @@
           <p:cNvPr id="108" name="Text"/>
           <p:cNvSpPr txBox="1"/>
           <p:nvPr>
-            <p:ph type="body" sz="quarter" idx="13"/>
+            <p:ph type="body" sz="quarter" idx="21"/>
           </p:nvPr>
         </p:nvSpPr>
         <p:spPr>
@@ -901,10 +903,10 @@
                 <a:solidFill>
                   <a:srgbClr val="838787"/>
                 </a:solidFill>
-                <a:latin typeface="DIN Alternate"/>
-                <a:ea typeface="DIN Alternate"/>
-                <a:cs typeface="DIN Alternate"/>
-                <a:sym typeface="DIN Alternate"/>
+                <a:latin typeface="DIN Alternate Bold"/>
+                <a:ea typeface="DIN Alternate Bold"/>
+                <a:cs typeface="DIN Alternate Bold"/>
+                <a:sym typeface="DIN Alternate Bold"/>
               </a:defRPr>
             </a:lvl1pPr>
           </a:lstStyle>
@@ -943,16 +945,16 @@
                 <a:schemeClr val="accent1"/>
               </a:buClr>
               <a:buSzPct val="104999"/>
-              <a:buFont typeface="Avenir Next"/>
+              <a:buFont typeface="Avenir Next Regular"/>
               <a:buChar char="▸"/>
               <a:defRPr sz="1500">
                 <a:solidFill>
                   <a:srgbClr val="FFFFFF"/>
                 </a:solidFill>
-                <a:latin typeface="Meslo LG M for Powerline"/>
-                <a:ea typeface="Meslo LG M for Powerline"/>
-                <a:cs typeface="Meslo LG M for Powerline"/>
-                <a:sym typeface="Meslo LG M for Powerline"/>
+                <a:latin typeface="Meslo LG M Regular for Powerline"/>
+                <a:ea typeface="Meslo LG M Regular for Powerline"/>
+                <a:cs typeface="Meslo LG M Regular for Powerline"/>
+                <a:sym typeface="Meslo LG M Regular for Powerline"/>
               </a:defRPr>
             </a:lvl1pPr>
             <a:lvl2pPr marL="640602" indent="-196102" algn="ctr" defTabSz="821531">
@@ -960,16 +962,16 @@
                 <a:schemeClr val="accent1"/>
               </a:buClr>
               <a:buSzPct val="104999"/>
-              <a:buFont typeface="Avenir Next"/>
+              <a:buFont typeface="Avenir Next Regular"/>
               <a:buChar char="▸"/>
               <a:defRPr sz="1500">
                 <a:solidFill>
                   <a:srgbClr val="FFFFFF"/>
                 </a:solidFill>
-                <a:latin typeface="Meslo LG M for Powerline"/>
-                <a:ea typeface="Meslo LG M for Powerline"/>
-                <a:cs typeface="Meslo LG M for Powerline"/>
-                <a:sym typeface="Meslo LG M for Powerline"/>
+                <a:latin typeface="Meslo LG M Regular for Powerline"/>
+                <a:ea typeface="Meslo LG M Regular for Powerline"/>
+                <a:cs typeface="Meslo LG M Regular for Powerline"/>
+                <a:sym typeface="Meslo LG M Regular for Powerline"/>
               </a:defRPr>
             </a:lvl2pPr>
             <a:lvl3pPr marL="1085102" indent="-196102" algn="ctr" defTabSz="821531">
@@ -977,16 +979,16 @@
                 <a:schemeClr val="accent1"/>
               </a:buClr>
               <a:buSzPct val="104999"/>
-              <a:buFont typeface="Avenir Next"/>
+              <a:buFont typeface="Avenir Next Regular"/>
               <a:buChar char="▸"/>
               <a:defRPr sz="1500">
                 <a:solidFill>
                   <a:srgbClr val="FFFFFF"/>
                 </a:solidFill>
-                <a:latin typeface="Meslo LG M for Powerline"/>
-                <a:ea typeface="Meslo LG M for Powerline"/>
-                <a:cs typeface="Meslo LG M for Powerline"/>
-                <a:sym typeface="Meslo LG M for Powerline"/>
+                <a:latin typeface="Meslo LG M Regular for Powerline"/>
+                <a:ea typeface="Meslo LG M Regular for Powerline"/>
+                <a:cs typeface="Meslo LG M Regular for Powerline"/>
+                <a:sym typeface="Meslo LG M Regular for Powerline"/>
               </a:defRPr>
             </a:lvl3pPr>
             <a:lvl4pPr marL="1529602" indent="-196102" algn="ctr" defTabSz="821531">
@@ -994,16 +996,16 @@
                 <a:schemeClr val="accent1"/>
               </a:buClr>
               <a:buSzPct val="104999"/>
-              <a:buFont typeface="Avenir Next"/>
+              <a:buFont typeface="Avenir Next Regular"/>
               <a:buChar char="▸"/>
               <a:defRPr sz="1500">
                 <a:solidFill>
                   <a:srgbClr val="FFFFFF"/>
                 </a:solidFill>
-                <a:latin typeface="Meslo LG M for Powerline"/>
-                <a:ea typeface="Meslo LG M for Powerline"/>
-                <a:cs typeface="Meslo LG M for Powerline"/>
-                <a:sym typeface="Meslo LG M for Powerline"/>
+                <a:latin typeface="Meslo LG M Regular for Powerline"/>
+                <a:ea typeface="Meslo LG M Regular for Powerline"/>
+                <a:cs typeface="Meslo LG M Regular for Powerline"/>
+                <a:sym typeface="Meslo LG M Regular for Powerline"/>
               </a:defRPr>
             </a:lvl4pPr>
             <a:lvl5pPr marL="1974102" indent="-196102" algn="ctr" defTabSz="821531">
@@ -1011,16 +1013,16 @@
                 <a:schemeClr val="accent1"/>
               </a:buClr>
               <a:buSzPct val="104999"/>
-              <a:buFont typeface="Avenir Next"/>
+              <a:buFont typeface="Avenir Next Regular"/>
               <a:buChar char="▸"/>
               <a:defRPr sz="1500">
                 <a:solidFill>
                   <a:srgbClr val="FFFFFF"/>
                 </a:solidFill>
-                <a:latin typeface="Meslo LG M for Powerline"/>
-                <a:ea typeface="Meslo LG M for Powerline"/>
-                <a:cs typeface="Meslo LG M for Powerline"/>
-                <a:sym typeface="Meslo LG M for Powerline"/>
+                <a:latin typeface="Meslo LG M Regular for Powerline"/>
+                <a:ea typeface="Meslo LG M Regular for Powerline"/>
+                <a:cs typeface="Meslo LG M Regular for Powerline"/>
+                <a:sym typeface="Meslo LG M Regular for Powerline"/>
               </a:defRPr>
             </a:lvl5pPr>
           </a:lstStyle>
@@ -1084,10 +1086,10 @@
                 <a:solidFill>
                   <a:srgbClr val="838787"/>
                 </a:solidFill>
-                <a:latin typeface="DIN Alternate"/>
-                <a:ea typeface="DIN Alternate"/>
-                <a:cs typeface="DIN Alternate"/>
-                <a:sym typeface="DIN Alternate"/>
+                <a:latin typeface="DIN Alternate Bold"/>
+                <a:ea typeface="DIN Alternate Bold"/>
+                <a:cs typeface="DIN Alternate Bold"/>
+                <a:sym typeface="DIN Alternate Bold"/>
               </a:defRPr>
             </a:lvl1pPr>
           </a:lstStyle>
@@ -1135,7 +1137,7 @@
           <p:cNvPr id="117" name="Image"/>
           <p:cNvSpPr/>
           <p:nvPr>
-            <p:ph type="pic" sz="half" idx="13"/>
+            <p:ph type="pic" sz="half" idx="21"/>
           </p:nvPr>
         </p:nvSpPr>
         <p:spPr>
@@ -1160,7 +1162,7 @@
           <p:cNvPr id="118" name="Image"/>
           <p:cNvSpPr/>
           <p:nvPr>
-            <p:ph type="pic" sz="half" idx="14"/>
+            <p:ph type="pic" sz="half" idx="22"/>
           </p:nvPr>
         </p:nvSpPr>
         <p:spPr>
@@ -1185,7 +1187,7 @@
           <p:cNvPr id="119" name="Image"/>
           <p:cNvSpPr/>
           <p:nvPr>
-            <p:ph type="pic" idx="15"/>
+            <p:ph type="pic" idx="23"/>
           </p:nvPr>
         </p:nvSpPr>
         <p:spPr>
@@ -1233,10 +1235,10 @@
                 <a:solidFill>
                   <a:srgbClr val="838787"/>
                 </a:solidFill>
-                <a:latin typeface="DIN Alternate"/>
-                <a:ea typeface="DIN Alternate"/>
-                <a:cs typeface="DIN Alternate"/>
-                <a:sym typeface="DIN Alternate"/>
+                <a:latin typeface="DIN Alternate Bold"/>
+                <a:ea typeface="DIN Alternate Bold"/>
+                <a:cs typeface="DIN Alternate Bold"/>
+                <a:sym typeface="DIN Alternate Bold"/>
               </a:defRPr>
             </a:lvl1pPr>
           </a:lstStyle>
@@ -1318,7 +1320,7 @@
                 <a:latin typeface="+mn-lt"/>
                 <a:ea typeface="+mn-ea"/>
                 <a:cs typeface="+mn-cs"/>
-                <a:sym typeface="DIN Condensed"/>
+                <a:sym typeface="DIN Condensed Bold"/>
               </a:defRPr>
             </a:pPr>
           </a:p>
@@ -1429,7 +1431,7 @@
                 <a:latin typeface="+mn-lt"/>
                 <a:ea typeface="+mn-ea"/>
                 <a:cs typeface="+mn-cs"/>
-                <a:sym typeface="DIN Condensed"/>
+                <a:sym typeface="DIN Condensed Bold"/>
               </a:defRPr>
             </a:pPr>
           </a:p>
@@ -1440,7 +1442,7 @@
           <p:cNvPr id="129" name="Type a quote here."/>
           <p:cNvSpPr txBox="1"/>
           <p:nvPr>
-            <p:ph type="body" sz="quarter" idx="13"/>
+            <p:ph type="body" sz="quarter" idx="21"/>
           </p:nvPr>
         </p:nvSpPr>
         <p:spPr>
@@ -1468,7 +1470,7 @@
                 <a:latin typeface="+mn-lt"/>
                 <a:ea typeface="+mn-ea"/>
                 <a:cs typeface="+mn-cs"/>
-                <a:sym typeface="DIN Condensed"/>
+                <a:sym typeface="DIN Condensed Bold"/>
               </a:defRPr>
             </a:lvl1pPr>
           </a:lstStyle>
@@ -1485,7 +1487,7 @@
           <p:cNvPr id="130" name="Johnny Appleseed"/>
           <p:cNvSpPr txBox="1"/>
           <p:nvPr>
-            <p:ph type="body" sz="quarter" idx="14"/>
+            <p:ph type="body" sz="quarter" idx="22"/>
           </p:nvPr>
         </p:nvSpPr>
         <p:spPr>
@@ -1513,7 +1515,7 @@
                 <a:latin typeface="+mn-lt"/>
                 <a:ea typeface="+mn-ea"/>
                 <a:cs typeface="+mn-cs"/>
-                <a:sym typeface="DIN Condensed"/>
+                <a:sym typeface="DIN Condensed Bold"/>
               </a:defRPr>
             </a:lvl1pPr>
           </a:lstStyle>
@@ -1530,7 +1532,7 @@
           <p:cNvPr id="131" name="Text"/>
           <p:cNvSpPr txBox="1"/>
           <p:nvPr>
-            <p:ph type="body" sz="quarter" idx="15"/>
+            <p:ph type="body" sz="quarter" idx="23"/>
           </p:nvPr>
         </p:nvSpPr>
         <p:spPr>
@@ -1555,10 +1557,10 @@
                 <a:solidFill>
                   <a:srgbClr val="838787"/>
                 </a:solidFill>
-                <a:latin typeface="DIN Alternate"/>
-                <a:ea typeface="DIN Alternate"/>
-                <a:cs typeface="DIN Alternate"/>
-                <a:sym typeface="DIN Alternate"/>
+                <a:latin typeface="DIN Alternate Bold"/>
+                <a:ea typeface="DIN Alternate Bold"/>
+                <a:cs typeface="DIN Alternate Bold"/>
+                <a:sym typeface="DIN Alternate Bold"/>
               </a:defRPr>
             </a:lvl1pPr>
           </a:lstStyle>
@@ -1598,10 +1600,10 @@
                 <a:solidFill>
                   <a:srgbClr val="838787"/>
                 </a:solidFill>
-                <a:latin typeface="DIN Alternate"/>
-                <a:ea typeface="DIN Alternate"/>
-                <a:cs typeface="DIN Alternate"/>
-                <a:sym typeface="DIN Alternate"/>
+                <a:latin typeface="DIN Alternate Bold"/>
+                <a:ea typeface="DIN Alternate Bold"/>
+                <a:cs typeface="DIN Alternate Bold"/>
+                <a:sym typeface="DIN Alternate Bold"/>
               </a:defRPr>
             </a:lvl1pPr>
           </a:lstStyle>
@@ -1649,7 +1651,7 @@
           <p:cNvPr id="139" name="Type a quote here."/>
           <p:cNvSpPr txBox="1"/>
           <p:nvPr>
-            <p:ph type="body" sz="quarter" idx="13"/>
+            <p:ph type="body" sz="quarter" idx="21"/>
           </p:nvPr>
         </p:nvSpPr>
         <p:spPr>
@@ -1677,7 +1679,7 @@
                 <a:latin typeface="+mn-lt"/>
                 <a:ea typeface="+mn-ea"/>
                 <a:cs typeface="+mn-cs"/>
-                <a:sym typeface="DIN Condensed"/>
+                <a:sym typeface="DIN Condensed Bold"/>
               </a:defRPr>
             </a:lvl1pPr>
           </a:lstStyle>
@@ -1694,7 +1696,7 @@
           <p:cNvPr id="140" name="Image"/>
           <p:cNvSpPr/>
           <p:nvPr>
-            <p:ph type="pic" idx="14"/>
+            <p:ph type="pic" idx="22"/>
           </p:nvPr>
         </p:nvSpPr>
         <p:spPr>
@@ -1719,7 +1721,7 @@
           <p:cNvPr id="141" name="Johnny Appleseed"/>
           <p:cNvSpPr txBox="1"/>
           <p:nvPr>
-            <p:ph type="body" sz="quarter" idx="15"/>
+            <p:ph type="body" sz="quarter" idx="23"/>
           </p:nvPr>
         </p:nvSpPr>
         <p:spPr>
@@ -1744,7 +1746,7 @@
                 <a:latin typeface="+mn-lt"/>
                 <a:ea typeface="+mn-ea"/>
                 <a:cs typeface="+mn-cs"/>
-                <a:sym typeface="DIN Condensed"/>
+                <a:sym typeface="DIN Condensed Bold"/>
               </a:defRPr>
             </a:lvl1pPr>
           </a:lstStyle>
@@ -1784,10 +1786,10 @@
                 <a:solidFill>
                   <a:srgbClr val="838787"/>
                 </a:solidFill>
-                <a:latin typeface="DIN Alternate"/>
-                <a:ea typeface="DIN Alternate"/>
-                <a:cs typeface="DIN Alternate"/>
-                <a:sym typeface="DIN Alternate"/>
+                <a:latin typeface="DIN Alternate Bold"/>
+                <a:ea typeface="DIN Alternate Bold"/>
+                <a:cs typeface="DIN Alternate Bold"/>
+                <a:sym typeface="DIN Alternate Bold"/>
               </a:defRPr>
             </a:lvl1pPr>
           </a:lstStyle>
@@ -1835,7 +1837,7 @@
           <p:cNvPr id="149" name="Image"/>
           <p:cNvSpPr/>
           <p:nvPr>
-            <p:ph type="pic" idx="13"/>
+            <p:ph type="pic" idx="21"/>
           </p:nvPr>
         </p:nvSpPr>
         <p:spPr>
@@ -1883,10 +1885,10 @@
                 <a:solidFill>
                   <a:srgbClr val="838787"/>
                 </a:solidFill>
-                <a:latin typeface="DIN Alternate"/>
-                <a:ea typeface="DIN Alternate"/>
-                <a:cs typeface="DIN Alternate"/>
-                <a:sym typeface="DIN Alternate"/>
+                <a:latin typeface="DIN Alternate Bold"/>
+                <a:ea typeface="DIN Alternate Bold"/>
+                <a:cs typeface="DIN Alternate Bold"/>
+                <a:sym typeface="DIN Alternate Bold"/>
               </a:defRPr>
             </a:lvl1pPr>
           </a:lstStyle>
@@ -1957,10 +1959,10 @@
                 <a:solidFill>
                   <a:srgbClr val="838787"/>
                 </a:solidFill>
-                <a:latin typeface="DIN Alternate"/>
-                <a:ea typeface="DIN Alternate"/>
-                <a:cs typeface="DIN Alternate"/>
-                <a:sym typeface="DIN Alternate"/>
+                <a:latin typeface="DIN Alternate Bold"/>
+                <a:ea typeface="DIN Alternate Bold"/>
+                <a:cs typeface="DIN Alternate Bold"/>
+                <a:sym typeface="DIN Alternate Bold"/>
               </a:defRPr>
             </a:lvl1pPr>
           </a:lstStyle>
@@ -2024,10 +2026,10 @@
                 <a:solidFill>
                   <a:srgbClr val="838787"/>
                 </a:solidFill>
-                <a:latin typeface="DIN Alternate"/>
-                <a:ea typeface="DIN Alternate"/>
-                <a:cs typeface="DIN Alternate"/>
-                <a:sym typeface="DIN Alternate"/>
+                <a:latin typeface="DIN Alternate Bold"/>
+                <a:ea typeface="DIN Alternate Bold"/>
+                <a:cs typeface="DIN Alternate Bold"/>
+                <a:sym typeface="DIN Alternate Bold"/>
               </a:defRPr>
             </a:lvl1pPr>
           </a:lstStyle>
@@ -2147,7 +2149,7 @@
           <p:cNvPr id="25" name="Image"/>
           <p:cNvSpPr/>
           <p:nvPr>
-            <p:ph type="pic" idx="13"/>
+            <p:ph type="pic" idx="21"/>
           </p:nvPr>
         </p:nvSpPr>
         <p:spPr>
@@ -2171,9 +2173,7 @@
         <p:nvSpPr>
           <p:cNvPr id="26" name="Line"/>
           <p:cNvSpPr/>
-          <p:nvPr>
-            <p:ph type="body" sz="quarter" idx="14"/>
-          </p:nvPr>
+          <p:nvPr/>
         </p:nvSpPr>
         <p:spPr>
           <a:xfrm flipV="1">
@@ -2187,6 +2187,7 @@
             <a:solidFill>
               <a:srgbClr val="A6AAA9"/>
             </a:solidFill>
+            <a:miter lim="400000"/>
           </a:ln>
         </p:spPr>
         <p:txBody>
@@ -2201,10 +2202,13 @@
                 <a:spcPts val="2000"/>
               </a:spcBef>
               <a:defRPr sz="5600">
+                <a:solidFill>
+                  <a:srgbClr val="000000"/>
+                </a:solidFill>
                 <a:latin typeface="+mn-lt"/>
                 <a:ea typeface="+mn-ea"/>
                 <a:cs typeface="+mn-cs"/>
-                <a:sym typeface="DIN Condensed"/>
+                <a:sym typeface="DIN Condensed Bold"/>
               </a:defRPr>
             </a:pPr>
           </a:p>
@@ -2241,7 +2245,7 @@
                 <a:latin typeface="+mn-lt"/>
                 <a:ea typeface="+mn-ea"/>
                 <a:cs typeface="+mn-cs"/>
-                <a:sym typeface="DIN Condensed"/>
+                <a:sym typeface="DIN Condensed Bold"/>
               </a:defRPr>
             </a:lvl1pPr>
           </a:lstStyle>
@@ -2286,10 +2290,10 @@
                 <a:solidFill>
                   <a:srgbClr val="A6AAA9"/>
                 </a:solidFill>
-                <a:latin typeface="DIN Alternate"/>
-                <a:ea typeface="DIN Alternate"/>
-                <a:cs typeface="DIN Alternate"/>
-                <a:sym typeface="DIN Alternate"/>
+                <a:latin typeface="DIN Alternate Bold"/>
+                <a:ea typeface="DIN Alternate Bold"/>
+                <a:cs typeface="DIN Alternate Bold"/>
+                <a:sym typeface="DIN Alternate Bold"/>
               </a:defRPr>
             </a:lvl1pPr>
             <a:lvl2pPr defTabSz="821531">
@@ -2303,10 +2307,10 @@
                 <a:solidFill>
                   <a:srgbClr val="A6AAA9"/>
                 </a:solidFill>
-                <a:latin typeface="DIN Alternate"/>
-                <a:ea typeface="DIN Alternate"/>
-                <a:cs typeface="DIN Alternate"/>
-                <a:sym typeface="DIN Alternate"/>
+                <a:latin typeface="DIN Alternate Bold"/>
+                <a:ea typeface="DIN Alternate Bold"/>
+                <a:cs typeface="DIN Alternate Bold"/>
+                <a:sym typeface="DIN Alternate Bold"/>
               </a:defRPr>
             </a:lvl2pPr>
             <a:lvl3pPr defTabSz="821531">
@@ -2320,10 +2324,10 @@
                 <a:solidFill>
                   <a:srgbClr val="A6AAA9"/>
                 </a:solidFill>
-                <a:latin typeface="DIN Alternate"/>
-                <a:ea typeface="DIN Alternate"/>
-                <a:cs typeface="DIN Alternate"/>
-                <a:sym typeface="DIN Alternate"/>
+                <a:latin typeface="DIN Alternate Bold"/>
+                <a:ea typeface="DIN Alternate Bold"/>
+                <a:cs typeface="DIN Alternate Bold"/>
+                <a:sym typeface="DIN Alternate Bold"/>
               </a:defRPr>
             </a:lvl3pPr>
             <a:lvl4pPr defTabSz="821531">
@@ -2337,10 +2341,10 @@
                 <a:solidFill>
                   <a:srgbClr val="A6AAA9"/>
                 </a:solidFill>
-                <a:latin typeface="DIN Alternate"/>
-                <a:ea typeface="DIN Alternate"/>
-                <a:cs typeface="DIN Alternate"/>
-                <a:sym typeface="DIN Alternate"/>
+                <a:latin typeface="DIN Alternate Bold"/>
+                <a:ea typeface="DIN Alternate Bold"/>
+                <a:cs typeface="DIN Alternate Bold"/>
+                <a:sym typeface="DIN Alternate Bold"/>
               </a:defRPr>
             </a:lvl4pPr>
             <a:lvl5pPr defTabSz="821531">
@@ -2354,10 +2358,10 @@
                 <a:solidFill>
                   <a:srgbClr val="A6AAA9"/>
                 </a:solidFill>
-                <a:latin typeface="DIN Alternate"/>
-                <a:ea typeface="DIN Alternate"/>
-                <a:cs typeface="DIN Alternate"/>
-                <a:sym typeface="DIN Alternate"/>
+                <a:latin typeface="DIN Alternate Bold"/>
+                <a:ea typeface="DIN Alternate Bold"/>
+                <a:cs typeface="DIN Alternate Bold"/>
+                <a:sym typeface="DIN Alternate Bold"/>
               </a:defRPr>
             </a:lvl5pPr>
           </a:lstStyle>
@@ -2421,10 +2425,10 @@
                 <a:solidFill>
                   <a:srgbClr val="838787"/>
                 </a:solidFill>
-                <a:latin typeface="DIN Alternate"/>
-                <a:ea typeface="DIN Alternate"/>
-                <a:cs typeface="DIN Alternate"/>
-                <a:sym typeface="DIN Alternate"/>
+                <a:latin typeface="DIN Alternate Bold"/>
+                <a:ea typeface="DIN Alternate Bold"/>
+                <a:cs typeface="DIN Alternate Bold"/>
+                <a:sym typeface="DIN Alternate Bold"/>
               </a:defRPr>
             </a:lvl1pPr>
           </a:lstStyle>
@@ -2491,7 +2495,7 @@
                 <a:latin typeface="+mn-lt"/>
                 <a:ea typeface="+mn-ea"/>
                 <a:cs typeface="+mn-cs"/>
-                <a:sym typeface="DIN Condensed"/>
+                <a:sym typeface="DIN Condensed Bold"/>
               </a:defRPr>
             </a:lvl1pPr>
           </a:lstStyle>
@@ -2531,10 +2535,10 @@
                 <a:solidFill>
                   <a:srgbClr val="838787"/>
                 </a:solidFill>
-                <a:latin typeface="DIN Alternate"/>
-                <a:ea typeface="DIN Alternate"/>
-                <a:cs typeface="DIN Alternate"/>
-                <a:sym typeface="DIN Alternate"/>
+                <a:latin typeface="DIN Alternate Bold"/>
+                <a:ea typeface="DIN Alternate Bold"/>
+                <a:cs typeface="DIN Alternate Bold"/>
+                <a:sym typeface="DIN Alternate Bold"/>
               </a:defRPr>
             </a:lvl1pPr>
           </a:lstStyle>
@@ -2608,7 +2612,7 @@
                 <a:latin typeface="+mn-lt"/>
                 <a:ea typeface="+mn-ea"/>
                 <a:cs typeface="+mn-cs"/>
-                <a:sym typeface="DIN Condensed"/>
+                <a:sym typeface="DIN Condensed Bold"/>
               </a:defRPr>
             </a:lvl1pPr>
           </a:lstStyle>
@@ -2648,10 +2652,10 @@
                 <a:solidFill>
                   <a:srgbClr val="838787"/>
                 </a:solidFill>
-                <a:latin typeface="DIN Alternate"/>
-                <a:ea typeface="DIN Alternate"/>
-                <a:cs typeface="DIN Alternate"/>
-                <a:sym typeface="DIN Alternate"/>
+                <a:latin typeface="DIN Alternate Bold"/>
+                <a:ea typeface="DIN Alternate Bold"/>
+                <a:cs typeface="DIN Alternate Bold"/>
+                <a:sym typeface="DIN Alternate Bold"/>
               </a:defRPr>
             </a:lvl1pPr>
           </a:lstStyle>
@@ -2733,7 +2737,7 @@
                 <a:latin typeface="+mn-lt"/>
                 <a:ea typeface="+mn-ea"/>
                 <a:cs typeface="+mn-cs"/>
-                <a:sym typeface="DIN Condensed"/>
+                <a:sym typeface="DIN Condensed Bold"/>
               </a:defRPr>
             </a:pPr>
           </a:p>
@@ -2744,7 +2748,7 @@
           <p:cNvPr id="53" name="Image"/>
           <p:cNvSpPr/>
           <p:nvPr>
-            <p:ph type="pic" idx="13"/>
+            <p:ph type="pic" idx="21"/>
           </p:nvPr>
         </p:nvSpPr>
         <p:spPr>
@@ -2795,7 +2799,7 @@
                 <a:latin typeface="+mn-lt"/>
                 <a:ea typeface="+mn-ea"/>
                 <a:cs typeface="+mn-cs"/>
-                <a:sym typeface="DIN Condensed"/>
+                <a:sym typeface="DIN Condensed Bold"/>
               </a:defRPr>
             </a:lvl1pPr>
           </a:lstStyle>
@@ -2840,10 +2844,10 @@
                 <a:solidFill>
                   <a:srgbClr val="A6AAA9"/>
                 </a:solidFill>
-                <a:latin typeface="DIN Alternate"/>
-                <a:ea typeface="DIN Alternate"/>
-                <a:cs typeface="DIN Alternate"/>
-                <a:sym typeface="DIN Alternate"/>
+                <a:latin typeface="DIN Alternate Bold"/>
+                <a:ea typeface="DIN Alternate Bold"/>
+                <a:cs typeface="DIN Alternate Bold"/>
+                <a:sym typeface="DIN Alternate Bold"/>
               </a:defRPr>
             </a:lvl1pPr>
             <a:lvl2pPr defTabSz="821531">
@@ -2857,10 +2861,10 @@
                 <a:solidFill>
                   <a:srgbClr val="A6AAA9"/>
                 </a:solidFill>
-                <a:latin typeface="DIN Alternate"/>
-                <a:ea typeface="DIN Alternate"/>
-                <a:cs typeface="DIN Alternate"/>
-                <a:sym typeface="DIN Alternate"/>
+                <a:latin typeface="DIN Alternate Bold"/>
+                <a:ea typeface="DIN Alternate Bold"/>
+                <a:cs typeface="DIN Alternate Bold"/>
+                <a:sym typeface="DIN Alternate Bold"/>
               </a:defRPr>
             </a:lvl2pPr>
             <a:lvl3pPr defTabSz="821531">
@@ -2874,10 +2878,10 @@
                 <a:solidFill>
                   <a:srgbClr val="A6AAA9"/>
                 </a:solidFill>
-                <a:latin typeface="DIN Alternate"/>
-                <a:ea typeface="DIN Alternate"/>
-                <a:cs typeface="DIN Alternate"/>
-                <a:sym typeface="DIN Alternate"/>
+                <a:latin typeface="DIN Alternate Bold"/>
+                <a:ea typeface="DIN Alternate Bold"/>
+                <a:cs typeface="DIN Alternate Bold"/>
+                <a:sym typeface="DIN Alternate Bold"/>
               </a:defRPr>
             </a:lvl3pPr>
             <a:lvl4pPr defTabSz="821531">
@@ -2891,10 +2895,10 @@
                 <a:solidFill>
                   <a:srgbClr val="A6AAA9"/>
                 </a:solidFill>
-                <a:latin typeface="DIN Alternate"/>
-                <a:ea typeface="DIN Alternate"/>
-                <a:cs typeface="DIN Alternate"/>
-                <a:sym typeface="DIN Alternate"/>
+                <a:latin typeface="DIN Alternate Bold"/>
+                <a:ea typeface="DIN Alternate Bold"/>
+                <a:cs typeface="DIN Alternate Bold"/>
+                <a:sym typeface="DIN Alternate Bold"/>
               </a:defRPr>
             </a:lvl4pPr>
             <a:lvl5pPr defTabSz="821531">
@@ -2908,10 +2912,10 @@
                 <a:solidFill>
                   <a:srgbClr val="A6AAA9"/>
                 </a:solidFill>
-                <a:latin typeface="DIN Alternate"/>
-                <a:ea typeface="DIN Alternate"/>
-                <a:cs typeface="DIN Alternate"/>
-                <a:sym typeface="DIN Alternate"/>
+                <a:latin typeface="DIN Alternate Bold"/>
+                <a:ea typeface="DIN Alternate Bold"/>
+                <a:cs typeface="DIN Alternate Bold"/>
+                <a:sym typeface="DIN Alternate Bold"/>
               </a:defRPr>
             </a:lvl5pPr>
           </a:lstStyle>
@@ -2975,10 +2979,10 @@
                 <a:solidFill>
                   <a:srgbClr val="838787"/>
                 </a:solidFill>
-                <a:latin typeface="DIN Alternate"/>
-                <a:ea typeface="DIN Alternate"/>
-                <a:cs typeface="DIN Alternate"/>
-                <a:sym typeface="DIN Alternate"/>
+                <a:latin typeface="DIN Alternate Bold"/>
+                <a:ea typeface="DIN Alternate Bold"/>
+                <a:cs typeface="DIN Alternate Bold"/>
+                <a:sym typeface="DIN Alternate Bold"/>
               </a:defRPr>
             </a:lvl1pPr>
           </a:lstStyle>
@@ -3053,7 +3057,7 @@
                 <a:latin typeface="+mn-lt"/>
                 <a:ea typeface="+mn-ea"/>
                 <a:cs typeface="+mn-cs"/>
-                <a:sym typeface="DIN Condensed"/>
+                <a:sym typeface="DIN Condensed Bold"/>
               </a:defRPr>
             </a:pPr>
           </a:p>
@@ -3064,7 +3068,7 @@
           <p:cNvPr id="64" name="Text"/>
           <p:cNvSpPr txBox="1"/>
           <p:nvPr>
-            <p:ph type="body" sz="quarter" idx="13"/>
+            <p:ph type="body" sz="quarter" idx="21"/>
           </p:nvPr>
         </p:nvSpPr>
         <p:spPr>
@@ -3089,10 +3093,10 @@
                 <a:solidFill>
                   <a:srgbClr val="838787"/>
                 </a:solidFill>
-                <a:latin typeface="DIN Alternate"/>
-                <a:ea typeface="DIN Alternate"/>
-                <a:cs typeface="DIN Alternate"/>
-                <a:sym typeface="DIN Alternate"/>
+                <a:latin typeface="DIN Alternate Bold"/>
+                <a:ea typeface="DIN Alternate Bold"/>
+                <a:cs typeface="DIN Alternate Bold"/>
+                <a:sym typeface="DIN Alternate Bold"/>
               </a:defRPr>
             </a:lvl1pPr>
           </a:lstStyle>
@@ -3138,7 +3142,7 @@
                 <a:latin typeface="+mn-lt"/>
                 <a:ea typeface="+mn-ea"/>
                 <a:cs typeface="+mn-cs"/>
-                <a:sym typeface="DIN Condensed"/>
+                <a:sym typeface="DIN Condensed Bold"/>
               </a:defRPr>
             </a:lvl1pPr>
           </a:lstStyle>
@@ -3178,10 +3182,10 @@
                 <a:solidFill>
                   <a:srgbClr val="838787"/>
                 </a:solidFill>
-                <a:latin typeface="DIN Alternate"/>
-                <a:ea typeface="DIN Alternate"/>
-                <a:cs typeface="DIN Alternate"/>
-                <a:sym typeface="DIN Alternate"/>
+                <a:latin typeface="DIN Alternate Bold"/>
+                <a:ea typeface="DIN Alternate Bold"/>
+                <a:cs typeface="DIN Alternate Bold"/>
+                <a:sym typeface="DIN Alternate Bold"/>
               </a:defRPr>
             </a:lvl1pPr>
           </a:lstStyle>
@@ -3263,7 +3267,7 @@
                 <a:latin typeface="+mn-lt"/>
                 <a:ea typeface="+mn-ea"/>
                 <a:cs typeface="+mn-cs"/>
-                <a:sym typeface="DIN Condensed"/>
+                <a:sym typeface="DIN Condensed Bold"/>
               </a:defRPr>
             </a:pPr>
           </a:p>
@@ -3274,7 +3278,7 @@
           <p:cNvPr id="74" name="Text"/>
           <p:cNvSpPr txBox="1"/>
           <p:nvPr>
-            <p:ph type="body" sz="quarter" idx="13"/>
+            <p:ph type="body" sz="quarter" idx="21"/>
           </p:nvPr>
         </p:nvSpPr>
         <p:spPr>
@@ -3299,10 +3303,10 @@
                 <a:solidFill>
                   <a:srgbClr val="838787"/>
                 </a:solidFill>
-                <a:latin typeface="DIN Alternate"/>
-                <a:ea typeface="DIN Alternate"/>
-                <a:cs typeface="DIN Alternate"/>
-                <a:sym typeface="DIN Alternate"/>
+                <a:latin typeface="DIN Alternate Bold"/>
+                <a:ea typeface="DIN Alternate Bold"/>
+                <a:cs typeface="DIN Alternate Bold"/>
+                <a:sym typeface="DIN Alternate Bold"/>
               </a:defRPr>
             </a:lvl1pPr>
           </a:lstStyle>
@@ -3348,7 +3352,7 @@
                 <a:latin typeface="+mn-lt"/>
                 <a:ea typeface="+mn-ea"/>
                 <a:cs typeface="+mn-cs"/>
-                <a:sym typeface="DIN Condensed"/>
+                <a:sym typeface="DIN Condensed Bold"/>
               </a:defRPr>
             </a:lvl1pPr>
           </a:lstStyle>
@@ -3387,16 +3391,16 @@
                 <a:schemeClr val="accent1"/>
               </a:buClr>
               <a:buSzPct val="104999"/>
-              <a:buFont typeface="Avenir Next"/>
+              <a:buFont typeface="Avenir Next Regular"/>
               <a:buChar char="▸"/>
               <a:defRPr sz="1500">
                 <a:solidFill>
                   <a:srgbClr val="FFFFFF"/>
                 </a:solidFill>
-                <a:latin typeface="Meslo LG M for Powerline"/>
-                <a:ea typeface="Meslo LG M for Powerline"/>
-                <a:cs typeface="Meslo LG M for Powerline"/>
-                <a:sym typeface="Meslo LG M for Powerline"/>
+                <a:latin typeface="Meslo LG M Regular for Powerline"/>
+                <a:ea typeface="Meslo LG M Regular for Powerline"/>
+                <a:cs typeface="Meslo LG M Regular for Powerline"/>
+                <a:sym typeface="Meslo LG M Regular for Powerline"/>
               </a:defRPr>
             </a:lvl1pPr>
             <a:lvl2pPr marL="640602" indent="-196102" algn="ctr" defTabSz="821531">
@@ -3404,16 +3408,16 @@
                 <a:schemeClr val="accent1"/>
               </a:buClr>
               <a:buSzPct val="104999"/>
-              <a:buFont typeface="Avenir Next"/>
+              <a:buFont typeface="Avenir Next Regular"/>
               <a:buChar char="▸"/>
               <a:defRPr sz="1500">
                 <a:solidFill>
                   <a:srgbClr val="FFFFFF"/>
                 </a:solidFill>
-                <a:latin typeface="Meslo LG M for Powerline"/>
-                <a:ea typeface="Meslo LG M for Powerline"/>
-                <a:cs typeface="Meslo LG M for Powerline"/>
-                <a:sym typeface="Meslo LG M for Powerline"/>
+                <a:latin typeface="Meslo LG M Regular for Powerline"/>
+                <a:ea typeface="Meslo LG M Regular for Powerline"/>
+                <a:cs typeface="Meslo LG M Regular for Powerline"/>
+                <a:sym typeface="Meslo LG M Regular for Powerline"/>
               </a:defRPr>
             </a:lvl2pPr>
             <a:lvl3pPr marL="1085102" indent="-196102" algn="ctr" defTabSz="821531">
@@ -3421,16 +3425,16 @@
                 <a:schemeClr val="accent1"/>
               </a:buClr>
               <a:buSzPct val="104999"/>
-              <a:buFont typeface="Avenir Next"/>
+              <a:buFont typeface="Avenir Next Regular"/>
               <a:buChar char="▸"/>
               <a:defRPr sz="1500">
                 <a:solidFill>
                   <a:srgbClr val="FFFFFF"/>
                 </a:solidFill>
-                <a:latin typeface="Meslo LG M for Powerline"/>
-                <a:ea typeface="Meslo LG M for Powerline"/>
-                <a:cs typeface="Meslo LG M for Powerline"/>
-                <a:sym typeface="Meslo LG M for Powerline"/>
+                <a:latin typeface="Meslo LG M Regular for Powerline"/>
+                <a:ea typeface="Meslo LG M Regular for Powerline"/>
+                <a:cs typeface="Meslo LG M Regular for Powerline"/>
+                <a:sym typeface="Meslo LG M Regular for Powerline"/>
               </a:defRPr>
             </a:lvl3pPr>
             <a:lvl4pPr marL="1529602" indent="-196102" algn="ctr" defTabSz="821531">
@@ -3438,16 +3442,16 @@
                 <a:schemeClr val="accent1"/>
               </a:buClr>
               <a:buSzPct val="104999"/>
-              <a:buFont typeface="Avenir Next"/>
+              <a:buFont typeface="Avenir Next Regular"/>
               <a:buChar char="▸"/>
               <a:defRPr sz="1500">
                 <a:solidFill>
                   <a:srgbClr val="FFFFFF"/>
                 </a:solidFill>
-                <a:latin typeface="Meslo LG M for Powerline"/>
-                <a:ea typeface="Meslo LG M for Powerline"/>
-                <a:cs typeface="Meslo LG M for Powerline"/>
-                <a:sym typeface="Meslo LG M for Powerline"/>
+                <a:latin typeface="Meslo LG M Regular for Powerline"/>
+                <a:ea typeface="Meslo LG M Regular for Powerline"/>
+                <a:cs typeface="Meslo LG M Regular for Powerline"/>
+                <a:sym typeface="Meslo LG M Regular for Powerline"/>
               </a:defRPr>
             </a:lvl4pPr>
             <a:lvl5pPr marL="1974102" indent="-196102" algn="ctr" defTabSz="821531">
@@ -3455,16 +3459,16 @@
                 <a:schemeClr val="accent1"/>
               </a:buClr>
               <a:buSzPct val="104999"/>
-              <a:buFont typeface="Avenir Next"/>
+              <a:buFont typeface="Avenir Next Regular"/>
               <a:buChar char="▸"/>
               <a:defRPr sz="1500">
                 <a:solidFill>
                   <a:srgbClr val="FFFFFF"/>
                 </a:solidFill>
-                <a:latin typeface="Meslo LG M for Powerline"/>
-                <a:ea typeface="Meslo LG M for Powerline"/>
-                <a:cs typeface="Meslo LG M for Powerline"/>
-                <a:sym typeface="Meslo LG M for Powerline"/>
+                <a:latin typeface="Meslo LG M Regular for Powerline"/>
+                <a:ea typeface="Meslo LG M Regular for Powerline"/>
+                <a:cs typeface="Meslo LG M Regular for Powerline"/>
+                <a:sym typeface="Meslo LG M Regular for Powerline"/>
               </a:defRPr>
             </a:lvl5pPr>
           </a:lstStyle>
@@ -3528,10 +3532,10 @@
                 <a:solidFill>
                   <a:srgbClr val="838787"/>
                 </a:solidFill>
-                <a:latin typeface="DIN Alternate"/>
-                <a:ea typeface="DIN Alternate"/>
-                <a:cs typeface="DIN Alternate"/>
-                <a:sym typeface="DIN Alternate"/>
+                <a:latin typeface="DIN Alternate Bold"/>
+                <a:ea typeface="DIN Alternate Bold"/>
+                <a:cs typeface="DIN Alternate Bold"/>
+                <a:sym typeface="DIN Alternate Bold"/>
               </a:defRPr>
             </a:lvl1pPr>
           </a:lstStyle>
@@ -3606,7 +3610,7 @@
                 <a:latin typeface="+mn-lt"/>
                 <a:ea typeface="+mn-ea"/>
                 <a:cs typeface="+mn-cs"/>
-                <a:sym typeface="DIN Condensed"/>
+                <a:sym typeface="DIN Condensed Bold"/>
               </a:defRPr>
             </a:pPr>
           </a:p>
@@ -3617,7 +3621,7 @@
           <p:cNvPr id="85" name="Text"/>
           <p:cNvSpPr txBox="1"/>
           <p:nvPr>
-            <p:ph type="body" sz="quarter" idx="13"/>
+            <p:ph type="body" sz="quarter" idx="21"/>
           </p:nvPr>
         </p:nvSpPr>
         <p:spPr>
@@ -3642,10 +3646,10 @@
                 <a:solidFill>
                   <a:srgbClr val="838787"/>
                 </a:solidFill>
-                <a:latin typeface="DIN Alternate"/>
-                <a:ea typeface="DIN Alternate"/>
-                <a:cs typeface="DIN Alternate"/>
-                <a:sym typeface="DIN Alternate"/>
+                <a:latin typeface="DIN Alternate Bold"/>
+                <a:ea typeface="DIN Alternate Bold"/>
+                <a:cs typeface="DIN Alternate Bold"/>
+                <a:sym typeface="DIN Alternate Bold"/>
               </a:defRPr>
             </a:lvl1pPr>
           </a:lstStyle>
@@ -3691,7 +3695,7 @@
                 <a:latin typeface="+mn-lt"/>
                 <a:ea typeface="+mn-ea"/>
                 <a:cs typeface="+mn-cs"/>
-                <a:sym typeface="DIN Condensed"/>
+                <a:sym typeface="DIN Condensed Bold"/>
               </a:defRPr>
             </a:lvl1pPr>
           </a:lstStyle>
@@ -3730,16 +3734,16 @@
                 <a:schemeClr val="accent1"/>
               </a:buClr>
               <a:buSzPct val="104999"/>
-              <a:buFont typeface="Avenir Next"/>
+              <a:buFont typeface="Avenir Next Regular"/>
               <a:buChar char="▸"/>
               <a:defRPr sz="1500">
                 <a:solidFill>
                   <a:srgbClr val="FFFFFF"/>
                 </a:solidFill>
-                <a:latin typeface="Meslo LG M for Powerline"/>
-                <a:ea typeface="Meslo LG M for Powerline"/>
-                <a:cs typeface="Meslo LG M for Powerline"/>
-                <a:sym typeface="Meslo LG M for Powerline"/>
+                <a:latin typeface="Meslo LG M Regular for Powerline"/>
+                <a:ea typeface="Meslo LG M Regular for Powerline"/>
+                <a:cs typeface="Meslo LG M Regular for Powerline"/>
+                <a:sym typeface="Meslo LG M Regular for Powerline"/>
               </a:defRPr>
             </a:lvl1pPr>
             <a:lvl2pPr marL="640602" indent="-196102" algn="ctr" defTabSz="821531">
@@ -3747,16 +3751,16 @@
                 <a:schemeClr val="accent1"/>
               </a:buClr>
               <a:buSzPct val="104999"/>
-              <a:buFont typeface="Avenir Next"/>
+              <a:buFont typeface="Avenir Next Regular"/>
               <a:buChar char="▸"/>
               <a:defRPr sz="1500">
                 <a:solidFill>
                   <a:srgbClr val="FFFFFF"/>
                 </a:solidFill>
-                <a:latin typeface="Meslo LG M for Powerline"/>
-                <a:ea typeface="Meslo LG M for Powerline"/>
-                <a:cs typeface="Meslo LG M for Powerline"/>
-                <a:sym typeface="Meslo LG M for Powerline"/>
+                <a:latin typeface="Meslo LG M Regular for Powerline"/>
+                <a:ea typeface="Meslo LG M Regular for Powerline"/>
+                <a:cs typeface="Meslo LG M Regular for Powerline"/>
+                <a:sym typeface="Meslo LG M Regular for Powerline"/>
               </a:defRPr>
             </a:lvl2pPr>
             <a:lvl3pPr marL="1085102" indent="-196102" algn="ctr" defTabSz="821531">
@@ -3764,16 +3768,16 @@
                 <a:schemeClr val="accent1"/>
               </a:buClr>
               <a:buSzPct val="104999"/>
-              <a:buFont typeface="Avenir Next"/>
+              <a:buFont typeface="Avenir Next Regular"/>
               <a:buChar char="▸"/>
               <a:defRPr sz="1500">
                 <a:solidFill>
                   <a:srgbClr val="FFFFFF"/>
                 </a:solidFill>
-                <a:latin typeface="Meslo LG M for Powerline"/>
-                <a:ea typeface="Meslo LG M for Powerline"/>
-                <a:cs typeface="Meslo LG M for Powerline"/>
-                <a:sym typeface="Meslo LG M for Powerline"/>
+                <a:latin typeface="Meslo LG M Regular for Powerline"/>
+                <a:ea typeface="Meslo LG M Regular for Powerline"/>
+                <a:cs typeface="Meslo LG M Regular for Powerline"/>
+                <a:sym typeface="Meslo LG M Regular for Powerline"/>
               </a:defRPr>
             </a:lvl3pPr>
             <a:lvl4pPr marL="1529602" indent="-196102" algn="ctr" defTabSz="821531">
@@ -3781,16 +3785,16 @@
                 <a:schemeClr val="accent1"/>
               </a:buClr>
               <a:buSzPct val="104999"/>
-              <a:buFont typeface="Avenir Next"/>
+              <a:buFont typeface="Avenir Next Regular"/>
               <a:buChar char="▸"/>
               <a:defRPr sz="1500">
                 <a:solidFill>
                   <a:srgbClr val="FFFFFF"/>
                 </a:solidFill>
-                <a:latin typeface="Meslo LG M for Powerline"/>
-                <a:ea typeface="Meslo LG M for Powerline"/>
-                <a:cs typeface="Meslo LG M for Powerline"/>
-                <a:sym typeface="Meslo LG M for Powerline"/>
+                <a:latin typeface="Meslo LG M Regular for Powerline"/>
+                <a:ea typeface="Meslo LG M Regular for Powerline"/>
+                <a:cs typeface="Meslo LG M Regular for Powerline"/>
+                <a:sym typeface="Meslo LG M Regular for Powerline"/>
               </a:defRPr>
             </a:lvl4pPr>
             <a:lvl5pPr marL="1974102" indent="-196102" algn="ctr" defTabSz="821531">
@@ -3798,16 +3802,16 @@
                 <a:schemeClr val="accent1"/>
               </a:buClr>
               <a:buSzPct val="104999"/>
-              <a:buFont typeface="Avenir Next"/>
+              <a:buFont typeface="Avenir Next Regular"/>
               <a:buChar char="▸"/>
               <a:defRPr sz="1500">
                 <a:solidFill>
                   <a:srgbClr val="FFFFFF"/>
                 </a:solidFill>
-                <a:latin typeface="Meslo LG M for Powerline"/>
-                <a:ea typeface="Meslo LG M for Powerline"/>
-                <a:cs typeface="Meslo LG M for Powerline"/>
-                <a:sym typeface="Meslo LG M for Powerline"/>
+                <a:latin typeface="Meslo LG M Regular for Powerline"/>
+                <a:ea typeface="Meslo LG M Regular for Powerline"/>
+                <a:cs typeface="Meslo LG M Regular for Powerline"/>
+                <a:sym typeface="Meslo LG M Regular for Powerline"/>
               </a:defRPr>
             </a:lvl5pPr>
           </a:lstStyle>
@@ -3871,10 +3875,10 @@
                 <a:solidFill>
                   <a:srgbClr val="838787"/>
                 </a:solidFill>
-                <a:latin typeface="DIN Alternate"/>
-                <a:ea typeface="DIN Alternate"/>
-                <a:cs typeface="DIN Alternate"/>
-                <a:sym typeface="DIN Alternate"/>
+                <a:latin typeface="DIN Alternate Bold"/>
+                <a:ea typeface="DIN Alternate Bold"/>
+                <a:cs typeface="DIN Alternate Bold"/>
+                <a:sym typeface="DIN Alternate Bold"/>
               </a:defRPr>
             </a:lvl1pPr>
           </a:lstStyle>
@@ -3956,7 +3960,7 @@
                 <a:latin typeface="+mn-lt"/>
                 <a:ea typeface="+mn-ea"/>
                 <a:cs typeface="+mn-cs"/>
-                <a:sym typeface="DIN Condensed"/>
+                <a:sym typeface="DIN Condensed Bold"/>
               </a:defRPr>
             </a:pPr>
           </a:p>
@@ -3967,7 +3971,7 @@
           <p:cNvPr id="96" name="Text"/>
           <p:cNvSpPr txBox="1"/>
           <p:nvPr>
-            <p:ph type="body" sz="quarter" idx="13"/>
+            <p:ph type="body" sz="quarter" idx="21"/>
           </p:nvPr>
         </p:nvSpPr>
         <p:spPr>
@@ -3992,10 +3996,10 @@
                 <a:solidFill>
                   <a:srgbClr val="838787"/>
                 </a:solidFill>
-                <a:latin typeface="DIN Alternate"/>
-                <a:ea typeface="DIN Alternate"/>
-                <a:cs typeface="DIN Alternate"/>
-                <a:sym typeface="DIN Alternate"/>
+                <a:latin typeface="DIN Alternate Bold"/>
+                <a:ea typeface="DIN Alternate Bold"/>
+                <a:cs typeface="DIN Alternate Bold"/>
+                <a:sym typeface="DIN Alternate Bold"/>
               </a:defRPr>
             </a:lvl1pPr>
           </a:lstStyle>
@@ -4012,7 +4016,7 @@
           <p:cNvPr id="97" name="Image"/>
           <p:cNvSpPr/>
           <p:nvPr>
-            <p:ph type="pic" sz="half" idx="14"/>
+            <p:ph type="pic" sz="half" idx="22"/>
           </p:nvPr>
         </p:nvSpPr>
         <p:spPr>
@@ -4066,7 +4070,7 @@
                 <a:latin typeface="+mn-lt"/>
                 <a:ea typeface="+mn-ea"/>
                 <a:cs typeface="+mn-cs"/>
-                <a:sym typeface="DIN Condensed"/>
+                <a:sym typeface="DIN Condensed Bold"/>
               </a:defRPr>
             </a:lvl1pPr>
           </a:lstStyle>
@@ -4108,7 +4112,7 @@
                 <a:schemeClr val="accent1"/>
               </a:buClr>
               <a:buSzPct val="104999"/>
-              <a:buFont typeface="Avenir Next"/>
+              <a:buFont typeface="Avenir Next Regular"/>
               <a:buChar char="▸"/>
               <a:defRPr sz="3800">
                 <a:solidFill>
@@ -4128,7 +4132,7 @@
                 <a:schemeClr val="accent1"/>
               </a:buClr>
               <a:buSzPct val="104999"/>
-              <a:buFont typeface="Avenir Next"/>
+              <a:buFont typeface="Avenir Next Regular"/>
               <a:buChar char="▸"/>
               <a:defRPr sz="3800">
                 <a:solidFill>
@@ -4148,7 +4152,7 @@
                 <a:schemeClr val="accent1"/>
               </a:buClr>
               <a:buSzPct val="104999"/>
-              <a:buFont typeface="Avenir Next"/>
+              <a:buFont typeface="Avenir Next Regular"/>
               <a:buChar char="▸"/>
               <a:defRPr sz="3800">
                 <a:solidFill>
@@ -4168,7 +4172,7 @@
                 <a:schemeClr val="accent1"/>
               </a:buClr>
               <a:buSzPct val="104999"/>
-              <a:buFont typeface="Avenir Next"/>
+              <a:buFont typeface="Avenir Next Regular"/>
               <a:buChar char="▸"/>
               <a:defRPr sz="3800">
                 <a:solidFill>
@@ -4188,7 +4192,7 @@
                 <a:schemeClr val="accent1"/>
               </a:buClr>
               <a:buSzPct val="104999"/>
-              <a:buFont typeface="Avenir Next"/>
+              <a:buFont typeface="Avenir Next Regular"/>
               <a:buChar char="▸"/>
               <a:defRPr sz="3800">
                 <a:solidFill>
@@ -4261,10 +4265,10 @@
                 <a:solidFill>
                   <a:srgbClr val="838787"/>
                 </a:solidFill>
-                <a:latin typeface="DIN Alternate"/>
-                <a:ea typeface="DIN Alternate"/>
-                <a:cs typeface="DIN Alternate"/>
-                <a:sym typeface="DIN Alternate"/>
+                <a:latin typeface="DIN Alternate Bold"/>
+                <a:ea typeface="DIN Alternate Bold"/>
+                <a:cs typeface="DIN Alternate Bold"/>
+                <a:sym typeface="DIN Alternate Bold"/>
               </a:defRPr>
             </a:lvl1pPr>
           </a:lstStyle>
@@ -5403,14 +5407,14 @@
               <a:lnSpc>
                 <a:spcPct val="100000"/>
               </a:lnSpc>
-              <a:defRPr cap="none" sz="10200">
+              <a:defRPr b="1" cap="none" sz="10200">
                 <a:solidFill>
                   <a:srgbClr val="FFFFFF"/>
                 </a:solidFill>
-                <a:latin typeface="Meslo LG M for Powerline"/>
-                <a:ea typeface="Meslo LG M for Powerline"/>
-                <a:cs typeface="Meslo LG M for Powerline"/>
-                <a:sym typeface="Meslo LG M for Powerline"/>
+                <a:latin typeface="Meslo LG M Regular for Powerline"/>
+                <a:ea typeface="Meslo LG M Regular for Powerline"/>
+                <a:cs typeface="Meslo LG M Regular for Powerline"/>
+                <a:sym typeface="Meslo LG M Regular for Powerline"/>
               </a:defRPr>
             </a:lvl1pPr>
           </a:lstStyle>
@@ -5486,7 +5490,1550 @@
       </p:grpSpPr>
       <p:sp>
         <p:nvSpPr>
-          <p:cNvPr id="289" name="Title 6"/>
+          <p:cNvPr id="292" name="Title 6"/>
+          <p:cNvSpPr txBox="1"/>
+          <p:nvPr>
+            <p:ph type="title"/>
+          </p:nvPr>
+        </p:nvSpPr>
+        <p:spPr>
+          <a:xfrm>
+            <a:off x="5015634" y="1119893"/>
+            <a:ext cx="14352732" cy="1288881"/>
+          </a:xfrm>
+          <a:prstGeom prst="rect">
+            <a:avLst/>
+          </a:prstGeom>
+        </p:spPr>
+        <p:txBody>
+          <a:bodyPr/>
+          <a:lstStyle>
+            <a:lvl1pPr algn="ctr">
+              <a:defRPr sz="8000">
+                <a:solidFill>
+                  <a:srgbClr val="66C2FF"/>
+                </a:solidFill>
+              </a:defRPr>
+            </a:lvl1pPr>
+          </a:lstStyle>
+          <a:p>
+            <a:pPr/>
+            <a:r>
+              <a:t>Open closed principle</a:t>
+            </a:r>
+          </a:p>
+        </p:txBody>
+      </p:sp>
+      <p:pic>
+        <p:nvPicPr>
+          <p:cNvPr id="293" name="stopwatch (2).png" descr="stopwatch (2).png"/>
+          <p:cNvPicPr>
+            <a:picLocks noChangeAspect="1"/>
+          </p:cNvPicPr>
+          <p:nvPr/>
+        </p:nvPicPr>
+        <p:blipFill>
+          <a:blip r:embed="rId2">
+            <a:extLst/>
+          </a:blip>
+          <a:stretch>
+            <a:fillRect/>
+          </a:stretch>
+        </p:blipFill>
+        <p:spPr>
+          <a:xfrm>
+            <a:off x="22225000" y="2032000"/>
+            <a:ext cx="1270000" cy="1485243"/>
+          </a:xfrm>
+          <a:prstGeom prst="rect">
+            <a:avLst/>
+          </a:prstGeom>
+          <a:ln w="12700">
+            <a:miter lim="400000"/>
+          </a:ln>
+        </p:spPr>
+      </p:pic>
+      <p:grpSp>
+        <p:nvGrpSpPr>
+          <p:cNvPr id="296" name="Group"/>
+          <p:cNvGrpSpPr/>
+          <p:nvPr/>
+        </p:nvGrpSpPr>
+        <p:grpSpPr>
+          <a:xfrm>
+            <a:off x="1270000" y="5801403"/>
+            <a:ext cx="1814539" cy="1429593"/>
+            <a:chOff x="0" y="413495"/>
+            <a:chExt cx="1814538" cy="1429591"/>
+          </a:xfrm>
+        </p:grpSpPr>
+        <p:sp>
+          <p:nvSpPr>
+            <p:cNvPr id="294" name="parse 100+ commands"/>
+            <p:cNvSpPr/>
+            <p:nvPr/>
+          </p:nvSpPr>
+          <p:spPr>
+            <a:xfrm>
+              <a:off x="544538" y="573087"/>
+              <a:ext cx="1270001" cy="1270001"/>
+            </a:xfrm>
+            <a:prstGeom prst="line">
+              <a:avLst/>
+            </a:prstGeom>
+            <a:noFill/>
+            <a:ln w="12700" cap="flat">
+              <a:noFill/>
+              <a:miter lim="400000"/>
+            </a:ln>
+            <a:effectLst/>
+            <a:extLst>
+              <a:ext uri="{C572A759-6A51-4108-AA02-DFA0A04FC94B}">
+                <ma14:wrappingTextBoxFlag xmlns:ma14="http://schemas.microsoft.com/office/mac/drawingml/2011/main" val="1"/>
+              </a:ext>
+            </a:extLst>
+          </p:spPr>
+          <p:txBody>
+            <a:bodyPr wrap="none" lIns="71437" tIns="71437" rIns="71437" bIns="71437" numCol="1" anchor="ctr">
+              <a:spAutoFit/>
+            </a:bodyPr>
+            <a:lstStyle/>
+            <a:p>
+              <a:pPr>
+                <a:defRPr sz="5800">
+                  <a:solidFill>
+                    <a:srgbClr val="FFFFFF"/>
+                  </a:solidFill>
+                  <a:latin typeface="Avenir Next Regular"/>
+                  <a:ea typeface="Avenir Next Regular"/>
+                  <a:cs typeface="Avenir Next Regular"/>
+                  <a:sym typeface="Avenir Next Regular"/>
+                </a:defRPr>
+              </a:pPr>
+              <a:r>
+                <a:t>parse </a:t>
+              </a:r>
+              <a:r>
+                <a:rPr b="1"/>
+                <a:t>100+ commands</a:t>
+              </a:r>
+            </a:p>
+          </p:txBody>
+        </p:sp>
+        <p:sp>
+          <p:nvSpPr>
+            <p:cNvPr id="295" name="Square"/>
+            <p:cNvSpPr/>
+            <p:nvPr/>
+          </p:nvSpPr>
+          <p:spPr>
+            <a:xfrm>
+              <a:off x="0" y="413495"/>
+              <a:ext cx="319184" cy="319185"/>
+            </a:xfrm>
+            <a:prstGeom prst="rect">
+              <a:avLst/>
+            </a:prstGeom>
+            <a:solidFill>
+              <a:srgbClr val="9C27B0"/>
+            </a:solidFill>
+            <a:ln w="12700" cap="flat">
+              <a:noFill/>
+              <a:miter lim="400000"/>
+            </a:ln>
+            <a:effectLst/>
+          </p:spPr>
+          <p:txBody>
+            <a:bodyPr wrap="square" lIns="71437" tIns="71437" rIns="71437" bIns="71437" numCol="1" anchor="ctr">
+              <a:noAutofit/>
+            </a:bodyPr>
+            <a:lstStyle/>
+            <a:p>
+              <a:pPr algn="ctr">
+                <a:lnSpc>
+                  <a:spcPct val="80000"/>
+                </a:lnSpc>
+                <a:spcBef>
+                  <a:spcPts val="0"/>
+                </a:spcBef>
+                <a:defRPr cap="all" sz="3800">
+                  <a:solidFill>
+                    <a:srgbClr val="FFFFFF"/>
+                  </a:solidFill>
+                  <a:latin typeface="+mn-lt"/>
+                  <a:ea typeface="+mn-ea"/>
+                  <a:cs typeface="+mn-cs"/>
+                  <a:sym typeface="DIN Condensed Bold"/>
+                </a:defRPr>
+              </a:pPr>
+            </a:p>
+          </p:txBody>
+        </p:sp>
+      </p:grpSp>
+      <p:grpSp>
+        <p:nvGrpSpPr>
+          <p:cNvPr id="299" name="Group"/>
+          <p:cNvGrpSpPr/>
+          <p:nvPr/>
+        </p:nvGrpSpPr>
+        <p:grpSpPr>
+          <a:xfrm>
+            <a:off x="1269999" y="7079408"/>
+            <a:ext cx="1800130" cy="1429593"/>
+            <a:chOff x="0" y="413495"/>
+            <a:chExt cx="1800128" cy="1429591"/>
+          </a:xfrm>
+        </p:grpSpPr>
+        <p:sp>
+          <p:nvSpPr>
+            <p:cNvPr id="297" name="3-10 commands, constantly change"/>
+            <p:cNvSpPr/>
+            <p:nvPr/>
+          </p:nvSpPr>
+          <p:spPr>
+            <a:xfrm>
+              <a:off x="530128" y="573087"/>
+              <a:ext cx="1270001" cy="1270001"/>
+            </a:xfrm>
+            <a:prstGeom prst="line">
+              <a:avLst/>
+            </a:prstGeom>
+            <a:noFill/>
+            <a:ln w="12700" cap="flat">
+              <a:noFill/>
+              <a:miter lim="400000"/>
+            </a:ln>
+            <a:effectLst/>
+            <a:extLst>
+              <a:ext uri="{C572A759-6A51-4108-AA02-DFA0A04FC94B}">
+                <ma14:wrappingTextBoxFlag xmlns:ma14="http://schemas.microsoft.com/office/mac/drawingml/2011/main" val="1"/>
+              </a:ext>
+            </a:extLst>
+          </p:spPr>
+          <p:txBody>
+            <a:bodyPr wrap="none" lIns="71437" tIns="71437" rIns="71437" bIns="71437" numCol="1" anchor="ctr">
+              <a:spAutoFit/>
+            </a:bodyPr>
+            <a:lstStyle/>
+            <a:p>
+              <a:pPr>
+                <a:defRPr sz="5800">
+                  <a:solidFill>
+                    <a:srgbClr val="FFFFFF"/>
+                  </a:solidFill>
+                  <a:latin typeface="Avenir Next Regular"/>
+                  <a:ea typeface="Avenir Next Regular"/>
+                  <a:cs typeface="Avenir Next Regular"/>
+                  <a:sym typeface="Avenir Next Regular"/>
+                </a:defRPr>
+              </a:pPr>
+              <a:r>
+                <a:rPr b="1"/>
+                <a:t>3-10</a:t>
+              </a:r>
+              <a:r>
+                <a:t> commands, constantly </a:t>
+              </a:r>
+              <a:r>
+                <a:rPr b="1"/>
+                <a:t>change</a:t>
+              </a:r>
+            </a:p>
+          </p:txBody>
+        </p:sp>
+        <p:sp>
+          <p:nvSpPr>
+            <p:cNvPr id="298" name="Square"/>
+            <p:cNvSpPr/>
+            <p:nvPr/>
+          </p:nvSpPr>
+          <p:spPr>
+            <a:xfrm>
+              <a:off x="0" y="413495"/>
+              <a:ext cx="319184" cy="319185"/>
+            </a:xfrm>
+            <a:prstGeom prst="rect">
+              <a:avLst/>
+            </a:prstGeom>
+            <a:solidFill>
+              <a:srgbClr val="9C27B0"/>
+            </a:solidFill>
+            <a:ln w="12700" cap="flat">
+              <a:noFill/>
+              <a:miter lim="400000"/>
+            </a:ln>
+            <a:effectLst/>
+          </p:spPr>
+          <p:txBody>
+            <a:bodyPr wrap="square" lIns="71437" tIns="71437" rIns="71437" bIns="71437" numCol="1" anchor="ctr">
+              <a:noAutofit/>
+            </a:bodyPr>
+            <a:lstStyle/>
+            <a:p>
+              <a:pPr algn="ctr">
+                <a:lnSpc>
+                  <a:spcPct val="80000"/>
+                </a:lnSpc>
+                <a:spcBef>
+                  <a:spcPts val="0"/>
+                </a:spcBef>
+                <a:defRPr cap="all" sz="3800">
+                  <a:solidFill>
+                    <a:srgbClr val="FFFFFF"/>
+                  </a:solidFill>
+                  <a:latin typeface="+mn-lt"/>
+                  <a:ea typeface="+mn-ea"/>
+                  <a:cs typeface="+mn-cs"/>
+                  <a:sym typeface="DIN Condensed Bold"/>
+                </a:defRPr>
+              </a:pPr>
+            </a:p>
+          </p:txBody>
+        </p:sp>
+      </p:grpSp>
+      <p:grpSp>
+        <p:nvGrpSpPr>
+          <p:cNvPr id="302" name="Group"/>
+          <p:cNvGrpSpPr/>
+          <p:nvPr/>
+        </p:nvGrpSpPr>
+        <p:grpSpPr>
+          <a:xfrm>
+            <a:off x="1269999" y="8357413"/>
+            <a:ext cx="1800130" cy="1429592"/>
+            <a:chOff x="0" y="413495"/>
+            <a:chExt cx="1800128" cy="1429591"/>
+          </a:xfrm>
+        </p:grpSpPr>
+        <p:sp>
+          <p:nvSpPr>
+            <p:cNvPr id="300" name="commands that use other commands"/>
+            <p:cNvSpPr/>
+            <p:nvPr/>
+          </p:nvSpPr>
+          <p:spPr>
+            <a:xfrm>
+              <a:off x="530128" y="573087"/>
+              <a:ext cx="1270001" cy="1270001"/>
+            </a:xfrm>
+            <a:prstGeom prst="line">
+              <a:avLst/>
+            </a:prstGeom>
+            <a:noFill/>
+            <a:ln w="12700" cap="flat">
+              <a:noFill/>
+              <a:miter lim="400000"/>
+            </a:ln>
+            <a:effectLst/>
+            <a:extLst>
+              <a:ext uri="{C572A759-6A51-4108-AA02-DFA0A04FC94B}">
+                <ma14:wrappingTextBoxFlag xmlns:ma14="http://schemas.microsoft.com/office/mac/drawingml/2011/main" val="1"/>
+              </a:ext>
+            </a:extLst>
+          </p:spPr>
+          <p:txBody>
+            <a:bodyPr wrap="none" lIns="71437" tIns="71437" rIns="71437" bIns="71437" numCol="1" anchor="ctr">
+              <a:spAutoFit/>
+            </a:bodyPr>
+            <a:lstStyle/>
+            <a:p>
+              <a:pPr>
+                <a:defRPr sz="5800">
+                  <a:solidFill>
+                    <a:srgbClr val="FFFFFF"/>
+                  </a:solidFill>
+                  <a:latin typeface="Avenir Next Regular"/>
+                  <a:ea typeface="Avenir Next Regular"/>
+                  <a:cs typeface="Avenir Next Regular"/>
+                  <a:sym typeface="Avenir Next Regular"/>
+                </a:defRPr>
+              </a:pPr>
+              <a:r>
+                <a:rPr b="1"/>
+                <a:t>commands</a:t>
+              </a:r>
+              <a:r>
+                <a:t> that use </a:t>
+              </a:r>
+              <a:r>
+                <a:rPr b="1"/>
+                <a:t>other commands</a:t>
+              </a:r>
+            </a:p>
+          </p:txBody>
+        </p:sp>
+        <p:sp>
+          <p:nvSpPr>
+            <p:cNvPr id="301" name="Square"/>
+            <p:cNvSpPr/>
+            <p:nvPr/>
+          </p:nvSpPr>
+          <p:spPr>
+            <a:xfrm>
+              <a:off x="0" y="413495"/>
+              <a:ext cx="319184" cy="319185"/>
+            </a:xfrm>
+            <a:prstGeom prst="rect">
+              <a:avLst/>
+            </a:prstGeom>
+            <a:solidFill>
+              <a:srgbClr val="9C27B0"/>
+            </a:solidFill>
+            <a:ln w="12700" cap="flat">
+              <a:noFill/>
+              <a:miter lim="400000"/>
+            </a:ln>
+            <a:effectLst/>
+          </p:spPr>
+          <p:txBody>
+            <a:bodyPr wrap="square" lIns="71437" tIns="71437" rIns="71437" bIns="71437" numCol="1" anchor="ctr">
+              <a:noAutofit/>
+            </a:bodyPr>
+            <a:lstStyle/>
+            <a:p>
+              <a:pPr algn="ctr">
+                <a:lnSpc>
+                  <a:spcPct val="80000"/>
+                </a:lnSpc>
+                <a:spcBef>
+                  <a:spcPts val="0"/>
+                </a:spcBef>
+                <a:defRPr cap="all" sz="3800">
+                  <a:solidFill>
+                    <a:srgbClr val="FFFFFF"/>
+                  </a:solidFill>
+                  <a:latin typeface="+mn-lt"/>
+                  <a:ea typeface="+mn-ea"/>
+                  <a:cs typeface="+mn-cs"/>
+                  <a:sym typeface="DIN Condensed Bold"/>
+                </a:defRPr>
+              </a:pPr>
+            </a:p>
+          </p:txBody>
+        </p:sp>
+      </p:grpSp>
+    </p:spTree>
+  </p:cSld>
+  <p:clrMapOvr>
+    <a:masterClrMapping/>
+  </p:clrMapOvr>
+  <mc:AlternateContent xmlns:mc="http://schemas.openxmlformats.org/markup-compatibility/2006">
+    <mc:Choice xmlns:p14="http://schemas.microsoft.com/office/powerpoint/2010/main" Requires="p14">
+      <p:transition spd="fast" advClick="1" p14:dur="699">
+        <p:push dir="l"/>
+      </p:transition>
+    </mc:Choice>
+    <mc:Fallback>
+      <p:transition spd="fast">
+        <p:fade/>
+      </p:transition>
+    </mc:Fallback>
+  </mc:AlternateContent>
+  <p:timing>
+    <p:tnLst>
+      <p:par>
+        <p:cTn id="1" nodeType="tmRoot" restart="never" dur="indefinite" fill="hold">
+          <p:childTnLst>
+            <p:seq concurrent="1" prevAc="none" nextAc="seek">
+              <p:cTn id="2" nodeType="mainSeq" dur="indefinite" fill="hold">
+                <p:childTnLst>
+                  <p:par>
+                    <p:cTn id="3" fill="hold">
+                      <p:stCondLst>
+                        <p:cond delay="indefinite"/>
+                        <p:cond evt="onBegin">
+                          <p:tn val="2"/>
+                        </p:cond>
+                      </p:stCondLst>
+                      <p:childTnLst>
+                        <p:par>
+                          <p:cTn id="4" fill="hold">
+                            <p:stCondLst>
+                              <p:cond delay="0"/>
+                            </p:stCondLst>
+                            <p:childTnLst>
+                              <p:par>
+                                <p:cTn id="5" presetClass="entr" nodeType="afterEffect" presetSubtype="8" presetID="2" grpId="1" fill="hold">
+                                  <p:stCondLst>
+                                    <p:cond delay="0"/>
+                                  </p:stCondLst>
+                                  <p:iterate type="el" backwards="0">
+                                    <p:tmAbs val="0"/>
+                                  </p:iterate>
+                                  <p:childTnLst>
+                                    <p:set>
+                                      <p:cBhvr>
+                                        <p:cTn id="6" fill="hold"/>
+                                        <p:tgtEl>
+                                          <p:spTgt spid="296"/>
+                                        </p:tgtEl>
+                                        <p:attrNameLst>
+                                          <p:attrName>style.visibility</p:attrName>
+                                        </p:attrNameLst>
+                                      </p:cBhvr>
+                                      <p:to>
+                                        <p:strVal val="visible"/>
+                                      </p:to>
+                                    </p:set>
+                                    <p:anim calcmode="lin" valueType="num">
+                                      <p:cBhvr>
+                                        <p:cTn id="7" dur="600" fill="hold"/>
+                                        <p:tgtEl>
+                                          <p:spTgt spid="296"/>
+                                        </p:tgtEl>
+                                        <p:attrNameLst>
+                                          <p:attrName>ppt_x</p:attrName>
+                                        </p:attrNameLst>
+                                      </p:cBhvr>
+                                      <p:tavLst>
+                                        <p:tav tm="0">
+                                          <p:val>
+                                            <p:strVal val="0-#ppt_w/2"/>
+                                          </p:val>
+                                        </p:tav>
+                                        <p:tav tm="100000">
+                                          <p:val>
+                                            <p:strVal val="#ppt_x"/>
+                                          </p:val>
+                                        </p:tav>
+                                      </p:tavLst>
+                                    </p:anim>
+                                    <p:anim calcmode="lin" valueType="num">
+                                      <p:cBhvr>
+                                        <p:cTn id="8" dur="600" fill="hold"/>
+                                        <p:tgtEl>
+                                          <p:spTgt spid="296"/>
+                                        </p:tgtEl>
+                                        <p:attrNameLst>
+                                          <p:attrName>ppt_y</p:attrName>
+                                        </p:attrNameLst>
+                                      </p:cBhvr>
+                                      <p:tavLst>
+                                        <p:tav tm="0">
+                                          <p:val>
+                                            <p:strVal val="#ppt_y"/>
+                                          </p:val>
+                                        </p:tav>
+                                        <p:tav tm="100000">
+                                          <p:val>
+                                            <p:strVal val="#ppt_y"/>
+                                          </p:val>
+                                        </p:tav>
+                                      </p:tavLst>
+                                    </p:anim>
+                                  </p:childTnLst>
+                                </p:cTn>
+                              </p:par>
+                            </p:childTnLst>
+                          </p:cTn>
+                        </p:par>
+                        <p:par>
+                          <p:cTn id="9" fill="hold">
+                            <p:stCondLst>
+                              <p:cond delay="600"/>
+                            </p:stCondLst>
+                            <p:childTnLst>
+                              <p:par>
+                                <p:cTn id="10" presetClass="entr" nodeType="afterEffect" presetSubtype="8" presetID="2" grpId="2" fill="hold">
+                                  <p:stCondLst>
+                                    <p:cond delay="0"/>
+                                  </p:stCondLst>
+                                  <p:iterate type="el" backwards="0">
+                                    <p:tmAbs val="0"/>
+                                  </p:iterate>
+                                  <p:childTnLst>
+                                    <p:set>
+                                      <p:cBhvr>
+                                        <p:cTn id="11" fill="hold"/>
+                                        <p:tgtEl>
+                                          <p:spTgt spid="299"/>
+                                        </p:tgtEl>
+                                        <p:attrNameLst>
+                                          <p:attrName>style.visibility</p:attrName>
+                                        </p:attrNameLst>
+                                      </p:cBhvr>
+                                      <p:to>
+                                        <p:strVal val="visible"/>
+                                      </p:to>
+                                    </p:set>
+                                    <p:anim calcmode="lin" valueType="num">
+                                      <p:cBhvr>
+                                        <p:cTn id="12" dur="600" fill="hold"/>
+                                        <p:tgtEl>
+                                          <p:spTgt spid="299"/>
+                                        </p:tgtEl>
+                                        <p:attrNameLst>
+                                          <p:attrName>ppt_x</p:attrName>
+                                        </p:attrNameLst>
+                                      </p:cBhvr>
+                                      <p:tavLst>
+                                        <p:tav tm="0">
+                                          <p:val>
+                                            <p:strVal val="0-#ppt_w/2"/>
+                                          </p:val>
+                                        </p:tav>
+                                        <p:tav tm="100000">
+                                          <p:val>
+                                            <p:strVal val="#ppt_x"/>
+                                          </p:val>
+                                        </p:tav>
+                                      </p:tavLst>
+                                    </p:anim>
+                                    <p:anim calcmode="lin" valueType="num">
+                                      <p:cBhvr>
+                                        <p:cTn id="13" dur="600" fill="hold"/>
+                                        <p:tgtEl>
+                                          <p:spTgt spid="299"/>
+                                        </p:tgtEl>
+                                        <p:attrNameLst>
+                                          <p:attrName>ppt_y</p:attrName>
+                                        </p:attrNameLst>
+                                      </p:cBhvr>
+                                      <p:tavLst>
+                                        <p:tav tm="0">
+                                          <p:val>
+                                            <p:strVal val="#ppt_y"/>
+                                          </p:val>
+                                        </p:tav>
+                                        <p:tav tm="100000">
+                                          <p:val>
+                                            <p:strVal val="#ppt_y"/>
+                                          </p:val>
+                                        </p:tav>
+                                      </p:tavLst>
+                                    </p:anim>
+                                  </p:childTnLst>
+                                </p:cTn>
+                              </p:par>
+                            </p:childTnLst>
+                          </p:cTn>
+                        </p:par>
+                        <p:par>
+                          <p:cTn id="14" fill="hold">
+                            <p:stCondLst>
+                              <p:cond delay="1200"/>
+                            </p:stCondLst>
+                            <p:childTnLst>
+                              <p:par>
+                                <p:cTn id="15" presetClass="entr" nodeType="afterEffect" presetSubtype="8" presetID="2" grpId="3" fill="hold">
+                                  <p:stCondLst>
+                                    <p:cond delay="0"/>
+                                  </p:stCondLst>
+                                  <p:iterate type="el" backwards="0">
+                                    <p:tmAbs val="0"/>
+                                  </p:iterate>
+                                  <p:childTnLst>
+                                    <p:set>
+                                      <p:cBhvr>
+                                        <p:cTn id="16" fill="hold"/>
+                                        <p:tgtEl>
+                                          <p:spTgt spid="302"/>
+                                        </p:tgtEl>
+                                        <p:attrNameLst>
+                                          <p:attrName>style.visibility</p:attrName>
+                                        </p:attrNameLst>
+                                      </p:cBhvr>
+                                      <p:to>
+                                        <p:strVal val="visible"/>
+                                      </p:to>
+                                    </p:set>
+                                    <p:anim calcmode="lin" valueType="num">
+                                      <p:cBhvr>
+                                        <p:cTn id="17" dur="600" fill="hold"/>
+                                        <p:tgtEl>
+                                          <p:spTgt spid="302"/>
+                                        </p:tgtEl>
+                                        <p:attrNameLst>
+                                          <p:attrName>ppt_x</p:attrName>
+                                        </p:attrNameLst>
+                                      </p:cBhvr>
+                                      <p:tavLst>
+                                        <p:tav tm="0">
+                                          <p:val>
+                                            <p:strVal val="0-#ppt_w/2"/>
+                                          </p:val>
+                                        </p:tav>
+                                        <p:tav tm="100000">
+                                          <p:val>
+                                            <p:strVal val="#ppt_x"/>
+                                          </p:val>
+                                        </p:tav>
+                                      </p:tavLst>
+                                    </p:anim>
+                                    <p:anim calcmode="lin" valueType="num">
+                                      <p:cBhvr>
+                                        <p:cTn id="18" dur="600" fill="hold"/>
+                                        <p:tgtEl>
+                                          <p:spTgt spid="302"/>
+                                        </p:tgtEl>
+                                        <p:attrNameLst>
+                                          <p:attrName>ppt_y</p:attrName>
+                                        </p:attrNameLst>
+                                      </p:cBhvr>
+                                      <p:tavLst>
+                                        <p:tav tm="0">
+                                          <p:val>
+                                            <p:strVal val="#ppt_y"/>
+                                          </p:val>
+                                        </p:tav>
+                                        <p:tav tm="100000">
+                                          <p:val>
+                                            <p:strVal val="#ppt_y"/>
+                                          </p:val>
+                                        </p:tav>
+                                      </p:tavLst>
+                                    </p:anim>
+                                  </p:childTnLst>
+                                </p:cTn>
+                              </p:par>
+                            </p:childTnLst>
+                          </p:cTn>
+                        </p:par>
+                      </p:childTnLst>
+                    </p:cTn>
+                  </p:par>
+                </p:childTnLst>
+              </p:cTn>
+              <p:prevCondLst>
+                <p:cond evt="onPrev">
+                  <p:tgtEl>
+                    <p:sldTgt/>
+                  </p:tgtEl>
+                </p:cond>
+              </p:prevCondLst>
+              <p:nextCondLst>
+                <p:cond evt="onNext">
+                  <p:tgtEl>
+                    <p:sldTgt/>
+                  </p:tgtEl>
+                </p:cond>
+              </p:nextCondLst>
+            </p:seq>
+          </p:childTnLst>
+        </p:cTn>
+      </p:par>
+    </p:tnLst>
+    <p:bldLst>
+      <p:bldP build="whole" bldLvl="1" animBg="1" rev="0" advAuto="0" spid="299" grpId="2"/>
+      <p:bldP build="whole" bldLvl="1" animBg="1" rev="0" advAuto="0" spid="302" grpId="3"/>
+      <p:bldP build="whole" bldLvl="1" animBg="1" rev="0" advAuto="0" spid="296" grpId="1"/>
+    </p:bldLst>
+  </p:timing>
+</p:sld>
+</file>
+
+<file path=ppt/slides/slide11.xml><?xml version="1.0" encoding="utf-8"?>
+<p:sld xmlns:a="http://schemas.openxmlformats.org/drawingml/2006/main" xmlns:r="http://schemas.openxmlformats.org/officeDocument/2006/relationships" xmlns:p="http://schemas.openxmlformats.org/presentationml/2006/main" xmlns:m="http://schemas.openxmlformats.org/officeDocument/2006/math" xmlns:a14="http://schemas.microsoft.com/office/drawing/2010/main" showMasterSp="1" showMasterPhAnim="1">
+  <p:cSld>
+    <p:bg>
+      <p:bgPr>
+        <a:solidFill>
+          <a:srgbClr val="002833"/>
+        </a:solidFill>
+      </p:bgPr>
+    </p:bg>
+    <p:spTree>
+      <p:nvGrpSpPr>
+        <p:cNvPr id="1" name=""/>
+        <p:cNvGrpSpPr/>
+        <p:nvPr/>
+      </p:nvGrpSpPr>
+      <p:grpSpPr>
+        <a:xfrm>
+          <a:off x="0" y="0"/>
+          <a:ext cx="0" cy="0"/>
+          <a:chOff x="0" y="0"/>
+          <a:chExt cx="0" cy="0"/>
+        </a:xfrm>
+      </p:grpSpPr>
+      <p:sp>
+        <p:nvSpPr>
+          <p:cNvPr id="304" name="Title 6"/>
+          <p:cNvSpPr txBox="1"/>
+          <p:nvPr>
+            <p:ph type="title"/>
+          </p:nvPr>
+        </p:nvSpPr>
+        <p:spPr>
+          <a:xfrm>
+            <a:off x="5015634" y="1119893"/>
+            <a:ext cx="14352732" cy="1288881"/>
+          </a:xfrm>
+          <a:prstGeom prst="rect">
+            <a:avLst/>
+          </a:prstGeom>
+        </p:spPr>
+        <p:txBody>
+          <a:bodyPr/>
+          <a:lstStyle>
+            <a:lvl1pPr algn="ctr">
+              <a:defRPr sz="8000">
+                <a:solidFill>
+                  <a:srgbClr val="66C2FF"/>
+                </a:solidFill>
+              </a:defRPr>
+            </a:lvl1pPr>
+          </a:lstStyle>
+          <a:p>
+            <a:pPr/>
+            <a:r>
+              <a:t>Elegant approach</a:t>
+            </a:r>
+          </a:p>
+        </p:txBody>
+      </p:sp>
+      <p:pic>
+        <p:nvPicPr>
+          <p:cNvPr id="305" name="stopwatch (2).png" descr="stopwatch (2).png"/>
+          <p:cNvPicPr>
+            <a:picLocks noChangeAspect="1"/>
+          </p:cNvPicPr>
+          <p:nvPr/>
+        </p:nvPicPr>
+        <p:blipFill>
+          <a:blip r:embed="rId2">
+            <a:extLst/>
+          </a:blip>
+          <a:stretch>
+            <a:fillRect/>
+          </a:stretch>
+        </p:blipFill>
+        <p:spPr>
+          <a:xfrm>
+            <a:off x="22225000" y="2032000"/>
+            <a:ext cx="1270000" cy="1485243"/>
+          </a:xfrm>
+          <a:prstGeom prst="rect">
+            <a:avLst/>
+          </a:prstGeom>
+          <a:ln w="12700">
+            <a:miter lim="400000"/>
+          </a:ln>
+        </p:spPr>
+      </p:pic>
+      <p:grpSp>
+        <p:nvGrpSpPr>
+          <p:cNvPr id="308" name="Group"/>
+          <p:cNvGrpSpPr/>
+          <p:nvPr/>
+        </p:nvGrpSpPr>
+        <p:grpSpPr>
+          <a:xfrm>
+            <a:off x="1269999" y="5387907"/>
+            <a:ext cx="14221882" cy="1146176"/>
+            <a:chOff x="0" y="0"/>
+            <a:chExt cx="14221880" cy="1146175"/>
+          </a:xfrm>
+        </p:grpSpPr>
+        <p:sp>
+          <p:nvSpPr>
+            <p:cNvPr id="306" name="map commands to functions in 1 place"/>
+            <p:cNvSpPr txBox="1"/>
+            <p:nvPr/>
+          </p:nvSpPr>
+          <p:spPr>
+            <a:xfrm>
+              <a:off x="544538" y="0"/>
+              <a:ext cx="13677343" cy="1146176"/>
+            </a:xfrm>
+            <a:prstGeom prst="rect">
+              <a:avLst/>
+            </a:prstGeom>
+            <a:noFill/>
+            <a:ln w="12700" cap="flat">
+              <a:noFill/>
+              <a:miter lim="400000"/>
+            </a:ln>
+            <a:effectLst/>
+            <a:extLst>
+              <a:ext uri="{C572A759-6A51-4108-AA02-DFA0A04FC94B}">
+                <ma14:wrappingTextBoxFlag xmlns:ma14="http://schemas.microsoft.com/office/mac/drawingml/2011/main" val="1"/>
+              </a:ext>
+            </a:extLst>
+          </p:spPr>
+          <p:txBody>
+            <a:bodyPr wrap="none" lIns="71437" tIns="71437" rIns="71437" bIns="71437" numCol="1" anchor="ctr">
+              <a:spAutoFit/>
+            </a:bodyPr>
+            <a:lstStyle/>
+            <a:p>
+              <a:pPr>
+                <a:defRPr sz="5800">
+                  <a:solidFill>
+                    <a:srgbClr val="FFFFFF"/>
+                  </a:solidFill>
+                  <a:latin typeface="Avenir Next Regular"/>
+                  <a:ea typeface="Avenir Next Regular"/>
+                  <a:cs typeface="Avenir Next Regular"/>
+                  <a:sym typeface="Avenir Next Regular"/>
+                </a:defRPr>
+              </a:pPr>
+              <a:r>
+                <a:t>map </a:t>
+              </a:r>
+              <a:r>
+                <a:rPr b="1"/>
+                <a:t>commands</a:t>
+              </a:r>
+              <a:r>
+                <a:t> to </a:t>
+              </a:r>
+              <a:r>
+                <a:rPr b="1"/>
+                <a:t>functions</a:t>
+              </a:r>
+              <a:r>
+                <a:t> in </a:t>
+              </a:r>
+              <a:r>
+                <a:rPr b="1"/>
+                <a:t>1 place</a:t>
+              </a:r>
+            </a:p>
+          </p:txBody>
+        </p:sp>
+        <p:sp>
+          <p:nvSpPr>
+            <p:cNvPr id="307" name="Square"/>
+            <p:cNvSpPr/>
+            <p:nvPr/>
+          </p:nvSpPr>
+          <p:spPr>
+            <a:xfrm>
+              <a:off x="0" y="413495"/>
+              <a:ext cx="319184" cy="319185"/>
+            </a:xfrm>
+            <a:prstGeom prst="rect">
+              <a:avLst/>
+            </a:prstGeom>
+            <a:solidFill>
+              <a:srgbClr val="00C853"/>
+            </a:solidFill>
+            <a:ln w="12700" cap="flat">
+              <a:noFill/>
+              <a:miter lim="400000"/>
+            </a:ln>
+            <a:effectLst/>
+          </p:spPr>
+          <p:txBody>
+            <a:bodyPr wrap="square" lIns="71437" tIns="71437" rIns="71437" bIns="71437" numCol="1" anchor="ctr">
+              <a:noAutofit/>
+            </a:bodyPr>
+            <a:lstStyle/>
+            <a:p>
+              <a:pPr algn="ctr">
+                <a:lnSpc>
+                  <a:spcPct val="80000"/>
+                </a:lnSpc>
+                <a:spcBef>
+                  <a:spcPts val="0"/>
+                </a:spcBef>
+                <a:defRPr cap="all" sz="3800">
+                  <a:solidFill>
+                    <a:srgbClr val="FFFFFF"/>
+                  </a:solidFill>
+                  <a:latin typeface="+mn-lt"/>
+                  <a:ea typeface="+mn-ea"/>
+                  <a:cs typeface="+mn-cs"/>
+                  <a:sym typeface="DIN Condensed Bold"/>
+                </a:defRPr>
+              </a:pPr>
+            </a:p>
+          </p:txBody>
+        </p:sp>
+      </p:grpSp>
+      <p:grpSp>
+        <p:nvGrpSpPr>
+          <p:cNvPr id="311" name="Group"/>
+          <p:cNvGrpSpPr/>
+          <p:nvPr/>
+        </p:nvGrpSpPr>
+        <p:grpSpPr>
+          <a:xfrm>
+            <a:off x="1269999" y="6665912"/>
+            <a:ext cx="20568749" cy="1146176"/>
+            <a:chOff x="0" y="0"/>
+            <a:chExt cx="20568747" cy="1146175"/>
+          </a:xfrm>
+        </p:grpSpPr>
+        <p:sp>
+          <p:nvSpPr>
+            <p:cNvPr id="309" name="command switch that loops over the declared commands"/>
+            <p:cNvSpPr txBox="1"/>
+            <p:nvPr/>
+          </p:nvSpPr>
+          <p:spPr>
+            <a:xfrm>
+              <a:off x="530128" y="0"/>
+              <a:ext cx="20038620" cy="1146176"/>
+            </a:xfrm>
+            <a:prstGeom prst="rect">
+              <a:avLst/>
+            </a:prstGeom>
+            <a:noFill/>
+            <a:ln w="12700" cap="flat">
+              <a:noFill/>
+              <a:miter lim="400000"/>
+            </a:ln>
+            <a:effectLst/>
+            <a:extLst>
+              <a:ext uri="{C572A759-6A51-4108-AA02-DFA0A04FC94B}">
+                <ma14:wrappingTextBoxFlag xmlns:ma14="http://schemas.microsoft.com/office/mac/drawingml/2011/main" val="1"/>
+              </a:ext>
+            </a:extLst>
+          </p:spPr>
+          <p:txBody>
+            <a:bodyPr wrap="none" lIns="71437" tIns="71437" rIns="71437" bIns="71437" numCol="1" anchor="ctr">
+              <a:spAutoFit/>
+            </a:bodyPr>
+            <a:lstStyle/>
+            <a:p>
+              <a:pPr>
+                <a:defRPr sz="5800">
+                  <a:solidFill>
+                    <a:srgbClr val="FFFFFF"/>
+                  </a:solidFill>
+                  <a:latin typeface="Avenir Next Regular"/>
+                  <a:ea typeface="Avenir Next Regular"/>
+                  <a:cs typeface="Avenir Next Regular"/>
+                  <a:sym typeface="Avenir Next Regular"/>
+                </a:defRPr>
+              </a:pPr>
+              <a:r>
+                <a:t>command </a:t>
+              </a:r>
+              <a:r>
+                <a:rPr b="1"/>
+                <a:t>switch</a:t>
+              </a:r>
+              <a:r>
+                <a:t> that </a:t>
+              </a:r>
+              <a:r>
+                <a:rPr b="1"/>
+                <a:t>loops</a:t>
+              </a:r>
+              <a:r>
+                <a:t> over the </a:t>
+              </a:r>
+              <a:r>
+                <a:rPr b="1"/>
+                <a:t>declared commands</a:t>
+              </a:r>
+            </a:p>
+          </p:txBody>
+        </p:sp>
+        <p:sp>
+          <p:nvSpPr>
+            <p:cNvPr id="310" name="Square"/>
+            <p:cNvSpPr/>
+            <p:nvPr/>
+          </p:nvSpPr>
+          <p:spPr>
+            <a:xfrm>
+              <a:off x="0" y="413495"/>
+              <a:ext cx="319184" cy="319185"/>
+            </a:xfrm>
+            <a:prstGeom prst="rect">
+              <a:avLst/>
+            </a:prstGeom>
+            <a:solidFill>
+              <a:srgbClr val="00C853"/>
+            </a:solidFill>
+            <a:ln w="12700" cap="flat">
+              <a:noFill/>
+              <a:miter lim="400000"/>
+            </a:ln>
+            <a:effectLst/>
+          </p:spPr>
+          <p:txBody>
+            <a:bodyPr wrap="square" lIns="71437" tIns="71437" rIns="71437" bIns="71437" numCol="1" anchor="ctr">
+              <a:noAutofit/>
+            </a:bodyPr>
+            <a:lstStyle/>
+            <a:p>
+              <a:pPr algn="ctr">
+                <a:lnSpc>
+                  <a:spcPct val="80000"/>
+                </a:lnSpc>
+                <a:spcBef>
+                  <a:spcPts val="0"/>
+                </a:spcBef>
+                <a:defRPr cap="all" sz="3800">
+                  <a:solidFill>
+                    <a:srgbClr val="FFFFFF"/>
+                  </a:solidFill>
+                  <a:latin typeface="+mn-lt"/>
+                  <a:ea typeface="+mn-ea"/>
+                  <a:cs typeface="+mn-cs"/>
+                  <a:sym typeface="DIN Condensed Bold"/>
+                </a:defRPr>
+              </a:pPr>
+            </a:p>
+          </p:txBody>
+        </p:sp>
+      </p:grpSp>
+      <p:grpSp>
+        <p:nvGrpSpPr>
+          <p:cNvPr id="314" name="Group"/>
+          <p:cNvGrpSpPr/>
+          <p:nvPr/>
+        </p:nvGrpSpPr>
+        <p:grpSpPr>
+          <a:xfrm>
+            <a:off x="1269999" y="7943917"/>
+            <a:ext cx="17110413" cy="1146176"/>
+            <a:chOff x="0" y="0"/>
+            <a:chExt cx="17110410" cy="1146175"/>
+          </a:xfrm>
+        </p:grpSpPr>
+        <p:sp>
+          <p:nvSpPr>
+            <p:cNvPr id="312" name="create each command as an individual function"/>
+            <p:cNvSpPr txBox="1"/>
+            <p:nvPr/>
+          </p:nvSpPr>
+          <p:spPr>
+            <a:xfrm>
+              <a:off x="530128" y="0"/>
+              <a:ext cx="16580283" cy="1146176"/>
+            </a:xfrm>
+            <a:prstGeom prst="rect">
+              <a:avLst/>
+            </a:prstGeom>
+            <a:noFill/>
+            <a:ln w="12700" cap="flat">
+              <a:noFill/>
+              <a:miter lim="400000"/>
+            </a:ln>
+            <a:effectLst/>
+            <a:extLst>
+              <a:ext uri="{C572A759-6A51-4108-AA02-DFA0A04FC94B}">
+                <ma14:wrappingTextBoxFlag xmlns:ma14="http://schemas.microsoft.com/office/mac/drawingml/2011/main" val="1"/>
+              </a:ext>
+            </a:extLst>
+          </p:spPr>
+          <p:txBody>
+            <a:bodyPr wrap="none" lIns="71437" tIns="71437" rIns="71437" bIns="71437" numCol="1" anchor="ctr">
+              <a:spAutoFit/>
+            </a:bodyPr>
+            <a:lstStyle/>
+            <a:p>
+              <a:pPr>
+                <a:defRPr sz="5800">
+                  <a:solidFill>
+                    <a:srgbClr val="FFFFFF"/>
+                  </a:solidFill>
+                  <a:latin typeface="Avenir Next Regular"/>
+                  <a:ea typeface="Avenir Next Regular"/>
+                  <a:cs typeface="Avenir Next Regular"/>
+                  <a:sym typeface="Avenir Next Regular"/>
+                </a:defRPr>
+              </a:pPr>
+              <a:r>
+                <a:t>create each </a:t>
+              </a:r>
+              <a:r>
+                <a:rPr b="1"/>
+                <a:t>command</a:t>
+              </a:r>
+              <a:r>
+                <a:t> as an </a:t>
+              </a:r>
+              <a:r>
+                <a:rPr b="1"/>
+                <a:t>individual function</a:t>
+              </a:r>
+            </a:p>
+          </p:txBody>
+        </p:sp>
+        <p:sp>
+          <p:nvSpPr>
+            <p:cNvPr id="313" name="Square"/>
+            <p:cNvSpPr/>
+            <p:nvPr/>
+          </p:nvSpPr>
+          <p:spPr>
+            <a:xfrm>
+              <a:off x="0" y="413495"/>
+              <a:ext cx="319184" cy="319185"/>
+            </a:xfrm>
+            <a:prstGeom prst="rect">
+              <a:avLst/>
+            </a:prstGeom>
+            <a:solidFill>
+              <a:srgbClr val="00C853"/>
+            </a:solidFill>
+            <a:ln w="12700" cap="flat">
+              <a:noFill/>
+              <a:miter lim="400000"/>
+            </a:ln>
+            <a:effectLst/>
+          </p:spPr>
+          <p:txBody>
+            <a:bodyPr wrap="square" lIns="71437" tIns="71437" rIns="71437" bIns="71437" numCol="1" anchor="ctr">
+              <a:noAutofit/>
+            </a:bodyPr>
+            <a:lstStyle/>
+            <a:p>
+              <a:pPr algn="ctr">
+                <a:lnSpc>
+                  <a:spcPct val="80000"/>
+                </a:lnSpc>
+                <a:spcBef>
+                  <a:spcPts val="0"/>
+                </a:spcBef>
+                <a:defRPr cap="all" sz="3800">
+                  <a:solidFill>
+                    <a:srgbClr val="FFFFFF"/>
+                  </a:solidFill>
+                  <a:latin typeface="+mn-lt"/>
+                  <a:ea typeface="+mn-ea"/>
+                  <a:cs typeface="+mn-cs"/>
+                  <a:sym typeface="DIN Condensed Bold"/>
+                </a:defRPr>
+              </a:pPr>
+            </a:p>
+          </p:txBody>
+        </p:sp>
+      </p:grpSp>
+    </p:spTree>
+  </p:cSld>
+  <p:clrMapOvr>
+    <a:masterClrMapping/>
+  </p:clrMapOvr>
+  <mc:AlternateContent xmlns:mc="http://schemas.openxmlformats.org/markup-compatibility/2006">
+    <mc:Choice xmlns:p14="http://schemas.microsoft.com/office/powerpoint/2010/main" Requires="p14">
+      <p:transition spd="fast" advClick="1" p14:dur="699">
+        <p:push dir="l"/>
+      </p:transition>
+    </mc:Choice>
+    <mc:Fallback>
+      <p:transition spd="fast">
+        <p:fade/>
+      </p:transition>
+    </mc:Fallback>
+  </mc:AlternateContent>
+  <p:timing>
+    <p:tnLst>
+      <p:par>
+        <p:cTn id="1" nodeType="tmRoot" restart="never" dur="indefinite" fill="hold">
+          <p:childTnLst>
+            <p:seq concurrent="1" prevAc="none" nextAc="seek">
+              <p:cTn id="2" nodeType="mainSeq" dur="indefinite" fill="hold">
+                <p:childTnLst>
+                  <p:par>
+                    <p:cTn id="3" fill="hold">
+                      <p:stCondLst>
+                        <p:cond delay="indefinite"/>
+                        <p:cond evt="onBegin">
+                          <p:tn val="2"/>
+                        </p:cond>
+                      </p:stCondLst>
+                      <p:childTnLst>
+                        <p:par>
+                          <p:cTn id="4" fill="hold">
+                            <p:stCondLst>
+                              <p:cond delay="0"/>
+                            </p:stCondLst>
+                            <p:childTnLst>
+                              <p:par>
+                                <p:cTn id="5" presetClass="entr" nodeType="afterEffect" presetSubtype="8" presetID="2" grpId="1" fill="hold">
+                                  <p:stCondLst>
+                                    <p:cond delay="0"/>
+                                  </p:stCondLst>
+                                  <p:iterate type="el" backwards="0">
+                                    <p:tmAbs val="0"/>
+                                  </p:iterate>
+                                  <p:childTnLst>
+                                    <p:set>
+                                      <p:cBhvr>
+                                        <p:cTn id="6" fill="hold"/>
+                                        <p:tgtEl>
+                                          <p:spTgt spid="308"/>
+                                        </p:tgtEl>
+                                        <p:attrNameLst>
+                                          <p:attrName>style.visibility</p:attrName>
+                                        </p:attrNameLst>
+                                      </p:cBhvr>
+                                      <p:to>
+                                        <p:strVal val="visible"/>
+                                      </p:to>
+                                    </p:set>
+                                    <p:anim calcmode="lin" valueType="num">
+                                      <p:cBhvr>
+                                        <p:cTn id="7" dur="600" fill="hold"/>
+                                        <p:tgtEl>
+                                          <p:spTgt spid="308"/>
+                                        </p:tgtEl>
+                                        <p:attrNameLst>
+                                          <p:attrName>ppt_x</p:attrName>
+                                        </p:attrNameLst>
+                                      </p:cBhvr>
+                                      <p:tavLst>
+                                        <p:tav tm="0">
+                                          <p:val>
+                                            <p:strVal val="0-#ppt_w/2"/>
+                                          </p:val>
+                                        </p:tav>
+                                        <p:tav tm="100000">
+                                          <p:val>
+                                            <p:strVal val="#ppt_x"/>
+                                          </p:val>
+                                        </p:tav>
+                                      </p:tavLst>
+                                    </p:anim>
+                                    <p:anim calcmode="lin" valueType="num">
+                                      <p:cBhvr>
+                                        <p:cTn id="8" dur="600" fill="hold"/>
+                                        <p:tgtEl>
+                                          <p:spTgt spid="308"/>
+                                        </p:tgtEl>
+                                        <p:attrNameLst>
+                                          <p:attrName>ppt_y</p:attrName>
+                                        </p:attrNameLst>
+                                      </p:cBhvr>
+                                      <p:tavLst>
+                                        <p:tav tm="0">
+                                          <p:val>
+                                            <p:strVal val="#ppt_y"/>
+                                          </p:val>
+                                        </p:tav>
+                                        <p:tav tm="100000">
+                                          <p:val>
+                                            <p:strVal val="#ppt_y"/>
+                                          </p:val>
+                                        </p:tav>
+                                      </p:tavLst>
+                                    </p:anim>
+                                  </p:childTnLst>
+                                </p:cTn>
+                              </p:par>
+                            </p:childTnLst>
+                          </p:cTn>
+                        </p:par>
+                        <p:par>
+                          <p:cTn id="9" fill="hold">
+                            <p:stCondLst>
+                              <p:cond delay="600"/>
+                            </p:stCondLst>
+                            <p:childTnLst>
+                              <p:par>
+                                <p:cTn id="10" presetClass="entr" nodeType="afterEffect" presetSubtype="8" presetID="2" grpId="2" fill="hold">
+                                  <p:stCondLst>
+                                    <p:cond delay="0"/>
+                                  </p:stCondLst>
+                                  <p:iterate type="el" backwards="0">
+                                    <p:tmAbs val="0"/>
+                                  </p:iterate>
+                                  <p:childTnLst>
+                                    <p:set>
+                                      <p:cBhvr>
+                                        <p:cTn id="11" fill="hold"/>
+                                        <p:tgtEl>
+                                          <p:spTgt spid="311"/>
+                                        </p:tgtEl>
+                                        <p:attrNameLst>
+                                          <p:attrName>style.visibility</p:attrName>
+                                        </p:attrNameLst>
+                                      </p:cBhvr>
+                                      <p:to>
+                                        <p:strVal val="visible"/>
+                                      </p:to>
+                                    </p:set>
+                                    <p:anim calcmode="lin" valueType="num">
+                                      <p:cBhvr>
+                                        <p:cTn id="12" dur="600" fill="hold"/>
+                                        <p:tgtEl>
+                                          <p:spTgt spid="311"/>
+                                        </p:tgtEl>
+                                        <p:attrNameLst>
+                                          <p:attrName>ppt_x</p:attrName>
+                                        </p:attrNameLst>
+                                      </p:cBhvr>
+                                      <p:tavLst>
+                                        <p:tav tm="0">
+                                          <p:val>
+                                            <p:strVal val="0-#ppt_w/2"/>
+                                          </p:val>
+                                        </p:tav>
+                                        <p:tav tm="100000">
+                                          <p:val>
+                                            <p:strVal val="#ppt_x"/>
+                                          </p:val>
+                                        </p:tav>
+                                      </p:tavLst>
+                                    </p:anim>
+                                    <p:anim calcmode="lin" valueType="num">
+                                      <p:cBhvr>
+                                        <p:cTn id="13" dur="600" fill="hold"/>
+                                        <p:tgtEl>
+                                          <p:spTgt spid="311"/>
+                                        </p:tgtEl>
+                                        <p:attrNameLst>
+                                          <p:attrName>ppt_y</p:attrName>
+                                        </p:attrNameLst>
+                                      </p:cBhvr>
+                                      <p:tavLst>
+                                        <p:tav tm="0">
+                                          <p:val>
+                                            <p:strVal val="#ppt_y"/>
+                                          </p:val>
+                                        </p:tav>
+                                        <p:tav tm="100000">
+                                          <p:val>
+                                            <p:strVal val="#ppt_y"/>
+                                          </p:val>
+                                        </p:tav>
+                                      </p:tavLst>
+                                    </p:anim>
+                                  </p:childTnLst>
+                                </p:cTn>
+                              </p:par>
+                            </p:childTnLst>
+                          </p:cTn>
+                        </p:par>
+                        <p:par>
+                          <p:cTn id="14" fill="hold">
+                            <p:stCondLst>
+                              <p:cond delay="1200"/>
+                            </p:stCondLst>
+                            <p:childTnLst>
+                              <p:par>
+                                <p:cTn id="15" presetClass="entr" nodeType="afterEffect" presetSubtype="8" presetID="2" grpId="3" fill="hold">
+                                  <p:stCondLst>
+                                    <p:cond delay="0"/>
+                                  </p:stCondLst>
+                                  <p:iterate type="el" backwards="0">
+                                    <p:tmAbs val="0"/>
+                                  </p:iterate>
+                                  <p:childTnLst>
+                                    <p:set>
+                                      <p:cBhvr>
+                                        <p:cTn id="16" fill="hold"/>
+                                        <p:tgtEl>
+                                          <p:spTgt spid="314"/>
+                                        </p:tgtEl>
+                                        <p:attrNameLst>
+                                          <p:attrName>style.visibility</p:attrName>
+                                        </p:attrNameLst>
+                                      </p:cBhvr>
+                                      <p:to>
+                                        <p:strVal val="visible"/>
+                                      </p:to>
+                                    </p:set>
+                                    <p:anim calcmode="lin" valueType="num">
+                                      <p:cBhvr>
+                                        <p:cTn id="17" dur="600" fill="hold"/>
+                                        <p:tgtEl>
+                                          <p:spTgt spid="314"/>
+                                        </p:tgtEl>
+                                        <p:attrNameLst>
+                                          <p:attrName>ppt_x</p:attrName>
+                                        </p:attrNameLst>
+                                      </p:cBhvr>
+                                      <p:tavLst>
+                                        <p:tav tm="0">
+                                          <p:val>
+                                            <p:strVal val="0-#ppt_w/2"/>
+                                          </p:val>
+                                        </p:tav>
+                                        <p:tav tm="100000">
+                                          <p:val>
+                                            <p:strVal val="#ppt_x"/>
+                                          </p:val>
+                                        </p:tav>
+                                      </p:tavLst>
+                                    </p:anim>
+                                    <p:anim calcmode="lin" valueType="num">
+                                      <p:cBhvr>
+                                        <p:cTn id="18" dur="600" fill="hold"/>
+                                        <p:tgtEl>
+                                          <p:spTgt spid="314"/>
+                                        </p:tgtEl>
+                                        <p:attrNameLst>
+                                          <p:attrName>ppt_y</p:attrName>
+                                        </p:attrNameLst>
+                                      </p:cBhvr>
+                                      <p:tavLst>
+                                        <p:tav tm="0">
+                                          <p:val>
+                                            <p:strVal val="#ppt_y"/>
+                                          </p:val>
+                                        </p:tav>
+                                        <p:tav tm="100000">
+                                          <p:val>
+                                            <p:strVal val="#ppt_y"/>
+                                          </p:val>
+                                        </p:tav>
+                                      </p:tavLst>
+                                    </p:anim>
+                                  </p:childTnLst>
+                                </p:cTn>
+                              </p:par>
+                            </p:childTnLst>
+                          </p:cTn>
+                        </p:par>
+                      </p:childTnLst>
+                    </p:cTn>
+                  </p:par>
+                </p:childTnLst>
+              </p:cTn>
+              <p:prevCondLst>
+                <p:cond evt="onPrev">
+                  <p:tgtEl>
+                    <p:sldTgt/>
+                  </p:tgtEl>
+                </p:cond>
+              </p:prevCondLst>
+              <p:nextCondLst>
+                <p:cond evt="onNext">
+                  <p:tgtEl>
+                    <p:sldTgt/>
+                  </p:tgtEl>
+                </p:cond>
+              </p:nextCondLst>
+            </p:seq>
+          </p:childTnLst>
+        </p:cTn>
+      </p:par>
+    </p:tnLst>
+    <p:bldLst>
+      <p:bldP build="whole" bldLvl="1" animBg="1" rev="0" advAuto="0" spid="314" grpId="3"/>
+      <p:bldP build="whole" bldLvl="1" animBg="1" rev="0" advAuto="0" spid="308" grpId="1"/>
+      <p:bldP build="whole" bldLvl="1" animBg="1" rev="0" advAuto="0" spid="311" grpId="2"/>
+    </p:bldLst>
+  </p:timing>
+</p:sld>
+</file>
+
+<file path=ppt/slides/slide12.xml><?xml version="1.0" encoding="utf-8"?>
+<p:sld xmlns:a="http://schemas.openxmlformats.org/drawingml/2006/main" xmlns:r="http://schemas.openxmlformats.org/officeDocument/2006/relationships" xmlns:p="http://schemas.openxmlformats.org/presentationml/2006/main" xmlns:m="http://schemas.openxmlformats.org/officeDocument/2006/math" xmlns:a14="http://schemas.microsoft.com/office/drawing/2010/main" showMasterSp="1" showMasterPhAnim="1">
+  <p:cSld>
+    <p:bg>
+      <p:bgPr>
+        <a:solidFill>
+          <a:srgbClr val="002833"/>
+        </a:solidFill>
+      </p:bgPr>
+    </p:bg>
+    <p:spTree>
+      <p:nvGrpSpPr>
+        <p:cNvPr id="1" name=""/>
+        <p:cNvGrpSpPr/>
+        <p:nvPr/>
+      </p:nvGrpSpPr>
+      <p:grpSpPr>
+        <a:xfrm>
+          <a:off x="0" y="0"/>
+          <a:ext cx="0" cy="0"/>
+          <a:chOff x="0" y="0"/>
+          <a:chExt cx="0" cy="0"/>
+        </a:xfrm>
+      </p:grpSpPr>
+      <p:sp>
+        <p:nvSpPr>
+          <p:cNvPr id="316" name="Title 6"/>
           <p:cNvSpPr txBox="1"/>
           <p:nvPr>
             <p:ph type="title"/>
@@ -5522,7 +7069,7 @@
       </p:sp>
       <p:pic>
         <p:nvPicPr>
-          <p:cNvPr id="290" name="stopwatch (2).png" descr="stopwatch (2).png"/>
+          <p:cNvPr id="317" name="stopwatch (2).png" descr="stopwatch (2).png"/>
           <p:cNvPicPr>
             <a:picLocks noChangeAspect="1"/>
           </p:cNvPicPr>
@@ -5551,7 +7098,7 @@
       </p:pic>
       <p:grpSp>
         <p:nvGrpSpPr>
-          <p:cNvPr id="293" name="Group"/>
+          <p:cNvPr id="320" name="Group"/>
           <p:cNvGrpSpPr/>
           <p:nvPr/>
         </p:nvGrpSpPr>
@@ -5565,7 +7112,7 @@
         </p:grpSpPr>
         <p:sp>
           <p:nvSpPr>
-            <p:cNvPr id="291" name="Rounded Rectangle"/>
+            <p:cNvPr id="318" name="Rounded Rectangle"/>
             <p:cNvSpPr/>
             <p:nvPr/>
           </p:nvSpPr>
@@ -5614,7 +7161,7 @@
                   <a:latin typeface="+mn-lt"/>
                   <a:ea typeface="+mn-ea"/>
                   <a:cs typeface="+mn-cs"/>
-                  <a:sym typeface="DIN Condensed"/>
+                  <a:sym typeface="DIN Condensed Bold"/>
                 </a:defRPr>
               </a:pPr>
             </a:p>
@@ -5622,7 +7169,7 @@
         </p:sp>
         <p:sp>
           <p:nvSpPr>
-            <p:cNvPr id="292" name="{…"/>
+            <p:cNvPr id="319" name="{…"/>
             <p:cNvSpPr txBox="1"/>
             <p:nvPr/>
           </p:nvSpPr>
@@ -6272,7 +7819,7 @@
                                       <p:cBhvr>
                                         <p:cTn id="6" fill="hold"/>
                                         <p:tgtEl>
-                                          <p:spTgt spid="293"/>
+                                          <p:spTgt spid="320"/>
                                         </p:tgtEl>
                                         <p:attrNameLst>
                                           <p:attrName>style.visibility</p:attrName>
@@ -6286,7 +7833,7 @@
                                       <p:cBhvr>
                                         <p:cTn id="7" dur="700" fill="hold"/>
                                         <p:tgtEl>
-                                          <p:spTgt spid="293"/>
+                                          <p:spTgt spid="320"/>
                                         </p:tgtEl>
                                         <p:attrNameLst>
                                           <p:attrName>ppt_x</p:attrName>
@@ -6309,7 +7856,7 @@
                                       <p:cBhvr>
                                         <p:cTn id="8" dur="700" fill="hold"/>
                                         <p:tgtEl>
-                                          <p:spTgt spid="293"/>
+                                          <p:spTgt spid="320"/>
                                         </p:tgtEl>
                                         <p:attrNameLst>
                                           <p:attrName>ppt_y</p:attrName>
@@ -6359,7 +7906,7 @@
       </p:par>
     </p:tnLst>
     <p:bldLst>
-      <p:bldP build="whole" bldLvl="1" animBg="1" rev="0" advAuto="0" spid="293" grpId="1"/>
+      <p:bldP build="whole" bldLvl="1" animBg="1" rev="0" advAuto="0" spid="320" grpId="1"/>
     </p:bldLst>
   </p:timing>
 </p:sld>
@@ -6533,7 +8080,7 @@
                     <a:latin typeface="+mn-lt"/>
                     <a:ea typeface="+mn-ea"/>
                     <a:cs typeface="+mn-cs"/>
-                    <a:sym typeface="DIN Condensed"/>
+                    <a:sym typeface="DIN Condensed Bold"/>
                   </a:defRPr>
                 </a:pPr>
               </a:p>
@@ -6582,7 +8129,7 @@
                     <a:latin typeface="+mn-lt"/>
                     <a:ea typeface="+mn-ea"/>
                     <a:cs typeface="+mn-cs"/>
-                    <a:sym typeface="DIN Condensed"/>
+                    <a:sym typeface="DIN Condensed Bold"/>
                   </a:defRPr>
                 </a:pPr>
               </a:p>
@@ -6631,7 +8178,7 @@
                     <a:latin typeface="+mn-lt"/>
                     <a:ea typeface="+mn-ea"/>
                     <a:cs typeface="+mn-cs"/>
-                    <a:sym typeface="DIN Condensed"/>
+                    <a:sym typeface="DIN Condensed Bold"/>
                   </a:defRPr>
                 </a:pPr>
               </a:p>
@@ -6680,7 +8227,7 @@
                     <a:latin typeface="+mn-lt"/>
                     <a:ea typeface="+mn-ea"/>
                     <a:cs typeface="+mn-cs"/>
-                    <a:sym typeface="DIN Condensed"/>
+                    <a:sym typeface="DIN Condensed Bold"/>
                   </a:defRPr>
                 </a:pPr>
               </a:p>
@@ -6729,7 +8276,7 @@
                     <a:latin typeface="+mn-lt"/>
                     <a:ea typeface="+mn-ea"/>
                     <a:cs typeface="+mn-cs"/>
-                    <a:sym typeface="DIN Condensed"/>
+                    <a:sym typeface="DIN Condensed Bold"/>
                   </a:defRPr>
                 </a:pPr>
               </a:p>
@@ -6772,10 +8319,10 @@
                   <a:solidFill>
                     <a:srgbClr val="FFFFFF"/>
                   </a:solidFill>
-                  <a:latin typeface="Avenir Next"/>
-                  <a:ea typeface="Avenir Next"/>
-                  <a:cs typeface="Avenir Next"/>
-                  <a:sym typeface="Avenir Next"/>
+                  <a:latin typeface="Avenir Next Regular"/>
+                  <a:ea typeface="Avenir Next Regular"/>
+                  <a:cs typeface="Avenir Next Regular"/>
+                  <a:sym typeface="Avenir Next Regular"/>
                 </a:defRPr>
               </a:lvl1pPr>
             </a:lstStyle>
@@ -6796,7 +8343,7 @@
         </p:nvGrpSpPr>
         <p:grpSpPr>
           <a:xfrm>
-            <a:off x="10194884" y="5520969"/>
+            <a:off x="10194883" y="5520969"/>
             <a:ext cx="2612518" cy="2599997"/>
             <a:chOff x="0" y="0"/>
             <a:chExt cx="2612517" cy="2599995"/>
@@ -6875,10 +8422,10 @@
                   <a:solidFill>
                     <a:srgbClr val="FFFFFF"/>
                   </a:solidFill>
-                  <a:latin typeface="Avenir Next"/>
-                  <a:ea typeface="Avenir Next"/>
-                  <a:cs typeface="Avenir Next"/>
-                  <a:sym typeface="Avenir Next"/>
+                  <a:latin typeface="Avenir Next Regular"/>
+                  <a:ea typeface="Avenir Next Regular"/>
+                  <a:cs typeface="Avenir Next Regular"/>
+                  <a:sym typeface="Avenir Next Regular"/>
                 </a:defRPr>
               </a:lvl1pPr>
             </a:lstStyle>
@@ -6899,8 +8446,8 @@
         </p:nvGrpSpPr>
         <p:grpSpPr>
           <a:xfrm>
-            <a:off x="5251156" y="5847038"/>
-            <a:ext cx="2650517" cy="2306962"/>
+            <a:off x="5251157" y="5847038"/>
+            <a:ext cx="2650516" cy="2306962"/>
             <a:chOff x="0" y="0"/>
             <a:chExt cx="2650515" cy="2306961"/>
           </a:xfrm>
@@ -6978,10 +8525,10 @@
                   <a:solidFill>
                     <a:srgbClr val="FFFFFF"/>
                   </a:solidFill>
-                  <a:latin typeface="Avenir Next"/>
-                  <a:ea typeface="Avenir Next"/>
-                  <a:cs typeface="Avenir Next"/>
-                  <a:sym typeface="Avenir Next"/>
+                  <a:latin typeface="Avenir Next Regular"/>
+                  <a:ea typeface="Avenir Next Regular"/>
+                  <a:cs typeface="Avenir Next Regular"/>
+                  <a:sym typeface="Avenir Next Regular"/>
                 </a:defRPr>
               </a:lvl1pPr>
             </a:lstStyle>
@@ -7057,7 +8604,7 @@
                   <a:latin typeface="+mn-lt"/>
                   <a:ea typeface="+mn-ea"/>
                   <a:cs typeface="+mn-cs"/>
-                  <a:sym typeface="DIN Condensed"/>
+                  <a:sym typeface="DIN Condensed Bold"/>
                 </a:defRPr>
               </a:pPr>
             </a:p>
@@ -7133,8 +8680,8 @@
         </p:blipFill>
         <p:spPr>
           <a:xfrm>
-            <a:off x="8114995" y="6102899"/>
-            <a:ext cx="1711870" cy="405592"/>
+            <a:off x="8114996" y="6102899"/>
+            <a:ext cx="1711869" cy="405592"/>
           </a:xfrm>
           <a:prstGeom prst="rect">
             <a:avLst/>
@@ -7230,7 +8777,7 @@
                   <a:latin typeface="+mn-lt"/>
                   <a:ea typeface="+mn-ea"/>
                   <a:cs typeface="+mn-cs"/>
-                  <a:sym typeface="DIN Condensed"/>
+                  <a:sym typeface="DIN Condensed Bold"/>
                 </a:defRPr>
               </a:pPr>
             </a:p>
@@ -7403,7 +8950,7 @@
                   <a:latin typeface="+mn-lt"/>
                   <a:ea typeface="+mn-ea"/>
                   <a:cs typeface="+mn-cs"/>
-                  <a:sym typeface="DIN Condensed"/>
+                  <a:sym typeface="DIN Condensed Bold"/>
                 </a:defRPr>
               </a:pPr>
             </a:p>
@@ -7480,7 +9027,7 @@
         <p:spPr>
           <a:xfrm>
             <a:off x="12958934" y="6102899"/>
-            <a:ext cx="1711869" cy="405592"/>
+            <a:ext cx="1711870" cy="405592"/>
           </a:xfrm>
           <a:prstGeom prst="rect">
             <a:avLst/>
@@ -7506,7 +9053,7 @@
         <p:spPr>
           <a:xfrm>
             <a:off x="12958933" y="6576120"/>
-            <a:ext cx="1711870" cy="405591"/>
+            <a:ext cx="1711869" cy="405591"/>
           </a:xfrm>
           <a:prstGeom prst="rect">
             <a:avLst/>
@@ -7521,8 +9068,8 @@
         </p:nvGrpSpPr>
         <p:grpSpPr>
           <a:xfrm>
-            <a:off x="15005934" y="5639245"/>
-            <a:ext cx="2207228" cy="3419613"/>
+            <a:off x="15005934" y="5639244"/>
+            <a:ext cx="2207228" cy="3419614"/>
             <a:chOff x="0" y="0"/>
             <a:chExt cx="2207226" cy="3419612"/>
           </a:xfrm>
@@ -7600,10 +9147,10 @@
                   <a:solidFill>
                     <a:srgbClr val="FFFFFF"/>
                   </a:solidFill>
-                  <a:latin typeface="Avenir Next"/>
-                  <a:ea typeface="Avenir Next"/>
-                  <a:cs typeface="Avenir Next"/>
-                  <a:sym typeface="Avenir Next"/>
+                  <a:latin typeface="Avenir Next Regular"/>
+                  <a:ea typeface="Avenir Next Regular"/>
+                  <a:cs typeface="Avenir Next Regular"/>
+                  <a:sym typeface="Avenir Next Regular"/>
                 </a:defRPr>
               </a:lvl1pPr>
             </a:lstStyle>
@@ -8386,17 +9933,17 @@
       </p:par>
     </p:tnLst>
     <p:bldLst>
+      <p:bldP build="whole" bldLvl="1" animBg="1" rev="0" advAuto="0" spid="216" grpId="9"/>
+      <p:bldP build="whole" bldLvl="1" animBg="1" rev="0" advAuto="0" spid="202" grpId="11"/>
+      <p:bldP build="whole" bldLvl="1" animBg="1" rev="0" advAuto="0" spid="203" grpId="4"/>
+      <p:bldP build="whole" bldLvl="1" animBg="1" rev="0" advAuto="0" spid="196" grpId="5"/>
+      <p:bldP build="whole" bldLvl="1" animBg="1" rev="0" advAuto="0" spid="210" grpId="2"/>
+      <p:bldP build="whole" bldLvl="1" animBg="1" rev="0" advAuto="0" spid="193" grpId="1"/>
       <p:bldP build="whole" bldLvl="1" animBg="1" rev="0" advAuto="0" spid="217" grpId="6"/>
+      <p:bldP build="whole" bldLvl="1" animBg="1" rev="0" advAuto="0" spid="205" grpId="10"/>
       <p:bldP build="whole" bldLvl="1" animBg="1" rev="0" advAuto="0" spid="223" grpId="7"/>
-      <p:bldP build="whole" bldLvl="1" animBg="1" rev="0" advAuto="0" spid="193" grpId="1"/>
-      <p:bldP build="whole" bldLvl="1" animBg="1" rev="0" advAuto="0" spid="196" grpId="5"/>
-      <p:bldP build="whole" bldLvl="1" animBg="1" rev="0" advAuto="0" spid="216" grpId="9"/>
       <p:bldP build="whole" bldLvl="1" animBg="1" rev="0" advAuto="0" spid="209" grpId="13"/>
-      <p:bldP build="whole" bldLvl="1" animBg="1" rev="0" advAuto="0" spid="205" grpId="10"/>
-      <p:bldP build="whole" bldLvl="1" animBg="1" rev="0" advAuto="0" spid="210" grpId="2"/>
       <p:bldP build="whole" bldLvl="1" animBg="1" rev="0" advAuto="0" spid="212" grpId="12"/>
-      <p:bldP build="whole" bldLvl="1" animBg="1" rev="0" advAuto="0" spid="203" grpId="4"/>
-      <p:bldP build="whole" bldLvl="1" animBg="1" rev="0" advAuto="0" spid="202" grpId="11"/>
       <p:bldP build="whole" bldLvl="1" animBg="1" rev="0" advAuto="0" spid="199" grpId="3"/>
       <p:bldP build="whole" bldLvl="1" animBg="1" rev="0" advAuto="0" spid="219" grpId="8"/>
     </p:bldLst>
@@ -8530,10 +10077,10 @@
                 <a:solidFill>
                   <a:srgbClr val="FFFFFF"/>
                 </a:solidFill>
-                <a:latin typeface="Meslo LG M for Powerline"/>
-                <a:ea typeface="Meslo LG M for Powerline"/>
-                <a:cs typeface="Meslo LG M for Powerline"/>
-                <a:sym typeface="Meslo LG M for Powerline"/>
+                <a:latin typeface="Meslo LG M Regular for Powerline"/>
+                <a:ea typeface="Meslo LG M Regular for Powerline"/>
+                <a:cs typeface="Meslo LG M Regular for Powerline"/>
+                <a:sym typeface="Meslo LG M Regular for Powerline"/>
               </a:defRPr>
             </a:pPr>
             <a:r>
@@ -8587,10 +10134,10 @@
                 <a:solidFill>
                   <a:srgbClr val="FFFFFF"/>
                 </a:solidFill>
-                <a:latin typeface="Meslo LG M for Powerline"/>
-                <a:ea typeface="Meslo LG M for Powerline"/>
-                <a:cs typeface="Meslo LG M for Powerline"/>
-                <a:sym typeface="Meslo LG M for Powerline"/>
+                <a:latin typeface="Meslo LG M Regular for Powerline"/>
+                <a:ea typeface="Meslo LG M Regular for Powerline"/>
+                <a:cs typeface="Meslo LG M Regular for Powerline"/>
+                <a:sym typeface="Meslo LG M Regular for Powerline"/>
               </a:defRPr>
             </a:pPr>
             <a:r>
@@ -8644,10 +10191,10 @@
                 <a:solidFill>
                   <a:srgbClr val="FFFFFF"/>
                 </a:solidFill>
-                <a:latin typeface="Meslo LG M for Powerline"/>
-                <a:ea typeface="Meslo LG M for Powerline"/>
-                <a:cs typeface="Meslo LG M for Powerline"/>
-                <a:sym typeface="Meslo LG M for Powerline"/>
+                <a:latin typeface="Meslo LG M Regular for Powerline"/>
+                <a:ea typeface="Meslo LG M Regular for Powerline"/>
+                <a:cs typeface="Meslo LG M Regular for Powerline"/>
+                <a:sym typeface="Meslo LG M Regular for Powerline"/>
               </a:defRPr>
             </a:pPr>
             <a:r>
@@ -8701,10 +10248,10 @@
                 <a:solidFill>
                   <a:srgbClr val="FFFFFF"/>
                 </a:solidFill>
-                <a:latin typeface="Meslo LG M for Powerline"/>
-                <a:ea typeface="Meslo LG M for Powerline"/>
-                <a:cs typeface="Meslo LG M for Powerline"/>
-                <a:sym typeface="Meslo LG M for Powerline"/>
+                <a:latin typeface="Meslo LG M Regular for Powerline"/>
+                <a:ea typeface="Meslo LG M Regular for Powerline"/>
+                <a:cs typeface="Meslo LG M Regular for Powerline"/>
+                <a:sym typeface="Meslo LG M Regular for Powerline"/>
               </a:defRPr>
             </a:pPr>
             <a:r>
@@ -8760,7 +10307,7 @@
                 <a:latin typeface="+mn-lt"/>
                 <a:ea typeface="+mn-ea"/>
                 <a:cs typeface="+mn-cs"/>
-                <a:sym typeface="DIN Condensed"/>
+                <a:sym typeface="DIN Condensed Bold"/>
               </a:defRPr>
             </a:pPr>
           </a:p>
@@ -8805,7 +10352,7 @@
                 <a:latin typeface="+mn-lt"/>
                 <a:ea typeface="+mn-ea"/>
                 <a:cs typeface="+mn-cs"/>
-                <a:sym typeface="DIN Condensed"/>
+                <a:sym typeface="DIN Condensed Bold"/>
               </a:defRPr>
             </a:pPr>
           </a:p>
@@ -8850,7 +10397,7 @@
                 <a:latin typeface="+mn-lt"/>
                 <a:ea typeface="+mn-ea"/>
                 <a:cs typeface="+mn-cs"/>
-                <a:sym typeface="DIN Condensed"/>
+                <a:sym typeface="DIN Condensed Bold"/>
               </a:defRPr>
             </a:pPr>
           </a:p>
@@ -8895,7 +10442,7 @@
                 <a:latin typeface="+mn-lt"/>
                 <a:ea typeface="+mn-ea"/>
                 <a:cs typeface="+mn-cs"/>
-                <a:sym typeface="DIN Condensed"/>
+                <a:sym typeface="DIN Condensed Bold"/>
               </a:defRPr>
             </a:pPr>
           </a:p>
@@ -8938,10 +10485,10 @@
                 <a:solidFill>
                   <a:srgbClr val="FFFFFF"/>
                 </a:solidFill>
-                <a:latin typeface="Meslo LG M for Powerline"/>
-                <a:ea typeface="Meslo LG M for Powerline"/>
-                <a:cs typeface="Meslo LG M for Powerline"/>
-                <a:sym typeface="Meslo LG M for Powerline"/>
+                <a:latin typeface="Meslo LG M Regular for Powerline"/>
+                <a:ea typeface="Meslo LG M Regular for Powerline"/>
+                <a:cs typeface="Meslo LG M Regular for Powerline"/>
+                <a:sym typeface="Meslo LG M Regular for Powerline"/>
               </a:defRPr>
             </a:pPr>
             <a:r>
@@ -8997,7 +10544,7 @@
                 <a:latin typeface="+mn-lt"/>
                 <a:ea typeface="+mn-ea"/>
                 <a:cs typeface="+mn-cs"/>
-                <a:sym typeface="DIN Condensed"/>
+                <a:sym typeface="DIN Condensed Bold"/>
               </a:defRPr>
             </a:pPr>
           </a:p>
@@ -9682,16 +11229,16 @@
       </p:par>
     </p:tnLst>
     <p:bldLst>
+      <p:bldP build="whole" bldLvl="1" animBg="1" rev="0" advAuto="0" spid="233" grpId="6"/>
+      <p:bldP build="whole" bldLvl="1" animBg="1" rev="0" advAuto="0" spid="229" grpId="5"/>
+      <p:bldP build="whole" bldLvl="1" animBg="1" rev="0" advAuto="0" spid="236" grpId="10"/>
+      <p:bldP build="whole" bldLvl="1" animBg="1" rev="0" advAuto="0" spid="231" grpId="2"/>
+      <p:bldP build="whole" bldLvl="1" animBg="1" rev="0" advAuto="0" spid="234" grpId="8"/>
       <p:bldP build="whole" bldLvl="1" animBg="1" rev="0" advAuto="0" spid="230" grpId="7"/>
       <p:bldP build="whole" bldLvl="1" animBg="1" rev="0" advAuto="0" spid="227" grpId="1"/>
-      <p:bldP build="whole" bldLvl="1" animBg="1" rev="0" advAuto="0" spid="231" grpId="2"/>
+      <p:bldP build="whole" bldLvl="1" animBg="1" rev="0" advAuto="0" spid="235" grpId="9"/>
       <p:bldP build="whole" bldLvl="1" animBg="1" rev="0" advAuto="0" spid="232" grpId="4"/>
-      <p:bldP build="whole" bldLvl="1" animBg="1" rev="0" advAuto="0" spid="235" grpId="9"/>
-      <p:bldP build="whole" bldLvl="1" animBg="1" rev="0" advAuto="0" spid="234" grpId="8"/>
-      <p:bldP build="whole" bldLvl="1" animBg="1" rev="0" advAuto="0" spid="236" grpId="10"/>
       <p:bldP build="whole" bldLvl="1" animBg="1" rev="0" advAuto="0" spid="228" grpId="3"/>
-      <p:bldP build="whole" bldLvl="1" animBg="1" rev="0" advAuto="0" spid="229" grpId="5"/>
-      <p:bldP build="whole" bldLvl="1" animBg="1" rev="0" advAuto="0" spid="233" grpId="6"/>
     </p:bldLst>
   </p:timing>
 </p:sld>
@@ -9823,10 +11370,10 @@
                 <a:solidFill>
                   <a:srgbClr val="FFFFFF"/>
                 </a:solidFill>
-                <a:latin typeface="Meslo LG M for Powerline"/>
-                <a:ea typeface="Meslo LG M for Powerline"/>
-                <a:cs typeface="Meslo LG M for Powerline"/>
-                <a:sym typeface="Meslo LG M for Powerline"/>
+                <a:latin typeface="Meslo LG M Regular for Powerline"/>
+                <a:ea typeface="Meslo LG M Regular for Powerline"/>
+                <a:cs typeface="Meslo LG M Regular for Powerline"/>
+                <a:sym typeface="Meslo LG M Regular for Powerline"/>
               </a:defRPr>
             </a:pPr>
             <a:r>
@@ -9882,7 +11429,7 @@
                 <a:latin typeface="+mn-lt"/>
                 <a:ea typeface="+mn-ea"/>
                 <a:cs typeface="+mn-cs"/>
-                <a:sym typeface="DIN Condensed"/>
+                <a:sym typeface="DIN Condensed Bold"/>
               </a:defRPr>
             </a:pPr>
           </a:p>
@@ -9925,10 +11472,10 @@
                 <a:solidFill>
                   <a:srgbClr val="A6AAA9"/>
                 </a:solidFill>
-                <a:latin typeface="Meslo LG M for Powerline"/>
-                <a:ea typeface="Meslo LG M for Powerline"/>
-                <a:cs typeface="Meslo LG M for Powerline"/>
-                <a:sym typeface="Meslo LG M for Powerline"/>
+                <a:latin typeface="Meslo LG M Regular for Powerline"/>
+                <a:ea typeface="Meslo LG M Regular for Powerline"/>
+                <a:cs typeface="Meslo LG M Regular for Powerline"/>
+                <a:sym typeface="Meslo LG M Regular for Powerline"/>
               </a:defRPr>
             </a:pPr>
             <a:r>
@@ -9973,10 +11520,10 @@
                 <a:solidFill>
                   <a:srgbClr val="A6AAA9"/>
                 </a:solidFill>
-                <a:latin typeface="Meslo LG M for Powerline"/>
-                <a:ea typeface="Meslo LG M for Powerline"/>
-                <a:cs typeface="Meslo LG M for Powerline"/>
-                <a:sym typeface="Meslo LG M for Powerline"/>
+                <a:latin typeface="Meslo LG M Regular for Powerline"/>
+                <a:ea typeface="Meslo LG M Regular for Powerline"/>
+                <a:cs typeface="Meslo LG M Regular for Powerline"/>
+                <a:sym typeface="Meslo LG M Regular for Powerline"/>
               </a:defRPr>
             </a:lvl1pPr>
           </a:lstStyle>
@@ -10024,10 +11571,10 @@
                 <a:solidFill>
                   <a:srgbClr val="A6AAA9"/>
                 </a:solidFill>
-                <a:latin typeface="Meslo LG M for Powerline"/>
-                <a:ea typeface="Meslo LG M for Powerline"/>
-                <a:cs typeface="Meslo LG M for Powerline"/>
-                <a:sym typeface="Meslo LG M for Powerline"/>
+                <a:latin typeface="Meslo LG M Regular for Powerline"/>
+                <a:ea typeface="Meslo LG M Regular for Powerline"/>
+                <a:cs typeface="Meslo LG M Regular for Powerline"/>
+                <a:sym typeface="Meslo LG M Regular for Powerline"/>
               </a:defRPr>
             </a:lvl1pPr>
           </a:lstStyle>
@@ -10080,10 +11627,10 @@
                     <a:lumOff val="-7679"/>
                   </a:schemeClr>
                 </a:solidFill>
-                <a:latin typeface="Meslo LG M for Powerline"/>
-                <a:ea typeface="Meslo LG M for Powerline"/>
-                <a:cs typeface="Meslo LG M for Powerline"/>
-                <a:sym typeface="Meslo LG M for Powerline"/>
+                <a:latin typeface="Meslo LG M Regular for Powerline"/>
+                <a:ea typeface="Meslo LG M Regular for Powerline"/>
+                <a:cs typeface="Meslo LG M Regular for Powerline"/>
+                <a:sym typeface="Meslo LG M Regular for Powerline"/>
               </a:defRPr>
             </a:pPr>
             <a:r>
@@ -10133,10 +11680,10 @@
                     <a:lumOff val="-7679"/>
                   </a:schemeClr>
                 </a:solidFill>
-                <a:latin typeface="Meslo LG M for Powerline"/>
-                <a:ea typeface="Meslo LG M for Powerline"/>
-                <a:cs typeface="Meslo LG M for Powerline"/>
-                <a:sym typeface="Meslo LG M for Powerline"/>
+                <a:latin typeface="Meslo LG M Regular for Powerline"/>
+                <a:ea typeface="Meslo LG M Regular for Powerline"/>
+                <a:cs typeface="Meslo LG M Regular for Powerline"/>
+                <a:sym typeface="Meslo LG M Regular for Powerline"/>
               </a:defRPr>
             </a:pPr>
             <a:r>
@@ -10182,10 +11729,10 @@
                 <a:solidFill>
                   <a:srgbClr val="FFFFFF"/>
                 </a:solidFill>
-                <a:latin typeface="Meslo LG M for Powerline"/>
-                <a:ea typeface="Meslo LG M for Powerline"/>
-                <a:cs typeface="Meslo LG M for Powerline"/>
-                <a:sym typeface="Meslo LG M for Powerline"/>
+                <a:latin typeface="Meslo LG M Regular for Powerline"/>
+                <a:ea typeface="Meslo LG M Regular for Powerline"/>
+                <a:cs typeface="Meslo LG M Regular for Powerline"/>
+                <a:sym typeface="Meslo LG M Regular for Powerline"/>
               </a:defRPr>
             </a:pPr>
             <a:r>
@@ -10757,13 +12304,13 @@
       </p:par>
     </p:tnLst>
     <p:bldLst>
+      <p:bldP build="whole" bldLvl="1" animBg="1" rev="0" advAuto="0" spid="245" grpId="4"/>
+      <p:bldP build="whole" bldLvl="1" animBg="1" rev="0" advAuto="0" spid="243" grpId="5"/>
+      <p:bldP build="whole" bldLvl="1" animBg="1" rev="0" advAuto="0" spid="246" grpId="6"/>
+      <p:bldP build="whole" bldLvl="1" animBg="1" rev="0" advAuto="0" spid="244" grpId="7"/>
+      <p:bldP build="whole" bldLvl="1" animBg="1" rev="0" advAuto="0" spid="241" grpId="2"/>
+      <p:bldP build="whole" bldLvl="1" animBg="1" rev="0" advAuto="0" spid="247" grpId="8"/>
       <p:bldP build="whole" bldLvl="1" animBg="1" rev="0" advAuto="0" spid="240" grpId="1"/>
-      <p:bldP build="whole" bldLvl="1" animBg="1" rev="0" advAuto="0" spid="246" grpId="6"/>
-      <p:bldP build="whole" bldLvl="1" animBg="1" rev="0" advAuto="0" spid="243" grpId="5"/>
-      <p:bldP build="whole" bldLvl="1" animBg="1" rev="0" advAuto="0" spid="244" grpId="7"/>
-      <p:bldP build="whole" bldLvl="1" animBg="1" rev="0" advAuto="0" spid="247" grpId="8"/>
-      <p:bldP build="whole" bldLvl="1" animBg="1" rev="0" advAuto="0" spid="245" grpId="4"/>
-      <p:bldP build="whole" bldLvl="1" animBg="1" rev="0" advAuto="0" spid="241" grpId="2"/>
       <p:bldP build="whole" bldLvl="1" animBg="1" rev="0" advAuto="0" spid="242" grpId="3"/>
     </p:bldLst>
   </p:timing>
@@ -10896,10 +12443,10 @@
                 <a:solidFill>
                   <a:srgbClr val="FFFFFF"/>
                 </a:solidFill>
-                <a:latin typeface="Meslo LG M for Powerline"/>
-                <a:ea typeface="Meslo LG M for Powerline"/>
-                <a:cs typeface="Meslo LG M for Powerline"/>
-                <a:sym typeface="Meslo LG M for Powerline"/>
+                <a:latin typeface="Meslo LG M Regular for Powerline"/>
+                <a:ea typeface="Meslo LG M Regular for Powerline"/>
+                <a:cs typeface="Meslo LG M Regular for Powerline"/>
+                <a:sym typeface="Meslo LG M Regular for Powerline"/>
               </a:defRPr>
             </a:pPr>
             <a:r>
@@ -10955,7 +12502,7 @@
                 <a:latin typeface="+mn-lt"/>
                 <a:ea typeface="+mn-ea"/>
                 <a:cs typeface="+mn-cs"/>
-                <a:sym typeface="DIN Condensed"/>
+                <a:sym typeface="DIN Condensed Bold"/>
               </a:defRPr>
             </a:pPr>
           </a:p>
@@ -10969,8 +12516,8 @@
         </p:nvSpPr>
         <p:spPr>
           <a:xfrm>
-            <a:off x="7978539" y="5953012"/>
-            <a:ext cx="5049045" cy="1247776"/>
+            <a:off x="7978540" y="5953012"/>
+            <a:ext cx="5049044" cy="1247776"/>
           </a:xfrm>
           <a:prstGeom prst="rect">
             <a:avLst/>
@@ -10998,10 +12545,10 @@
                 <a:solidFill>
                   <a:srgbClr val="FFFFFF"/>
                 </a:solidFill>
-                <a:latin typeface="Meslo LG M for Powerline"/>
-                <a:ea typeface="Meslo LG M for Powerline"/>
-                <a:cs typeface="Meslo LG M for Powerline"/>
-                <a:sym typeface="Meslo LG M for Powerline"/>
+                <a:latin typeface="Meslo LG M Regular for Powerline"/>
+                <a:ea typeface="Meslo LG M Regular for Powerline"/>
+                <a:cs typeface="Meslo LG M Regular for Powerline"/>
+                <a:sym typeface="Meslo LG M Regular for Powerline"/>
               </a:defRPr>
             </a:pPr>
             <a:r>
@@ -11055,10 +12602,10 @@
                 <a:solidFill>
                   <a:srgbClr val="A6AAA9"/>
                 </a:solidFill>
-                <a:latin typeface="Meslo LG M for Powerline"/>
-                <a:ea typeface="Meslo LG M for Powerline"/>
-                <a:cs typeface="Meslo LG M for Powerline"/>
-                <a:sym typeface="Meslo LG M for Powerline"/>
+                <a:latin typeface="Meslo LG M Regular for Powerline"/>
+                <a:ea typeface="Meslo LG M Regular for Powerline"/>
+                <a:cs typeface="Meslo LG M Regular for Powerline"/>
+                <a:sym typeface="Meslo LG M Regular for Powerline"/>
               </a:defRPr>
             </a:pPr>
             <a:r>
@@ -11103,10 +12650,10 @@
                 <a:solidFill>
                   <a:srgbClr val="A6AAA9"/>
                 </a:solidFill>
-                <a:latin typeface="Meslo LG M for Powerline"/>
-                <a:ea typeface="Meslo LG M for Powerline"/>
-                <a:cs typeface="Meslo LG M for Powerline"/>
-                <a:sym typeface="Meslo LG M for Powerline"/>
+                <a:latin typeface="Meslo LG M Regular for Powerline"/>
+                <a:ea typeface="Meslo LG M Regular for Powerline"/>
+                <a:cs typeface="Meslo LG M Regular for Powerline"/>
+                <a:sym typeface="Meslo LG M Regular for Powerline"/>
               </a:defRPr>
             </a:lvl1pPr>
           </a:lstStyle>
@@ -11154,10 +12701,10 @@
                 <a:solidFill>
                   <a:srgbClr val="A6AAA9"/>
                 </a:solidFill>
-                <a:latin typeface="Meslo LG M for Powerline"/>
-                <a:ea typeface="Meslo LG M for Powerline"/>
-                <a:cs typeface="Meslo LG M for Powerline"/>
-                <a:sym typeface="Meslo LG M for Powerline"/>
+                <a:latin typeface="Meslo LG M Regular for Powerline"/>
+                <a:ea typeface="Meslo LG M Regular for Powerline"/>
+                <a:cs typeface="Meslo LG M Regular for Powerline"/>
+                <a:sym typeface="Meslo LG M Regular for Powerline"/>
               </a:defRPr>
             </a:lvl1pPr>
           </a:lstStyle>
@@ -11210,10 +12757,10 @@
                     <a:lumOff val="-7679"/>
                   </a:schemeClr>
                 </a:solidFill>
-                <a:latin typeface="Meslo LG M for Powerline"/>
-                <a:ea typeface="Meslo LG M for Powerline"/>
-                <a:cs typeface="Meslo LG M for Powerline"/>
-                <a:sym typeface="Meslo LG M for Powerline"/>
+                <a:latin typeface="Meslo LG M Regular for Powerline"/>
+                <a:ea typeface="Meslo LG M Regular for Powerline"/>
+                <a:cs typeface="Meslo LG M Regular for Powerline"/>
+                <a:sym typeface="Meslo LG M Regular for Powerline"/>
               </a:defRPr>
             </a:pPr>
             <a:r>
@@ -11263,10 +12810,10 @@
                     <a:lumOff val="-7679"/>
                   </a:schemeClr>
                 </a:solidFill>
-                <a:latin typeface="Meslo LG M for Powerline"/>
-                <a:ea typeface="Meslo LG M for Powerline"/>
-                <a:cs typeface="Meslo LG M for Powerline"/>
-                <a:sym typeface="Meslo LG M for Powerline"/>
+                <a:latin typeface="Meslo LG M Regular for Powerline"/>
+                <a:ea typeface="Meslo LG M Regular for Powerline"/>
+                <a:cs typeface="Meslo LG M Regular for Powerline"/>
+                <a:sym typeface="Meslo LG M Regular for Powerline"/>
               </a:defRPr>
             </a:pPr>
             <a:r>
@@ -11312,10 +12859,10 @@
                 <a:solidFill>
                   <a:srgbClr val="FFFFFF"/>
                 </a:solidFill>
-                <a:latin typeface="Meslo LG M for Powerline"/>
-                <a:ea typeface="Meslo LG M for Powerline"/>
-                <a:cs typeface="Meslo LG M for Powerline"/>
-                <a:sym typeface="Meslo LG M for Powerline"/>
+                <a:latin typeface="Meslo LG M Regular for Powerline"/>
+                <a:ea typeface="Meslo LG M Regular for Powerline"/>
+                <a:cs typeface="Meslo LG M Regular for Powerline"/>
+                <a:sym typeface="Meslo LG M Regular for Powerline"/>
               </a:defRPr>
             </a:pPr>
             <a:r>
@@ -11369,10 +12916,10 @@
                 <a:solidFill>
                   <a:srgbClr val="A6AAA9"/>
                 </a:solidFill>
-                <a:latin typeface="Meslo LG M for Powerline"/>
-                <a:ea typeface="Meslo LG M for Powerline"/>
-                <a:cs typeface="Meslo LG M for Powerline"/>
-                <a:sym typeface="Meslo LG M for Powerline"/>
+                <a:latin typeface="Meslo LG M Regular for Powerline"/>
+                <a:ea typeface="Meslo LG M Regular for Powerline"/>
+                <a:cs typeface="Meslo LG M Regular for Powerline"/>
+                <a:sym typeface="Meslo LG M Regular for Powerline"/>
               </a:defRPr>
             </a:pPr>
             <a:r>
@@ -12060,16 +13607,16 @@
       </p:par>
     </p:tnLst>
     <p:bldLst>
+      <p:bldP build="whole" bldLvl="1" animBg="1" rev="0" advAuto="0" spid="259" grpId="10"/>
+      <p:bldP build="whole" bldLvl="1" animBg="1" rev="0" advAuto="0" spid="252" grpId="2"/>
+      <p:bldP build="whole" bldLvl="1" animBg="1" rev="0" advAuto="0" spid="258" grpId="8"/>
+      <p:bldP build="whole" bldLvl="1" animBg="1" rev="0" advAuto="0" spid="260" grpId="3"/>
       <p:bldP build="whole" bldLvl="1" animBg="1" rev="0" advAuto="0" spid="251" grpId="1"/>
-      <p:bldP build="whole" bldLvl="1" animBg="1" rev="0" advAuto="0" spid="260" grpId="3"/>
-      <p:bldP build="whole" bldLvl="1" animBg="1" rev="0" advAuto="0" spid="252" grpId="2"/>
+      <p:bldP build="whole" bldLvl="1" animBg="1" rev="0" advAuto="0" spid="254" grpId="5"/>
+      <p:bldP build="whole" bldLvl="1" animBg="1" rev="0" advAuto="0" spid="257" grpId="6"/>
+      <p:bldP build="whole" bldLvl="1" animBg="1" rev="0" advAuto="0" spid="255" grpId="7"/>
       <p:bldP build="whole" bldLvl="1" animBg="1" rev="0" advAuto="0" spid="253" grpId="4"/>
-      <p:bldP build="whole" bldLvl="1" animBg="1" rev="0" advAuto="0" spid="255" grpId="7"/>
-      <p:bldP build="whole" bldLvl="1" animBg="1" rev="0" advAuto="0" spid="258" grpId="8"/>
-      <p:bldP build="whole" bldLvl="1" animBg="1" rev="0" advAuto="0" spid="257" grpId="6"/>
-      <p:bldP build="whole" bldLvl="1" animBg="1" rev="0" advAuto="0" spid="254" grpId="5"/>
       <p:bldP build="whole" bldLvl="1" animBg="1" rev="0" advAuto="0" spid="256" grpId="9"/>
-      <p:bldP build="whole" bldLvl="1" animBg="1" rev="0" advAuto="0" spid="259" grpId="10"/>
     </p:bldLst>
   </p:timing>
 </p:sld>
@@ -12201,10 +13748,10 @@
                 <a:solidFill>
                   <a:srgbClr val="FFFFFF"/>
                 </a:solidFill>
-                <a:latin typeface="Meslo LG M for Powerline"/>
-                <a:ea typeface="Meslo LG M for Powerline"/>
-                <a:cs typeface="Meslo LG M for Powerline"/>
-                <a:sym typeface="Meslo LG M for Powerline"/>
+                <a:latin typeface="Meslo LG M Regular for Powerline"/>
+                <a:ea typeface="Meslo LG M Regular for Powerline"/>
+                <a:cs typeface="Meslo LG M Regular for Powerline"/>
+                <a:sym typeface="Meslo LG M Regular for Powerline"/>
               </a:defRPr>
             </a:pPr>
             <a:r>
@@ -12260,7 +13807,7 @@
                 <a:latin typeface="+mn-lt"/>
                 <a:ea typeface="+mn-ea"/>
                 <a:cs typeface="+mn-cs"/>
-                <a:sym typeface="DIN Condensed"/>
+                <a:sym typeface="DIN Condensed Bold"/>
               </a:defRPr>
             </a:pPr>
           </a:p>
@@ -12303,10 +13850,10 @@
                 <a:solidFill>
                   <a:srgbClr val="FFFFFF"/>
                 </a:solidFill>
-                <a:latin typeface="Meslo LG M for Powerline"/>
-                <a:ea typeface="Meslo LG M for Powerline"/>
-                <a:cs typeface="Meslo LG M for Powerline"/>
-                <a:sym typeface="Meslo LG M for Powerline"/>
+                <a:latin typeface="Meslo LG M Regular for Powerline"/>
+                <a:ea typeface="Meslo LG M Regular for Powerline"/>
+                <a:cs typeface="Meslo LG M Regular for Powerline"/>
+                <a:sym typeface="Meslo LG M Regular for Powerline"/>
               </a:defRPr>
             </a:pPr>
             <a:r>
@@ -12360,10 +13907,10 @@
                 <a:solidFill>
                   <a:srgbClr val="A6AAA9"/>
                 </a:solidFill>
-                <a:latin typeface="Meslo LG M for Powerline"/>
-                <a:ea typeface="Meslo LG M for Powerline"/>
-                <a:cs typeface="Meslo LG M for Powerline"/>
-                <a:sym typeface="Meslo LG M for Powerline"/>
+                <a:latin typeface="Meslo LG M Regular for Powerline"/>
+                <a:ea typeface="Meslo LG M Regular for Powerline"/>
+                <a:cs typeface="Meslo LG M Regular for Powerline"/>
+                <a:sym typeface="Meslo LG M Regular for Powerline"/>
               </a:defRPr>
             </a:pPr>
             <a:r>
@@ -12679,8 +14226,8 @@
       </p:par>
     </p:tnLst>
     <p:bldLst>
+      <p:bldP build="whole" bldLvl="1" animBg="1" rev="0" advAuto="0" spid="267" grpId="3"/>
       <p:bldP build="whole" bldLvl="1" animBg="1" rev="0" advAuto="0" spid="265" grpId="2"/>
-      <p:bldP build="whole" bldLvl="1" animBg="1" rev="0" advAuto="0" spid="267" grpId="3"/>
       <p:bldP build="whole" bldLvl="1" animBg="1" rev="0" advAuto="0" spid="266" grpId="4"/>
       <p:bldP build="whole" bldLvl="1" animBg="1" rev="0" advAuto="0" spid="264" grpId="1"/>
     </p:bldLst>
@@ -12814,10 +14361,10 @@
                 <a:solidFill>
                   <a:srgbClr val="FFFFFF"/>
                 </a:solidFill>
-                <a:latin typeface="Meslo LG M for Powerline"/>
-                <a:ea typeface="Meslo LG M for Powerline"/>
-                <a:cs typeface="Meslo LG M for Powerline"/>
-                <a:sym typeface="Meslo LG M for Powerline"/>
+                <a:latin typeface="Meslo LG M Regular for Powerline"/>
+                <a:ea typeface="Meslo LG M Regular for Powerline"/>
+                <a:cs typeface="Meslo LG M Regular for Powerline"/>
+                <a:sym typeface="Meslo LG M Regular for Powerline"/>
               </a:defRPr>
             </a:pPr>
             <a:r>
@@ -12873,7 +14420,7 @@
                 <a:latin typeface="+mn-lt"/>
                 <a:ea typeface="+mn-ea"/>
                 <a:cs typeface="+mn-cs"/>
-                <a:sym typeface="DIN Condensed"/>
+                <a:sym typeface="DIN Condensed Bold"/>
               </a:defRPr>
             </a:pPr>
           </a:p>
@@ -12916,10 +14463,10 @@
                 <a:solidFill>
                   <a:srgbClr val="FFFFFF"/>
                 </a:solidFill>
-                <a:latin typeface="Meslo LG M for Powerline"/>
-                <a:ea typeface="Meslo LG M for Powerline"/>
-                <a:cs typeface="Meslo LG M for Powerline"/>
-                <a:sym typeface="Meslo LG M for Powerline"/>
+                <a:latin typeface="Meslo LG M Regular for Powerline"/>
+                <a:ea typeface="Meslo LG M Regular for Powerline"/>
+                <a:cs typeface="Meslo LG M Regular for Powerline"/>
+                <a:sym typeface="Meslo LG M Regular for Powerline"/>
               </a:defRPr>
             </a:pPr>
             <a:r>
@@ -12973,10 +14520,10 @@
                 <a:solidFill>
                   <a:srgbClr val="A6AAA9"/>
                 </a:solidFill>
-                <a:latin typeface="Meslo LG M for Powerline"/>
-                <a:ea typeface="Meslo LG M for Powerline"/>
-                <a:cs typeface="Meslo LG M for Powerline"/>
-                <a:sym typeface="Meslo LG M for Powerline"/>
+                <a:latin typeface="Meslo LG M Regular for Powerline"/>
+                <a:ea typeface="Meslo LG M Regular for Powerline"/>
+                <a:cs typeface="Meslo LG M Regular for Powerline"/>
+                <a:sym typeface="Meslo LG M Regular for Powerline"/>
               </a:defRPr>
             </a:pPr>
             <a:r>
@@ -13292,10 +14839,10 @@
       </p:par>
     </p:tnLst>
     <p:bldLst>
+      <p:bldP build="whole" bldLvl="1" animBg="1" rev="0" advAuto="0" spid="274" grpId="3"/>
       <p:bldP build="whole" bldLvl="1" animBg="1" rev="0" advAuto="0" spid="272" grpId="2"/>
       <p:bldP build="whole" bldLvl="1" animBg="1" rev="0" advAuto="0" spid="271" grpId="1"/>
       <p:bldP build="whole" bldLvl="1" animBg="1" rev="0" advAuto="0" spid="273" grpId="4"/>
-      <p:bldP build="whole" bldLvl="1" animBg="1" rev="0" advAuto="0" spid="274" grpId="3"/>
     </p:bldLst>
   </p:timing>
 </p:sld>
@@ -13427,10 +14974,10 @@
                 <a:solidFill>
                   <a:srgbClr val="FFFFFF"/>
                 </a:solidFill>
-                <a:latin typeface="Meslo LG M for Powerline"/>
-                <a:ea typeface="Meslo LG M for Powerline"/>
-                <a:cs typeface="Meslo LG M for Powerline"/>
-                <a:sym typeface="Meslo LG M for Powerline"/>
+                <a:latin typeface="Meslo LG M Regular for Powerline"/>
+                <a:ea typeface="Meslo LG M Regular for Powerline"/>
+                <a:cs typeface="Meslo LG M Regular for Powerline"/>
+                <a:sym typeface="Meslo LG M Regular for Powerline"/>
               </a:defRPr>
             </a:pPr>
             <a:r>
@@ -13486,7 +15033,7 @@
                 <a:latin typeface="+mn-lt"/>
                 <a:ea typeface="+mn-ea"/>
                 <a:cs typeface="+mn-cs"/>
-                <a:sym typeface="DIN Condensed"/>
+                <a:sym typeface="DIN Condensed Bold"/>
               </a:defRPr>
             </a:pPr>
           </a:p>
@@ -13529,10 +15076,10 @@
                 <a:solidFill>
                   <a:srgbClr val="A6AAA9"/>
                 </a:solidFill>
-                <a:latin typeface="Meslo LG M for Powerline"/>
-                <a:ea typeface="Meslo LG M for Powerline"/>
-                <a:cs typeface="Meslo LG M for Powerline"/>
-                <a:sym typeface="Meslo LG M for Powerline"/>
+                <a:latin typeface="Meslo LG M Regular for Powerline"/>
+                <a:ea typeface="Meslo LG M Regular for Powerline"/>
+                <a:cs typeface="Meslo LG M Regular for Powerline"/>
+                <a:sym typeface="Meslo LG M Regular for Powerline"/>
               </a:defRPr>
             </a:pPr>
             <a:r>
@@ -13582,10 +15129,10 @@
                     <a:lumOff val="-7679"/>
                   </a:schemeClr>
                 </a:solidFill>
-                <a:latin typeface="Meslo LG M for Powerline"/>
-                <a:ea typeface="Meslo LG M for Powerline"/>
-                <a:cs typeface="Meslo LG M for Powerline"/>
-                <a:sym typeface="Meslo LG M for Powerline"/>
+                <a:latin typeface="Meslo LG M Regular for Powerline"/>
+                <a:ea typeface="Meslo LG M Regular for Powerline"/>
+                <a:cs typeface="Meslo LG M Regular for Powerline"/>
+                <a:sym typeface="Meslo LG M Regular for Powerline"/>
               </a:defRPr>
             </a:pPr>
             <a:r>
@@ -13902,9 +15449,9 @@
     </p:tnLst>
     <p:bldLst>
       <p:bldP build="whole" bldLvl="1" animBg="1" rev="0" advAuto="0" spid="279" grpId="2"/>
+      <p:bldP build="whole" bldLvl="1" animBg="1" rev="0" advAuto="0" spid="281" grpId="4"/>
       <p:bldP build="whole" bldLvl="1" animBg="1" rev="0" advAuto="0" spid="278" grpId="1"/>
       <p:bldP build="whole" bldLvl="1" animBg="1" rev="0" advAuto="0" spid="280" grpId="3"/>
-      <p:bldP build="whole" bldLvl="1" animBg="1" rev="0" advAuto="0" spid="281" grpId="4"/>
     </p:bldLst>
   </p:timing>
 </p:sld>
@@ -14064,7 +15611,7 @@
                   <a:latin typeface="+mn-lt"/>
                   <a:ea typeface="+mn-ea"/>
                   <a:cs typeface="+mn-cs"/>
-                  <a:sym typeface="DIN Condensed"/>
+                  <a:sym typeface="DIN Condensed Bold"/>
                 </a:defRPr>
               </a:pPr>
             </a:p>
@@ -14079,7 +15626,7 @@
           <p:spPr>
             <a:xfrm>
               <a:off x="563671" y="512762"/>
-              <a:ext cx="10531259" cy="4257676"/>
+              <a:ext cx="10080142" cy="4257676"/>
             </a:xfrm>
             <a:prstGeom prst="rect">
               <a:avLst/>
@@ -14110,10 +15657,10 @@
                   <a:solidFill>
                     <a:srgbClr val="FFFFFF"/>
                   </a:solidFill>
-                  <a:latin typeface="Meslo LG M for Powerline"/>
-                  <a:ea typeface="Meslo LG M for Powerline"/>
-                  <a:cs typeface="Meslo LG M for Powerline"/>
-                  <a:sym typeface="Meslo LG M for Powerline"/>
+                  <a:latin typeface="Meslo LG M Regular for Powerline"/>
+                  <a:ea typeface="Meslo LG M Regular for Powerline"/>
+                  <a:cs typeface="Meslo LG M Regular for Powerline"/>
+                  <a:sym typeface="Meslo LG M Regular for Powerline"/>
                 </a:defRPr>
               </a:pPr>
               <a:r>
@@ -14176,10 +15723,10 @@
                   <a:solidFill>
                     <a:srgbClr val="FFFFFF"/>
                   </a:solidFill>
-                  <a:latin typeface="Meslo LG M for Powerline"/>
-                  <a:ea typeface="Meslo LG M for Powerline"/>
-                  <a:cs typeface="Meslo LG M for Powerline"/>
-                  <a:sym typeface="Meslo LG M for Powerline"/>
+                  <a:latin typeface="Meslo LG M Regular for Powerline"/>
+                  <a:ea typeface="Meslo LG M Regular for Powerline"/>
+                  <a:cs typeface="Meslo LG M Regular for Powerline"/>
+                  <a:sym typeface="Meslo LG M Regular for Powerline"/>
                 </a:defRPr>
               </a:pPr>
               <a:r>
@@ -14230,10 +15777,10 @@
                   <a:solidFill>
                     <a:srgbClr val="FFFFFF"/>
                   </a:solidFill>
-                  <a:latin typeface="Meslo LG M for Powerline"/>
-                  <a:ea typeface="Meslo LG M for Powerline"/>
-                  <a:cs typeface="Meslo LG M for Powerline"/>
-                  <a:sym typeface="Meslo LG M for Powerline"/>
+                  <a:latin typeface="Meslo LG M Regular for Powerline"/>
+                  <a:ea typeface="Meslo LG M Regular for Powerline"/>
+                  <a:cs typeface="Meslo LG M Regular for Powerline"/>
+                  <a:sym typeface="Meslo LG M Regular for Powerline"/>
                 </a:defRPr>
               </a:pPr>
               <a:r>
@@ -14312,15 +15859,130 @@
                       <a:lumOff val="24313"/>
                     </a:schemeClr>
                   </a:solidFill>
-                  <a:latin typeface="Meslo LG M for Powerline"/>
-                  <a:ea typeface="Meslo LG M for Powerline"/>
-                  <a:cs typeface="Meslo LG M for Powerline"/>
-                  <a:sym typeface="Meslo LG M for Powerline"/>
+                  <a:latin typeface="Meslo LG M Regular for Powerline"/>
+                  <a:ea typeface="Meslo LG M Regular for Powerline"/>
+                  <a:cs typeface="Meslo LG M Regular for Powerline"/>
+                  <a:sym typeface="Meslo LG M Regular for Powerline"/>
                 </a:defRPr>
               </a:pPr>
               <a:r>
                 <a:t>}</a:t>
               </a:r>
+            </a:p>
+          </p:txBody>
+        </p:sp>
+      </p:grpSp>
+      <p:grpSp>
+        <p:nvGrpSpPr>
+          <p:cNvPr id="290" name="Group"/>
+          <p:cNvGrpSpPr/>
+          <p:nvPr/>
+        </p:nvGrpSpPr>
+        <p:grpSpPr>
+          <a:xfrm>
+            <a:off x="1270000" y="4023403"/>
+            <a:ext cx="1814539" cy="1429593"/>
+            <a:chOff x="0" y="413495"/>
+            <a:chExt cx="1814538" cy="1429591"/>
+          </a:xfrm>
+        </p:grpSpPr>
+        <p:sp>
+          <p:nvSpPr>
+            <p:cNvPr id="288" name="idsFlag"/>
+            <p:cNvSpPr/>
+            <p:nvPr/>
+          </p:nvSpPr>
+          <p:spPr>
+            <a:xfrm>
+              <a:off x="544538" y="573087"/>
+              <a:ext cx="1270001" cy="1270001"/>
+            </a:xfrm>
+            <a:prstGeom prst="line">
+              <a:avLst/>
+            </a:prstGeom>
+            <a:noFill/>
+            <a:ln w="12700" cap="flat">
+              <a:noFill/>
+              <a:miter lim="400000"/>
+            </a:ln>
+            <a:effectLst/>
+            <a:extLst>
+              <a:ext uri="{C572A759-6A51-4108-AA02-DFA0A04FC94B}">
+                <ma14:wrappingTextBoxFlag xmlns:ma14="http://schemas.microsoft.com/office/mac/drawingml/2011/main" val="1"/>
+              </a:ext>
+            </a:extLst>
+          </p:spPr>
+          <p:txBody>
+            <a:bodyPr wrap="none" lIns="71437" tIns="71437" rIns="71437" bIns="71437" numCol="1" anchor="ctr">
+              <a:spAutoFit/>
+            </a:bodyPr>
+            <a:lstStyle>
+              <a:lvl1pPr>
+                <a:defRPr b="1" sz="5800">
+                  <a:solidFill>
+                    <a:srgbClr val="FFFFFF"/>
+                  </a:solidFill>
+                  <a:latin typeface="Avenir Next Regular"/>
+                  <a:ea typeface="Avenir Next Regular"/>
+                  <a:cs typeface="Avenir Next Regular"/>
+                  <a:sym typeface="Avenir Next Regular"/>
+                </a:defRPr>
+              </a:lvl1pPr>
+            </a:lstStyle>
+            <a:p>
+              <a:pPr/>
+              <a:r>
+                <a:t>idsFlag</a:t>
+              </a:r>
+            </a:p>
+          </p:txBody>
+        </p:sp>
+        <p:sp>
+          <p:nvSpPr>
+            <p:cNvPr id="289" name="Square"/>
+            <p:cNvSpPr/>
+            <p:nvPr/>
+          </p:nvSpPr>
+          <p:spPr>
+            <a:xfrm>
+              <a:off x="0" y="413495"/>
+              <a:ext cx="319184" cy="319185"/>
+            </a:xfrm>
+            <a:prstGeom prst="rect">
+              <a:avLst/>
+            </a:prstGeom>
+            <a:solidFill>
+              <a:srgbClr val="9C27B0"/>
+            </a:solidFill>
+            <a:ln w="12700" cap="flat">
+              <a:noFill/>
+              <a:miter lim="400000"/>
+            </a:ln>
+            <a:effectLst/>
+          </p:spPr>
+          <p:txBody>
+            <a:bodyPr wrap="square" lIns="71437" tIns="71437" rIns="71437" bIns="71437" numCol="1" anchor="ctr">
+              <a:noAutofit/>
+            </a:bodyPr>
+            <a:lstStyle/>
+            <a:p>
+              <a:pPr algn="ctr">
+                <a:lnSpc>
+                  <a:spcPct val="80000"/>
+                </a:lnSpc>
+                <a:spcBef>
+                  <a:spcPts val="0"/>
+                </a:spcBef>
+                <a:defRPr cap="all" sz="3800">
+                  <a:solidFill>
+                    <a:srgbClr val="FFFFFF"/>
+                  </a:solidFill>
+                  <a:latin typeface="+mn-lt"/>
+                  <a:ea typeface="+mn-ea"/>
+                  <a:cs typeface="+mn-cs"/>
+                  <a:sym typeface="DIN Condensed Bold"/>
+                </a:defRPr>
+              </a:pPr>
             </a:p>
           </p:txBody>
         </p:sp>
@@ -14514,14 +16176,14 @@
     </a:clrScheme>
     <a:fontScheme name="New_Template7">
       <a:majorFont>
-        <a:latin typeface="DIN Condensed"/>
-        <a:ea typeface="DIN Condensed"/>
-        <a:cs typeface="DIN Condensed"/>
+        <a:latin typeface="DIN Condensed Bold"/>
+        <a:ea typeface="DIN Condensed Bold"/>
+        <a:cs typeface="DIN Condensed Bold"/>
       </a:majorFont>
       <a:minorFont>
-        <a:latin typeface="DIN Condensed"/>
-        <a:ea typeface="DIN Condensed"/>
-        <a:cs typeface="DIN Condensed"/>
+        <a:latin typeface="DIN Condensed Bold"/>
+        <a:ea typeface="DIN Condensed Bold"/>
+        <a:cs typeface="DIN Condensed Bold"/>
       </a:minorFont>
     </a:fontScheme>
     <a:fmtScheme name="New_Template7">
@@ -14702,7 +16364,7 @@
             <a:latin typeface="+mn-lt"/>
             <a:ea typeface="+mn-ea"/>
             <a:cs typeface="+mn-cs"/>
-            <a:sym typeface="DIN Condensed"/>
+            <a:sym typeface="DIN Condensed Bold"/>
           </a:defRPr>
         </a:defPPr>
         <a:lvl1pPr marL="0" marR="0" indent="0" algn="l" defTabSz="914400" rtl="0" fontAlgn="auto" latinLnBrk="1" hangingPunct="0">
@@ -15565,14 +17227,14 @@
     </a:clrScheme>
     <a:fontScheme name="New_Template7">
       <a:majorFont>
-        <a:latin typeface="DIN Condensed"/>
-        <a:ea typeface="DIN Condensed"/>
-        <a:cs typeface="DIN Condensed"/>
+        <a:latin typeface="DIN Condensed Bold"/>
+        <a:ea typeface="DIN Condensed Bold"/>
+        <a:cs typeface="DIN Condensed Bold"/>
       </a:majorFont>
       <a:minorFont>
-        <a:latin typeface="DIN Condensed"/>
-        <a:ea typeface="DIN Condensed"/>
-        <a:cs typeface="DIN Condensed"/>
+        <a:latin typeface="DIN Condensed Bold"/>
+        <a:ea typeface="DIN Condensed Bold"/>
+        <a:cs typeface="DIN Condensed Bold"/>
       </a:minorFont>
     </a:fontScheme>
     <a:fmtScheme name="New_Template7">
@@ -15753,7 +17415,7 @@
             <a:latin typeface="+mn-lt"/>
             <a:ea typeface="+mn-ea"/>
             <a:cs typeface="+mn-cs"/>
-            <a:sym typeface="DIN Condensed"/>
+            <a:sym typeface="DIN Condensed Bold"/>
           </a:defRPr>
         </a:defPPr>
         <a:lvl1pPr marL="0" marR="0" indent="0" algn="l" defTabSz="914400" rtl="0" fontAlgn="auto" latinLnBrk="1" hangingPunct="0">

--- a/slides/client/Switch.pptx
+++ b/slides/client/Switch.pptx
@@ -5912,6 +5912,130 @@
           </p:txBody>
         </p:sp>
       </p:grpSp>
+      <p:grpSp>
+        <p:nvGrpSpPr>
+          <p:cNvPr id="305" name="Group"/>
+          <p:cNvGrpSpPr/>
+          <p:nvPr/>
+        </p:nvGrpSpPr>
+        <p:grpSpPr>
+          <a:xfrm>
+            <a:off x="1269999" y="9635418"/>
+            <a:ext cx="1800130" cy="1429592"/>
+            <a:chOff x="0" y="413495"/>
+            <a:chExt cx="1800128" cy="1429591"/>
+          </a:xfrm>
+        </p:grpSpPr>
+        <p:sp>
+          <p:nvSpPr>
+            <p:cNvPr id="303" name="1 file per command"/>
+            <p:cNvSpPr/>
+            <p:nvPr/>
+          </p:nvSpPr>
+          <p:spPr>
+            <a:xfrm>
+              <a:off x="530128" y="573087"/>
+              <a:ext cx="1270001" cy="1270001"/>
+            </a:xfrm>
+            <a:prstGeom prst="line">
+              <a:avLst/>
+            </a:prstGeom>
+            <a:noFill/>
+            <a:ln w="12700" cap="flat">
+              <a:noFill/>
+              <a:miter lim="400000"/>
+            </a:ln>
+            <a:effectLst/>
+            <a:extLst>
+              <a:ext uri="{C572A759-6A51-4108-AA02-DFA0A04FC94B}">
+                <ma14:wrappingTextBoxFlag xmlns:ma14="http://schemas.microsoft.com/office/mac/drawingml/2011/main" val="1"/>
+              </a:ext>
+            </a:extLst>
+          </p:spPr>
+          <p:txBody>
+            <a:bodyPr wrap="none" lIns="71437" tIns="71437" rIns="71437" bIns="71437" numCol="1" anchor="ctr">
+              <a:spAutoFit/>
+            </a:bodyPr>
+            <a:lstStyle/>
+            <a:p>
+              <a:pPr>
+                <a:defRPr sz="5800">
+                  <a:solidFill>
+                    <a:srgbClr val="FFFFFF"/>
+                  </a:solidFill>
+                  <a:latin typeface="Avenir Next Regular"/>
+                  <a:ea typeface="Avenir Next Regular"/>
+                  <a:cs typeface="Avenir Next Regular"/>
+                  <a:sym typeface="Avenir Next Regular"/>
+                </a:defRPr>
+              </a:pPr>
+              <a:r>
+                <a:t>1 </a:t>
+              </a:r>
+              <a:r>
+                <a:rPr b="1"/>
+                <a:t>file</a:t>
+              </a:r>
+              <a:r>
+                <a:t> per </a:t>
+              </a:r>
+              <a:r>
+                <a:rPr b="1"/>
+                <a:t>command</a:t>
+              </a:r>
+            </a:p>
+          </p:txBody>
+        </p:sp>
+        <p:sp>
+          <p:nvSpPr>
+            <p:cNvPr id="304" name="Square"/>
+            <p:cNvSpPr/>
+            <p:nvPr/>
+          </p:nvSpPr>
+          <p:spPr>
+            <a:xfrm>
+              <a:off x="0" y="413495"/>
+              <a:ext cx="319184" cy="319185"/>
+            </a:xfrm>
+            <a:prstGeom prst="rect">
+              <a:avLst/>
+            </a:prstGeom>
+            <a:solidFill>
+              <a:srgbClr val="9C27B0"/>
+            </a:solidFill>
+            <a:ln w="12700" cap="flat">
+              <a:noFill/>
+              <a:miter lim="400000"/>
+            </a:ln>
+            <a:effectLst/>
+          </p:spPr>
+          <p:txBody>
+            <a:bodyPr wrap="square" lIns="71437" tIns="71437" rIns="71437" bIns="71437" numCol="1" anchor="ctr">
+              <a:noAutofit/>
+            </a:bodyPr>
+            <a:lstStyle/>
+            <a:p>
+              <a:pPr algn="ctr">
+                <a:lnSpc>
+                  <a:spcPct val="80000"/>
+                </a:lnSpc>
+                <a:spcBef>
+                  <a:spcPts val="0"/>
+                </a:spcBef>
+                <a:defRPr cap="all" sz="3800">
+                  <a:solidFill>
+                    <a:srgbClr val="FFFFFF"/>
+                  </a:solidFill>
+                  <a:latin typeface="+mn-lt"/>
+                  <a:ea typeface="+mn-ea"/>
+                  <a:cs typeface="+mn-cs"/>
+                  <a:sym typeface="DIN Condensed Bold"/>
+                </a:defRPr>
+              </a:pPr>
+            </a:p>
+          </p:txBody>
+        </p:sp>
+      </p:grpSp>
     </p:spTree>
   </p:cSld>
   <p:clrMapOvr>
@@ -6189,6 +6313,87 @@
                             </p:childTnLst>
                           </p:cTn>
                         </p:par>
+                        <p:par>
+                          <p:cTn id="19" fill="hold">
+                            <p:stCondLst>
+                              <p:cond delay="1800"/>
+                            </p:stCondLst>
+                            <p:childTnLst>
+                              <p:par>
+                                <p:cTn id="20" presetClass="entr" nodeType="afterEffect" presetSubtype="8" presetID="2" grpId="4" fill="hold">
+                                  <p:stCondLst>
+                                    <p:cond delay="0"/>
+                                  </p:stCondLst>
+                                  <p:iterate type="el" backwards="0">
+                                    <p:tmAbs val="0"/>
+                                  </p:iterate>
+                                  <p:childTnLst>
+                                    <p:set>
+                                      <p:cBhvr>
+                                        <p:cTn id="21" fill="hold"/>
+                                        <p:tgtEl>
+                                          <p:spTgt spid="305"/>
+                                        </p:tgtEl>
+                                        <p:attrNameLst>
+                                          <p:attrName>style.visibility</p:attrName>
+                                        </p:attrNameLst>
+                                      </p:cBhvr>
+                                      <p:to>
+                                        <p:strVal val="visible"/>
+                                      </p:to>
+                                    </p:set>
+                                    <p:anim calcmode="lin" valueType="num">
+                                      <p:cBhvr>
+                                        <p:cTn id="22" dur="600" fill="hold"/>
+                                        <p:tgtEl>
+                                          <p:spTgt spid="305"/>
+                                        </p:tgtEl>
+                                        <p:attrNameLst>
+                                          <p:attrName>ppt_x</p:attrName>
+                                        </p:attrNameLst>
+                                      </p:cBhvr>
+                                      <p:tavLst>
+                                        <p:tav tm="0">
+                                          <p:val>
+                                            <p:strVal val="0-#ppt_w/2"/>
+                                          </p:val>
+                                        </p:tav>
+                                        <p:tav tm="100000">
+                                          <p:val>
+                                            <p:strVal val="#ppt_x"/>
+                                          </p:val>
+                                        </p:tav>
+                                      </p:tavLst>
+                                    </p:anim>
+                                    <p:anim calcmode="lin" valueType="num">
+                                      <p:cBhvr>
+                                        <p:cTn id="23" dur="600" fill="hold"/>
+                                        <p:tgtEl>
+                                          <p:spTgt spid="305"/>
+                                        </p:tgtEl>
+                                        <p:attrNameLst>
+                                          <p:attrName>ppt_y</p:attrName>
+                                        </p:attrNameLst>
+                                      </p:cBhvr>
+                                      <p:tavLst>
+                                        <p:tav tm="0">
+                                          <p:val>
+                                            <p:strVal val="#ppt_y"/>
+                                          </p:val>
+                                        </p:tav>
+                                        <p:tav tm="100000">
+                                          <p:val>
+                                            <p:strVal val="#ppt_y"/>
+                                          </p:val>
+                                        </p:tav>
+                                      </p:tavLst>
+                                    </p:anim>
+                                  </p:childTnLst>
+                                </p:cTn>
+                              </p:par>
+                            </p:childTnLst>
+                          </p:cTn>
+                        </p:par>
                       </p:childTnLst>
                     </p:cTn>
                   </p:par>
@@ -6214,9 +6419,10 @@
       </p:par>
     </p:tnLst>
     <p:bldLst>
+      <p:bldP build="whole" bldLvl="1" animBg="1" rev="0" advAuto="0" spid="296" grpId="1"/>
       <p:bldP build="whole" bldLvl="1" animBg="1" rev="0" advAuto="0" spid="299" grpId="2"/>
       <p:bldP build="whole" bldLvl="1" animBg="1" rev="0" advAuto="0" spid="302" grpId="3"/>
-      <p:bldP build="whole" bldLvl="1" animBg="1" rev="0" advAuto="0" spid="296" grpId="1"/>
+      <p:bldP build="whole" bldLvl="1" animBg="1" rev="0" advAuto="0" spid="305" grpId="4"/>
     </p:bldLst>
   </p:timing>
 </p:sld>
@@ -6248,7 +6454,7 @@
       </p:grpSpPr>
       <p:sp>
         <p:nvSpPr>
-          <p:cNvPr id="304" name="Title 6"/>
+          <p:cNvPr id="307" name="Title 6"/>
           <p:cNvSpPr txBox="1"/>
           <p:nvPr>
             <p:ph type="title"/>
@@ -6284,7 +6490,7 @@
       </p:sp>
       <p:pic>
         <p:nvPicPr>
-          <p:cNvPr id="305" name="stopwatch (2).png" descr="stopwatch (2).png"/>
+          <p:cNvPr id="308" name="stopwatch (2).png" descr="stopwatch (2).png"/>
           <p:cNvPicPr>
             <a:picLocks noChangeAspect="1"/>
           </p:cNvPicPr>
@@ -6313,7 +6519,7 @@
       </p:pic>
       <p:grpSp>
         <p:nvGrpSpPr>
-          <p:cNvPr id="308" name="Group"/>
+          <p:cNvPr id="311" name="Group"/>
           <p:cNvGrpSpPr/>
           <p:nvPr/>
         </p:nvGrpSpPr>
@@ -6327,7 +6533,7 @@
         </p:grpSpPr>
         <p:sp>
           <p:nvSpPr>
-            <p:cNvPr id="306" name="map commands to functions in 1 place"/>
+            <p:cNvPr id="309" name="map commands to functions in 1 place"/>
             <p:cNvSpPr txBox="1"/>
             <p:nvPr/>
           </p:nvSpPr>
@@ -6394,7 +6600,7 @@
         </p:sp>
         <p:sp>
           <p:nvSpPr>
-            <p:cNvPr id="307" name="Square"/>
+            <p:cNvPr id="310" name="Square"/>
             <p:cNvSpPr/>
             <p:nvPr/>
           </p:nvSpPr>
@@ -6444,7 +6650,7 @@
       </p:grpSp>
       <p:grpSp>
         <p:nvGrpSpPr>
-          <p:cNvPr id="311" name="Group"/>
+          <p:cNvPr id="314" name="Group"/>
           <p:cNvGrpSpPr/>
           <p:nvPr/>
         </p:nvGrpSpPr>
@@ -6458,7 +6664,7 @@
         </p:grpSpPr>
         <p:sp>
           <p:nvSpPr>
-            <p:cNvPr id="309" name="command switch that loops over the declared commands"/>
+            <p:cNvPr id="312" name="command switch that loops over the declared commands"/>
             <p:cNvSpPr txBox="1"/>
             <p:nvPr/>
           </p:nvSpPr>
@@ -6525,7 +6731,7 @@
         </p:sp>
         <p:sp>
           <p:nvSpPr>
-            <p:cNvPr id="310" name="Square"/>
+            <p:cNvPr id="313" name="Square"/>
             <p:cNvSpPr/>
             <p:nvPr/>
           </p:nvSpPr>
@@ -6575,7 +6781,7 @@
       </p:grpSp>
       <p:grpSp>
         <p:nvGrpSpPr>
-          <p:cNvPr id="314" name="Group"/>
+          <p:cNvPr id="317" name="Group"/>
           <p:cNvGrpSpPr/>
           <p:nvPr/>
         </p:nvGrpSpPr>
@@ -6589,7 +6795,7 @@
         </p:grpSpPr>
         <p:sp>
           <p:nvSpPr>
-            <p:cNvPr id="312" name="create each command as an individual function"/>
+            <p:cNvPr id="315" name="create each command as an individual function"/>
             <p:cNvSpPr txBox="1"/>
             <p:nvPr/>
           </p:nvSpPr>
@@ -6649,7 +6855,7 @@
         </p:sp>
         <p:sp>
           <p:nvSpPr>
-            <p:cNvPr id="313" name="Square"/>
+            <p:cNvPr id="316" name="Square"/>
             <p:cNvSpPr/>
             <p:nvPr/>
           </p:nvSpPr>
@@ -6750,7 +6956,7 @@
                                       <p:cBhvr>
                                         <p:cTn id="6" fill="hold"/>
                                         <p:tgtEl>
-                                          <p:spTgt spid="308"/>
+                                          <p:spTgt spid="311"/>
                                         </p:tgtEl>
                                         <p:attrNameLst>
                                           <p:attrName>style.visibility</p:attrName>
@@ -6764,7 +6970,7 @@
                                       <p:cBhvr>
                                         <p:cTn id="7" dur="600" fill="hold"/>
                                         <p:tgtEl>
-                                          <p:spTgt spid="308"/>
+                                          <p:spTgt spid="311"/>
                                         </p:tgtEl>
                                         <p:attrNameLst>
                                           <p:attrName>ppt_x</p:attrName>
@@ -6787,7 +6993,7 @@
                                       <p:cBhvr>
                                         <p:cTn id="8" dur="600" fill="hold"/>
                                         <p:tgtEl>
-                                          <p:spTgt spid="308"/>
+                                          <p:spTgt spid="311"/>
                                         </p:tgtEl>
                                         <p:attrNameLst>
                                           <p:attrName>ppt_y</p:attrName>
@@ -6831,7 +7037,7 @@
                                       <p:cBhvr>
                                         <p:cTn id="11" fill="hold"/>
                                         <p:tgtEl>
-                                          <p:spTgt spid="311"/>
+                                          <p:spTgt spid="314"/>
                                         </p:tgtEl>
                                         <p:attrNameLst>
                                           <p:attrName>style.visibility</p:attrName>
@@ -6845,7 +7051,7 @@
                                       <p:cBhvr>
                                         <p:cTn id="12" dur="600" fill="hold"/>
                                         <p:tgtEl>
-                                          <p:spTgt spid="311"/>
+                                          <p:spTgt spid="314"/>
                                         </p:tgtEl>
                                         <p:attrNameLst>
                                           <p:attrName>ppt_x</p:attrName>
@@ -6868,7 +7074,7 @@
                                       <p:cBhvr>
                                         <p:cTn id="13" dur="600" fill="hold"/>
                                         <p:tgtEl>
-                                          <p:spTgt spid="311"/>
+                                          <p:spTgt spid="314"/>
                                         </p:tgtEl>
                                         <p:attrNameLst>
                                           <p:attrName>ppt_y</p:attrName>
@@ -6912,7 +7118,7 @@
                                       <p:cBhvr>
                                         <p:cTn id="16" fill="hold"/>
                                         <p:tgtEl>
-                                          <p:spTgt spid="314"/>
+                                          <p:spTgt spid="317"/>
                                         </p:tgtEl>
                                         <p:attrNameLst>
                                           <p:attrName>style.visibility</p:attrName>
@@ -6926,7 +7132,7 @@
                                       <p:cBhvr>
                                         <p:cTn id="17" dur="600" fill="hold"/>
                                         <p:tgtEl>
-                                          <p:spTgt spid="314"/>
+                                          <p:spTgt spid="317"/>
                                         </p:tgtEl>
                                         <p:attrNameLst>
                                           <p:attrName>ppt_x</p:attrName>
@@ -6949,7 +7155,7 @@
                                       <p:cBhvr>
                                         <p:cTn id="18" dur="600" fill="hold"/>
                                         <p:tgtEl>
-                                          <p:spTgt spid="314"/>
+                                          <p:spTgt spid="317"/>
                                         </p:tgtEl>
                                         <p:attrNameLst>
                                           <p:attrName>ppt_y</p:attrName>
@@ -6999,9 +7205,9 @@
       </p:par>
     </p:tnLst>
     <p:bldLst>
-      <p:bldP build="whole" bldLvl="1" animBg="1" rev="0" advAuto="0" spid="314" grpId="3"/>
-      <p:bldP build="whole" bldLvl="1" animBg="1" rev="0" advAuto="0" spid="308" grpId="1"/>
-      <p:bldP build="whole" bldLvl="1" animBg="1" rev="0" advAuto="0" spid="311" grpId="2"/>
+      <p:bldP build="whole" bldLvl="1" animBg="1" rev="0" advAuto="0" spid="317" grpId="3"/>
+      <p:bldP build="whole" bldLvl="1" animBg="1" rev="0" advAuto="0" spid="311" grpId="1"/>
+      <p:bldP build="whole" bldLvl="1" animBg="1" rev="0" advAuto="0" spid="314" grpId="2"/>
     </p:bldLst>
   </p:timing>
 </p:sld>
@@ -7033,7 +7239,7 @@
       </p:grpSpPr>
       <p:sp>
         <p:nvSpPr>
-          <p:cNvPr id="316" name="Title 6"/>
+          <p:cNvPr id="319" name="Title 6"/>
           <p:cNvSpPr txBox="1"/>
           <p:nvPr>
             <p:ph type="title"/>
@@ -7069,7 +7275,7 @@
       </p:sp>
       <p:pic>
         <p:nvPicPr>
-          <p:cNvPr id="317" name="stopwatch (2).png" descr="stopwatch (2).png"/>
+          <p:cNvPr id="320" name="stopwatch (2).png" descr="stopwatch (2).png"/>
           <p:cNvPicPr>
             <a:picLocks noChangeAspect="1"/>
           </p:cNvPicPr>
@@ -7098,7 +7304,7 @@
       </p:pic>
       <p:grpSp>
         <p:nvGrpSpPr>
-          <p:cNvPr id="320" name="Group"/>
+          <p:cNvPr id="323" name="Group"/>
           <p:cNvGrpSpPr/>
           <p:nvPr/>
         </p:nvGrpSpPr>
@@ -7112,7 +7318,7 @@
         </p:grpSpPr>
         <p:sp>
           <p:nvSpPr>
-            <p:cNvPr id="318" name="Rounded Rectangle"/>
+            <p:cNvPr id="321" name="Rounded Rectangle"/>
             <p:cNvSpPr/>
             <p:nvPr/>
           </p:nvSpPr>
@@ -7169,7 +7375,7 @@
         </p:sp>
         <p:sp>
           <p:nvSpPr>
-            <p:cNvPr id="319" name="{…"/>
+            <p:cNvPr id="322" name="{…"/>
             <p:cNvSpPr txBox="1"/>
             <p:nvPr/>
           </p:nvSpPr>
@@ -7819,7 +8025,7 @@
                                       <p:cBhvr>
                                         <p:cTn id="6" fill="hold"/>
                                         <p:tgtEl>
-                                          <p:spTgt spid="320"/>
+                                          <p:spTgt spid="323"/>
                                         </p:tgtEl>
                                         <p:attrNameLst>
                                           <p:attrName>style.visibility</p:attrName>
@@ -7833,7 +8039,7 @@
                                       <p:cBhvr>
                                         <p:cTn id="7" dur="700" fill="hold"/>
                                         <p:tgtEl>
-                                          <p:spTgt spid="320"/>
+                                          <p:spTgt spid="323"/>
                                         </p:tgtEl>
                                         <p:attrNameLst>
                                           <p:attrName>ppt_x</p:attrName>
@@ -7856,7 +8062,7 @@
                                       <p:cBhvr>
                                         <p:cTn id="8" dur="700" fill="hold"/>
                                         <p:tgtEl>
-                                          <p:spTgt spid="320"/>
+                                          <p:spTgt spid="323"/>
                                         </p:tgtEl>
                                         <p:attrNameLst>
                                           <p:attrName>ppt_y</p:attrName>
@@ -7906,7 +8112,7 @@
       </p:par>
     </p:tnLst>
     <p:bldLst>
-      <p:bldP build="whole" bldLvl="1" animBg="1" rev="0" advAuto="0" spid="320" grpId="1"/>
+      <p:bldP build="whole" bldLvl="1" animBg="1" rev="0" advAuto="0" spid="323" grpId="1"/>
     </p:bldLst>
   </p:timing>
 </p:sld>
@@ -9933,19 +10139,19 @@
       </p:par>
     </p:tnLst>
     <p:bldLst>
+      <p:bldP build="whole" bldLvl="1" animBg="1" rev="0" advAuto="0" spid="212" grpId="12"/>
+      <p:bldP build="whole" bldLvl="1" animBg="1" rev="0" advAuto="0" spid="223" grpId="7"/>
+      <p:bldP build="whole" bldLvl="1" animBg="1" rev="0" advAuto="0" spid="193" grpId="1"/>
+      <p:bldP build="whole" bldLvl="1" animBg="1" rev="0" advAuto="0" spid="209" grpId="13"/>
+      <p:bldP build="whole" bldLvl="1" animBg="1" rev="0" advAuto="0" spid="196" grpId="5"/>
+      <p:bldP build="whole" bldLvl="1" animBg="1" rev="0" advAuto="0" spid="219" grpId="8"/>
+      <p:bldP build="whole" bldLvl="1" animBg="1" rev="0" advAuto="0" spid="202" grpId="11"/>
+      <p:bldP build="whole" bldLvl="1" animBg="1" rev="0" advAuto="0" spid="217" grpId="6"/>
+      <p:bldP build="whole" bldLvl="1" animBg="1" rev="0" advAuto="0" spid="199" grpId="3"/>
+      <p:bldP build="whole" bldLvl="1" animBg="1" rev="0" advAuto="0" spid="210" grpId="2"/>
+      <p:bldP build="whole" bldLvl="1" animBg="1" rev="0" advAuto="0" spid="205" grpId="10"/>
       <p:bldP build="whole" bldLvl="1" animBg="1" rev="0" advAuto="0" spid="216" grpId="9"/>
-      <p:bldP build="whole" bldLvl="1" animBg="1" rev="0" advAuto="0" spid="202" grpId="11"/>
       <p:bldP build="whole" bldLvl="1" animBg="1" rev="0" advAuto="0" spid="203" grpId="4"/>
-      <p:bldP build="whole" bldLvl="1" animBg="1" rev="0" advAuto="0" spid="196" grpId="5"/>
-      <p:bldP build="whole" bldLvl="1" animBg="1" rev="0" advAuto="0" spid="210" grpId="2"/>
-      <p:bldP build="whole" bldLvl="1" animBg="1" rev="0" advAuto="0" spid="193" grpId="1"/>
-      <p:bldP build="whole" bldLvl="1" animBg="1" rev="0" advAuto="0" spid="217" grpId="6"/>
-      <p:bldP build="whole" bldLvl="1" animBg="1" rev="0" advAuto="0" spid="205" grpId="10"/>
-      <p:bldP build="whole" bldLvl="1" animBg="1" rev="0" advAuto="0" spid="223" grpId="7"/>
-      <p:bldP build="whole" bldLvl="1" animBg="1" rev="0" advAuto="0" spid="209" grpId="13"/>
-      <p:bldP build="whole" bldLvl="1" animBg="1" rev="0" advAuto="0" spid="212" grpId="12"/>
-      <p:bldP build="whole" bldLvl="1" animBg="1" rev="0" advAuto="0" spid="199" grpId="3"/>
-      <p:bldP build="whole" bldLvl="1" animBg="1" rev="0" advAuto="0" spid="219" grpId="8"/>
     </p:bldLst>
   </p:timing>
 </p:sld>
@@ -11229,16 +11435,16 @@
       </p:par>
     </p:tnLst>
     <p:bldLst>
-      <p:bldP build="whole" bldLvl="1" animBg="1" rev="0" advAuto="0" spid="233" grpId="6"/>
-      <p:bldP build="whole" bldLvl="1" animBg="1" rev="0" advAuto="0" spid="229" grpId="5"/>
-      <p:bldP build="whole" bldLvl="1" animBg="1" rev="0" advAuto="0" spid="236" grpId="10"/>
       <p:bldP build="whole" bldLvl="1" animBg="1" rev="0" advAuto="0" spid="231" grpId="2"/>
       <p:bldP build="whole" bldLvl="1" animBg="1" rev="0" advAuto="0" spid="234" grpId="8"/>
+      <p:bldP build="whole" bldLvl="1" animBg="1" rev="0" advAuto="0" spid="227" grpId="1"/>
+      <p:bldP build="whole" bldLvl="1" animBg="1" rev="0" advAuto="0" spid="232" grpId="4"/>
+      <p:bldP build="whole" bldLvl="1" animBg="1" rev="0" advAuto="0" spid="229" grpId="5"/>
+      <p:bldP build="whole" bldLvl="1" animBg="1" rev="0" advAuto="0" spid="228" grpId="3"/>
+      <p:bldP build="whole" bldLvl="1" animBg="1" rev="0" advAuto="0" spid="235" grpId="9"/>
+      <p:bldP build="whole" bldLvl="1" animBg="1" rev="0" advAuto="0" spid="236" grpId="10"/>
+      <p:bldP build="whole" bldLvl="1" animBg="1" rev="0" advAuto="0" spid="233" grpId="6"/>
       <p:bldP build="whole" bldLvl="1" animBg="1" rev="0" advAuto="0" spid="230" grpId="7"/>
-      <p:bldP build="whole" bldLvl="1" animBg="1" rev="0" advAuto="0" spid="227" grpId="1"/>
-      <p:bldP build="whole" bldLvl="1" animBg="1" rev="0" advAuto="0" spid="235" grpId="9"/>
-      <p:bldP build="whole" bldLvl="1" animBg="1" rev="0" advAuto="0" spid="232" grpId="4"/>
-      <p:bldP build="whole" bldLvl="1" animBg="1" rev="0" advAuto="0" spid="228" grpId="3"/>
     </p:bldLst>
   </p:timing>
 </p:sld>
@@ -12304,14 +12510,14 @@
       </p:par>
     </p:tnLst>
     <p:bldLst>
+      <p:bldP build="whole" bldLvl="1" animBg="1" rev="0" advAuto="0" spid="240" grpId="1"/>
+      <p:bldP build="whole" bldLvl="1" animBg="1" rev="0" advAuto="0" spid="242" grpId="3"/>
+      <p:bldP build="whole" bldLvl="1" animBg="1" rev="0" advAuto="0" spid="241" grpId="2"/>
+      <p:bldP build="whole" bldLvl="1" animBg="1" rev="0" advAuto="0" spid="244" grpId="7"/>
+      <p:bldP build="whole" bldLvl="1" animBg="1" rev="0" advAuto="0" spid="247" grpId="8"/>
       <p:bldP build="whole" bldLvl="1" animBg="1" rev="0" advAuto="0" spid="245" grpId="4"/>
       <p:bldP build="whole" bldLvl="1" animBg="1" rev="0" advAuto="0" spid="243" grpId="5"/>
       <p:bldP build="whole" bldLvl="1" animBg="1" rev="0" advAuto="0" spid="246" grpId="6"/>
-      <p:bldP build="whole" bldLvl="1" animBg="1" rev="0" advAuto="0" spid="244" grpId="7"/>
-      <p:bldP build="whole" bldLvl="1" animBg="1" rev="0" advAuto="0" spid="241" grpId="2"/>
-      <p:bldP build="whole" bldLvl="1" animBg="1" rev="0" advAuto="0" spid="247" grpId="8"/>
-      <p:bldP build="whole" bldLvl="1" animBg="1" rev="0" advAuto="0" spid="240" grpId="1"/>
-      <p:bldP build="whole" bldLvl="1" animBg="1" rev="0" advAuto="0" spid="242" grpId="3"/>
     </p:bldLst>
   </p:timing>
 </p:sld>
@@ -13607,16 +13813,16 @@
       </p:par>
     </p:tnLst>
     <p:bldLst>
-      <p:bldP build="whole" bldLvl="1" animBg="1" rev="0" advAuto="0" spid="259" grpId="10"/>
-      <p:bldP build="whole" bldLvl="1" animBg="1" rev="0" advAuto="0" spid="252" grpId="2"/>
+      <p:bldP build="whole" bldLvl="1" animBg="1" rev="0" advAuto="0" spid="251" grpId="1"/>
+      <p:bldP build="whole" bldLvl="1" animBg="1" rev="0" advAuto="0" spid="257" grpId="6"/>
+      <p:bldP build="whole" bldLvl="1" animBg="1" rev="0" advAuto="0" spid="253" grpId="4"/>
+      <p:bldP build="whole" bldLvl="1" animBg="1" rev="0" advAuto="0" spid="256" grpId="9"/>
+      <p:bldP build="whole" bldLvl="1" animBg="1" rev="0" advAuto="0" spid="254" grpId="5"/>
       <p:bldP build="whole" bldLvl="1" animBg="1" rev="0" advAuto="0" spid="258" grpId="8"/>
       <p:bldP build="whole" bldLvl="1" animBg="1" rev="0" advAuto="0" spid="260" grpId="3"/>
-      <p:bldP build="whole" bldLvl="1" animBg="1" rev="0" advAuto="0" spid="251" grpId="1"/>
-      <p:bldP build="whole" bldLvl="1" animBg="1" rev="0" advAuto="0" spid="254" grpId="5"/>
-      <p:bldP build="whole" bldLvl="1" animBg="1" rev="0" advAuto="0" spid="257" grpId="6"/>
+      <p:bldP build="whole" bldLvl="1" animBg="1" rev="0" advAuto="0" spid="252" grpId="2"/>
       <p:bldP build="whole" bldLvl="1" animBg="1" rev="0" advAuto="0" spid="255" grpId="7"/>
-      <p:bldP build="whole" bldLvl="1" animBg="1" rev="0" advAuto="0" spid="253" grpId="4"/>
-      <p:bldP build="whole" bldLvl="1" animBg="1" rev="0" advAuto="0" spid="256" grpId="9"/>
+      <p:bldP build="whole" bldLvl="1" animBg="1" rev="0" advAuto="0" spid="259" grpId="10"/>
     </p:bldLst>
   </p:timing>
 </p:sld>
@@ -14226,9 +14432,9 @@
       </p:par>
     </p:tnLst>
     <p:bldLst>
+      <p:bldP build="whole" bldLvl="1" animBg="1" rev="0" advAuto="0" spid="266" grpId="4"/>
       <p:bldP build="whole" bldLvl="1" animBg="1" rev="0" advAuto="0" spid="267" grpId="3"/>
       <p:bldP build="whole" bldLvl="1" animBg="1" rev="0" advAuto="0" spid="265" grpId="2"/>
-      <p:bldP build="whole" bldLvl="1" animBg="1" rev="0" advAuto="0" spid="266" grpId="4"/>
       <p:bldP build="whole" bldLvl="1" animBg="1" rev="0" advAuto="0" spid="264" grpId="1"/>
     </p:bldLst>
   </p:timing>
@@ -14839,10 +15045,10 @@
       </p:par>
     </p:tnLst>
     <p:bldLst>
+      <p:bldP build="whole" bldLvl="1" animBg="1" rev="0" advAuto="0" spid="273" grpId="4"/>
+      <p:bldP build="whole" bldLvl="1" animBg="1" rev="0" advAuto="0" spid="272" grpId="2"/>
       <p:bldP build="whole" bldLvl="1" animBg="1" rev="0" advAuto="0" spid="274" grpId="3"/>
-      <p:bldP build="whole" bldLvl="1" animBg="1" rev="0" advAuto="0" spid="272" grpId="2"/>
       <p:bldP build="whole" bldLvl="1" animBg="1" rev="0" advAuto="0" spid="271" grpId="1"/>
-      <p:bldP build="whole" bldLvl="1" animBg="1" rev="0" advAuto="0" spid="273" grpId="4"/>
     </p:bldLst>
   </p:timing>
 </p:sld>
@@ -15448,10 +15654,10 @@
       </p:par>
     </p:tnLst>
     <p:bldLst>
+      <p:bldP build="whole" bldLvl="1" animBg="1" rev="0" advAuto="0" spid="280" grpId="3"/>
       <p:bldP build="whole" bldLvl="1" animBg="1" rev="0" advAuto="0" spid="279" grpId="2"/>
       <p:bldP build="whole" bldLvl="1" animBg="1" rev="0" advAuto="0" spid="281" grpId="4"/>
       <p:bldP build="whole" bldLvl="1" animBg="1" rev="0" advAuto="0" spid="278" grpId="1"/>
-      <p:bldP build="whole" bldLvl="1" animBg="1" rev="0" advAuto="0" spid="280" grpId="3"/>
     </p:bldLst>
   </p:timing>
 </p:sld>
